--- a/Control de aforo.pptx
+++ b/Control de aforo.pptx
@@ -117,6 +117,11 @@
       </a:defRPr>
     </a:lvl9pPr>
   </p:defaultTextStyle>
+  <p:extLst>
+    <p:ext uri="{EFAFB233-063F-42B5-8137-9DF3F51BA10A}">
+      <p15:sldGuideLst xmlns:p15="http://schemas.microsoft.com/office/powerpoint/2012/main"/>
+    </p:ext>
+  </p:extLst>
 </p:presentation>
 </file>
 
@@ -360,7 +365,7 @@
           <a:p>
             <a:fld id="{1E0F3B5A-2FA3-574D-A8EF-29217CB882AD}" type="slidenum">
               <a:rPr lang="es-ES" smtClean="0"/>
-              <a:t>‹Nº›</a:t>
+              <a:t>‹#›</a:t>
             </a:fld>
             <a:endParaRPr lang="es-ES"/>
           </a:p>
@@ -603,7 +608,7 @@
           <a:noFill/>
           <a:extLst>
             <a:ext uri="{909E8E84-426E-40dd-AFC4-6F175D3DCCD1}">
-              <a14:hiddenFill xmlns:a14="http://schemas.microsoft.com/office/drawing/2010/main" xmlns="">
+              <a14:hiddenFill xmlns="" xmlns:a14="http://schemas.microsoft.com/office/drawing/2010/main">
                 <a:solidFill>
                   <a:srgbClr val="FFFFFF"/>
                 </a:solidFill>
@@ -663,7 +668,7 @@
             </a:ln>
             <a:extLst>
               <a:ext uri="{91240B29-F687-4f45-9708-019B960494DF}">
-                <a14:hiddenLine xmlns:a14="http://schemas.microsoft.com/office/drawing/2010/main" xmlns="" w="9525">
+                <a14:hiddenLine xmlns="" xmlns:a14="http://schemas.microsoft.com/office/drawing/2010/main" w="9525">
                   <a:solidFill>
                     <a:srgbClr val="000000"/>
                   </a:solidFill>
@@ -753,7 +758,7 @@
             </a:ln>
             <a:extLst>
               <a:ext uri="{91240B29-F687-4f45-9708-019B960494DF}">
-                <a14:hiddenLine xmlns:a14="http://schemas.microsoft.com/office/drawing/2010/main" xmlns="" w="9525">
+                <a14:hiddenLine xmlns="" xmlns:a14="http://schemas.microsoft.com/office/drawing/2010/main" w="9525">
                   <a:solidFill>
                     <a:srgbClr val="000000"/>
                   </a:solidFill>
@@ -843,7 +848,7 @@
             </a:ln>
             <a:extLst>
               <a:ext uri="{91240B29-F687-4f45-9708-019B960494DF}">
-                <a14:hiddenLine xmlns:a14="http://schemas.microsoft.com/office/drawing/2010/main" xmlns="" w="9525">
+                <a14:hiddenLine xmlns="" xmlns:a14="http://schemas.microsoft.com/office/drawing/2010/main" w="9525">
                   <a:solidFill>
                     <a:srgbClr val="000000"/>
                   </a:solidFill>
@@ -877,7 +882,7 @@
             </a:ln>
             <a:extLst>
               <a:ext uri="{91240B29-F687-4f45-9708-019B960494DF}">
-                <a14:hiddenLine xmlns:a14="http://schemas.microsoft.com/office/drawing/2010/main" xmlns="" w="9525">
+                <a14:hiddenLine xmlns="" xmlns:a14="http://schemas.microsoft.com/office/drawing/2010/main" w="9525">
                   <a:solidFill>
                     <a:srgbClr val="000000"/>
                   </a:solidFill>
@@ -967,7 +972,7 @@
             </a:ln>
             <a:extLst>
               <a:ext uri="{91240B29-F687-4f45-9708-019B960494DF}">
-                <a14:hiddenLine xmlns:a14="http://schemas.microsoft.com/office/drawing/2010/main" xmlns="" w="9525">
+                <a14:hiddenLine xmlns="" xmlns:a14="http://schemas.microsoft.com/office/drawing/2010/main" w="9525">
                   <a:solidFill>
                     <a:srgbClr val="000000"/>
                   </a:solidFill>
@@ -1029,7 +1034,7 @@
             </a:ln>
             <a:extLst>
               <a:ext uri="{91240B29-F687-4f45-9708-019B960494DF}">
-                <a14:hiddenLine xmlns:a14="http://schemas.microsoft.com/office/drawing/2010/main" xmlns="" w="9525">
+                <a14:hiddenLine xmlns="" xmlns:a14="http://schemas.microsoft.com/office/drawing/2010/main" w="9525">
                   <a:solidFill>
                     <a:srgbClr val="000000"/>
                   </a:solidFill>
@@ -1091,7 +1096,7 @@
             </a:ln>
             <a:extLst>
               <a:ext uri="{91240B29-F687-4f45-9708-019B960494DF}">
-                <a14:hiddenLine xmlns:a14="http://schemas.microsoft.com/office/drawing/2010/main" xmlns="" w="9525">
+                <a14:hiddenLine xmlns="" xmlns:a14="http://schemas.microsoft.com/office/drawing/2010/main" w="9525">
                   <a:solidFill>
                     <a:srgbClr val="000000"/>
                   </a:solidFill>
@@ -1181,7 +1186,7 @@
             </a:ln>
             <a:extLst>
               <a:ext uri="{91240B29-F687-4f45-9708-019B960494DF}">
-                <a14:hiddenLine xmlns:a14="http://schemas.microsoft.com/office/drawing/2010/main" xmlns="" w="9525">
+                <a14:hiddenLine xmlns="" xmlns:a14="http://schemas.microsoft.com/office/drawing/2010/main" w="9525">
                   <a:solidFill>
                     <a:srgbClr val="000000"/>
                   </a:solidFill>
@@ -1243,7 +1248,7 @@
             </a:ln>
             <a:extLst>
               <a:ext uri="{91240B29-F687-4f45-9708-019B960494DF}">
-                <a14:hiddenLine xmlns:a14="http://schemas.microsoft.com/office/drawing/2010/main" xmlns="" w="9525">
+                <a14:hiddenLine xmlns="" xmlns:a14="http://schemas.microsoft.com/office/drawing/2010/main" w="9525">
                   <a:solidFill>
                     <a:srgbClr val="000000"/>
                   </a:solidFill>
@@ -1305,7 +1310,7 @@
             </a:ln>
             <a:extLst>
               <a:ext uri="{91240B29-F687-4f45-9708-019B960494DF}">
-                <a14:hiddenLine xmlns:a14="http://schemas.microsoft.com/office/drawing/2010/main" xmlns="" w="9525">
+                <a14:hiddenLine xmlns="" xmlns:a14="http://schemas.microsoft.com/office/drawing/2010/main" w="9525">
                   <a:solidFill>
                     <a:srgbClr val="000000"/>
                   </a:solidFill>
@@ -1395,7 +1400,7 @@
             </a:ln>
             <a:extLst>
               <a:ext uri="{91240B29-F687-4f45-9708-019B960494DF}">
-                <a14:hiddenLine xmlns:a14="http://schemas.microsoft.com/office/drawing/2010/main" xmlns="" w="9525">
+                <a14:hiddenLine xmlns="" xmlns:a14="http://schemas.microsoft.com/office/drawing/2010/main" w="9525">
                   <a:solidFill>
                     <a:srgbClr val="000000"/>
                   </a:solidFill>
@@ -1485,7 +1490,7 @@
             </a:ln>
             <a:extLst>
               <a:ext uri="{91240B29-F687-4f45-9708-019B960494DF}">
-                <a14:hiddenLine xmlns:a14="http://schemas.microsoft.com/office/drawing/2010/main" xmlns="" w="9525">
+                <a14:hiddenLine xmlns="" xmlns:a14="http://schemas.microsoft.com/office/drawing/2010/main" w="9525">
                   <a:solidFill>
                     <a:srgbClr val="000000"/>
                   </a:solidFill>
@@ -1547,7 +1552,7 @@
             </a:ln>
             <a:extLst>
               <a:ext uri="{91240B29-F687-4f45-9708-019B960494DF}">
-                <a14:hiddenLine xmlns:a14="http://schemas.microsoft.com/office/drawing/2010/main" xmlns="" w="9525">
+                <a14:hiddenLine xmlns="" xmlns:a14="http://schemas.microsoft.com/office/drawing/2010/main" w="9525">
                   <a:solidFill>
                     <a:srgbClr val="000000"/>
                   </a:solidFill>
@@ -1657,7 +1662,7 @@
             </a:ln>
             <a:extLst>
               <a:ext uri="{91240B29-F687-4f45-9708-019B960494DF}">
-                <a14:hiddenLine xmlns:a14="http://schemas.microsoft.com/office/drawing/2010/main" xmlns="" w="9525">
+                <a14:hiddenLine xmlns="" xmlns:a14="http://schemas.microsoft.com/office/drawing/2010/main" w="9525">
                   <a:solidFill>
                     <a:srgbClr val="000000"/>
                   </a:solidFill>
@@ -1719,7 +1724,7 @@
             </a:ln>
             <a:extLst>
               <a:ext uri="{91240B29-F687-4f45-9708-019B960494DF}">
-                <a14:hiddenLine xmlns:a14="http://schemas.microsoft.com/office/drawing/2010/main" xmlns="" w="9525">
+                <a14:hiddenLine xmlns="" xmlns:a14="http://schemas.microsoft.com/office/drawing/2010/main" w="9525">
                   <a:solidFill>
                     <a:srgbClr val="000000"/>
                   </a:solidFill>
@@ -1809,7 +1814,7 @@
             </a:ln>
             <a:extLst>
               <a:ext uri="{91240B29-F687-4f45-9708-019B960494DF}">
-                <a14:hiddenLine xmlns:a14="http://schemas.microsoft.com/office/drawing/2010/main" xmlns="" w="9525">
+                <a14:hiddenLine xmlns="" xmlns:a14="http://schemas.microsoft.com/office/drawing/2010/main" w="9525">
                   <a:solidFill>
                     <a:srgbClr val="000000"/>
                   </a:solidFill>
@@ -1899,7 +1904,7 @@
             </a:ln>
             <a:extLst>
               <a:ext uri="{91240B29-F687-4f45-9708-019B960494DF}">
-                <a14:hiddenLine xmlns:a14="http://schemas.microsoft.com/office/drawing/2010/main" xmlns="" w="9525">
+                <a14:hiddenLine xmlns="" xmlns:a14="http://schemas.microsoft.com/office/drawing/2010/main" w="9525">
                   <a:solidFill>
                     <a:srgbClr val="000000"/>
                   </a:solidFill>
@@ -1961,7 +1966,7 @@
             </a:ln>
             <a:extLst>
               <a:ext uri="{91240B29-F687-4f45-9708-019B960494DF}">
-                <a14:hiddenLine xmlns:a14="http://schemas.microsoft.com/office/drawing/2010/main" xmlns="" w="9525">
+                <a14:hiddenLine xmlns="" xmlns:a14="http://schemas.microsoft.com/office/drawing/2010/main" w="9525">
                   <a:solidFill>
                     <a:srgbClr val="000000"/>
                   </a:solidFill>
@@ -2051,7 +2056,7 @@
             </a:ln>
             <a:extLst>
               <a:ext uri="{91240B29-F687-4f45-9708-019B960494DF}">
-                <a14:hiddenLine xmlns:a14="http://schemas.microsoft.com/office/drawing/2010/main" xmlns="" w="9525">
+                <a14:hiddenLine xmlns="" xmlns:a14="http://schemas.microsoft.com/office/drawing/2010/main" w="9525">
                   <a:solidFill>
                     <a:srgbClr val="000000"/>
                   </a:solidFill>
@@ -2141,7 +2146,7 @@
             </a:ln>
             <a:extLst>
               <a:ext uri="{91240B29-F687-4f45-9708-019B960494DF}">
-                <a14:hiddenLine xmlns:a14="http://schemas.microsoft.com/office/drawing/2010/main" xmlns="" w="9525">
+                <a14:hiddenLine xmlns="" xmlns:a14="http://schemas.microsoft.com/office/drawing/2010/main" w="9525">
                   <a:solidFill>
                     <a:srgbClr val="000000"/>
                   </a:solidFill>
@@ -2197,7 +2202,7 @@
             </a:ln>
             <a:extLst>
               <a:ext uri="{91240B29-F687-4f45-9708-019B960494DF}">
-                <a14:hiddenLine xmlns:a14="http://schemas.microsoft.com/office/drawing/2010/main" xmlns="" w="9525">
+                <a14:hiddenLine xmlns="" xmlns:a14="http://schemas.microsoft.com/office/drawing/2010/main" w="9525">
                   <a:solidFill>
                     <a:srgbClr val="000000"/>
                   </a:solidFill>
@@ -2287,7 +2292,7 @@
             </a:ln>
             <a:extLst>
               <a:ext uri="{91240B29-F687-4f45-9708-019B960494DF}">
-                <a14:hiddenLine xmlns:a14="http://schemas.microsoft.com/office/drawing/2010/main" xmlns="" w="9525">
+                <a14:hiddenLine xmlns="" xmlns:a14="http://schemas.microsoft.com/office/drawing/2010/main" w="9525">
                   <a:solidFill>
                     <a:srgbClr val="000000"/>
                   </a:solidFill>
@@ -2343,7 +2348,7 @@
             </a:ln>
             <a:extLst>
               <a:ext uri="{91240B29-F687-4f45-9708-019B960494DF}">
-                <a14:hiddenLine xmlns:a14="http://schemas.microsoft.com/office/drawing/2010/main" xmlns="" w="9525">
+                <a14:hiddenLine xmlns="" xmlns:a14="http://schemas.microsoft.com/office/drawing/2010/main" w="9525">
                   <a:solidFill>
                     <a:srgbClr val="000000"/>
                   </a:solidFill>
@@ -2433,7 +2438,7 @@
             </a:ln>
             <a:extLst>
               <a:ext uri="{91240B29-F687-4f45-9708-019B960494DF}">
-                <a14:hiddenLine xmlns:a14="http://schemas.microsoft.com/office/drawing/2010/main" xmlns="" w="9525">
+                <a14:hiddenLine xmlns="" xmlns:a14="http://schemas.microsoft.com/office/drawing/2010/main" w="9525">
                   <a:solidFill>
                     <a:srgbClr val="000000"/>
                   </a:solidFill>
@@ -2501,7 +2506,7 @@
             </a:ln>
             <a:extLst>
               <a:ext uri="{91240B29-F687-4f45-9708-019B960494DF}">
-                <a14:hiddenLine xmlns:a14="http://schemas.microsoft.com/office/drawing/2010/main" xmlns="" w="9525">
+                <a14:hiddenLine xmlns="" xmlns:a14="http://schemas.microsoft.com/office/drawing/2010/main" w="9525">
                   <a:solidFill>
                     <a:srgbClr val="000000"/>
                   </a:solidFill>
@@ -2591,7 +2596,7 @@
             </a:ln>
             <a:extLst>
               <a:ext uri="{91240B29-F687-4f45-9708-019B960494DF}">
-                <a14:hiddenLine xmlns:a14="http://schemas.microsoft.com/office/drawing/2010/main" xmlns="" w="9525">
+                <a14:hiddenLine xmlns="" xmlns:a14="http://schemas.microsoft.com/office/drawing/2010/main" w="9525">
                   <a:solidFill>
                     <a:srgbClr val="000000"/>
                   </a:solidFill>
@@ -2659,7 +2664,7 @@
             </a:ln>
             <a:extLst>
               <a:ext uri="{91240B29-F687-4f45-9708-019B960494DF}">
-                <a14:hiddenLine xmlns:a14="http://schemas.microsoft.com/office/drawing/2010/main" xmlns="" w="9525">
+                <a14:hiddenLine xmlns="" xmlns:a14="http://schemas.microsoft.com/office/drawing/2010/main" w="9525">
                   <a:solidFill>
                     <a:srgbClr val="000000"/>
                   </a:solidFill>
@@ -2749,7 +2754,7 @@
             </a:ln>
             <a:extLst>
               <a:ext uri="{91240B29-F687-4f45-9708-019B960494DF}">
-                <a14:hiddenLine xmlns:a14="http://schemas.microsoft.com/office/drawing/2010/main" xmlns="" w="9525">
+                <a14:hiddenLine xmlns="" xmlns:a14="http://schemas.microsoft.com/office/drawing/2010/main" w="9525">
                   <a:solidFill>
                     <a:srgbClr val="000000"/>
                   </a:solidFill>
@@ -2783,7 +2788,7 @@
             </a:ln>
             <a:extLst>
               <a:ext uri="{91240B29-F687-4f45-9708-019B960494DF}">
-                <a14:hiddenLine xmlns:a14="http://schemas.microsoft.com/office/drawing/2010/main" xmlns="" w="9525">
+                <a14:hiddenLine xmlns="" xmlns:a14="http://schemas.microsoft.com/office/drawing/2010/main" w="9525">
                   <a:solidFill>
                     <a:srgbClr val="000000"/>
                   </a:solidFill>
@@ -2873,7 +2878,7 @@
             </a:ln>
             <a:extLst>
               <a:ext uri="{91240B29-F687-4f45-9708-019B960494DF}">
-                <a14:hiddenLine xmlns:a14="http://schemas.microsoft.com/office/drawing/2010/main" xmlns="" w="9525">
+                <a14:hiddenLine xmlns="" xmlns:a14="http://schemas.microsoft.com/office/drawing/2010/main" w="9525">
                   <a:solidFill>
                     <a:srgbClr val="000000"/>
                   </a:solidFill>
@@ -2935,7 +2940,7 @@
             </a:ln>
             <a:extLst>
               <a:ext uri="{91240B29-F687-4f45-9708-019B960494DF}">
-                <a14:hiddenLine xmlns:a14="http://schemas.microsoft.com/office/drawing/2010/main" xmlns="" w="9525">
+                <a14:hiddenLine xmlns="" xmlns:a14="http://schemas.microsoft.com/office/drawing/2010/main" w="9525">
                   <a:solidFill>
                     <a:srgbClr val="000000"/>
                   </a:solidFill>
@@ -2997,7 +3002,7 @@
             </a:ln>
             <a:extLst>
               <a:ext uri="{91240B29-F687-4f45-9708-019B960494DF}">
-                <a14:hiddenLine xmlns:a14="http://schemas.microsoft.com/office/drawing/2010/main" xmlns="" w="9525">
+                <a14:hiddenLine xmlns="" xmlns:a14="http://schemas.microsoft.com/office/drawing/2010/main" w="9525">
                   <a:solidFill>
                     <a:srgbClr val="000000"/>
                   </a:solidFill>
@@ -3087,7 +3092,7 @@
             </a:ln>
             <a:extLst>
               <a:ext uri="{91240B29-F687-4f45-9708-019B960494DF}">
-                <a14:hiddenLine xmlns:a14="http://schemas.microsoft.com/office/drawing/2010/main" xmlns="" w="9525">
+                <a14:hiddenLine xmlns="" xmlns:a14="http://schemas.microsoft.com/office/drawing/2010/main" w="9525">
                   <a:solidFill>
                     <a:srgbClr val="000000"/>
                   </a:solidFill>
@@ -3155,7 +3160,7 @@
             </a:ln>
             <a:extLst>
               <a:ext uri="{91240B29-F687-4f45-9708-019B960494DF}">
-                <a14:hiddenLine xmlns:a14="http://schemas.microsoft.com/office/drawing/2010/main" xmlns="" w="9525">
+                <a14:hiddenLine xmlns="" xmlns:a14="http://schemas.microsoft.com/office/drawing/2010/main" w="9525">
                   <a:solidFill>
                     <a:srgbClr val="000000"/>
                   </a:solidFill>
@@ -3217,7 +3222,7 @@
             </a:ln>
             <a:extLst>
               <a:ext uri="{91240B29-F687-4f45-9708-019B960494DF}">
-                <a14:hiddenLine xmlns:a14="http://schemas.microsoft.com/office/drawing/2010/main" xmlns="" w="9525">
+                <a14:hiddenLine xmlns="" xmlns:a14="http://schemas.microsoft.com/office/drawing/2010/main" w="9525">
                   <a:solidFill>
                     <a:srgbClr val="000000"/>
                   </a:solidFill>
@@ -3307,7 +3312,7 @@
             </a:ln>
             <a:extLst>
               <a:ext uri="{91240B29-F687-4f45-9708-019B960494DF}">
-                <a14:hiddenLine xmlns:a14="http://schemas.microsoft.com/office/drawing/2010/main" xmlns="" w="9525">
+                <a14:hiddenLine xmlns="" xmlns:a14="http://schemas.microsoft.com/office/drawing/2010/main" w="9525">
                   <a:solidFill>
                     <a:srgbClr val="000000"/>
                   </a:solidFill>
@@ -3369,7 +3374,7 @@
             </a:ln>
             <a:extLst>
               <a:ext uri="{91240B29-F687-4f45-9708-019B960494DF}">
-                <a14:hiddenLine xmlns:a14="http://schemas.microsoft.com/office/drawing/2010/main" xmlns="" w="9525">
+                <a14:hiddenLine xmlns="" xmlns:a14="http://schemas.microsoft.com/office/drawing/2010/main" w="9525">
                   <a:solidFill>
                     <a:srgbClr val="000000"/>
                   </a:solidFill>
@@ -3459,7 +3464,7 @@
             </a:ln>
             <a:extLst>
               <a:ext uri="{91240B29-F687-4f45-9708-019B960494DF}">
-                <a14:hiddenLine xmlns:a14="http://schemas.microsoft.com/office/drawing/2010/main" xmlns="" w="9525">
+                <a14:hiddenLine xmlns="" xmlns:a14="http://schemas.microsoft.com/office/drawing/2010/main" w="9525">
                   <a:solidFill>
                     <a:srgbClr val="000000"/>
                   </a:solidFill>
@@ -3521,7 +3526,7 @@
             </a:ln>
             <a:extLst>
               <a:ext uri="{91240B29-F687-4f45-9708-019B960494DF}">
-                <a14:hiddenLine xmlns:a14="http://schemas.microsoft.com/office/drawing/2010/main" xmlns="" w="9525">
+                <a14:hiddenLine xmlns="" xmlns:a14="http://schemas.microsoft.com/office/drawing/2010/main" w="9525">
                   <a:solidFill>
                     <a:srgbClr val="000000"/>
                   </a:solidFill>
@@ -3611,7 +3616,7 @@
             </a:ln>
             <a:extLst>
               <a:ext uri="{91240B29-F687-4f45-9708-019B960494DF}">
-                <a14:hiddenLine xmlns:a14="http://schemas.microsoft.com/office/drawing/2010/main" xmlns="" w="9525">
+                <a14:hiddenLine xmlns="" xmlns:a14="http://schemas.microsoft.com/office/drawing/2010/main" w="9525">
                   <a:solidFill>
                     <a:srgbClr val="000000"/>
                   </a:solidFill>
@@ -3645,7 +3650,7 @@
             </a:ln>
             <a:extLst>
               <a:ext uri="{91240B29-F687-4f45-9708-019B960494DF}">
-                <a14:hiddenLine xmlns:a14="http://schemas.microsoft.com/office/drawing/2010/main" xmlns="" w="9525">
+                <a14:hiddenLine xmlns="" xmlns:a14="http://schemas.microsoft.com/office/drawing/2010/main" w="9525">
                   <a:solidFill>
                     <a:srgbClr val="000000"/>
                   </a:solidFill>
@@ -3710,7 +3715,7 @@
             </a:ln>
             <a:extLst>
               <a:ext uri="{91240B29-F687-4f45-9708-019B960494DF}">
-                <a14:hiddenLine xmlns:a14="http://schemas.microsoft.com/office/drawing/2010/main" xmlns="" w="9525">
+                <a14:hiddenLine xmlns="" xmlns:a14="http://schemas.microsoft.com/office/drawing/2010/main" w="9525">
                   <a:solidFill>
                     <a:srgbClr val="000000"/>
                   </a:solidFill>
@@ -3800,7 +3805,7 @@
             </a:ln>
             <a:extLst>
               <a:ext uri="{91240B29-F687-4f45-9708-019B960494DF}">
-                <a14:hiddenLine xmlns:a14="http://schemas.microsoft.com/office/drawing/2010/main" xmlns="" w="9525">
+                <a14:hiddenLine xmlns="" xmlns:a14="http://schemas.microsoft.com/office/drawing/2010/main" w="9525">
                   <a:solidFill>
                     <a:srgbClr val="000000"/>
                   </a:solidFill>
@@ -3862,7 +3867,7 @@
             </a:ln>
             <a:extLst>
               <a:ext uri="{91240B29-F687-4f45-9708-019B960494DF}">
-                <a14:hiddenLine xmlns:a14="http://schemas.microsoft.com/office/drawing/2010/main" xmlns="" w="9525">
+                <a14:hiddenLine xmlns="" xmlns:a14="http://schemas.microsoft.com/office/drawing/2010/main" w="9525">
                   <a:solidFill>
                     <a:srgbClr val="000000"/>
                   </a:solidFill>
@@ -3952,7 +3957,7 @@
             </a:ln>
             <a:extLst>
               <a:ext uri="{91240B29-F687-4f45-9708-019B960494DF}">
-                <a14:hiddenLine xmlns:a14="http://schemas.microsoft.com/office/drawing/2010/main" xmlns="" w="9525">
+                <a14:hiddenLine xmlns="" xmlns:a14="http://schemas.microsoft.com/office/drawing/2010/main" w="9525">
                   <a:solidFill>
                     <a:srgbClr val="000000"/>
                   </a:solidFill>
@@ -4042,7 +4047,7 @@
             </a:ln>
             <a:extLst>
               <a:ext uri="{91240B29-F687-4f45-9708-019B960494DF}">
-                <a14:hiddenLine xmlns:a14="http://schemas.microsoft.com/office/drawing/2010/main" xmlns="" w="9525">
+                <a14:hiddenLine xmlns="" xmlns:a14="http://schemas.microsoft.com/office/drawing/2010/main" w="9525">
                   <a:solidFill>
                     <a:srgbClr val="000000"/>
                   </a:solidFill>
@@ -4107,7 +4112,7 @@
             </a:ln>
             <a:extLst>
               <a:ext uri="{91240B29-F687-4f45-9708-019B960494DF}">
-                <a14:hiddenLine xmlns:a14="http://schemas.microsoft.com/office/drawing/2010/main" xmlns="" w="9525">
+                <a14:hiddenLine xmlns="" xmlns:a14="http://schemas.microsoft.com/office/drawing/2010/main" w="9525">
                   <a:solidFill>
                     <a:srgbClr val="000000"/>
                   </a:solidFill>
@@ -4169,7 +4174,7 @@
             </a:ln>
             <a:extLst>
               <a:ext uri="{91240B29-F687-4f45-9708-019B960494DF}">
-                <a14:hiddenLine xmlns:a14="http://schemas.microsoft.com/office/drawing/2010/main" xmlns="" w="9525">
+                <a14:hiddenLine xmlns="" xmlns:a14="http://schemas.microsoft.com/office/drawing/2010/main" w="9525">
                   <a:solidFill>
                     <a:srgbClr val="000000"/>
                   </a:solidFill>
@@ -4259,7 +4264,7 @@
             </a:ln>
             <a:extLst>
               <a:ext uri="{91240B29-F687-4f45-9708-019B960494DF}">
-                <a14:hiddenLine xmlns:a14="http://schemas.microsoft.com/office/drawing/2010/main" xmlns="" w="9525">
+                <a14:hiddenLine xmlns="" xmlns:a14="http://schemas.microsoft.com/office/drawing/2010/main" w="9525">
                   <a:solidFill>
                     <a:srgbClr val="000000"/>
                   </a:solidFill>
@@ -4349,7 +4354,7 @@
             </a:ln>
             <a:extLst>
               <a:ext uri="{91240B29-F687-4f45-9708-019B960494DF}">
-                <a14:hiddenLine xmlns:a14="http://schemas.microsoft.com/office/drawing/2010/main" xmlns="" w="9525">
+                <a14:hiddenLine xmlns="" xmlns:a14="http://schemas.microsoft.com/office/drawing/2010/main" w="9525">
                   <a:solidFill>
                     <a:srgbClr val="000000"/>
                   </a:solidFill>
@@ -4411,7 +4416,7 @@
             </a:ln>
             <a:extLst>
               <a:ext uri="{91240B29-F687-4f45-9708-019B960494DF}">
-                <a14:hiddenLine xmlns:a14="http://schemas.microsoft.com/office/drawing/2010/main" xmlns="" w="9525">
+                <a14:hiddenLine xmlns="" xmlns:a14="http://schemas.microsoft.com/office/drawing/2010/main" w="9525">
                   <a:solidFill>
                     <a:srgbClr val="000000"/>
                   </a:solidFill>
@@ -4531,7 +4536,7 @@
             </a:ln>
             <a:extLst>
               <a:ext uri="{91240B29-F687-4f45-9708-019B960494DF}">
-                <a14:hiddenLine xmlns:a14="http://schemas.microsoft.com/office/drawing/2010/main" xmlns="" w="9525">
+                <a14:hiddenLine xmlns="" xmlns:a14="http://schemas.microsoft.com/office/drawing/2010/main" w="9525">
                   <a:solidFill>
                     <a:srgbClr val="000000"/>
                   </a:solidFill>
@@ -4599,7 +4604,7 @@
             </a:ln>
             <a:extLst>
               <a:ext uri="{91240B29-F687-4f45-9708-019B960494DF}">
-                <a14:hiddenLine xmlns:a14="http://schemas.microsoft.com/office/drawing/2010/main" xmlns="" w="9525">
+                <a14:hiddenLine xmlns="" xmlns:a14="http://schemas.microsoft.com/office/drawing/2010/main" w="9525">
                   <a:solidFill>
                     <a:srgbClr val="000000"/>
                   </a:solidFill>
@@ -4689,7 +4694,7 @@
             </a:ln>
             <a:extLst>
               <a:ext uri="{91240B29-F687-4f45-9708-019B960494DF}">
-                <a14:hiddenLine xmlns:a14="http://schemas.microsoft.com/office/drawing/2010/main" xmlns="" w="9525">
+                <a14:hiddenLine xmlns="" xmlns:a14="http://schemas.microsoft.com/office/drawing/2010/main" w="9525">
                   <a:solidFill>
                     <a:srgbClr val="000000"/>
                   </a:solidFill>
@@ -4881,7 +4886,7 @@
           <a:p>
             <a:fld id="{6D22F896-40B5-4ADD-8801-0D06FADFA095}" type="slidenum">
               <a:rPr lang="en-US" dirty="0"/>
-              <a:t>‹Nº›</a:t>
+              <a:t>‹#›</a:t>
             </a:fld>
             <a:endParaRPr lang="en-US" dirty="0"/>
           </a:p>
@@ -5133,7 +5138,7 @@
           <a:p>
             <a:fld id="{6D22F896-40B5-4ADD-8801-0D06FADFA095}" type="slidenum">
               <a:rPr lang="en-US" dirty="0"/>
-              <a:t>‹Nº›</a:t>
+              <a:t>‹#›</a:t>
             </a:fld>
             <a:endParaRPr lang="en-US" dirty="0"/>
           </a:p>
@@ -5324,7 +5329,7 @@
           <a:p>
             <a:fld id="{6D22F896-40B5-4ADD-8801-0D06FADFA095}" type="slidenum">
               <a:rPr lang="en-US" dirty="0"/>
-              <a:t>‹Nº›</a:t>
+              <a:t>‹#›</a:t>
             </a:fld>
             <a:endParaRPr lang="en-US" dirty="0"/>
           </a:p>
@@ -5582,7 +5587,7 @@
           <a:p>
             <a:fld id="{6D22F896-40B5-4ADD-8801-0D06FADFA095}" type="slidenum">
               <a:rPr lang="en-US" dirty="0"/>
-              <a:t>‹Nº›</a:t>
+              <a:t>‹#›</a:t>
             </a:fld>
             <a:endParaRPr lang="en-US" dirty="0"/>
           </a:p>
@@ -6011,7 +6016,7 @@
           <a:p>
             <a:fld id="{6D22F896-40B5-4ADD-8801-0D06FADFA095}" type="slidenum">
               <a:rPr lang="en-US" dirty="0"/>
-              <a:t>‹Nº›</a:t>
+              <a:t>‹#›</a:t>
             </a:fld>
             <a:endParaRPr lang="en-US" dirty="0"/>
           </a:p>
@@ -6552,7 +6557,7 @@
           <a:p>
             <a:fld id="{6D22F896-40B5-4ADD-8801-0D06FADFA095}" type="slidenum">
               <a:rPr lang="en-US" dirty="0"/>
-              <a:t>‹Nº›</a:t>
+              <a:t>‹#›</a:t>
             </a:fld>
             <a:endParaRPr lang="en-US" dirty="0"/>
           </a:p>
@@ -7267,7 +7272,7 @@
           <a:p>
             <a:fld id="{6D22F896-40B5-4ADD-8801-0D06FADFA095}" type="slidenum">
               <a:rPr lang="en-US" dirty="0"/>
-              <a:t>‹Nº›</a:t>
+              <a:t>‹#›</a:t>
             </a:fld>
             <a:endParaRPr lang="en-US" dirty="0"/>
           </a:p>
@@ -7432,7 +7437,7 @@
           <a:p>
             <a:fld id="{6D22F896-40B5-4ADD-8801-0D06FADFA095}" type="slidenum">
               <a:rPr lang="en-US" dirty="0"/>
-              <a:t>‹Nº›</a:t>
+              <a:t>‹#›</a:t>
             </a:fld>
             <a:endParaRPr lang="en-US" dirty="0"/>
           </a:p>
@@ -7607,7 +7612,7 @@
           <a:p>
             <a:fld id="{6D22F896-40B5-4ADD-8801-0D06FADFA095}" type="slidenum">
               <a:rPr lang="en-US" dirty="0"/>
-              <a:t>‹Nº›</a:t>
+              <a:t>‹#›</a:t>
             </a:fld>
             <a:endParaRPr lang="en-US" dirty="0"/>
           </a:p>
@@ -7772,7 +7777,7 @@
           <a:p>
             <a:fld id="{6D22F896-40B5-4ADD-8801-0D06FADFA095}" type="slidenum">
               <a:rPr lang="en-US" dirty="0"/>
-              <a:t>‹Nº›</a:t>
+              <a:t>‹#›</a:t>
             </a:fld>
             <a:endParaRPr lang="en-US" dirty="0"/>
           </a:p>
@@ -8017,7 +8022,7 @@
           <a:p>
             <a:fld id="{6D22F896-40B5-4ADD-8801-0D06FADFA095}" type="slidenum">
               <a:rPr lang="en-US" dirty="0"/>
-              <a:t>‹Nº›</a:t>
+              <a:t>‹#›</a:t>
             </a:fld>
             <a:endParaRPr lang="en-US" dirty="0"/>
           </a:p>
@@ -8244,7 +8249,7 @@
           <a:p>
             <a:fld id="{6D22F896-40B5-4ADD-8801-0D06FADFA095}" type="slidenum">
               <a:rPr lang="en-US" dirty="0"/>
-              <a:t>‹Nº›</a:t>
+              <a:t>‹#›</a:t>
             </a:fld>
             <a:endParaRPr lang="en-US" dirty="0"/>
           </a:p>
@@ -8620,7 +8625,7 @@
           <a:p>
             <a:fld id="{6D22F896-40B5-4ADD-8801-0D06FADFA095}" type="slidenum">
               <a:rPr lang="en-US" dirty="0"/>
-              <a:t>‹Nº›</a:t>
+              <a:t>‹#›</a:t>
             </a:fld>
             <a:endParaRPr lang="en-US" dirty="0"/>
           </a:p>
@@ -8733,7 +8738,7 @@
           <a:p>
             <a:fld id="{6D22F896-40B5-4ADD-8801-0D06FADFA095}" type="slidenum">
               <a:rPr lang="en-US" dirty="0"/>
-              <a:t>‹Nº›</a:t>
+              <a:t>‹#›</a:t>
             </a:fld>
             <a:endParaRPr lang="en-US" dirty="0"/>
           </a:p>
@@ -8823,7 +8828,7 @@
           <a:p>
             <a:fld id="{6D22F896-40B5-4ADD-8801-0D06FADFA095}" type="slidenum">
               <a:rPr lang="en-US" dirty="0"/>
-              <a:t>‹Nº›</a:t>
+              <a:t>‹#›</a:t>
             </a:fld>
             <a:endParaRPr lang="en-US" dirty="0"/>
           </a:p>
@@ -9067,7 +9072,7 @@
           <a:p>
             <a:fld id="{6D22F896-40B5-4ADD-8801-0D06FADFA095}" type="slidenum">
               <a:rPr lang="en-US" dirty="0"/>
-              <a:t>‹Nº›</a:t>
+              <a:t>‹#›</a:t>
             </a:fld>
             <a:endParaRPr lang="en-US" dirty="0"/>
           </a:p>
@@ -9342,7 +9347,7 @@
           <a:p>
             <a:fld id="{6D22F896-40B5-4ADD-8801-0D06FADFA095}" type="slidenum">
               <a:rPr lang="en-US" dirty="0"/>
-              <a:t>‹Nº›</a:t>
+              <a:t>‹#›</a:t>
             </a:fld>
             <a:endParaRPr lang="en-US" dirty="0"/>
           </a:p>
@@ -9411,7 +9416,7 @@
           <a:noFill/>
           <a:extLst>
             <a:ext uri="{909E8E84-426E-40dd-AFC4-6F175D3DCCD1}">
-              <a14:hiddenFill xmlns:a14="http://schemas.microsoft.com/office/drawing/2010/main" xmlns="">
+              <a14:hiddenFill xmlns="" xmlns:a14="http://schemas.microsoft.com/office/drawing/2010/main">
                 <a:solidFill>
                   <a:srgbClr val="FFFFFF"/>
                 </a:solidFill>
@@ -9485,7 +9490,7 @@
               </a:ln>
               <a:extLst>
                 <a:ext uri="{91240B29-F687-4f45-9708-019B960494DF}">
-                  <a14:hiddenLine xmlns:a14="http://schemas.microsoft.com/office/drawing/2010/main" xmlns="" w="9525">
+                  <a14:hiddenLine xmlns="" xmlns:a14="http://schemas.microsoft.com/office/drawing/2010/main" w="9525">
                     <a:solidFill>
                       <a:srgbClr val="000000"/>
                     </a:solidFill>
@@ -9575,7 +9580,7 @@
               </a:ln>
               <a:extLst>
                 <a:ext uri="{91240B29-F687-4f45-9708-019B960494DF}">
-                  <a14:hiddenLine xmlns:a14="http://schemas.microsoft.com/office/drawing/2010/main" xmlns="" w="9525">
+                  <a14:hiddenLine xmlns="" xmlns:a14="http://schemas.microsoft.com/office/drawing/2010/main" w="9525">
                     <a:solidFill>
                       <a:srgbClr val="000000"/>
                     </a:solidFill>
@@ -9665,7 +9670,7 @@
               </a:ln>
               <a:extLst>
                 <a:ext uri="{91240B29-F687-4f45-9708-019B960494DF}">
-                  <a14:hiddenLine xmlns:a14="http://schemas.microsoft.com/office/drawing/2010/main" xmlns="" w="9525">
+                  <a14:hiddenLine xmlns="" xmlns:a14="http://schemas.microsoft.com/office/drawing/2010/main" w="9525">
                     <a:solidFill>
                       <a:srgbClr val="000000"/>
                     </a:solidFill>
@@ -9727,7 +9732,7 @@
               </a:ln>
               <a:extLst>
                 <a:ext uri="{91240B29-F687-4f45-9708-019B960494DF}">
-                  <a14:hiddenLine xmlns:a14="http://schemas.microsoft.com/office/drawing/2010/main" xmlns="" w="9525">
+                  <a14:hiddenLine xmlns="" xmlns:a14="http://schemas.microsoft.com/office/drawing/2010/main" w="9525">
                     <a:solidFill>
                       <a:srgbClr val="000000"/>
                     </a:solidFill>
@@ -9817,7 +9822,7 @@
               </a:ln>
               <a:extLst>
                 <a:ext uri="{91240B29-F687-4f45-9708-019B960494DF}">
-                  <a14:hiddenLine xmlns:a14="http://schemas.microsoft.com/office/drawing/2010/main" xmlns="" w="9525">
+                  <a14:hiddenLine xmlns="" xmlns:a14="http://schemas.microsoft.com/office/drawing/2010/main" w="9525">
                     <a:solidFill>
                       <a:srgbClr val="000000"/>
                     </a:solidFill>
@@ -9879,7 +9884,7 @@
               </a:ln>
               <a:extLst>
                 <a:ext uri="{91240B29-F687-4f45-9708-019B960494DF}">
-                  <a14:hiddenLine xmlns:a14="http://schemas.microsoft.com/office/drawing/2010/main" xmlns="" w="9525">
+                  <a14:hiddenLine xmlns="" xmlns:a14="http://schemas.microsoft.com/office/drawing/2010/main" w="9525">
                     <a:solidFill>
                       <a:srgbClr val="000000"/>
                     </a:solidFill>
@@ -9941,7 +9946,7 @@
               </a:ln>
               <a:extLst>
                 <a:ext uri="{91240B29-F687-4f45-9708-019B960494DF}">
-                  <a14:hiddenLine xmlns:a14="http://schemas.microsoft.com/office/drawing/2010/main" xmlns="" w="9525">
+                  <a14:hiddenLine xmlns="" xmlns:a14="http://schemas.microsoft.com/office/drawing/2010/main" w="9525">
                     <a:solidFill>
                       <a:srgbClr val="000000"/>
                     </a:solidFill>
@@ -10031,7 +10036,7 @@
               </a:ln>
               <a:extLst>
                 <a:ext uri="{91240B29-F687-4f45-9708-019B960494DF}">
-                  <a14:hiddenLine xmlns:a14="http://schemas.microsoft.com/office/drawing/2010/main" xmlns="" w="9525">
+                  <a14:hiddenLine xmlns="" xmlns:a14="http://schemas.microsoft.com/office/drawing/2010/main" w="9525">
                     <a:solidFill>
                       <a:srgbClr val="000000"/>
                     </a:solidFill>
@@ -10121,7 +10126,7 @@
               </a:ln>
               <a:extLst>
                 <a:ext uri="{91240B29-F687-4f45-9708-019B960494DF}">
-                  <a14:hiddenLine xmlns:a14="http://schemas.microsoft.com/office/drawing/2010/main" xmlns="" w="9525">
+                  <a14:hiddenLine xmlns="" xmlns:a14="http://schemas.microsoft.com/office/drawing/2010/main" w="9525">
                     <a:solidFill>
                       <a:srgbClr val="000000"/>
                     </a:solidFill>
@@ -10183,7 +10188,7 @@
               </a:ln>
               <a:extLst>
                 <a:ext uri="{91240B29-F687-4f45-9708-019B960494DF}">
-                  <a14:hiddenLine xmlns:a14="http://schemas.microsoft.com/office/drawing/2010/main" xmlns="" w="9525">
+                  <a14:hiddenLine xmlns="" xmlns:a14="http://schemas.microsoft.com/office/drawing/2010/main" w="9525">
                     <a:solidFill>
                       <a:srgbClr val="000000"/>
                     </a:solidFill>
@@ -10293,7 +10298,7 @@
               </a:ln>
               <a:extLst>
                 <a:ext uri="{91240B29-F687-4f45-9708-019B960494DF}">
-                  <a14:hiddenLine xmlns:a14="http://schemas.microsoft.com/office/drawing/2010/main" xmlns="" w="9525">
+                  <a14:hiddenLine xmlns="" xmlns:a14="http://schemas.microsoft.com/office/drawing/2010/main" w="9525">
                     <a:solidFill>
                       <a:srgbClr val="000000"/>
                     </a:solidFill>
@@ -10377,7 +10382,7 @@
               </a:ln>
               <a:extLst>
                 <a:ext uri="{91240B29-F687-4f45-9708-019B960494DF}">
-                  <a14:hiddenLine xmlns:a14="http://schemas.microsoft.com/office/drawing/2010/main" xmlns="" w="9525">
+                  <a14:hiddenLine xmlns="" xmlns:a14="http://schemas.microsoft.com/office/drawing/2010/main" w="9525">
                     <a:solidFill>
                       <a:srgbClr val="000000"/>
                     </a:solidFill>
@@ -10439,7 +10444,7 @@
               </a:ln>
               <a:extLst>
                 <a:ext uri="{91240B29-F687-4f45-9708-019B960494DF}">
-                  <a14:hiddenLine xmlns:a14="http://schemas.microsoft.com/office/drawing/2010/main" xmlns="" w="9525">
+                  <a14:hiddenLine xmlns="" xmlns:a14="http://schemas.microsoft.com/office/drawing/2010/main" w="9525">
                     <a:solidFill>
                       <a:srgbClr val="000000"/>
                     </a:solidFill>
@@ -10501,7 +10506,7 @@
               </a:ln>
               <a:extLst>
                 <a:ext uri="{91240B29-F687-4f45-9708-019B960494DF}">
-                  <a14:hiddenLine xmlns:a14="http://schemas.microsoft.com/office/drawing/2010/main" xmlns="" w="9525">
+                  <a14:hiddenLine xmlns="" xmlns:a14="http://schemas.microsoft.com/office/drawing/2010/main" w="9525">
                     <a:solidFill>
                       <a:srgbClr val="000000"/>
                     </a:solidFill>
@@ -10591,7 +10596,7 @@
               </a:ln>
               <a:extLst>
                 <a:ext uri="{91240B29-F687-4f45-9708-019B960494DF}">
-                  <a14:hiddenLine xmlns:a14="http://schemas.microsoft.com/office/drawing/2010/main" xmlns="" w="9525">
+                  <a14:hiddenLine xmlns="" xmlns:a14="http://schemas.microsoft.com/office/drawing/2010/main" w="9525">
                     <a:solidFill>
                       <a:srgbClr val="000000"/>
                     </a:solidFill>
@@ -10625,7 +10630,7 @@
               </a:ln>
               <a:extLst>
                 <a:ext uri="{91240B29-F687-4f45-9708-019B960494DF}">
-                  <a14:hiddenLine xmlns:a14="http://schemas.microsoft.com/office/drawing/2010/main" xmlns="" w="9525">
+                  <a14:hiddenLine xmlns="" xmlns:a14="http://schemas.microsoft.com/office/drawing/2010/main" w="9525">
                     <a:solidFill>
                       <a:srgbClr val="000000"/>
                     </a:solidFill>
@@ -10690,7 +10695,7 @@
               </a:ln>
               <a:extLst>
                 <a:ext uri="{91240B29-F687-4f45-9708-019B960494DF}">
-                  <a14:hiddenLine xmlns:a14="http://schemas.microsoft.com/office/drawing/2010/main" xmlns="" w="9525">
+                  <a14:hiddenLine xmlns="" xmlns:a14="http://schemas.microsoft.com/office/drawing/2010/main" w="9525">
                     <a:solidFill>
                       <a:srgbClr val="000000"/>
                     </a:solidFill>
@@ -10780,7 +10785,7 @@
               </a:ln>
               <a:extLst>
                 <a:ext uri="{91240B29-F687-4f45-9708-019B960494DF}">
-                  <a14:hiddenLine xmlns:a14="http://schemas.microsoft.com/office/drawing/2010/main" xmlns="" w="9525">
+                  <a14:hiddenLine xmlns="" xmlns:a14="http://schemas.microsoft.com/office/drawing/2010/main" w="9525">
                     <a:solidFill>
                       <a:srgbClr val="000000"/>
                     </a:solidFill>
@@ -10842,7 +10847,7 @@
               </a:ln>
               <a:extLst>
                 <a:ext uri="{91240B29-F687-4f45-9708-019B960494DF}">
-                  <a14:hiddenLine xmlns:a14="http://schemas.microsoft.com/office/drawing/2010/main" xmlns="" w="9525">
+                  <a14:hiddenLine xmlns="" xmlns:a14="http://schemas.microsoft.com/office/drawing/2010/main" w="9525">
                     <a:solidFill>
                       <a:srgbClr val="000000"/>
                     </a:solidFill>
@@ -10932,7 +10937,7 @@
               </a:ln>
               <a:extLst>
                 <a:ext uri="{91240B29-F687-4f45-9708-019B960494DF}">
-                  <a14:hiddenLine xmlns:a14="http://schemas.microsoft.com/office/drawing/2010/main" xmlns="" w="9525">
+                  <a14:hiddenLine xmlns="" xmlns:a14="http://schemas.microsoft.com/office/drawing/2010/main" w="9525">
                     <a:solidFill>
                       <a:srgbClr val="000000"/>
                     </a:solidFill>
@@ -10997,7 +11002,7 @@
               </a:ln>
               <a:extLst>
                 <a:ext uri="{91240B29-F687-4f45-9708-019B960494DF}">
-                  <a14:hiddenLine xmlns:a14="http://schemas.microsoft.com/office/drawing/2010/main" xmlns="" w="9525">
+                  <a14:hiddenLine xmlns="" xmlns:a14="http://schemas.microsoft.com/office/drawing/2010/main" w="9525">
                     <a:solidFill>
                       <a:srgbClr val="000000"/>
                     </a:solidFill>
@@ -11059,7 +11064,7 @@
               </a:ln>
               <a:extLst>
                 <a:ext uri="{91240B29-F687-4f45-9708-019B960494DF}">
-                  <a14:hiddenLine xmlns:a14="http://schemas.microsoft.com/office/drawing/2010/main" xmlns="" w="9525">
+                  <a14:hiddenLine xmlns="" xmlns:a14="http://schemas.microsoft.com/office/drawing/2010/main" w="9525">
                     <a:solidFill>
                       <a:srgbClr val="000000"/>
                     </a:solidFill>
@@ -11149,7 +11154,7 @@
               </a:ln>
               <a:extLst>
                 <a:ext uri="{91240B29-F687-4f45-9708-019B960494DF}">
-                  <a14:hiddenLine xmlns:a14="http://schemas.microsoft.com/office/drawing/2010/main" xmlns="" w="9525">
+                  <a14:hiddenLine xmlns="" xmlns:a14="http://schemas.microsoft.com/office/drawing/2010/main" w="9525">
                     <a:solidFill>
                       <a:srgbClr val="000000"/>
                     </a:solidFill>
@@ -11239,7 +11244,7 @@
               </a:ln>
               <a:extLst>
                 <a:ext uri="{91240B29-F687-4f45-9708-019B960494DF}">
-                  <a14:hiddenLine xmlns:a14="http://schemas.microsoft.com/office/drawing/2010/main" xmlns="" w="9525">
+                  <a14:hiddenLine xmlns="" xmlns:a14="http://schemas.microsoft.com/office/drawing/2010/main" w="9525">
                     <a:solidFill>
                       <a:srgbClr val="000000"/>
                     </a:solidFill>
@@ -11304,7 +11309,7 @@
               </a:ln>
               <a:extLst>
                 <a:ext uri="{91240B29-F687-4f45-9708-019B960494DF}">
-                  <a14:hiddenLine xmlns:a14="http://schemas.microsoft.com/office/drawing/2010/main" xmlns="" w="9525">
+                  <a14:hiddenLine xmlns="" xmlns:a14="http://schemas.microsoft.com/office/drawing/2010/main" w="9525">
                     <a:solidFill>
                       <a:srgbClr val="000000"/>
                     </a:solidFill>
@@ -11424,7 +11429,7 @@
               </a:ln>
               <a:extLst>
                 <a:ext uri="{91240B29-F687-4f45-9708-019B960494DF}">
-                  <a14:hiddenLine xmlns:a14="http://schemas.microsoft.com/office/drawing/2010/main" xmlns="" w="9525">
+                  <a14:hiddenLine xmlns="" xmlns:a14="http://schemas.microsoft.com/office/drawing/2010/main" w="9525">
                     <a:solidFill>
                       <a:srgbClr val="000000"/>
                     </a:solidFill>
@@ -11522,7 +11527,7 @@
               </a:ln>
               <a:extLst>
                 <a:ext uri="{91240B29-F687-4f45-9708-019B960494DF}">
-                  <a14:hiddenLine xmlns:a14="http://schemas.microsoft.com/office/drawing/2010/main" xmlns="" w="9525">
+                  <a14:hiddenLine xmlns="" xmlns:a14="http://schemas.microsoft.com/office/drawing/2010/main" w="9525">
                     <a:solidFill>
                       <a:srgbClr val="000000"/>
                     </a:solidFill>
@@ -11637,7 +11642,7 @@
               </a:ln>
               <a:extLst>
                 <a:ext uri="{91240B29-F687-4f45-9708-019B960494DF}">
-                  <a14:hiddenLine xmlns:a14="http://schemas.microsoft.com/office/drawing/2010/main" xmlns="" w="9525">
+                  <a14:hiddenLine xmlns="" xmlns:a14="http://schemas.microsoft.com/office/drawing/2010/main" w="9525">
                     <a:solidFill>
                       <a:srgbClr val="000000"/>
                     </a:solidFill>
@@ -11727,7 +11732,7 @@
               </a:ln>
               <a:extLst>
                 <a:ext uri="{91240B29-F687-4f45-9708-019B960494DF}">
-                  <a14:hiddenLine xmlns:a14="http://schemas.microsoft.com/office/drawing/2010/main" xmlns="" w="9525">
+                  <a14:hiddenLine xmlns="" xmlns:a14="http://schemas.microsoft.com/office/drawing/2010/main" w="9525">
                     <a:solidFill>
                       <a:srgbClr val="000000"/>
                     </a:solidFill>
@@ -11792,7 +11797,7 @@
               </a:ln>
               <a:extLst>
                 <a:ext uri="{91240B29-F687-4f45-9708-019B960494DF}">
-                  <a14:hiddenLine xmlns:a14="http://schemas.microsoft.com/office/drawing/2010/main" xmlns="" w="9525">
+                  <a14:hiddenLine xmlns="" xmlns:a14="http://schemas.microsoft.com/office/drawing/2010/main" w="9525">
                     <a:solidFill>
                       <a:srgbClr val="000000"/>
                     </a:solidFill>
@@ -11882,7 +11887,7 @@
               </a:ln>
               <a:extLst>
                 <a:ext uri="{91240B29-F687-4f45-9708-019B960494DF}">
-                  <a14:hiddenLine xmlns:a14="http://schemas.microsoft.com/office/drawing/2010/main" xmlns="" w="9525">
+                  <a14:hiddenLine xmlns="" xmlns:a14="http://schemas.microsoft.com/office/drawing/2010/main" w="9525">
                     <a:solidFill>
                       <a:srgbClr val="000000"/>
                     </a:solidFill>
@@ -11950,7 +11955,7 @@
               </a:ln>
               <a:extLst>
                 <a:ext uri="{91240B29-F687-4f45-9708-019B960494DF}">
-                  <a14:hiddenLine xmlns:a14="http://schemas.microsoft.com/office/drawing/2010/main" xmlns="" w="9525">
+                  <a14:hiddenLine xmlns="" xmlns:a14="http://schemas.microsoft.com/office/drawing/2010/main" w="9525">
                     <a:solidFill>
                       <a:srgbClr val="000000"/>
                     </a:solidFill>
@@ -12040,7 +12045,7 @@
               </a:ln>
               <a:extLst>
                 <a:ext uri="{91240B29-F687-4f45-9708-019B960494DF}">
-                  <a14:hiddenLine xmlns:a14="http://schemas.microsoft.com/office/drawing/2010/main" xmlns="" w="9525">
+                  <a14:hiddenLine xmlns="" xmlns:a14="http://schemas.microsoft.com/office/drawing/2010/main" w="9525">
                     <a:solidFill>
                       <a:srgbClr val="000000"/>
                     </a:solidFill>
@@ -12108,7 +12113,7 @@
               </a:ln>
               <a:extLst>
                 <a:ext uri="{91240B29-F687-4f45-9708-019B960494DF}">
-                  <a14:hiddenLine xmlns:a14="http://schemas.microsoft.com/office/drawing/2010/main" xmlns="" w="9525">
+                  <a14:hiddenLine xmlns="" xmlns:a14="http://schemas.microsoft.com/office/drawing/2010/main" w="9525">
                     <a:solidFill>
                       <a:srgbClr val="000000"/>
                     </a:solidFill>
@@ -12198,7 +12203,7 @@
               </a:ln>
               <a:extLst>
                 <a:ext uri="{91240B29-F687-4f45-9708-019B960494DF}">
-                  <a14:hiddenLine xmlns:a14="http://schemas.microsoft.com/office/drawing/2010/main" xmlns="" w="9525">
+                  <a14:hiddenLine xmlns="" xmlns:a14="http://schemas.microsoft.com/office/drawing/2010/main" w="9525">
                     <a:solidFill>
                       <a:srgbClr val="000000"/>
                     </a:solidFill>
@@ -12232,7 +12237,7 @@
               </a:ln>
               <a:extLst>
                 <a:ext uri="{91240B29-F687-4f45-9708-019B960494DF}">
-                  <a14:hiddenLine xmlns:a14="http://schemas.microsoft.com/office/drawing/2010/main" xmlns="" w="9525">
+                  <a14:hiddenLine xmlns="" xmlns:a14="http://schemas.microsoft.com/office/drawing/2010/main" w="9525">
                     <a:solidFill>
                       <a:srgbClr val="000000"/>
                     </a:solidFill>
@@ -12452,7 +12457,7 @@
             <a:fld id="{6D22F896-40B5-4ADD-8801-0D06FADFA095}" type="slidenum">
               <a:rPr lang="en-US" dirty="0"/>
               <a:pPr/>
-              <a:t>‹Nº›</a:t>
+              <a:t>‹#›</a:t>
             </a:fld>
             <a:endParaRPr lang="en-US" dirty="0"/>
           </a:p>
@@ -14125,31 +14130,348 @@
           </a:p>
         </p:txBody>
       </p:sp>
-      <p:sp>
-        <p:nvSpPr>
-          <p:cNvPr id="3" name="Marcador de contenido 2">
+      <p:pic>
+        <p:nvPicPr>
+          <p:cNvPr id="1026" name="Picture 2">
             <a:extLst>
               <a:ext uri="{FF2B5EF4-FFF2-40B4-BE49-F238E27FC236}">
-                <a16:creationId xmlns:a16="http://schemas.microsoft.com/office/drawing/2014/main" id="{A6F901F1-53E7-A146-8252-0A3FB600E6B0}"/>
+                <a16:creationId xmlns:a16="http://schemas.microsoft.com/office/drawing/2014/main" id="{4C435318-EDC8-544F-A763-315FB79E3C56}"/>
               </a:ext>
             </a:extLst>
           </p:cNvPr>
-          <p:cNvSpPr>
-            <a:spLocks noGrp="1"/>
-          </p:cNvSpPr>
+          <p:cNvPicPr>
+            <a:picLocks noGrp="1" noChangeAspect="1" noChangeArrowheads="1"/>
+          </p:cNvPicPr>
           <p:nvPr>
             <p:ph idx="1"/>
           </p:nvPr>
+        </p:nvPicPr>
+        <p:blipFill>
+          <a:blip r:embed="rId2">
+            <a:extLst>
+              <a:ext uri="{28A0092B-C50C-407E-A947-70E740481C1C}">
+                <a14:useLocalDpi xmlns:a14="http://schemas.microsoft.com/office/drawing/2010/main" val="0"/>
+              </a:ext>
+            </a:extLst>
+          </a:blip>
+          <a:srcRect/>
+          <a:stretch>
+            <a:fillRect/>
+          </a:stretch>
+        </p:blipFill>
+        <p:spPr bwMode="auto">
+          <a:xfrm>
+            <a:off x="1893603" y="1814827"/>
+            <a:ext cx="2588206" cy="1718221"/>
+          </a:xfrm>
+          <a:prstGeom prst="rect">
+            <a:avLst/>
+          </a:prstGeom>
+          <a:noFill/>
+          <a:extLst>
+            <a:ext uri="{909E8E84-426E-40DD-AFC4-6F175D3DCCD1}">
+              <a14:hiddenFill xmlns:a14="http://schemas.microsoft.com/office/drawing/2010/main">
+                <a:solidFill>
+                  <a:srgbClr val="FFFFFF"/>
+                </a:solidFill>
+              </a14:hiddenFill>
+            </a:ext>
+          </a:extLst>
+        </p:spPr>
+      </p:pic>
+      <p:sp>
+        <p:nvSpPr>
+          <p:cNvPr id="4" name="TextBox 3">
+            <a:extLst>
+              <a:ext uri="{FF2B5EF4-FFF2-40B4-BE49-F238E27FC236}">
+                <a16:creationId xmlns:a16="http://schemas.microsoft.com/office/drawing/2014/main" id="{C7AB5C41-3ABD-7846-89A9-806F039F0963}"/>
+              </a:ext>
+            </a:extLst>
+          </p:cNvPr>
+          <p:cNvSpPr txBox="1"/>
+          <p:nvPr/>
         </p:nvSpPr>
-        <p:spPr/>
+        <p:spPr>
+          <a:xfrm>
+            <a:off x="1893603" y="3713359"/>
+            <a:ext cx="2588206" cy="369332"/>
+          </a:xfrm>
+          <a:prstGeom prst="rect">
+            <a:avLst/>
+          </a:prstGeom>
+          <a:noFill/>
+        </p:spPr>
         <p:txBody>
-          <a:bodyPr/>
+          <a:bodyPr wrap="square" rtlCol="0">
+            <a:spAutoFit/>
+          </a:bodyPr>
           <a:lstStyle/>
           <a:p>
-            <a:endParaRPr lang="es-ES"/>
+            <a:pPr algn="ctr"/>
+            <a:r>
+              <a:rPr lang="en-GB" dirty="0"/>
+              <a:t>S</a:t>
+            </a:r>
+            <a:r>
+              <a:rPr lang="en-ES" dirty="0"/>
+              <a:t>istema de ultrasonidos</a:t>
+            </a:r>
           </a:p>
         </p:txBody>
       </p:sp>
+      <p:sp>
+        <p:nvSpPr>
+          <p:cNvPr id="6" name="TextBox 5">
+            <a:extLst>
+              <a:ext uri="{FF2B5EF4-FFF2-40B4-BE49-F238E27FC236}">
+                <a16:creationId xmlns:a16="http://schemas.microsoft.com/office/drawing/2014/main" id="{B5CAC782-9959-2946-9D5A-FC1C0BA71E26}"/>
+              </a:ext>
+            </a:extLst>
+          </p:cNvPr>
+          <p:cNvSpPr txBox="1"/>
+          <p:nvPr/>
+        </p:nvSpPr>
+        <p:spPr>
+          <a:xfrm>
+            <a:off x="7011328" y="3708455"/>
+            <a:ext cx="2368091" cy="369332"/>
+          </a:xfrm>
+          <a:prstGeom prst="rect">
+            <a:avLst/>
+          </a:prstGeom>
+          <a:noFill/>
+        </p:spPr>
+        <p:txBody>
+          <a:bodyPr wrap="square" rtlCol="0">
+            <a:spAutoFit/>
+          </a:bodyPr>
+          <a:lstStyle/>
+          <a:p>
+            <a:pPr algn="ctr"/>
+            <a:r>
+              <a:rPr lang="en-GB" dirty="0"/>
+              <a:t>S</a:t>
+            </a:r>
+            <a:r>
+              <a:rPr lang="en-ES" dirty="0"/>
+              <a:t>istema de infrarrojos</a:t>
+            </a:r>
+          </a:p>
+        </p:txBody>
+      </p:sp>
+      <p:sp>
+        <p:nvSpPr>
+          <p:cNvPr id="7" name="TextBox 6">
+            <a:extLst>
+              <a:ext uri="{FF2B5EF4-FFF2-40B4-BE49-F238E27FC236}">
+                <a16:creationId xmlns:a16="http://schemas.microsoft.com/office/drawing/2014/main" id="{0E09D241-E708-D342-B770-479BED34F097}"/>
+              </a:ext>
+            </a:extLst>
+          </p:cNvPr>
+          <p:cNvSpPr txBox="1"/>
+          <p:nvPr/>
+        </p:nvSpPr>
+        <p:spPr>
+          <a:xfrm>
+            <a:off x="1893602" y="6208538"/>
+            <a:ext cx="2588206" cy="369332"/>
+          </a:xfrm>
+          <a:prstGeom prst="rect">
+            <a:avLst/>
+          </a:prstGeom>
+          <a:noFill/>
+        </p:spPr>
+        <p:txBody>
+          <a:bodyPr wrap="square" rtlCol="0">
+            <a:spAutoFit/>
+          </a:bodyPr>
+          <a:lstStyle/>
+          <a:p>
+            <a:pPr algn="ctr"/>
+            <a:r>
+              <a:rPr lang="es-ES" dirty="0"/>
+              <a:t>Reconocimiento facial</a:t>
+            </a:r>
+            <a:endParaRPr lang="en-ES" dirty="0"/>
+          </a:p>
+        </p:txBody>
+      </p:sp>
+      <p:sp>
+        <p:nvSpPr>
+          <p:cNvPr id="8" name="TextBox 7">
+            <a:extLst>
+              <a:ext uri="{FF2B5EF4-FFF2-40B4-BE49-F238E27FC236}">
+                <a16:creationId xmlns:a16="http://schemas.microsoft.com/office/drawing/2014/main" id="{C7EE683F-4434-654E-B795-CB0E384F7E1E}"/>
+              </a:ext>
+            </a:extLst>
+          </p:cNvPr>
+          <p:cNvSpPr txBox="1"/>
+          <p:nvPr/>
+        </p:nvSpPr>
+        <p:spPr>
+          <a:xfrm>
+            <a:off x="6898325" y="6208538"/>
+            <a:ext cx="2588206" cy="369332"/>
+          </a:xfrm>
+          <a:prstGeom prst="rect">
+            <a:avLst/>
+          </a:prstGeom>
+          <a:noFill/>
+        </p:spPr>
+        <p:txBody>
+          <a:bodyPr wrap="square" rtlCol="0">
+            <a:spAutoFit/>
+          </a:bodyPr>
+          <a:lstStyle/>
+          <a:p>
+            <a:pPr algn="ctr"/>
+            <a:r>
+              <a:rPr lang="es-ES" dirty="0"/>
+              <a:t>Módulo NFC</a:t>
+            </a:r>
+            <a:endParaRPr lang="en-ES" dirty="0"/>
+          </a:p>
+        </p:txBody>
+      </p:sp>
+      <p:pic>
+        <p:nvPicPr>
+          <p:cNvPr id="1028" name="Picture 4">
+            <a:extLst>
+              <a:ext uri="{FF2B5EF4-FFF2-40B4-BE49-F238E27FC236}">
+                <a16:creationId xmlns:a16="http://schemas.microsoft.com/office/drawing/2014/main" id="{B2A48AAE-8CC7-B54C-BA27-195712932D45}"/>
+              </a:ext>
+            </a:extLst>
+          </p:cNvPr>
+          <p:cNvPicPr>
+            <a:picLocks noChangeAspect="1" noChangeArrowheads="1"/>
+          </p:cNvPicPr>
+          <p:nvPr/>
+        </p:nvPicPr>
+        <p:blipFill>
+          <a:blip r:embed="rId3">
+            <a:extLst>
+              <a:ext uri="{28A0092B-C50C-407E-A947-70E740481C1C}">
+                <a14:useLocalDpi xmlns:a14="http://schemas.microsoft.com/office/drawing/2010/main" val="0"/>
+              </a:ext>
+            </a:extLst>
+          </a:blip>
+          <a:srcRect/>
+          <a:stretch>
+            <a:fillRect/>
+          </a:stretch>
+        </p:blipFill>
+        <p:spPr bwMode="auto">
+          <a:xfrm>
+            <a:off x="7011329" y="1829387"/>
+            <a:ext cx="2362200" cy="1689100"/>
+          </a:xfrm>
+          <a:prstGeom prst="rect">
+            <a:avLst/>
+          </a:prstGeom>
+          <a:noFill/>
+          <a:extLst>
+            <a:ext uri="{909E8E84-426E-40DD-AFC4-6F175D3DCCD1}">
+              <a14:hiddenFill xmlns:a14="http://schemas.microsoft.com/office/drawing/2010/main">
+                <a:solidFill>
+                  <a:srgbClr val="FFFFFF"/>
+                </a:solidFill>
+              </a14:hiddenFill>
+            </a:ext>
+          </a:extLst>
+        </p:spPr>
+      </p:pic>
+      <p:pic>
+        <p:nvPicPr>
+          <p:cNvPr id="1030" name="Picture 6" descr="Reconocimiento facial para las cámaras de videovigilancia de los hogares y  oficinas • CASADOMO">
+            <a:extLst>
+              <a:ext uri="{FF2B5EF4-FFF2-40B4-BE49-F238E27FC236}">
+                <a16:creationId xmlns:a16="http://schemas.microsoft.com/office/drawing/2014/main" id="{7BC710A5-3CAD-0841-B94B-2E8018C5BBCF}"/>
+              </a:ext>
+            </a:extLst>
+          </p:cNvPr>
+          <p:cNvPicPr>
+            <a:picLocks noChangeAspect="1" noChangeArrowheads="1"/>
+          </p:cNvPicPr>
+          <p:nvPr/>
+        </p:nvPicPr>
+        <p:blipFill>
+          <a:blip r:embed="rId4">
+            <a:extLst>
+              <a:ext uri="{28A0092B-C50C-407E-A947-70E740481C1C}">
+                <a14:useLocalDpi xmlns:a14="http://schemas.microsoft.com/office/drawing/2010/main" val="0"/>
+              </a:ext>
+            </a:extLst>
+          </a:blip>
+          <a:srcRect/>
+          <a:stretch>
+            <a:fillRect/>
+          </a:stretch>
+        </p:blipFill>
+        <p:spPr bwMode="auto">
+          <a:xfrm>
+            <a:off x="1743930" y="4222935"/>
+            <a:ext cx="2887551" cy="1754187"/>
+          </a:xfrm>
+          <a:prstGeom prst="rect">
+            <a:avLst/>
+          </a:prstGeom>
+          <a:noFill/>
+          <a:extLst>
+            <a:ext uri="{909E8E84-426E-40DD-AFC4-6F175D3DCCD1}">
+              <a14:hiddenFill xmlns:a14="http://schemas.microsoft.com/office/drawing/2010/main">
+                <a:solidFill>
+                  <a:srgbClr val="FFFFFF"/>
+                </a:solidFill>
+              </a14:hiddenFill>
+            </a:ext>
+          </a:extLst>
+        </p:spPr>
+      </p:pic>
+      <p:pic>
+        <p:nvPicPr>
+          <p:cNvPr id="1032" name="Picture 8">
+            <a:extLst>
+              <a:ext uri="{FF2B5EF4-FFF2-40B4-BE49-F238E27FC236}">
+                <a16:creationId xmlns:a16="http://schemas.microsoft.com/office/drawing/2014/main" id="{5E71EB3A-782B-9548-A6A3-193C5C8111E4}"/>
+              </a:ext>
+            </a:extLst>
+          </p:cNvPr>
+          <p:cNvPicPr>
+            <a:picLocks noChangeAspect="1" noChangeArrowheads="1"/>
+          </p:cNvPicPr>
+          <p:nvPr/>
+        </p:nvPicPr>
+        <p:blipFill rotWithShape="1">
+          <a:blip r:embed="rId5">
+            <a:extLst>
+              <a:ext uri="{28A0092B-C50C-407E-A947-70E740481C1C}">
+                <a14:useLocalDpi xmlns:a14="http://schemas.microsoft.com/office/drawing/2010/main" val="0"/>
+              </a:ext>
+            </a:extLst>
+          </a:blip>
+          <a:srcRect r="9630" b="2288"/>
+          <a:stretch/>
+        </p:blipFill>
+        <p:spPr bwMode="auto">
+          <a:xfrm>
+            <a:off x="6503284" y="4274805"/>
+            <a:ext cx="3378289" cy="1650446"/>
+          </a:xfrm>
+          <a:prstGeom prst="rect">
+            <a:avLst/>
+          </a:prstGeom>
+          <a:noFill/>
+          <a:extLst>
+            <a:ext uri="{909E8E84-426E-40DD-AFC4-6F175D3DCCD1}">
+              <a14:hiddenFill xmlns:a14="http://schemas.microsoft.com/office/drawing/2010/main">
+                <a:solidFill>
+                  <a:srgbClr val="FFFFFF"/>
+                </a:solidFill>
+              </a14:hiddenFill>
+            </a:ext>
+          </a:extLst>
+        </p:spPr>
+      </p:pic>
     </p:spTree>
     <p:extLst>
       <p:ext uri="{BB962C8B-B14F-4D97-AF65-F5344CB8AC3E}">

--- a/Control de aforo.pptx
+++ b/Control de aforo.pptx
@@ -117,6 +117,11 @@
       </a:defRPr>
     </a:lvl9pPr>
   </p:defaultTextStyle>
+  <p:extLst>
+    <p:ext uri="{EFAFB233-063F-42B5-8137-9DF3F51BA10A}">
+      <p15:sldGuideLst xmlns:p15="http://schemas.microsoft.com/office/powerpoint/2012/main"/>
+    </p:ext>
+  </p:extLst>
 </p:presentation>
 </file>
 
@@ -14125,31 +14130,348 @@
           </a:p>
         </p:txBody>
       </p:sp>
-      <p:sp>
-        <p:nvSpPr>
-          <p:cNvPr id="3" name="Marcador de contenido 2">
+      <p:pic>
+        <p:nvPicPr>
+          <p:cNvPr id="1026" name="Picture 2">
             <a:extLst>
               <a:ext uri="{FF2B5EF4-FFF2-40B4-BE49-F238E27FC236}">
-                <a16:creationId xmlns:a16="http://schemas.microsoft.com/office/drawing/2014/main" id="{A6F901F1-53E7-A146-8252-0A3FB600E6B0}"/>
+                <a16:creationId xmlns:a16="http://schemas.microsoft.com/office/drawing/2014/main" id="{4C435318-EDC8-544F-A763-315FB79E3C56}"/>
               </a:ext>
             </a:extLst>
           </p:cNvPr>
-          <p:cNvSpPr>
-            <a:spLocks noGrp="1"/>
-          </p:cNvSpPr>
+          <p:cNvPicPr>
+            <a:picLocks noGrp="1" noChangeAspect="1" noChangeArrowheads="1"/>
+          </p:cNvPicPr>
           <p:nvPr>
             <p:ph idx="1"/>
           </p:nvPr>
+        </p:nvPicPr>
+        <p:blipFill>
+          <a:blip r:embed="rId2">
+            <a:extLst>
+              <a:ext uri="{28A0092B-C50C-407E-A947-70E740481C1C}">
+                <a14:useLocalDpi xmlns:a14="http://schemas.microsoft.com/office/drawing/2010/main" val="0"/>
+              </a:ext>
+            </a:extLst>
+          </a:blip>
+          <a:srcRect/>
+          <a:stretch>
+            <a:fillRect/>
+          </a:stretch>
+        </p:blipFill>
+        <p:spPr bwMode="auto">
+          <a:xfrm>
+            <a:off x="1893603" y="1814827"/>
+            <a:ext cx="2588206" cy="1718221"/>
+          </a:xfrm>
+          <a:prstGeom prst="rect">
+            <a:avLst/>
+          </a:prstGeom>
+          <a:noFill/>
+          <a:extLst>
+            <a:ext uri="{909E8E84-426E-40DD-AFC4-6F175D3DCCD1}">
+              <a14:hiddenFill xmlns:a14="http://schemas.microsoft.com/office/drawing/2010/main">
+                <a:solidFill>
+                  <a:srgbClr val="FFFFFF"/>
+                </a:solidFill>
+              </a14:hiddenFill>
+            </a:ext>
+          </a:extLst>
+        </p:spPr>
+      </p:pic>
+      <p:sp>
+        <p:nvSpPr>
+          <p:cNvPr id="4" name="TextBox 3">
+            <a:extLst>
+              <a:ext uri="{FF2B5EF4-FFF2-40B4-BE49-F238E27FC236}">
+                <a16:creationId xmlns:a16="http://schemas.microsoft.com/office/drawing/2014/main" id="{C7AB5C41-3ABD-7846-89A9-806F039F0963}"/>
+              </a:ext>
+            </a:extLst>
+          </p:cNvPr>
+          <p:cNvSpPr txBox="1"/>
+          <p:nvPr/>
         </p:nvSpPr>
-        <p:spPr/>
+        <p:spPr>
+          <a:xfrm>
+            <a:off x="1893603" y="3713359"/>
+            <a:ext cx="2588206" cy="369332"/>
+          </a:xfrm>
+          <a:prstGeom prst="rect">
+            <a:avLst/>
+          </a:prstGeom>
+          <a:noFill/>
+        </p:spPr>
         <p:txBody>
-          <a:bodyPr/>
+          <a:bodyPr wrap="square" rtlCol="0">
+            <a:spAutoFit/>
+          </a:bodyPr>
           <a:lstStyle/>
           <a:p>
-            <a:endParaRPr lang="es-ES"/>
+            <a:pPr algn="ctr"/>
+            <a:r>
+              <a:rPr lang="en-GB" dirty="0"/>
+              <a:t>S</a:t>
+            </a:r>
+            <a:r>
+              <a:rPr lang="en-ES" dirty="0"/>
+              <a:t>istema de ultrasonidos</a:t>
+            </a:r>
           </a:p>
         </p:txBody>
       </p:sp>
+      <p:sp>
+        <p:nvSpPr>
+          <p:cNvPr id="6" name="TextBox 5">
+            <a:extLst>
+              <a:ext uri="{FF2B5EF4-FFF2-40B4-BE49-F238E27FC236}">
+                <a16:creationId xmlns:a16="http://schemas.microsoft.com/office/drawing/2014/main" id="{B5CAC782-9959-2946-9D5A-FC1C0BA71E26}"/>
+              </a:ext>
+            </a:extLst>
+          </p:cNvPr>
+          <p:cNvSpPr txBox="1"/>
+          <p:nvPr/>
+        </p:nvSpPr>
+        <p:spPr>
+          <a:xfrm>
+            <a:off x="7011328" y="3708455"/>
+            <a:ext cx="2368091" cy="369332"/>
+          </a:xfrm>
+          <a:prstGeom prst="rect">
+            <a:avLst/>
+          </a:prstGeom>
+          <a:noFill/>
+        </p:spPr>
+        <p:txBody>
+          <a:bodyPr wrap="square" rtlCol="0">
+            <a:spAutoFit/>
+          </a:bodyPr>
+          <a:lstStyle/>
+          <a:p>
+            <a:pPr algn="ctr"/>
+            <a:r>
+              <a:rPr lang="en-GB" dirty="0"/>
+              <a:t>S</a:t>
+            </a:r>
+            <a:r>
+              <a:rPr lang="en-ES" dirty="0"/>
+              <a:t>istema de infrarrojos</a:t>
+            </a:r>
+          </a:p>
+        </p:txBody>
+      </p:sp>
+      <p:sp>
+        <p:nvSpPr>
+          <p:cNvPr id="7" name="TextBox 6">
+            <a:extLst>
+              <a:ext uri="{FF2B5EF4-FFF2-40B4-BE49-F238E27FC236}">
+                <a16:creationId xmlns:a16="http://schemas.microsoft.com/office/drawing/2014/main" id="{0E09D241-E708-D342-B770-479BED34F097}"/>
+              </a:ext>
+            </a:extLst>
+          </p:cNvPr>
+          <p:cNvSpPr txBox="1"/>
+          <p:nvPr/>
+        </p:nvSpPr>
+        <p:spPr>
+          <a:xfrm>
+            <a:off x="1893602" y="6208538"/>
+            <a:ext cx="2588206" cy="369332"/>
+          </a:xfrm>
+          <a:prstGeom prst="rect">
+            <a:avLst/>
+          </a:prstGeom>
+          <a:noFill/>
+        </p:spPr>
+        <p:txBody>
+          <a:bodyPr wrap="square" rtlCol="0">
+            <a:spAutoFit/>
+          </a:bodyPr>
+          <a:lstStyle/>
+          <a:p>
+            <a:pPr algn="ctr"/>
+            <a:r>
+              <a:rPr lang="es-ES" dirty="0"/>
+              <a:t>Reconocimiento facial</a:t>
+            </a:r>
+            <a:endParaRPr lang="en-ES" dirty="0"/>
+          </a:p>
+        </p:txBody>
+      </p:sp>
+      <p:sp>
+        <p:nvSpPr>
+          <p:cNvPr id="8" name="TextBox 7">
+            <a:extLst>
+              <a:ext uri="{FF2B5EF4-FFF2-40B4-BE49-F238E27FC236}">
+                <a16:creationId xmlns:a16="http://schemas.microsoft.com/office/drawing/2014/main" id="{C7EE683F-4434-654E-B795-CB0E384F7E1E}"/>
+              </a:ext>
+            </a:extLst>
+          </p:cNvPr>
+          <p:cNvSpPr txBox="1"/>
+          <p:nvPr/>
+        </p:nvSpPr>
+        <p:spPr>
+          <a:xfrm>
+            <a:off x="6898325" y="6208538"/>
+            <a:ext cx="2588206" cy="369332"/>
+          </a:xfrm>
+          <a:prstGeom prst="rect">
+            <a:avLst/>
+          </a:prstGeom>
+          <a:noFill/>
+        </p:spPr>
+        <p:txBody>
+          <a:bodyPr wrap="square" rtlCol="0">
+            <a:spAutoFit/>
+          </a:bodyPr>
+          <a:lstStyle/>
+          <a:p>
+            <a:pPr algn="ctr"/>
+            <a:r>
+              <a:rPr lang="es-ES" dirty="0"/>
+              <a:t>Módulo NFC</a:t>
+            </a:r>
+            <a:endParaRPr lang="en-ES" dirty="0"/>
+          </a:p>
+        </p:txBody>
+      </p:sp>
+      <p:pic>
+        <p:nvPicPr>
+          <p:cNvPr id="1028" name="Picture 4">
+            <a:extLst>
+              <a:ext uri="{FF2B5EF4-FFF2-40B4-BE49-F238E27FC236}">
+                <a16:creationId xmlns:a16="http://schemas.microsoft.com/office/drawing/2014/main" id="{B2A48AAE-8CC7-B54C-BA27-195712932D45}"/>
+              </a:ext>
+            </a:extLst>
+          </p:cNvPr>
+          <p:cNvPicPr>
+            <a:picLocks noChangeAspect="1" noChangeArrowheads="1"/>
+          </p:cNvPicPr>
+          <p:nvPr/>
+        </p:nvPicPr>
+        <p:blipFill>
+          <a:blip r:embed="rId3">
+            <a:extLst>
+              <a:ext uri="{28A0092B-C50C-407E-A947-70E740481C1C}">
+                <a14:useLocalDpi xmlns:a14="http://schemas.microsoft.com/office/drawing/2010/main" val="0"/>
+              </a:ext>
+            </a:extLst>
+          </a:blip>
+          <a:srcRect/>
+          <a:stretch>
+            <a:fillRect/>
+          </a:stretch>
+        </p:blipFill>
+        <p:spPr bwMode="auto">
+          <a:xfrm>
+            <a:off x="7011329" y="1829387"/>
+            <a:ext cx="2362200" cy="1689100"/>
+          </a:xfrm>
+          <a:prstGeom prst="rect">
+            <a:avLst/>
+          </a:prstGeom>
+          <a:noFill/>
+          <a:extLst>
+            <a:ext uri="{909E8E84-426E-40DD-AFC4-6F175D3DCCD1}">
+              <a14:hiddenFill xmlns:a14="http://schemas.microsoft.com/office/drawing/2010/main">
+                <a:solidFill>
+                  <a:srgbClr val="FFFFFF"/>
+                </a:solidFill>
+              </a14:hiddenFill>
+            </a:ext>
+          </a:extLst>
+        </p:spPr>
+      </p:pic>
+      <p:pic>
+        <p:nvPicPr>
+          <p:cNvPr id="1030" name="Picture 6" descr="Reconocimiento facial para las cámaras de videovigilancia de los hogares y  oficinas • CASADOMO">
+            <a:extLst>
+              <a:ext uri="{FF2B5EF4-FFF2-40B4-BE49-F238E27FC236}">
+                <a16:creationId xmlns:a16="http://schemas.microsoft.com/office/drawing/2014/main" id="{7BC710A5-3CAD-0841-B94B-2E8018C5BBCF}"/>
+              </a:ext>
+            </a:extLst>
+          </p:cNvPr>
+          <p:cNvPicPr>
+            <a:picLocks noChangeAspect="1" noChangeArrowheads="1"/>
+          </p:cNvPicPr>
+          <p:nvPr/>
+        </p:nvPicPr>
+        <p:blipFill>
+          <a:blip r:embed="rId4">
+            <a:extLst>
+              <a:ext uri="{28A0092B-C50C-407E-A947-70E740481C1C}">
+                <a14:useLocalDpi xmlns:a14="http://schemas.microsoft.com/office/drawing/2010/main" val="0"/>
+              </a:ext>
+            </a:extLst>
+          </a:blip>
+          <a:srcRect/>
+          <a:stretch>
+            <a:fillRect/>
+          </a:stretch>
+        </p:blipFill>
+        <p:spPr bwMode="auto">
+          <a:xfrm>
+            <a:off x="1743930" y="4222935"/>
+            <a:ext cx="2887551" cy="1754187"/>
+          </a:xfrm>
+          <a:prstGeom prst="rect">
+            <a:avLst/>
+          </a:prstGeom>
+          <a:noFill/>
+          <a:extLst>
+            <a:ext uri="{909E8E84-426E-40DD-AFC4-6F175D3DCCD1}">
+              <a14:hiddenFill xmlns:a14="http://schemas.microsoft.com/office/drawing/2010/main">
+                <a:solidFill>
+                  <a:srgbClr val="FFFFFF"/>
+                </a:solidFill>
+              </a14:hiddenFill>
+            </a:ext>
+          </a:extLst>
+        </p:spPr>
+      </p:pic>
+      <p:pic>
+        <p:nvPicPr>
+          <p:cNvPr id="1032" name="Picture 8">
+            <a:extLst>
+              <a:ext uri="{FF2B5EF4-FFF2-40B4-BE49-F238E27FC236}">
+                <a16:creationId xmlns:a16="http://schemas.microsoft.com/office/drawing/2014/main" id="{5E71EB3A-782B-9548-A6A3-193C5C8111E4}"/>
+              </a:ext>
+            </a:extLst>
+          </p:cNvPr>
+          <p:cNvPicPr>
+            <a:picLocks noChangeAspect="1" noChangeArrowheads="1"/>
+          </p:cNvPicPr>
+          <p:nvPr/>
+        </p:nvPicPr>
+        <p:blipFill rotWithShape="1">
+          <a:blip r:embed="rId5">
+            <a:extLst>
+              <a:ext uri="{28A0092B-C50C-407E-A947-70E740481C1C}">
+                <a14:useLocalDpi xmlns:a14="http://schemas.microsoft.com/office/drawing/2010/main" val="0"/>
+              </a:ext>
+            </a:extLst>
+          </a:blip>
+          <a:srcRect r="9630" b="2288"/>
+          <a:stretch/>
+        </p:blipFill>
+        <p:spPr bwMode="auto">
+          <a:xfrm>
+            <a:off x="6503284" y="4274805"/>
+            <a:ext cx="3378289" cy="1650446"/>
+          </a:xfrm>
+          <a:prstGeom prst="rect">
+            <a:avLst/>
+          </a:prstGeom>
+          <a:noFill/>
+          <a:extLst>
+            <a:ext uri="{909E8E84-426E-40DD-AFC4-6F175D3DCCD1}">
+              <a14:hiddenFill xmlns:a14="http://schemas.microsoft.com/office/drawing/2010/main">
+                <a:solidFill>
+                  <a:srgbClr val="FFFFFF"/>
+                </a:solidFill>
+              </a14:hiddenFill>
+            </a:ext>
+          </a:extLst>
+        </p:spPr>
+      </p:pic>
     </p:spTree>
     <p:extLst>
       <p:ext uri="{BB962C8B-B14F-4D97-AF65-F5344CB8AC3E}">
@@ -14293,31 +14615,795 @@
           </a:p>
         </p:txBody>
       </p:sp>
-      <p:sp>
-        <p:nvSpPr>
-          <p:cNvPr id="3" name="Marcador de contenido 2">
+      <p:graphicFrame>
+        <p:nvGraphicFramePr>
+          <p:cNvPr id="4" name="Tabla 4">
             <a:extLst>
               <a:ext uri="{FF2B5EF4-FFF2-40B4-BE49-F238E27FC236}">
-                <a16:creationId xmlns:a16="http://schemas.microsoft.com/office/drawing/2014/main" id="{39F815AA-CA12-C249-8EBD-D1DFE48D2491}"/>
+                <a16:creationId xmlns:a16="http://schemas.microsoft.com/office/drawing/2014/main" id="{078B36DE-8716-6341-B8D0-A9BDDFA4D4AA}"/>
               </a:ext>
             </a:extLst>
           </p:cNvPr>
-          <p:cNvSpPr>
-            <a:spLocks noGrp="1"/>
-          </p:cNvSpPr>
+          <p:cNvGraphicFramePr>
+            <a:graphicFrameLocks noGrp="1"/>
+          </p:cNvGraphicFramePr>
           <p:nvPr>
             <p:ph idx="1"/>
+            <p:extLst>
+              <p:ext uri="{D42A27DB-BD31-4B8C-83A1-F6EECF244321}">
+                <p14:modId xmlns:p14="http://schemas.microsoft.com/office/powerpoint/2010/main" val="1492935911"/>
+              </p:ext>
+            </p:extLst>
           </p:nvPr>
-        </p:nvSpPr>
-        <p:spPr/>
-        <p:txBody>
-          <a:bodyPr/>
-          <a:lstStyle/>
-          <a:p>
-            <a:endParaRPr lang="es-ES" dirty="0"/>
-          </a:p>
-        </p:txBody>
-      </p:sp>
+        </p:nvGraphicFramePr>
+        <p:xfrm>
+          <a:off x="195432" y="1776112"/>
+          <a:ext cx="11801136" cy="3903888"/>
+        </p:xfrm>
+        <a:graphic>
+          <a:graphicData uri="http://schemas.openxmlformats.org/drawingml/2006/table">
+            <a:tbl>
+              <a:tblPr firstRow="1" bandRow="1">
+                <a:tableStyleId>{7DF18680-E054-41AD-8BC1-D1AEF772440D}</a:tableStyleId>
+              </a:tblPr>
+              <a:tblGrid>
+                <a:gridCol w="1475142">
+                  <a:extLst>
+                    <a:ext uri="{9D8B030D-6E8A-4147-A177-3AD203B41FA5}">
+                      <a16:colId xmlns:a16="http://schemas.microsoft.com/office/drawing/2014/main" val="510356394"/>
+                    </a:ext>
+                  </a:extLst>
+                </a:gridCol>
+                <a:gridCol w="1475142">
+                  <a:extLst>
+                    <a:ext uri="{9D8B030D-6E8A-4147-A177-3AD203B41FA5}">
+                      <a16:colId xmlns:a16="http://schemas.microsoft.com/office/drawing/2014/main" val="3299021958"/>
+                    </a:ext>
+                  </a:extLst>
+                </a:gridCol>
+                <a:gridCol w="1475142">
+                  <a:extLst>
+                    <a:ext uri="{9D8B030D-6E8A-4147-A177-3AD203B41FA5}">
+                      <a16:colId xmlns:a16="http://schemas.microsoft.com/office/drawing/2014/main" val="1455915437"/>
+                    </a:ext>
+                  </a:extLst>
+                </a:gridCol>
+                <a:gridCol w="1475142">
+                  <a:extLst>
+                    <a:ext uri="{9D8B030D-6E8A-4147-A177-3AD203B41FA5}">
+                      <a16:colId xmlns:a16="http://schemas.microsoft.com/office/drawing/2014/main" val="3692964118"/>
+                    </a:ext>
+                  </a:extLst>
+                </a:gridCol>
+                <a:gridCol w="1475142">
+                  <a:extLst>
+                    <a:ext uri="{9D8B030D-6E8A-4147-A177-3AD203B41FA5}">
+                      <a16:colId xmlns:a16="http://schemas.microsoft.com/office/drawing/2014/main" val="2275534832"/>
+                    </a:ext>
+                  </a:extLst>
+                </a:gridCol>
+                <a:gridCol w="1475142">
+                  <a:extLst>
+                    <a:ext uri="{9D8B030D-6E8A-4147-A177-3AD203B41FA5}">
+                      <a16:colId xmlns:a16="http://schemas.microsoft.com/office/drawing/2014/main" val="486481465"/>
+                    </a:ext>
+                  </a:extLst>
+                </a:gridCol>
+                <a:gridCol w="1475142">
+                  <a:extLst>
+                    <a:ext uri="{9D8B030D-6E8A-4147-A177-3AD203B41FA5}">
+                      <a16:colId xmlns:a16="http://schemas.microsoft.com/office/drawing/2014/main" val="3256080889"/>
+                    </a:ext>
+                  </a:extLst>
+                </a:gridCol>
+                <a:gridCol w="1475142">
+                  <a:extLst>
+                    <a:ext uri="{9D8B030D-6E8A-4147-A177-3AD203B41FA5}">
+                      <a16:colId xmlns:a16="http://schemas.microsoft.com/office/drawing/2014/main" val="4011795302"/>
+                    </a:ext>
+                  </a:extLst>
+                </a:gridCol>
+              </a:tblGrid>
+              <a:tr h="975972">
+                <a:tc>
+                  <a:txBody>
+                    <a:bodyPr/>
+                    <a:lstStyle/>
+                    <a:p>
+                      <a:pPr algn="ctr"/>
+                      <a:endParaRPr lang="es-ES" dirty="0"/>
+                    </a:p>
+                  </a:txBody>
+                  <a:tcPr/>
+                </a:tc>
+                <a:tc>
+                  <a:txBody>
+                    <a:bodyPr/>
+                    <a:lstStyle/>
+                    <a:p>
+                      <a:pPr algn="ctr"/>
+                      <a:r>
+                        <a:rPr lang="es-ES" dirty="0" err="1"/>
+                        <a:t>Prog</a:t>
+                      </a:r>
+                      <a:r>
+                        <a:rPr lang="es-ES" dirty="0"/>
+                        <a:t>. placa base</a:t>
+                      </a:r>
+                    </a:p>
+                  </a:txBody>
+                  <a:tcPr/>
+                </a:tc>
+                <a:tc>
+                  <a:txBody>
+                    <a:bodyPr/>
+                    <a:lstStyle/>
+                    <a:p>
+                      <a:pPr algn="ctr"/>
+                      <a:r>
+                        <a:rPr lang="es-ES" dirty="0" err="1"/>
+                        <a:t>Mqtt</a:t>
+                      </a:r>
+                      <a:endParaRPr lang="es-ES" dirty="0"/>
+                    </a:p>
+                  </a:txBody>
+                  <a:tcPr/>
+                </a:tc>
+                <a:tc>
+                  <a:txBody>
+                    <a:bodyPr/>
+                    <a:lstStyle/>
+                    <a:p>
+                      <a:pPr algn="ctr"/>
+                      <a:r>
+                        <a:rPr lang="es-ES" dirty="0"/>
+                        <a:t>Base de datos</a:t>
+                      </a:r>
+                    </a:p>
+                  </a:txBody>
+                  <a:tcPr/>
+                </a:tc>
+                <a:tc>
+                  <a:txBody>
+                    <a:bodyPr/>
+                    <a:lstStyle/>
+                    <a:p>
+                      <a:pPr algn="ctr"/>
+                      <a:r>
+                        <a:rPr lang="es-ES" dirty="0"/>
+                        <a:t>Servidor</a:t>
+                      </a:r>
+                    </a:p>
+                  </a:txBody>
+                  <a:tcPr/>
+                </a:tc>
+                <a:tc>
+                  <a:txBody>
+                    <a:bodyPr/>
+                    <a:lstStyle/>
+                    <a:p>
+                      <a:pPr algn="ctr"/>
+                      <a:r>
+                        <a:rPr lang="es-ES" dirty="0"/>
+                        <a:t>Página web</a:t>
+                      </a:r>
+                    </a:p>
+                  </a:txBody>
+                  <a:tcPr/>
+                </a:tc>
+                <a:tc>
+                  <a:txBody>
+                    <a:bodyPr/>
+                    <a:lstStyle/>
+                    <a:p>
+                      <a:pPr algn="ctr"/>
+                      <a:r>
+                        <a:rPr lang="es-ES" dirty="0"/>
+                        <a:t>Interconexión total</a:t>
+                      </a:r>
+                    </a:p>
+                  </a:txBody>
+                  <a:tcPr/>
+                </a:tc>
+                <a:tc>
+                  <a:txBody>
+                    <a:bodyPr/>
+                    <a:lstStyle/>
+                    <a:p>
+                      <a:pPr algn="ctr"/>
+                      <a:r>
+                        <a:rPr lang="es-ES" dirty="0"/>
+                        <a:t>Revisión final</a:t>
+                      </a:r>
+                    </a:p>
+                  </a:txBody>
+                  <a:tcPr/>
+                </a:tc>
+                <a:extLst>
+                  <a:ext uri="{0D108BD9-81ED-4DB2-BD59-A6C34878D82A}">
+                    <a16:rowId xmlns:a16="http://schemas.microsoft.com/office/drawing/2014/main" val="3902382258"/>
+                  </a:ext>
+                </a:extLst>
+              </a:tr>
+              <a:tr h="975972">
+                <a:tc>
+                  <a:txBody>
+                    <a:bodyPr/>
+                    <a:lstStyle/>
+                    <a:p>
+                      <a:pPr algn="ctr"/>
+                      <a:r>
+                        <a:rPr lang="es-ES" dirty="0"/>
+                        <a:t>Nº de semanas</a:t>
+                      </a:r>
+                    </a:p>
+                  </a:txBody>
+                  <a:tcPr/>
+                </a:tc>
+                <a:tc>
+                  <a:txBody>
+                    <a:bodyPr/>
+                    <a:lstStyle/>
+                    <a:p>
+                      <a:pPr algn="ctr"/>
+                      <a:endParaRPr lang="es-ES" dirty="0"/>
+                    </a:p>
+                    <a:p>
+                      <a:pPr algn="ctr"/>
+                      <a:r>
+                        <a:rPr lang="es-ES" dirty="0"/>
+                        <a:t>2</a:t>
+                      </a:r>
+                    </a:p>
+                  </a:txBody>
+                  <a:tcPr/>
+                </a:tc>
+                <a:tc>
+                  <a:txBody>
+                    <a:bodyPr/>
+                    <a:lstStyle/>
+                    <a:p>
+                      <a:pPr algn="ctr"/>
+                      <a:endParaRPr lang="es-ES" dirty="0"/>
+                    </a:p>
+                    <a:p>
+                      <a:pPr algn="ctr"/>
+                      <a:r>
+                        <a:rPr lang="es-ES" dirty="0"/>
+                        <a:t>2-3</a:t>
+                      </a:r>
+                    </a:p>
+                  </a:txBody>
+                  <a:tcPr/>
+                </a:tc>
+                <a:tc>
+                  <a:txBody>
+                    <a:bodyPr/>
+                    <a:lstStyle/>
+                    <a:p>
+                      <a:pPr algn="ctr"/>
+                      <a:endParaRPr lang="es-ES" dirty="0"/>
+                    </a:p>
+                    <a:p>
+                      <a:pPr algn="ctr"/>
+                      <a:r>
+                        <a:rPr lang="es-ES" dirty="0"/>
+                        <a:t>2</a:t>
+                      </a:r>
+                    </a:p>
+                  </a:txBody>
+                  <a:tcPr/>
+                </a:tc>
+                <a:tc>
+                  <a:txBody>
+                    <a:bodyPr/>
+                    <a:lstStyle/>
+                    <a:p>
+                      <a:pPr algn="ctr"/>
+                      <a:endParaRPr lang="es-ES" dirty="0"/>
+                    </a:p>
+                    <a:p>
+                      <a:pPr algn="ctr"/>
+                      <a:r>
+                        <a:rPr lang="es-ES" dirty="0"/>
+                        <a:t>3</a:t>
+                      </a:r>
+                    </a:p>
+                  </a:txBody>
+                  <a:tcPr/>
+                </a:tc>
+                <a:tc>
+                  <a:txBody>
+                    <a:bodyPr/>
+                    <a:lstStyle/>
+                    <a:p>
+                      <a:pPr algn="ctr"/>
+                      <a:endParaRPr lang="es-ES" dirty="0"/>
+                    </a:p>
+                    <a:p>
+                      <a:pPr algn="ctr"/>
+                      <a:r>
+                        <a:rPr lang="es-ES" dirty="0"/>
+                        <a:t>2</a:t>
+                      </a:r>
+                    </a:p>
+                  </a:txBody>
+                  <a:tcPr/>
+                </a:tc>
+                <a:tc>
+                  <a:txBody>
+                    <a:bodyPr/>
+                    <a:lstStyle/>
+                    <a:p>
+                      <a:pPr algn="ctr"/>
+                      <a:endParaRPr lang="es-ES" dirty="0"/>
+                    </a:p>
+                    <a:p>
+                      <a:pPr algn="ctr"/>
+                      <a:r>
+                        <a:rPr lang="es-ES" dirty="0"/>
+                        <a:t>1</a:t>
+                      </a:r>
+                    </a:p>
+                  </a:txBody>
+                  <a:tcPr/>
+                </a:tc>
+                <a:tc>
+                  <a:txBody>
+                    <a:bodyPr/>
+                    <a:lstStyle/>
+                    <a:p>
+                      <a:pPr algn="ctr"/>
+                      <a:endParaRPr lang="es-ES" dirty="0"/>
+                    </a:p>
+                    <a:p>
+                      <a:pPr algn="ctr"/>
+                      <a:r>
+                        <a:rPr lang="es-ES" dirty="0"/>
+                        <a:t>3</a:t>
+                      </a:r>
+                    </a:p>
+                  </a:txBody>
+                  <a:tcPr/>
+                </a:tc>
+                <a:extLst>
+                  <a:ext uri="{0D108BD9-81ED-4DB2-BD59-A6C34878D82A}">
+                    <a16:rowId xmlns:a16="http://schemas.microsoft.com/office/drawing/2014/main" val="3988462703"/>
+                  </a:ext>
+                </a:extLst>
+              </a:tr>
+              <a:tr h="975972">
+                <a:tc>
+                  <a:txBody>
+                    <a:bodyPr/>
+                    <a:lstStyle/>
+                    <a:p>
+                      <a:pPr algn="ctr"/>
+                      <a:r>
+                        <a:rPr lang="es-ES" dirty="0"/>
+                        <a:t>Nº de personas</a:t>
+                      </a:r>
+                    </a:p>
+                  </a:txBody>
+                  <a:tcPr/>
+                </a:tc>
+                <a:tc>
+                  <a:txBody>
+                    <a:bodyPr/>
+                    <a:lstStyle/>
+                    <a:p>
+                      <a:pPr algn="ctr"/>
+                      <a:endParaRPr lang="es-ES" dirty="0"/>
+                    </a:p>
+                    <a:p>
+                      <a:pPr algn="ctr"/>
+                      <a:r>
+                        <a:rPr lang="es-ES" dirty="0"/>
+                        <a:t>2</a:t>
+                      </a:r>
+                    </a:p>
+                  </a:txBody>
+                  <a:tcPr/>
+                </a:tc>
+                <a:tc>
+                  <a:txBody>
+                    <a:bodyPr/>
+                    <a:lstStyle/>
+                    <a:p>
+                      <a:pPr algn="ctr"/>
+                      <a:endParaRPr lang="es-ES" dirty="0"/>
+                    </a:p>
+                    <a:p>
+                      <a:pPr algn="ctr"/>
+                      <a:r>
+                        <a:rPr lang="es-ES" dirty="0"/>
+                        <a:t>2</a:t>
+                      </a:r>
+                    </a:p>
+                  </a:txBody>
+                  <a:tcPr/>
+                </a:tc>
+                <a:tc>
+                  <a:txBody>
+                    <a:bodyPr/>
+                    <a:lstStyle/>
+                    <a:p>
+                      <a:pPr algn="ctr"/>
+                      <a:endParaRPr lang="es-ES" dirty="0"/>
+                    </a:p>
+                    <a:p>
+                      <a:pPr algn="ctr"/>
+                      <a:r>
+                        <a:rPr lang="es-ES" dirty="0"/>
+                        <a:t>1-2</a:t>
+                      </a:r>
+                    </a:p>
+                  </a:txBody>
+                  <a:tcPr/>
+                </a:tc>
+                <a:tc>
+                  <a:txBody>
+                    <a:bodyPr/>
+                    <a:lstStyle/>
+                    <a:p>
+                      <a:pPr algn="ctr"/>
+                      <a:endParaRPr lang="es-ES" dirty="0"/>
+                    </a:p>
+                    <a:p>
+                      <a:pPr algn="ctr"/>
+                      <a:r>
+                        <a:rPr lang="es-ES" dirty="0"/>
+                        <a:t>4</a:t>
+                      </a:r>
+                    </a:p>
+                  </a:txBody>
+                  <a:tcPr/>
+                </a:tc>
+                <a:tc>
+                  <a:txBody>
+                    <a:bodyPr/>
+                    <a:lstStyle/>
+                    <a:p>
+                      <a:pPr algn="ctr"/>
+                      <a:endParaRPr lang="es-ES" dirty="0"/>
+                    </a:p>
+                    <a:p>
+                      <a:pPr algn="ctr"/>
+                      <a:r>
+                        <a:rPr lang="es-ES" dirty="0"/>
+                        <a:t>1</a:t>
+                      </a:r>
+                    </a:p>
+                  </a:txBody>
+                  <a:tcPr/>
+                </a:tc>
+                <a:tc>
+                  <a:txBody>
+                    <a:bodyPr/>
+                    <a:lstStyle/>
+                    <a:p>
+                      <a:pPr algn="ctr"/>
+                      <a:endParaRPr lang="es-ES" dirty="0"/>
+                    </a:p>
+                    <a:p>
+                      <a:pPr algn="ctr"/>
+                      <a:r>
+                        <a:rPr lang="es-ES" dirty="0"/>
+                        <a:t>4</a:t>
+                      </a:r>
+                    </a:p>
+                  </a:txBody>
+                  <a:tcPr/>
+                </a:tc>
+                <a:tc>
+                  <a:txBody>
+                    <a:bodyPr/>
+                    <a:lstStyle/>
+                    <a:p>
+                      <a:pPr algn="ctr"/>
+                      <a:endParaRPr lang="es-ES" dirty="0"/>
+                    </a:p>
+                    <a:p>
+                      <a:pPr algn="ctr"/>
+                      <a:r>
+                        <a:rPr lang="es-ES" dirty="0"/>
+                        <a:t>4</a:t>
+                      </a:r>
+                    </a:p>
+                  </a:txBody>
+                  <a:tcPr/>
+                </a:tc>
+                <a:extLst>
+                  <a:ext uri="{0D108BD9-81ED-4DB2-BD59-A6C34878D82A}">
+                    <a16:rowId xmlns:a16="http://schemas.microsoft.com/office/drawing/2014/main" val="1613892656"/>
+                  </a:ext>
+                </a:extLst>
+              </a:tr>
+              <a:tr h="975972">
+                <a:tc>
+                  <a:txBody>
+                    <a:bodyPr/>
+                    <a:lstStyle/>
+                    <a:p>
+                      <a:pPr algn="ctr"/>
+                      <a:r>
+                        <a:rPr lang="es-ES" dirty="0"/>
+                        <a:t>Orden de ejecución</a:t>
+                      </a:r>
+                    </a:p>
+                  </a:txBody>
+                  <a:tcPr/>
+                </a:tc>
+                <a:tc>
+                  <a:txBody>
+                    <a:bodyPr/>
+                    <a:lstStyle/>
+                    <a:p>
+                      <a:pPr algn="ctr"/>
+                      <a:endParaRPr lang="es-ES" dirty="0"/>
+                    </a:p>
+                    <a:p>
+                      <a:pPr algn="ctr"/>
+                      <a:r>
+                        <a:rPr lang="es-ES" dirty="0"/>
+                        <a:t>1º</a:t>
+                      </a:r>
+                    </a:p>
+                  </a:txBody>
+                  <a:tcPr/>
+                </a:tc>
+                <a:tc>
+                  <a:txBody>
+                    <a:bodyPr/>
+                    <a:lstStyle/>
+                    <a:p>
+                      <a:pPr algn="ctr"/>
+                      <a:endParaRPr lang="es-ES" dirty="0"/>
+                    </a:p>
+                    <a:p>
+                      <a:pPr algn="ctr"/>
+                      <a:r>
+                        <a:rPr lang="es-ES" dirty="0"/>
+                        <a:t>3º</a:t>
+                      </a:r>
+                    </a:p>
+                  </a:txBody>
+                  <a:tcPr/>
+                </a:tc>
+                <a:tc>
+                  <a:txBody>
+                    <a:bodyPr/>
+                    <a:lstStyle/>
+                    <a:p>
+                      <a:pPr algn="ctr"/>
+                      <a:endParaRPr lang="es-ES" dirty="0"/>
+                    </a:p>
+                    <a:p>
+                      <a:pPr algn="ctr"/>
+                      <a:r>
+                        <a:rPr lang="es-ES" dirty="0"/>
+                        <a:t>2º</a:t>
+                      </a:r>
+                    </a:p>
+                  </a:txBody>
+                  <a:tcPr/>
+                </a:tc>
+                <a:tc>
+                  <a:txBody>
+                    <a:bodyPr/>
+                    <a:lstStyle/>
+                    <a:p>
+                      <a:pPr algn="ctr"/>
+                      <a:endParaRPr lang="es-ES" dirty="0"/>
+                    </a:p>
+                    <a:p>
+                      <a:pPr algn="ctr"/>
+                      <a:r>
+                        <a:rPr lang="es-ES" dirty="0"/>
+                        <a:t>4º</a:t>
+                      </a:r>
+                    </a:p>
+                  </a:txBody>
+                  <a:tcPr/>
+                </a:tc>
+                <a:tc>
+                  <a:txBody>
+                    <a:bodyPr/>
+                    <a:lstStyle/>
+                    <a:p>
+                      <a:pPr algn="ctr"/>
+                      <a:endParaRPr lang="es-ES" dirty="0"/>
+                    </a:p>
+                    <a:p>
+                      <a:pPr algn="ctr"/>
+                      <a:r>
+                        <a:rPr lang="es-ES" dirty="0"/>
+                        <a:t>5º</a:t>
+                      </a:r>
+                    </a:p>
+                  </a:txBody>
+                  <a:tcPr/>
+                </a:tc>
+                <a:tc>
+                  <a:txBody>
+                    <a:bodyPr/>
+                    <a:lstStyle/>
+                    <a:p>
+                      <a:pPr algn="ctr"/>
+                      <a:endParaRPr lang="es-ES" dirty="0"/>
+                    </a:p>
+                    <a:p>
+                      <a:pPr algn="ctr"/>
+                      <a:r>
+                        <a:rPr lang="es-ES" dirty="0"/>
+                        <a:t>6º</a:t>
+                      </a:r>
+                    </a:p>
+                  </a:txBody>
+                  <a:tcPr/>
+                </a:tc>
+                <a:tc>
+                  <a:txBody>
+                    <a:bodyPr/>
+                    <a:lstStyle/>
+                    <a:p>
+                      <a:pPr algn="ctr"/>
+                      <a:endParaRPr lang="es-ES" dirty="0"/>
+                    </a:p>
+                    <a:p>
+                      <a:pPr algn="ctr"/>
+                      <a:r>
+                        <a:rPr lang="es-ES" dirty="0"/>
+                        <a:t>7º</a:t>
+                      </a:r>
+                    </a:p>
+                  </a:txBody>
+                  <a:tcPr/>
+                </a:tc>
+                <a:extLst>
+                  <a:ext uri="{0D108BD9-81ED-4DB2-BD59-A6C34878D82A}">
+                    <a16:rowId xmlns:a16="http://schemas.microsoft.com/office/drawing/2014/main" val="1530523113"/>
+                  </a:ext>
+                </a:extLst>
+              </a:tr>
+            </a:tbl>
+          </a:graphicData>
+        </a:graphic>
+      </p:graphicFrame>
+      <p:graphicFrame>
+        <p:nvGraphicFramePr>
+          <p:cNvPr id="5" name="Tabla 5">
+            <a:extLst>
+              <a:ext uri="{FF2B5EF4-FFF2-40B4-BE49-F238E27FC236}">
+                <a16:creationId xmlns:a16="http://schemas.microsoft.com/office/drawing/2014/main" id="{ED5DAAE4-7DFD-EF4E-8F3B-F1C834A96769}"/>
+              </a:ext>
+            </a:extLst>
+          </p:cNvPr>
+          <p:cNvGraphicFramePr>
+            <a:graphicFrameLocks noGrp="1"/>
+          </p:cNvGraphicFramePr>
+          <p:nvPr>
+            <p:extLst>
+              <p:ext uri="{D42A27DB-BD31-4B8C-83A1-F6EECF244321}">
+                <p14:modId xmlns:p14="http://schemas.microsoft.com/office/powerpoint/2010/main" val="3461294420"/>
+              </p:ext>
+            </p:extLst>
+          </p:nvPr>
+        </p:nvGraphicFramePr>
+        <p:xfrm>
+          <a:off x="2030412" y="5919442"/>
+          <a:ext cx="8128000" cy="640080"/>
+        </p:xfrm>
+        <a:graphic>
+          <a:graphicData uri="http://schemas.openxmlformats.org/drawingml/2006/table">
+            <a:tbl>
+              <a:tblPr firstRow="1" bandRow="1">
+                <a:tableStyleId>{7DF18680-E054-41AD-8BC1-D1AEF772440D}</a:tableStyleId>
+              </a:tblPr>
+              <a:tblGrid>
+                <a:gridCol w="2032000">
+                  <a:extLst>
+                    <a:ext uri="{9D8B030D-6E8A-4147-A177-3AD203B41FA5}">
+                      <a16:colId xmlns:a16="http://schemas.microsoft.com/office/drawing/2014/main" val="992088682"/>
+                    </a:ext>
+                  </a:extLst>
+                </a:gridCol>
+                <a:gridCol w="2032000">
+                  <a:extLst>
+                    <a:ext uri="{9D8B030D-6E8A-4147-A177-3AD203B41FA5}">
+                      <a16:colId xmlns:a16="http://schemas.microsoft.com/office/drawing/2014/main" val="3204250065"/>
+                    </a:ext>
+                  </a:extLst>
+                </a:gridCol>
+                <a:gridCol w="2032000">
+                  <a:extLst>
+                    <a:ext uri="{9D8B030D-6E8A-4147-A177-3AD203B41FA5}">
+                      <a16:colId xmlns:a16="http://schemas.microsoft.com/office/drawing/2014/main" val="927845802"/>
+                    </a:ext>
+                  </a:extLst>
+                </a:gridCol>
+                <a:gridCol w="2032000">
+                  <a:extLst>
+                    <a:ext uri="{9D8B030D-6E8A-4147-A177-3AD203B41FA5}">
+                      <a16:colId xmlns:a16="http://schemas.microsoft.com/office/drawing/2014/main" val="1358033057"/>
+                    </a:ext>
+                  </a:extLst>
+                </a:gridCol>
+              </a:tblGrid>
+              <a:tr h="370840">
+                <a:tc>
+                  <a:txBody>
+                    <a:bodyPr/>
+                    <a:lstStyle/>
+                    <a:p>
+                      <a:pPr algn="ctr"/>
+                      <a:r>
+                        <a:rPr lang="es-ES" dirty="0"/>
+                        <a:t>Nº semanas secuencialmente</a:t>
+                      </a:r>
+                    </a:p>
+                  </a:txBody>
+                  <a:tcPr/>
+                </a:tc>
+                <a:tc>
+                  <a:txBody>
+                    <a:bodyPr/>
+                    <a:lstStyle/>
+                    <a:p>
+                      <a:pPr algn="ctr"/>
+                      <a:r>
+                        <a:rPr lang="es-ES" dirty="0"/>
+                        <a:t>14</a:t>
+                      </a:r>
+                    </a:p>
+                  </a:txBody>
+                  <a:tcPr/>
+                </a:tc>
+                <a:tc>
+                  <a:txBody>
+                    <a:bodyPr/>
+                    <a:lstStyle/>
+                    <a:p>
+                      <a:pPr algn="ctr"/>
+                      <a:r>
+                        <a:rPr lang="es-ES" dirty="0"/>
+                        <a:t>Nº de semanas</a:t>
+                      </a:r>
+                    </a:p>
+                    <a:p>
+                      <a:pPr algn="ctr"/>
+                      <a:r>
+                        <a:rPr lang="es-ES" dirty="0"/>
+                        <a:t>estimadas</a:t>
+                      </a:r>
+                    </a:p>
+                  </a:txBody>
+                  <a:tcPr/>
+                </a:tc>
+                <a:tc>
+                  <a:txBody>
+                    <a:bodyPr/>
+                    <a:lstStyle/>
+                    <a:p>
+                      <a:pPr algn="ctr"/>
+                      <a:r>
+                        <a:rPr lang="es-ES" dirty="0"/>
+                        <a:t>10</a:t>
+                      </a:r>
+                    </a:p>
+                  </a:txBody>
+                  <a:tcPr/>
+                </a:tc>
+                <a:extLst>
+                  <a:ext uri="{0D108BD9-81ED-4DB2-BD59-A6C34878D82A}">
+                    <a16:rowId xmlns:a16="http://schemas.microsoft.com/office/drawing/2014/main" val="2130108811"/>
+                  </a:ext>
+                </a:extLst>
+              </a:tr>
+            </a:tbl>
+          </a:graphicData>
+        </a:graphic>
+      </p:graphicFrame>
     </p:spTree>
     <p:extLst>
       <p:ext uri="{BB962C8B-B14F-4D97-AF65-F5344CB8AC3E}">

--- a/Control de aforo.pptx
+++ b/Control de aforo.pptx
@@ -5,7 +5,7 @@
     <p:sldMasterId id="2147483648" r:id="rId1"/>
   </p:sldMasterIdLst>
   <p:notesMasterIdLst>
-    <p:notesMasterId r:id="rId13"/>
+    <p:notesMasterId r:id="rId12"/>
   </p:notesMasterIdLst>
   <p:sldIdLst>
     <p:sldId id="256" r:id="rId2"/>
@@ -17,8 +17,7 @@
     <p:sldId id="261" r:id="rId8"/>
     <p:sldId id="262" r:id="rId9"/>
     <p:sldId id="263" r:id="rId10"/>
-    <p:sldId id="264" r:id="rId11"/>
-    <p:sldId id="266" r:id="rId12"/>
+    <p:sldId id="266" r:id="rId11"/>
   </p:sldIdLst>
   <p:sldSz cx="12192000" cy="6858000"/>
   <p:notesSz cx="6858000" cy="9144000"/>
@@ -207,7 +206,7 @@
           <a:p>
             <a:fld id="{01B1A0F6-F4BF-D147-AC57-5D0753BA1C2F}" type="datetimeFigureOut">
               <a:rPr lang="es-ES" smtClean="0"/>
-              <a:t>21/10/21</a:t>
+              <a:t>22/10/2021</a:t>
             </a:fld>
             <a:endParaRPr lang="es-ES"/>
           </a:p>
@@ -608,7 +607,7 @@
           <a:noFill/>
           <a:extLst>
             <a:ext uri="{909E8E84-426E-40dd-AFC4-6F175D3DCCD1}">
-              <a14:hiddenFill xmlns:a14="http://schemas.microsoft.com/office/drawing/2010/main" xmlns="">
+              <a14:hiddenFill xmlns="" xmlns:a14="http://schemas.microsoft.com/office/drawing/2010/main">
                 <a:solidFill>
                   <a:srgbClr val="FFFFFF"/>
                 </a:solidFill>
@@ -668,7 +667,7 @@
             </a:ln>
             <a:extLst>
               <a:ext uri="{91240B29-F687-4f45-9708-019B960494DF}">
-                <a14:hiddenLine xmlns:a14="http://schemas.microsoft.com/office/drawing/2010/main" xmlns="" w="9525">
+                <a14:hiddenLine xmlns="" xmlns:a14="http://schemas.microsoft.com/office/drawing/2010/main" w="9525">
                   <a:solidFill>
                     <a:srgbClr val="000000"/>
                   </a:solidFill>
@@ -758,7 +757,7 @@
             </a:ln>
             <a:extLst>
               <a:ext uri="{91240B29-F687-4f45-9708-019B960494DF}">
-                <a14:hiddenLine xmlns:a14="http://schemas.microsoft.com/office/drawing/2010/main" xmlns="" w="9525">
+                <a14:hiddenLine xmlns="" xmlns:a14="http://schemas.microsoft.com/office/drawing/2010/main" w="9525">
                   <a:solidFill>
                     <a:srgbClr val="000000"/>
                   </a:solidFill>
@@ -848,7 +847,7 @@
             </a:ln>
             <a:extLst>
               <a:ext uri="{91240B29-F687-4f45-9708-019B960494DF}">
-                <a14:hiddenLine xmlns:a14="http://schemas.microsoft.com/office/drawing/2010/main" xmlns="" w="9525">
+                <a14:hiddenLine xmlns="" xmlns:a14="http://schemas.microsoft.com/office/drawing/2010/main" w="9525">
                   <a:solidFill>
                     <a:srgbClr val="000000"/>
                   </a:solidFill>
@@ -882,7 +881,7 @@
             </a:ln>
             <a:extLst>
               <a:ext uri="{91240B29-F687-4f45-9708-019B960494DF}">
-                <a14:hiddenLine xmlns:a14="http://schemas.microsoft.com/office/drawing/2010/main" xmlns="" w="9525">
+                <a14:hiddenLine xmlns="" xmlns:a14="http://schemas.microsoft.com/office/drawing/2010/main" w="9525">
                   <a:solidFill>
                     <a:srgbClr val="000000"/>
                   </a:solidFill>
@@ -972,7 +971,7 @@
             </a:ln>
             <a:extLst>
               <a:ext uri="{91240B29-F687-4f45-9708-019B960494DF}">
-                <a14:hiddenLine xmlns:a14="http://schemas.microsoft.com/office/drawing/2010/main" xmlns="" w="9525">
+                <a14:hiddenLine xmlns="" xmlns:a14="http://schemas.microsoft.com/office/drawing/2010/main" w="9525">
                   <a:solidFill>
                     <a:srgbClr val="000000"/>
                   </a:solidFill>
@@ -1034,7 +1033,7 @@
             </a:ln>
             <a:extLst>
               <a:ext uri="{91240B29-F687-4f45-9708-019B960494DF}">
-                <a14:hiddenLine xmlns:a14="http://schemas.microsoft.com/office/drawing/2010/main" xmlns="" w="9525">
+                <a14:hiddenLine xmlns="" xmlns:a14="http://schemas.microsoft.com/office/drawing/2010/main" w="9525">
                   <a:solidFill>
                     <a:srgbClr val="000000"/>
                   </a:solidFill>
@@ -1096,7 +1095,7 @@
             </a:ln>
             <a:extLst>
               <a:ext uri="{91240B29-F687-4f45-9708-019B960494DF}">
-                <a14:hiddenLine xmlns:a14="http://schemas.microsoft.com/office/drawing/2010/main" xmlns="" w="9525">
+                <a14:hiddenLine xmlns="" xmlns:a14="http://schemas.microsoft.com/office/drawing/2010/main" w="9525">
                   <a:solidFill>
                     <a:srgbClr val="000000"/>
                   </a:solidFill>
@@ -1186,7 +1185,7 @@
             </a:ln>
             <a:extLst>
               <a:ext uri="{91240B29-F687-4f45-9708-019B960494DF}">
-                <a14:hiddenLine xmlns:a14="http://schemas.microsoft.com/office/drawing/2010/main" xmlns="" w="9525">
+                <a14:hiddenLine xmlns="" xmlns:a14="http://schemas.microsoft.com/office/drawing/2010/main" w="9525">
                   <a:solidFill>
                     <a:srgbClr val="000000"/>
                   </a:solidFill>
@@ -1248,7 +1247,7 @@
             </a:ln>
             <a:extLst>
               <a:ext uri="{91240B29-F687-4f45-9708-019B960494DF}">
-                <a14:hiddenLine xmlns:a14="http://schemas.microsoft.com/office/drawing/2010/main" xmlns="" w="9525">
+                <a14:hiddenLine xmlns="" xmlns:a14="http://schemas.microsoft.com/office/drawing/2010/main" w="9525">
                   <a:solidFill>
                     <a:srgbClr val="000000"/>
                   </a:solidFill>
@@ -1310,7 +1309,7 @@
             </a:ln>
             <a:extLst>
               <a:ext uri="{91240B29-F687-4f45-9708-019B960494DF}">
-                <a14:hiddenLine xmlns:a14="http://schemas.microsoft.com/office/drawing/2010/main" xmlns="" w="9525">
+                <a14:hiddenLine xmlns="" xmlns:a14="http://schemas.microsoft.com/office/drawing/2010/main" w="9525">
                   <a:solidFill>
                     <a:srgbClr val="000000"/>
                   </a:solidFill>
@@ -1400,7 +1399,7 @@
             </a:ln>
             <a:extLst>
               <a:ext uri="{91240B29-F687-4f45-9708-019B960494DF}">
-                <a14:hiddenLine xmlns:a14="http://schemas.microsoft.com/office/drawing/2010/main" xmlns="" w="9525">
+                <a14:hiddenLine xmlns="" xmlns:a14="http://schemas.microsoft.com/office/drawing/2010/main" w="9525">
                   <a:solidFill>
                     <a:srgbClr val="000000"/>
                   </a:solidFill>
@@ -1490,7 +1489,7 @@
             </a:ln>
             <a:extLst>
               <a:ext uri="{91240B29-F687-4f45-9708-019B960494DF}">
-                <a14:hiddenLine xmlns:a14="http://schemas.microsoft.com/office/drawing/2010/main" xmlns="" w="9525">
+                <a14:hiddenLine xmlns="" xmlns:a14="http://schemas.microsoft.com/office/drawing/2010/main" w="9525">
                   <a:solidFill>
                     <a:srgbClr val="000000"/>
                   </a:solidFill>
@@ -1552,7 +1551,7 @@
             </a:ln>
             <a:extLst>
               <a:ext uri="{91240B29-F687-4f45-9708-019B960494DF}">
-                <a14:hiddenLine xmlns:a14="http://schemas.microsoft.com/office/drawing/2010/main" xmlns="" w="9525">
+                <a14:hiddenLine xmlns="" xmlns:a14="http://schemas.microsoft.com/office/drawing/2010/main" w="9525">
                   <a:solidFill>
                     <a:srgbClr val="000000"/>
                   </a:solidFill>
@@ -1662,7 +1661,7 @@
             </a:ln>
             <a:extLst>
               <a:ext uri="{91240B29-F687-4f45-9708-019B960494DF}">
-                <a14:hiddenLine xmlns:a14="http://schemas.microsoft.com/office/drawing/2010/main" xmlns="" w="9525">
+                <a14:hiddenLine xmlns="" xmlns:a14="http://schemas.microsoft.com/office/drawing/2010/main" w="9525">
                   <a:solidFill>
                     <a:srgbClr val="000000"/>
                   </a:solidFill>
@@ -1724,7 +1723,7 @@
             </a:ln>
             <a:extLst>
               <a:ext uri="{91240B29-F687-4f45-9708-019B960494DF}">
-                <a14:hiddenLine xmlns:a14="http://schemas.microsoft.com/office/drawing/2010/main" xmlns="" w="9525">
+                <a14:hiddenLine xmlns="" xmlns:a14="http://schemas.microsoft.com/office/drawing/2010/main" w="9525">
                   <a:solidFill>
                     <a:srgbClr val="000000"/>
                   </a:solidFill>
@@ -1814,7 +1813,7 @@
             </a:ln>
             <a:extLst>
               <a:ext uri="{91240B29-F687-4f45-9708-019B960494DF}">
-                <a14:hiddenLine xmlns:a14="http://schemas.microsoft.com/office/drawing/2010/main" xmlns="" w="9525">
+                <a14:hiddenLine xmlns="" xmlns:a14="http://schemas.microsoft.com/office/drawing/2010/main" w="9525">
                   <a:solidFill>
                     <a:srgbClr val="000000"/>
                   </a:solidFill>
@@ -1904,7 +1903,7 @@
             </a:ln>
             <a:extLst>
               <a:ext uri="{91240B29-F687-4f45-9708-019B960494DF}">
-                <a14:hiddenLine xmlns:a14="http://schemas.microsoft.com/office/drawing/2010/main" xmlns="" w="9525">
+                <a14:hiddenLine xmlns="" xmlns:a14="http://schemas.microsoft.com/office/drawing/2010/main" w="9525">
                   <a:solidFill>
                     <a:srgbClr val="000000"/>
                   </a:solidFill>
@@ -1966,7 +1965,7 @@
             </a:ln>
             <a:extLst>
               <a:ext uri="{91240B29-F687-4f45-9708-019B960494DF}">
-                <a14:hiddenLine xmlns:a14="http://schemas.microsoft.com/office/drawing/2010/main" xmlns="" w="9525">
+                <a14:hiddenLine xmlns="" xmlns:a14="http://schemas.microsoft.com/office/drawing/2010/main" w="9525">
                   <a:solidFill>
                     <a:srgbClr val="000000"/>
                   </a:solidFill>
@@ -2056,7 +2055,7 @@
             </a:ln>
             <a:extLst>
               <a:ext uri="{91240B29-F687-4f45-9708-019B960494DF}">
-                <a14:hiddenLine xmlns:a14="http://schemas.microsoft.com/office/drawing/2010/main" xmlns="" w="9525">
+                <a14:hiddenLine xmlns="" xmlns:a14="http://schemas.microsoft.com/office/drawing/2010/main" w="9525">
                   <a:solidFill>
                     <a:srgbClr val="000000"/>
                   </a:solidFill>
@@ -2146,7 +2145,7 @@
             </a:ln>
             <a:extLst>
               <a:ext uri="{91240B29-F687-4f45-9708-019B960494DF}">
-                <a14:hiddenLine xmlns:a14="http://schemas.microsoft.com/office/drawing/2010/main" xmlns="" w="9525">
+                <a14:hiddenLine xmlns="" xmlns:a14="http://schemas.microsoft.com/office/drawing/2010/main" w="9525">
                   <a:solidFill>
                     <a:srgbClr val="000000"/>
                   </a:solidFill>
@@ -2202,7 +2201,7 @@
             </a:ln>
             <a:extLst>
               <a:ext uri="{91240B29-F687-4f45-9708-019B960494DF}">
-                <a14:hiddenLine xmlns:a14="http://schemas.microsoft.com/office/drawing/2010/main" xmlns="" w="9525">
+                <a14:hiddenLine xmlns="" xmlns:a14="http://schemas.microsoft.com/office/drawing/2010/main" w="9525">
                   <a:solidFill>
                     <a:srgbClr val="000000"/>
                   </a:solidFill>
@@ -2292,7 +2291,7 @@
             </a:ln>
             <a:extLst>
               <a:ext uri="{91240B29-F687-4f45-9708-019B960494DF}">
-                <a14:hiddenLine xmlns:a14="http://schemas.microsoft.com/office/drawing/2010/main" xmlns="" w="9525">
+                <a14:hiddenLine xmlns="" xmlns:a14="http://schemas.microsoft.com/office/drawing/2010/main" w="9525">
                   <a:solidFill>
                     <a:srgbClr val="000000"/>
                   </a:solidFill>
@@ -2348,7 +2347,7 @@
             </a:ln>
             <a:extLst>
               <a:ext uri="{91240B29-F687-4f45-9708-019B960494DF}">
-                <a14:hiddenLine xmlns:a14="http://schemas.microsoft.com/office/drawing/2010/main" xmlns="" w="9525">
+                <a14:hiddenLine xmlns="" xmlns:a14="http://schemas.microsoft.com/office/drawing/2010/main" w="9525">
                   <a:solidFill>
                     <a:srgbClr val="000000"/>
                   </a:solidFill>
@@ -2438,7 +2437,7 @@
             </a:ln>
             <a:extLst>
               <a:ext uri="{91240B29-F687-4f45-9708-019B960494DF}">
-                <a14:hiddenLine xmlns:a14="http://schemas.microsoft.com/office/drawing/2010/main" xmlns="" w="9525">
+                <a14:hiddenLine xmlns="" xmlns:a14="http://schemas.microsoft.com/office/drawing/2010/main" w="9525">
                   <a:solidFill>
                     <a:srgbClr val="000000"/>
                   </a:solidFill>
@@ -2506,7 +2505,7 @@
             </a:ln>
             <a:extLst>
               <a:ext uri="{91240B29-F687-4f45-9708-019B960494DF}">
-                <a14:hiddenLine xmlns:a14="http://schemas.microsoft.com/office/drawing/2010/main" xmlns="" w="9525">
+                <a14:hiddenLine xmlns="" xmlns:a14="http://schemas.microsoft.com/office/drawing/2010/main" w="9525">
                   <a:solidFill>
                     <a:srgbClr val="000000"/>
                   </a:solidFill>
@@ -2596,7 +2595,7 @@
             </a:ln>
             <a:extLst>
               <a:ext uri="{91240B29-F687-4f45-9708-019B960494DF}">
-                <a14:hiddenLine xmlns:a14="http://schemas.microsoft.com/office/drawing/2010/main" xmlns="" w="9525">
+                <a14:hiddenLine xmlns="" xmlns:a14="http://schemas.microsoft.com/office/drawing/2010/main" w="9525">
                   <a:solidFill>
                     <a:srgbClr val="000000"/>
                   </a:solidFill>
@@ -2664,7 +2663,7 @@
             </a:ln>
             <a:extLst>
               <a:ext uri="{91240B29-F687-4f45-9708-019B960494DF}">
-                <a14:hiddenLine xmlns:a14="http://schemas.microsoft.com/office/drawing/2010/main" xmlns="" w="9525">
+                <a14:hiddenLine xmlns="" xmlns:a14="http://schemas.microsoft.com/office/drawing/2010/main" w="9525">
                   <a:solidFill>
                     <a:srgbClr val="000000"/>
                   </a:solidFill>
@@ -2754,7 +2753,7 @@
             </a:ln>
             <a:extLst>
               <a:ext uri="{91240B29-F687-4f45-9708-019B960494DF}">
-                <a14:hiddenLine xmlns:a14="http://schemas.microsoft.com/office/drawing/2010/main" xmlns="" w="9525">
+                <a14:hiddenLine xmlns="" xmlns:a14="http://schemas.microsoft.com/office/drawing/2010/main" w="9525">
                   <a:solidFill>
                     <a:srgbClr val="000000"/>
                   </a:solidFill>
@@ -2788,7 +2787,7 @@
             </a:ln>
             <a:extLst>
               <a:ext uri="{91240B29-F687-4f45-9708-019B960494DF}">
-                <a14:hiddenLine xmlns:a14="http://schemas.microsoft.com/office/drawing/2010/main" xmlns="" w="9525">
+                <a14:hiddenLine xmlns="" xmlns:a14="http://schemas.microsoft.com/office/drawing/2010/main" w="9525">
                   <a:solidFill>
                     <a:srgbClr val="000000"/>
                   </a:solidFill>
@@ -2878,7 +2877,7 @@
             </a:ln>
             <a:extLst>
               <a:ext uri="{91240B29-F687-4f45-9708-019B960494DF}">
-                <a14:hiddenLine xmlns:a14="http://schemas.microsoft.com/office/drawing/2010/main" xmlns="" w="9525">
+                <a14:hiddenLine xmlns="" xmlns:a14="http://schemas.microsoft.com/office/drawing/2010/main" w="9525">
                   <a:solidFill>
                     <a:srgbClr val="000000"/>
                   </a:solidFill>
@@ -2940,7 +2939,7 @@
             </a:ln>
             <a:extLst>
               <a:ext uri="{91240B29-F687-4f45-9708-019B960494DF}">
-                <a14:hiddenLine xmlns:a14="http://schemas.microsoft.com/office/drawing/2010/main" xmlns="" w="9525">
+                <a14:hiddenLine xmlns="" xmlns:a14="http://schemas.microsoft.com/office/drawing/2010/main" w="9525">
                   <a:solidFill>
                     <a:srgbClr val="000000"/>
                   </a:solidFill>
@@ -3002,7 +3001,7 @@
             </a:ln>
             <a:extLst>
               <a:ext uri="{91240B29-F687-4f45-9708-019B960494DF}">
-                <a14:hiddenLine xmlns:a14="http://schemas.microsoft.com/office/drawing/2010/main" xmlns="" w="9525">
+                <a14:hiddenLine xmlns="" xmlns:a14="http://schemas.microsoft.com/office/drawing/2010/main" w="9525">
                   <a:solidFill>
                     <a:srgbClr val="000000"/>
                   </a:solidFill>
@@ -3092,7 +3091,7 @@
             </a:ln>
             <a:extLst>
               <a:ext uri="{91240B29-F687-4f45-9708-019B960494DF}">
-                <a14:hiddenLine xmlns:a14="http://schemas.microsoft.com/office/drawing/2010/main" xmlns="" w="9525">
+                <a14:hiddenLine xmlns="" xmlns:a14="http://schemas.microsoft.com/office/drawing/2010/main" w="9525">
                   <a:solidFill>
                     <a:srgbClr val="000000"/>
                   </a:solidFill>
@@ -3160,7 +3159,7 @@
             </a:ln>
             <a:extLst>
               <a:ext uri="{91240B29-F687-4f45-9708-019B960494DF}">
-                <a14:hiddenLine xmlns:a14="http://schemas.microsoft.com/office/drawing/2010/main" xmlns="" w="9525">
+                <a14:hiddenLine xmlns="" xmlns:a14="http://schemas.microsoft.com/office/drawing/2010/main" w="9525">
                   <a:solidFill>
                     <a:srgbClr val="000000"/>
                   </a:solidFill>
@@ -3222,7 +3221,7 @@
             </a:ln>
             <a:extLst>
               <a:ext uri="{91240B29-F687-4f45-9708-019B960494DF}">
-                <a14:hiddenLine xmlns:a14="http://schemas.microsoft.com/office/drawing/2010/main" xmlns="" w="9525">
+                <a14:hiddenLine xmlns="" xmlns:a14="http://schemas.microsoft.com/office/drawing/2010/main" w="9525">
                   <a:solidFill>
                     <a:srgbClr val="000000"/>
                   </a:solidFill>
@@ -3312,7 +3311,7 @@
             </a:ln>
             <a:extLst>
               <a:ext uri="{91240B29-F687-4f45-9708-019B960494DF}">
-                <a14:hiddenLine xmlns:a14="http://schemas.microsoft.com/office/drawing/2010/main" xmlns="" w="9525">
+                <a14:hiddenLine xmlns="" xmlns:a14="http://schemas.microsoft.com/office/drawing/2010/main" w="9525">
                   <a:solidFill>
                     <a:srgbClr val="000000"/>
                   </a:solidFill>
@@ -3374,7 +3373,7 @@
             </a:ln>
             <a:extLst>
               <a:ext uri="{91240B29-F687-4f45-9708-019B960494DF}">
-                <a14:hiddenLine xmlns:a14="http://schemas.microsoft.com/office/drawing/2010/main" xmlns="" w="9525">
+                <a14:hiddenLine xmlns="" xmlns:a14="http://schemas.microsoft.com/office/drawing/2010/main" w="9525">
                   <a:solidFill>
                     <a:srgbClr val="000000"/>
                   </a:solidFill>
@@ -3464,7 +3463,7 @@
             </a:ln>
             <a:extLst>
               <a:ext uri="{91240B29-F687-4f45-9708-019B960494DF}">
-                <a14:hiddenLine xmlns:a14="http://schemas.microsoft.com/office/drawing/2010/main" xmlns="" w="9525">
+                <a14:hiddenLine xmlns="" xmlns:a14="http://schemas.microsoft.com/office/drawing/2010/main" w="9525">
                   <a:solidFill>
                     <a:srgbClr val="000000"/>
                   </a:solidFill>
@@ -3526,7 +3525,7 @@
             </a:ln>
             <a:extLst>
               <a:ext uri="{91240B29-F687-4f45-9708-019B960494DF}">
-                <a14:hiddenLine xmlns:a14="http://schemas.microsoft.com/office/drawing/2010/main" xmlns="" w="9525">
+                <a14:hiddenLine xmlns="" xmlns:a14="http://schemas.microsoft.com/office/drawing/2010/main" w="9525">
                   <a:solidFill>
                     <a:srgbClr val="000000"/>
                   </a:solidFill>
@@ -3616,7 +3615,7 @@
             </a:ln>
             <a:extLst>
               <a:ext uri="{91240B29-F687-4f45-9708-019B960494DF}">
-                <a14:hiddenLine xmlns:a14="http://schemas.microsoft.com/office/drawing/2010/main" xmlns="" w="9525">
+                <a14:hiddenLine xmlns="" xmlns:a14="http://schemas.microsoft.com/office/drawing/2010/main" w="9525">
                   <a:solidFill>
                     <a:srgbClr val="000000"/>
                   </a:solidFill>
@@ -3650,7 +3649,7 @@
             </a:ln>
             <a:extLst>
               <a:ext uri="{91240B29-F687-4f45-9708-019B960494DF}">
-                <a14:hiddenLine xmlns:a14="http://schemas.microsoft.com/office/drawing/2010/main" xmlns="" w="9525">
+                <a14:hiddenLine xmlns="" xmlns:a14="http://schemas.microsoft.com/office/drawing/2010/main" w="9525">
                   <a:solidFill>
                     <a:srgbClr val="000000"/>
                   </a:solidFill>
@@ -3715,7 +3714,7 @@
             </a:ln>
             <a:extLst>
               <a:ext uri="{91240B29-F687-4f45-9708-019B960494DF}">
-                <a14:hiddenLine xmlns:a14="http://schemas.microsoft.com/office/drawing/2010/main" xmlns="" w="9525">
+                <a14:hiddenLine xmlns="" xmlns:a14="http://schemas.microsoft.com/office/drawing/2010/main" w="9525">
                   <a:solidFill>
                     <a:srgbClr val="000000"/>
                   </a:solidFill>
@@ -3805,7 +3804,7 @@
             </a:ln>
             <a:extLst>
               <a:ext uri="{91240B29-F687-4f45-9708-019B960494DF}">
-                <a14:hiddenLine xmlns:a14="http://schemas.microsoft.com/office/drawing/2010/main" xmlns="" w="9525">
+                <a14:hiddenLine xmlns="" xmlns:a14="http://schemas.microsoft.com/office/drawing/2010/main" w="9525">
                   <a:solidFill>
                     <a:srgbClr val="000000"/>
                   </a:solidFill>
@@ -3867,7 +3866,7 @@
             </a:ln>
             <a:extLst>
               <a:ext uri="{91240B29-F687-4f45-9708-019B960494DF}">
-                <a14:hiddenLine xmlns:a14="http://schemas.microsoft.com/office/drawing/2010/main" xmlns="" w="9525">
+                <a14:hiddenLine xmlns="" xmlns:a14="http://schemas.microsoft.com/office/drawing/2010/main" w="9525">
                   <a:solidFill>
                     <a:srgbClr val="000000"/>
                   </a:solidFill>
@@ -3957,7 +3956,7 @@
             </a:ln>
             <a:extLst>
               <a:ext uri="{91240B29-F687-4f45-9708-019B960494DF}">
-                <a14:hiddenLine xmlns:a14="http://schemas.microsoft.com/office/drawing/2010/main" xmlns="" w="9525">
+                <a14:hiddenLine xmlns="" xmlns:a14="http://schemas.microsoft.com/office/drawing/2010/main" w="9525">
                   <a:solidFill>
                     <a:srgbClr val="000000"/>
                   </a:solidFill>
@@ -4047,7 +4046,7 @@
             </a:ln>
             <a:extLst>
               <a:ext uri="{91240B29-F687-4f45-9708-019B960494DF}">
-                <a14:hiddenLine xmlns:a14="http://schemas.microsoft.com/office/drawing/2010/main" xmlns="" w="9525">
+                <a14:hiddenLine xmlns="" xmlns:a14="http://schemas.microsoft.com/office/drawing/2010/main" w="9525">
                   <a:solidFill>
                     <a:srgbClr val="000000"/>
                   </a:solidFill>
@@ -4112,7 +4111,7 @@
             </a:ln>
             <a:extLst>
               <a:ext uri="{91240B29-F687-4f45-9708-019B960494DF}">
-                <a14:hiddenLine xmlns:a14="http://schemas.microsoft.com/office/drawing/2010/main" xmlns="" w="9525">
+                <a14:hiddenLine xmlns="" xmlns:a14="http://schemas.microsoft.com/office/drawing/2010/main" w="9525">
                   <a:solidFill>
                     <a:srgbClr val="000000"/>
                   </a:solidFill>
@@ -4174,7 +4173,7 @@
             </a:ln>
             <a:extLst>
               <a:ext uri="{91240B29-F687-4f45-9708-019B960494DF}">
-                <a14:hiddenLine xmlns:a14="http://schemas.microsoft.com/office/drawing/2010/main" xmlns="" w="9525">
+                <a14:hiddenLine xmlns="" xmlns:a14="http://schemas.microsoft.com/office/drawing/2010/main" w="9525">
                   <a:solidFill>
                     <a:srgbClr val="000000"/>
                   </a:solidFill>
@@ -4264,7 +4263,7 @@
             </a:ln>
             <a:extLst>
               <a:ext uri="{91240B29-F687-4f45-9708-019B960494DF}">
-                <a14:hiddenLine xmlns:a14="http://schemas.microsoft.com/office/drawing/2010/main" xmlns="" w="9525">
+                <a14:hiddenLine xmlns="" xmlns:a14="http://schemas.microsoft.com/office/drawing/2010/main" w="9525">
                   <a:solidFill>
                     <a:srgbClr val="000000"/>
                   </a:solidFill>
@@ -4354,7 +4353,7 @@
             </a:ln>
             <a:extLst>
               <a:ext uri="{91240B29-F687-4f45-9708-019B960494DF}">
-                <a14:hiddenLine xmlns:a14="http://schemas.microsoft.com/office/drawing/2010/main" xmlns="" w="9525">
+                <a14:hiddenLine xmlns="" xmlns:a14="http://schemas.microsoft.com/office/drawing/2010/main" w="9525">
                   <a:solidFill>
                     <a:srgbClr val="000000"/>
                   </a:solidFill>
@@ -4416,7 +4415,7 @@
             </a:ln>
             <a:extLst>
               <a:ext uri="{91240B29-F687-4f45-9708-019B960494DF}">
-                <a14:hiddenLine xmlns:a14="http://schemas.microsoft.com/office/drawing/2010/main" xmlns="" w="9525">
+                <a14:hiddenLine xmlns="" xmlns:a14="http://schemas.microsoft.com/office/drawing/2010/main" w="9525">
                   <a:solidFill>
                     <a:srgbClr val="000000"/>
                   </a:solidFill>
@@ -4536,7 +4535,7 @@
             </a:ln>
             <a:extLst>
               <a:ext uri="{91240B29-F687-4f45-9708-019B960494DF}">
-                <a14:hiddenLine xmlns:a14="http://schemas.microsoft.com/office/drawing/2010/main" xmlns="" w="9525">
+                <a14:hiddenLine xmlns="" xmlns:a14="http://schemas.microsoft.com/office/drawing/2010/main" w="9525">
                   <a:solidFill>
                     <a:srgbClr val="000000"/>
                   </a:solidFill>
@@ -4604,7 +4603,7 @@
             </a:ln>
             <a:extLst>
               <a:ext uri="{91240B29-F687-4f45-9708-019B960494DF}">
-                <a14:hiddenLine xmlns:a14="http://schemas.microsoft.com/office/drawing/2010/main" xmlns="" w="9525">
+                <a14:hiddenLine xmlns="" xmlns:a14="http://schemas.microsoft.com/office/drawing/2010/main" w="9525">
                   <a:solidFill>
                     <a:srgbClr val="000000"/>
                   </a:solidFill>
@@ -4694,7 +4693,7 @@
             </a:ln>
             <a:extLst>
               <a:ext uri="{91240B29-F687-4f45-9708-019B960494DF}">
-                <a14:hiddenLine xmlns:a14="http://schemas.microsoft.com/office/drawing/2010/main" xmlns="" w="9525">
+                <a14:hiddenLine xmlns="" xmlns:a14="http://schemas.microsoft.com/office/drawing/2010/main" w="9525">
                   <a:solidFill>
                     <a:srgbClr val="000000"/>
                   </a:solidFill>
@@ -4834,7 +4833,7 @@
           <a:p>
             <a:fld id="{48A87A34-81AB-432B-8DAE-1953F412C126}" type="datetimeFigureOut">
               <a:rPr lang="en-US" dirty="0"/>
-              <a:t>10/21/21</a:t>
+              <a:t>10/22/2021</a:t>
             </a:fld>
             <a:endParaRPr lang="en-US" dirty="0"/>
           </a:p>
@@ -5096,7 +5095,7 @@
           <a:p>
             <a:fld id="{48A87A34-81AB-432B-8DAE-1953F412C126}" type="datetimeFigureOut">
               <a:rPr lang="en-US" dirty="0"/>
-              <a:t>10/21/21</a:t>
+              <a:t>10/22/2021</a:t>
             </a:fld>
             <a:endParaRPr lang="en-US" dirty="0"/>
           </a:p>
@@ -5287,7 +5286,7 @@
           <a:p>
             <a:fld id="{48A87A34-81AB-432B-8DAE-1953F412C126}" type="datetimeFigureOut">
               <a:rPr lang="en-US" dirty="0"/>
-              <a:t>10/21/21</a:t>
+              <a:t>10/22/2021</a:t>
             </a:fld>
             <a:endParaRPr lang="en-US" dirty="0"/>
           </a:p>
@@ -5545,7 +5544,7 @@
           <a:p>
             <a:fld id="{48A87A34-81AB-432B-8DAE-1953F412C126}" type="datetimeFigureOut">
               <a:rPr lang="en-US" dirty="0"/>
-              <a:t>10/21/21</a:t>
+              <a:t>10/22/2021</a:t>
             </a:fld>
             <a:endParaRPr lang="en-US" dirty="0"/>
           </a:p>
@@ -5974,7 +5973,7 @@
           <a:p>
             <a:fld id="{48A87A34-81AB-432B-8DAE-1953F412C126}" type="datetimeFigureOut">
               <a:rPr lang="en-US" dirty="0"/>
-              <a:t>10/21/21</a:t>
+              <a:t>10/22/2021</a:t>
             </a:fld>
             <a:endParaRPr lang="en-US" dirty="0"/>
           </a:p>
@@ -6515,7 +6514,7 @@
           <a:p>
             <a:fld id="{48A87A34-81AB-432B-8DAE-1953F412C126}" type="datetimeFigureOut">
               <a:rPr lang="en-US" dirty="0"/>
-              <a:t>10/21/21</a:t>
+              <a:t>10/22/2021</a:t>
             </a:fld>
             <a:endParaRPr lang="en-US" dirty="0"/>
           </a:p>
@@ -7230,7 +7229,7 @@
           <a:p>
             <a:fld id="{48A87A34-81AB-432B-8DAE-1953F412C126}" type="datetimeFigureOut">
               <a:rPr lang="en-US" dirty="0"/>
-              <a:t>10/21/21</a:t>
+              <a:t>10/22/2021</a:t>
             </a:fld>
             <a:endParaRPr lang="en-US" dirty="0"/>
           </a:p>
@@ -7395,7 +7394,7 @@
           <a:p>
             <a:fld id="{48A87A34-81AB-432B-8DAE-1953F412C126}" type="datetimeFigureOut">
               <a:rPr lang="en-US" dirty="0"/>
-              <a:t>10/21/21</a:t>
+              <a:t>10/22/2021</a:t>
             </a:fld>
             <a:endParaRPr lang="en-US" dirty="0"/>
           </a:p>
@@ -7570,7 +7569,7 @@
           <a:p>
             <a:fld id="{48A87A34-81AB-432B-8DAE-1953F412C126}" type="datetimeFigureOut">
               <a:rPr lang="en-US" dirty="0"/>
-              <a:t>10/21/21</a:t>
+              <a:t>10/22/2021</a:t>
             </a:fld>
             <a:endParaRPr lang="en-US" dirty="0"/>
           </a:p>
@@ -7735,7 +7734,7 @@
           <a:p>
             <a:fld id="{48A87A34-81AB-432B-8DAE-1953F412C126}" type="datetimeFigureOut">
               <a:rPr lang="en-US" dirty="0"/>
-              <a:t>10/21/21</a:t>
+              <a:t>10/22/2021</a:t>
             </a:fld>
             <a:endParaRPr lang="en-US" dirty="0"/>
           </a:p>
@@ -7980,7 +7979,7 @@
           <a:p>
             <a:fld id="{48A87A34-81AB-432B-8DAE-1953F412C126}" type="datetimeFigureOut">
               <a:rPr lang="en-US" dirty="0"/>
-              <a:t>10/21/21</a:t>
+              <a:t>10/22/2021</a:t>
             </a:fld>
             <a:endParaRPr lang="en-US" dirty="0"/>
           </a:p>
@@ -8207,7 +8206,7 @@
           <a:p>
             <a:fld id="{48A87A34-81AB-432B-8DAE-1953F412C126}" type="datetimeFigureOut">
               <a:rPr lang="en-US" dirty="0"/>
-              <a:t>10/21/21</a:t>
+              <a:t>10/22/2021</a:t>
             </a:fld>
             <a:endParaRPr lang="en-US" dirty="0"/>
           </a:p>
@@ -8583,7 +8582,7 @@
           <a:p>
             <a:fld id="{48A87A34-81AB-432B-8DAE-1953F412C126}" type="datetimeFigureOut">
               <a:rPr lang="en-US" dirty="0"/>
-              <a:t>10/21/21</a:t>
+              <a:t>10/22/2021</a:t>
             </a:fld>
             <a:endParaRPr lang="en-US" dirty="0"/>
           </a:p>
@@ -8696,7 +8695,7 @@
           <a:p>
             <a:fld id="{48A87A34-81AB-432B-8DAE-1953F412C126}" type="datetimeFigureOut">
               <a:rPr lang="en-US" dirty="0"/>
-              <a:t>10/21/21</a:t>
+              <a:t>10/22/2021</a:t>
             </a:fld>
             <a:endParaRPr lang="en-US" dirty="0"/>
           </a:p>
@@ -8786,7 +8785,7 @@
           <a:p>
             <a:fld id="{48A87A34-81AB-432B-8DAE-1953F412C126}" type="datetimeFigureOut">
               <a:rPr lang="en-US" dirty="0"/>
-              <a:t>10/21/21</a:t>
+              <a:t>10/22/2021</a:t>
             </a:fld>
             <a:endParaRPr lang="en-US" dirty="0"/>
           </a:p>
@@ -9030,7 +9029,7 @@
           <a:p>
             <a:fld id="{48A87A34-81AB-432B-8DAE-1953F412C126}" type="datetimeFigureOut">
               <a:rPr lang="en-US" dirty="0"/>
-              <a:t>10/21/21</a:t>
+              <a:t>10/22/2021</a:t>
             </a:fld>
             <a:endParaRPr lang="en-US" dirty="0"/>
           </a:p>
@@ -9305,7 +9304,7 @@
           <a:p>
             <a:fld id="{48A87A34-81AB-432B-8DAE-1953F412C126}" type="datetimeFigureOut">
               <a:rPr lang="en-US" dirty="0"/>
-              <a:t>10/21/21</a:t>
+              <a:t>10/22/2021</a:t>
             </a:fld>
             <a:endParaRPr lang="en-US" dirty="0"/>
           </a:p>
@@ -9416,7 +9415,7 @@
           <a:noFill/>
           <a:extLst>
             <a:ext uri="{909E8E84-426E-40dd-AFC4-6F175D3DCCD1}">
-              <a14:hiddenFill xmlns:a14="http://schemas.microsoft.com/office/drawing/2010/main" xmlns="">
+              <a14:hiddenFill xmlns="" xmlns:a14="http://schemas.microsoft.com/office/drawing/2010/main">
                 <a:solidFill>
                   <a:srgbClr val="FFFFFF"/>
                 </a:solidFill>
@@ -9490,7 +9489,7 @@
               </a:ln>
               <a:extLst>
                 <a:ext uri="{91240B29-F687-4f45-9708-019B960494DF}">
-                  <a14:hiddenLine xmlns:a14="http://schemas.microsoft.com/office/drawing/2010/main" xmlns="" w="9525">
+                  <a14:hiddenLine xmlns="" xmlns:a14="http://schemas.microsoft.com/office/drawing/2010/main" w="9525">
                     <a:solidFill>
                       <a:srgbClr val="000000"/>
                     </a:solidFill>
@@ -9580,7 +9579,7 @@
               </a:ln>
               <a:extLst>
                 <a:ext uri="{91240B29-F687-4f45-9708-019B960494DF}">
-                  <a14:hiddenLine xmlns:a14="http://schemas.microsoft.com/office/drawing/2010/main" xmlns="" w="9525">
+                  <a14:hiddenLine xmlns="" xmlns:a14="http://schemas.microsoft.com/office/drawing/2010/main" w="9525">
                     <a:solidFill>
                       <a:srgbClr val="000000"/>
                     </a:solidFill>
@@ -9670,7 +9669,7 @@
               </a:ln>
               <a:extLst>
                 <a:ext uri="{91240B29-F687-4f45-9708-019B960494DF}">
-                  <a14:hiddenLine xmlns:a14="http://schemas.microsoft.com/office/drawing/2010/main" xmlns="" w="9525">
+                  <a14:hiddenLine xmlns="" xmlns:a14="http://schemas.microsoft.com/office/drawing/2010/main" w="9525">
                     <a:solidFill>
                       <a:srgbClr val="000000"/>
                     </a:solidFill>
@@ -9732,7 +9731,7 @@
               </a:ln>
               <a:extLst>
                 <a:ext uri="{91240B29-F687-4f45-9708-019B960494DF}">
-                  <a14:hiddenLine xmlns:a14="http://schemas.microsoft.com/office/drawing/2010/main" xmlns="" w="9525">
+                  <a14:hiddenLine xmlns="" xmlns:a14="http://schemas.microsoft.com/office/drawing/2010/main" w="9525">
                     <a:solidFill>
                       <a:srgbClr val="000000"/>
                     </a:solidFill>
@@ -9822,7 +9821,7 @@
               </a:ln>
               <a:extLst>
                 <a:ext uri="{91240B29-F687-4f45-9708-019B960494DF}">
-                  <a14:hiddenLine xmlns:a14="http://schemas.microsoft.com/office/drawing/2010/main" xmlns="" w="9525">
+                  <a14:hiddenLine xmlns="" xmlns:a14="http://schemas.microsoft.com/office/drawing/2010/main" w="9525">
                     <a:solidFill>
                       <a:srgbClr val="000000"/>
                     </a:solidFill>
@@ -9884,7 +9883,7 @@
               </a:ln>
               <a:extLst>
                 <a:ext uri="{91240B29-F687-4f45-9708-019B960494DF}">
-                  <a14:hiddenLine xmlns:a14="http://schemas.microsoft.com/office/drawing/2010/main" xmlns="" w="9525">
+                  <a14:hiddenLine xmlns="" xmlns:a14="http://schemas.microsoft.com/office/drawing/2010/main" w="9525">
                     <a:solidFill>
                       <a:srgbClr val="000000"/>
                     </a:solidFill>
@@ -9946,7 +9945,7 @@
               </a:ln>
               <a:extLst>
                 <a:ext uri="{91240B29-F687-4f45-9708-019B960494DF}">
-                  <a14:hiddenLine xmlns:a14="http://schemas.microsoft.com/office/drawing/2010/main" xmlns="" w="9525">
+                  <a14:hiddenLine xmlns="" xmlns:a14="http://schemas.microsoft.com/office/drawing/2010/main" w="9525">
                     <a:solidFill>
                       <a:srgbClr val="000000"/>
                     </a:solidFill>
@@ -10036,7 +10035,7 @@
               </a:ln>
               <a:extLst>
                 <a:ext uri="{91240B29-F687-4f45-9708-019B960494DF}">
-                  <a14:hiddenLine xmlns:a14="http://schemas.microsoft.com/office/drawing/2010/main" xmlns="" w="9525">
+                  <a14:hiddenLine xmlns="" xmlns:a14="http://schemas.microsoft.com/office/drawing/2010/main" w="9525">
                     <a:solidFill>
                       <a:srgbClr val="000000"/>
                     </a:solidFill>
@@ -10126,7 +10125,7 @@
               </a:ln>
               <a:extLst>
                 <a:ext uri="{91240B29-F687-4f45-9708-019B960494DF}">
-                  <a14:hiddenLine xmlns:a14="http://schemas.microsoft.com/office/drawing/2010/main" xmlns="" w="9525">
+                  <a14:hiddenLine xmlns="" xmlns:a14="http://schemas.microsoft.com/office/drawing/2010/main" w="9525">
                     <a:solidFill>
                       <a:srgbClr val="000000"/>
                     </a:solidFill>
@@ -10188,7 +10187,7 @@
               </a:ln>
               <a:extLst>
                 <a:ext uri="{91240B29-F687-4f45-9708-019B960494DF}">
-                  <a14:hiddenLine xmlns:a14="http://schemas.microsoft.com/office/drawing/2010/main" xmlns="" w="9525">
+                  <a14:hiddenLine xmlns="" xmlns:a14="http://schemas.microsoft.com/office/drawing/2010/main" w="9525">
                     <a:solidFill>
                       <a:srgbClr val="000000"/>
                     </a:solidFill>
@@ -10298,7 +10297,7 @@
               </a:ln>
               <a:extLst>
                 <a:ext uri="{91240B29-F687-4f45-9708-019B960494DF}">
-                  <a14:hiddenLine xmlns:a14="http://schemas.microsoft.com/office/drawing/2010/main" xmlns="" w="9525">
+                  <a14:hiddenLine xmlns="" xmlns:a14="http://schemas.microsoft.com/office/drawing/2010/main" w="9525">
                     <a:solidFill>
                       <a:srgbClr val="000000"/>
                     </a:solidFill>
@@ -10382,7 +10381,7 @@
               </a:ln>
               <a:extLst>
                 <a:ext uri="{91240B29-F687-4f45-9708-019B960494DF}">
-                  <a14:hiddenLine xmlns:a14="http://schemas.microsoft.com/office/drawing/2010/main" xmlns="" w="9525">
+                  <a14:hiddenLine xmlns="" xmlns:a14="http://schemas.microsoft.com/office/drawing/2010/main" w="9525">
                     <a:solidFill>
                       <a:srgbClr val="000000"/>
                     </a:solidFill>
@@ -10444,7 +10443,7 @@
               </a:ln>
               <a:extLst>
                 <a:ext uri="{91240B29-F687-4f45-9708-019B960494DF}">
-                  <a14:hiddenLine xmlns:a14="http://schemas.microsoft.com/office/drawing/2010/main" xmlns="" w="9525">
+                  <a14:hiddenLine xmlns="" xmlns:a14="http://schemas.microsoft.com/office/drawing/2010/main" w="9525">
                     <a:solidFill>
                       <a:srgbClr val="000000"/>
                     </a:solidFill>
@@ -10506,7 +10505,7 @@
               </a:ln>
               <a:extLst>
                 <a:ext uri="{91240B29-F687-4f45-9708-019B960494DF}">
-                  <a14:hiddenLine xmlns:a14="http://schemas.microsoft.com/office/drawing/2010/main" xmlns="" w="9525">
+                  <a14:hiddenLine xmlns="" xmlns:a14="http://schemas.microsoft.com/office/drawing/2010/main" w="9525">
                     <a:solidFill>
                       <a:srgbClr val="000000"/>
                     </a:solidFill>
@@ -10596,7 +10595,7 @@
               </a:ln>
               <a:extLst>
                 <a:ext uri="{91240B29-F687-4f45-9708-019B960494DF}">
-                  <a14:hiddenLine xmlns:a14="http://schemas.microsoft.com/office/drawing/2010/main" xmlns="" w="9525">
+                  <a14:hiddenLine xmlns="" xmlns:a14="http://schemas.microsoft.com/office/drawing/2010/main" w="9525">
                     <a:solidFill>
                       <a:srgbClr val="000000"/>
                     </a:solidFill>
@@ -10630,7 +10629,7 @@
               </a:ln>
               <a:extLst>
                 <a:ext uri="{91240B29-F687-4f45-9708-019B960494DF}">
-                  <a14:hiddenLine xmlns:a14="http://schemas.microsoft.com/office/drawing/2010/main" xmlns="" w="9525">
+                  <a14:hiddenLine xmlns="" xmlns:a14="http://schemas.microsoft.com/office/drawing/2010/main" w="9525">
                     <a:solidFill>
                       <a:srgbClr val="000000"/>
                     </a:solidFill>
@@ -10695,7 +10694,7 @@
               </a:ln>
               <a:extLst>
                 <a:ext uri="{91240B29-F687-4f45-9708-019B960494DF}">
-                  <a14:hiddenLine xmlns:a14="http://schemas.microsoft.com/office/drawing/2010/main" xmlns="" w="9525">
+                  <a14:hiddenLine xmlns="" xmlns:a14="http://schemas.microsoft.com/office/drawing/2010/main" w="9525">
                     <a:solidFill>
                       <a:srgbClr val="000000"/>
                     </a:solidFill>
@@ -10785,7 +10784,7 @@
               </a:ln>
               <a:extLst>
                 <a:ext uri="{91240B29-F687-4f45-9708-019B960494DF}">
-                  <a14:hiddenLine xmlns:a14="http://schemas.microsoft.com/office/drawing/2010/main" xmlns="" w="9525">
+                  <a14:hiddenLine xmlns="" xmlns:a14="http://schemas.microsoft.com/office/drawing/2010/main" w="9525">
                     <a:solidFill>
                       <a:srgbClr val="000000"/>
                     </a:solidFill>
@@ -10847,7 +10846,7 @@
               </a:ln>
               <a:extLst>
                 <a:ext uri="{91240B29-F687-4f45-9708-019B960494DF}">
-                  <a14:hiddenLine xmlns:a14="http://schemas.microsoft.com/office/drawing/2010/main" xmlns="" w="9525">
+                  <a14:hiddenLine xmlns="" xmlns:a14="http://schemas.microsoft.com/office/drawing/2010/main" w="9525">
                     <a:solidFill>
                       <a:srgbClr val="000000"/>
                     </a:solidFill>
@@ -10937,7 +10936,7 @@
               </a:ln>
               <a:extLst>
                 <a:ext uri="{91240B29-F687-4f45-9708-019B960494DF}">
-                  <a14:hiddenLine xmlns:a14="http://schemas.microsoft.com/office/drawing/2010/main" xmlns="" w="9525">
+                  <a14:hiddenLine xmlns="" xmlns:a14="http://schemas.microsoft.com/office/drawing/2010/main" w="9525">
                     <a:solidFill>
                       <a:srgbClr val="000000"/>
                     </a:solidFill>
@@ -11002,7 +11001,7 @@
               </a:ln>
               <a:extLst>
                 <a:ext uri="{91240B29-F687-4f45-9708-019B960494DF}">
-                  <a14:hiddenLine xmlns:a14="http://schemas.microsoft.com/office/drawing/2010/main" xmlns="" w="9525">
+                  <a14:hiddenLine xmlns="" xmlns:a14="http://schemas.microsoft.com/office/drawing/2010/main" w="9525">
                     <a:solidFill>
                       <a:srgbClr val="000000"/>
                     </a:solidFill>
@@ -11064,7 +11063,7 @@
               </a:ln>
               <a:extLst>
                 <a:ext uri="{91240B29-F687-4f45-9708-019B960494DF}">
-                  <a14:hiddenLine xmlns:a14="http://schemas.microsoft.com/office/drawing/2010/main" xmlns="" w="9525">
+                  <a14:hiddenLine xmlns="" xmlns:a14="http://schemas.microsoft.com/office/drawing/2010/main" w="9525">
                     <a:solidFill>
                       <a:srgbClr val="000000"/>
                     </a:solidFill>
@@ -11154,7 +11153,7 @@
               </a:ln>
               <a:extLst>
                 <a:ext uri="{91240B29-F687-4f45-9708-019B960494DF}">
-                  <a14:hiddenLine xmlns:a14="http://schemas.microsoft.com/office/drawing/2010/main" xmlns="" w="9525">
+                  <a14:hiddenLine xmlns="" xmlns:a14="http://schemas.microsoft.com/office/drawing/2010/main" w="9525">
                     <a:solidFill>
                       <a:srgbClr val="000000"/>
                     </a:solidFill>
@@ -11244,7 +11243,7 @@
               </a:ln>
               <a:extLst>
                 <a:ext uri="{91240B29-F687-4f45-9708-019B960494DF}">
-                  <a14:hiddenLine xmlns:a14="http://schemas.microsoft.com/office/drawing/2010/main" xmlns="" w="9525">
+                  <a14:hiddenLine xmlns="" xmlns:a14="http://schemas.microsoft.com/office/drawing/2010/main" w="9525">
                     <a:solidFill>
                       <a:srgbClr val="000000"/>
                     </a:solidFill>
@@ -11309,7 +11308,7 @@
               </a:ln>
               <a:extLst>
                 <a:ext uri="{91240B29-F687-4f45-9708-019B960494DF}">
-                  <a14:hiddenLine xmlns:a14="http://schemas.microsoft.com/office/drawing/2010/main" xmlns="" w="9525">
+                  <a14:hiddenLine xmlns="" xmlns:a14="http://schemas.microsoft.com/office/drawing/2010/main" w="9525">
                     <a:solidFill>
                       <a:srgbClr val="000000"/>
                     </a:solidFill>
@@ -11429,7 +11428,7 @@
               </a:ln>
               <a:extLst>
                 <a:ext uri="{91240B29-F687-4f45-9708-019B960494DF}">
-                  <a14:hiddenLine xmlns:a14="http://schemas.microsoft.com/office/drawing/2010/main" xmlns="" w="9525">
+                  <a14:hiddenLine xmlns="" xmlns:a14="http://schemas.microsoft.com/office/drawing/2010/main" w="9525">
                     <a:solidFill>
                       <a:srgbClr val="000000"/>
                     </a:solidFill>
@@ -11527,7 +11526,7 @@
               </a:ln>
               <a:extLst>
                 <a:ext uri="{91240B29-F687-4f45-9708-019B960494DF}">
-                  <a14:hiddenLine xmlns:a14="http://schemas.microsoft.com/office/drawing/2010/main" xmlns="" w="9525">
+                  <a14:hiddenLine xmlns="" xmlns:a14="http://schemas.microsoft.com/office/drawing/2010/main" w="9525">
                     <a:solidFill>
                       <a:srgbClr val="000000"/>
                     </a:solidFill>
@@ -11642,7 +11641,7 @@
               </a:ln>
               <a:extLst>
                 <a:ext uri="{91240B29-F687-4f45-9708-019B960494DF}">
-                  <a14:hiddenLine xmlns:a14="http://schemas.microsoft.com/office/drawing/2010/main" xmlns="" w="9525">
+                  <a14:hiddenLine xmlns="" xmlns:a14="http://schemas.microsoft.com/office/drawing/2010/main" w="9525">
                     <a:solidFill>
                       <a:srgbClr val="000000"/>
                     </a:solidFill>
@@ -11732,7 +11731,7 @@
               </a:ln>
               <a:extLst>
                 <a:ext uri="{91240B29-F687-4f45-9708-019B960494DF}">
-                  <a14:hiddenLine xmlns:a14="http://schemas.microsoft.com/office/drawing/2010/main" xmlns="" w="9525">
+                  <a14:hiddenLine xmlns="" xmlns:a14="http://schemas.microsoft.com/office/drawing/2010/main" w="9525">
                     <a:solidFill>
                       <a:srgbClr val="000000"/>
                     </a:solidFill>
@@ -11797,7 +11796,7 @@
               </a:ln>
               <a:extLst>
                 <a:ext uri="{91240B29-F687-4f45-9708-019B960494DF}">
-                  <a14:hiddenLine xmlns:a14="http://schemas.microsoft.com/office/drawing/2010/main" xmlns="" w="9525">
+                  <a14:hiddenLine xmlns="" xmlns:a14="http://schemas.microsoft.com/office/drawing/2010/main" w="9525">
                     <a:solidFill>
                       <a:srgbClr val="000000"/>
                     </a:solidFill>
@@ -11887,7 +11886,7 @@
               </a:ln>
               <a:extLst>
                 <a:ext uri="{91240B29-F687-4f45-9708-019B960494DF}">
-                  <a14:hiddenLine xmlns:a14="http://schemas.microsoft.com/office/drawing/2010/main" xmlns="" w="9525">
+                  <a14:hiddenLine xmlns="" xmlns:a14="http://schemas.microsoft.com/office/drawing/2010/main" w="9525">
                     <a:solidFill>
                       <a:srgbClr val="000000"/>
                     </a:solidFill>
@@ -11955,7 +11954,7 @@
               </a:ln>
               <a:extLst>
                 <a:ext uri="{91240B29-F687-4f45-9708-019B960494DF}">
-                  <a14:hiddenLine xmlns:a14="http://schemas.microsoft.com/office/drawing/2010/main" xmlns="" w="9525">
+                  <a14:hiddenLine xmlns="" xmlns:a14="http://schemas.microsoft.com/office/drawing/2010/main" w="9525">
                     <a:solidFill>
                       <a:srgbClr val="000000"/>
                     </a:solidFill>
@@ -12045,7 +12044,7 @@
               </a:ln>
               <a:extLst>
                 <a:ext uri="{91240B29-F687-4f45-9708-019B960494DF}">
-                  <a14:hiddenLine xmlns:a14="http://schemas.microsoft.com/office/drawing/2010/main" xmlns="" w="9525">
+                  <a14:hiddenLine xmlns="" xmlns:a14="http://schemas.microsoft.com/office/drawing/2010/main" w="9525">
                     <a:solidFill>
                       <a:srgbClr val="000000"/>
                     </a:solidFill>
@@ -12113,7 +12112,7 @@
               </a:ln>
               <a:extLst>
                 <a:ext uri="{91240B29-F687-4f45-9708-019B960494DF}">
-                  <a14:hiddenLine xmlns:a14="http://schemas.microsoft.com/office/drawing/2010/main" xmlns="" w="9525">
+                  <a14:hiddenLine xmlns="" xmlns:a14="http://schemas.microsoft.com/office/drawing/2010/main" w="9525">
                     <a:solidFill>
                       <a:srgbClr val="000000"/>
                     </a:solidFill>
@@ -12203,7 +12202,7 @@
               </a:ln>
               <a:extLst>
                 <a:ext uri="{91240B29-F687-4f45-9708-019B960494DF}">
-                  <a14:hiddenLine xmlns:a14="http://schemas.microsoft.com/office/drawing/2010/main" xmlns="" w="9525">
+                  <a14:hiddenLine xmlns="" xmlns:a14="http://schemas.microsoft.com/office/drawing/2010/main" w="9525">
                     <a:solidFill>
                       <a:srgbClr val="000000"/>
                     </a:solidFill>
@@ -12237,7 +12236,7 @@
               </a:ln>
               <a:extLst>
                 <a:ext uri="{91240B29-F687-4f45-9708-019B960494DF}">
-                  <a14:hiddenLine xmlns:a14="http://schemas.microsoft.com/office/drawing/2010/main" xmlns="" w="9525">
+                  <a14:hiddenLine xmlns="" xmlns:a14="http://schemas.microsoft.com/office/drawing/2010/main" w="9525">
                     <a:solidFill>
                       <a:srgbClr val="000000"/>
                     </a:solidFill>
@@ -12378,7 +12377,7 @@
             <a:fld id="{48A87A34-81AB-432B-8DAE-1953F412C126}" type="datetimeFigureOut">
               <a:rPr lang="en-US" dirty="0"/>
               <a:pPr/>
-              <a:t>10/21/21</a:t>
+              <a:t>10/22/2021</a:t>
             </a:fld>
             <a:endParaRPr lang="en-US" dirty="0"/>
           </a:p>
@@ -12933,90 +12932,6 @@
       </p:grpSpPr>
       <p:sp>
         <p:nvSpPr>
-          <p:cNvPr id="2" name="Título 1">
-            <a:extLst>
-              <a:ext uri="{FF2B5EF4-FFF2-40B4-BE49-F238E27FC236}">
-                <a16:creationId xmlns:a16="http://schemas.microsoft.com/office/drawing/2014/main" id="{72ACF640-0E94-B54F-83A6-5CB6A06C836E}"/>
-              </a:ext>
-            </a:extLst>
-          </p:cNvPr>
-          <p:cNvSpPr>
-            <a:spLocks noGrp="1"/>
-          </p:cNvSpPr>
-          <p:nvPr>
-            <p:ph type="title"/>
-          </p:nvPr>
-        </p:nvSpPr>
-        <p:spPr/>
-        <p:txBody>
-          <a:bodyPr/>
-          <a:lstStyle/>
-          <a:p>
-            <a:pPr algn="ctr"/>
-            <a:r>
-              <a:rPr lang="es-ES" dirty="0"/>
-              <a:t>Resumen y conclusiones</a:t>
-            </a:r>
-          </a:p>
-        </p:txBody>
-      </p:sp>
-      <p:sp>
-        <p:nvSpPr>
-          <p:cNvPr id="3" name="Marcador de contenido 2">
-            <a:extLst>
-              <a:ext uri="{FF2B5EF4-FFF2-40B4-BE49-F238E27FC236}">
-                <a16:creationId xmlns:a16="http://schemas.microsoft.com/office/drawing/2014/main" id="{0E5540C5-D53E-DF45-B270-2161CCC0D4C6}"/>
-              </a:ext>
-            </a:extLst>
-          </p:cNvPr>
-          <p:cNvSpPr>
-            <a:spLocks noGrp="1"/>
-          </p:cNvSpPr>
-          <p:nvPr>
-            <p:ph idx="1"/>
-          </p:nvPr>
-        </p:nvSpPr>
-        <p:spPr/>
-        <p:txBody>
-          <a:bodyPr/>
-          <a:lstStyle/>
-          <a:p>
-            <a:endParaRPr lang="es-ES"/>
-          </a:p>
-        </p:txBody>
-      </p:sp>
-    </p:spTree>
-    <p:extLst>
-      <p:ext uri="{BB962C8B-B14F-4D97-AF65-F5344CB8AC3E}">
-        <p14:creationId xmlns:p14="http://schemas.microsoft.com/office/powerpoint/2010/main" val="3221786181"/>
-      </p:ext>
-    </p:extLst>
-  </p:cSld>
-  <p:clrMapOvr>
-    <a:masterClrMapping/>
-  </p:clrMapOvr>
-</p:sld>
-</file>
-
-<file path=ppt/slides/slide11.xml><?xml version="1.0" encoding="utf-8"?>
-<p:sld xmlns:a="http://schemas.openxmlformats.org/drawingml/2006/main" xmlns:r="http://schemas.openxmlformats.org/officeDocument/2006/relationships" xmlns:p="http://schemas.openxmlformats.org/presentationml/2006/main">
-  <p:cSld>
-    <p:spTree>
-      <p:nvGrpSpPr>
-        <p:cNvPr id="1" name=""/>
-        <p:cNvGrpSpPr/>
-        <p:nvPr/>
-      </p:nvGrpSpPr>
-      <p:grpSpPr>
-        <a:xfrm>
-          <a:off x="0" y="0"/>
-          <a:ext cx="0" cy="0"/>
-          <a:chOff x="0" y="0"/>
-          <a:chExt cx="0" cy="0"/>
-        </a:xfrm>
-      </p:grpSpPr>
-      <p:sp>
-        <p:nvSpPr>
           <p:cNvPr id="2" name="CuadroTexto 1">
             <a:extLst>
               <a:ext uri="{FF2B5EF4-FFF2-40B4-BE49-F238E27FC236}">
@@ -13273,31 +13188,45 @@
           </a:p>
         </p:txBody>
       </p:sp>
-      <p:sp>
-        <p:nvSpPr>
-          <p:cNvPr id="3" name="Marcador de contenido 2">
+      <p:pic>
+        <p:nvPicPr>
+          <p:cNvPr id="4" name="Imagen 3" descr="Interfaz de usuario gráfica, Sitio web&#10;&#10;Descripción generada automáticamente">
             <a:extLst>
               <a:ext uri="{FF2B5EF4-FFF2-40B4-BE49-F238E27FC236}">
-                <a16:creationId xmlns:a16="http://schemas.microsoft.com/office/drawing/2014/main" id="{27E5F811-7B9C-EF40-B53B-887C9B558D17}"/>
+                <a16:creationId xmlns:a16="http://schemas.microsoft.com/office/drawing/2014/main" id="{E4661123-2159-4ED1-80BD-800535046682}"/>
               </a:ext>
             </a:extLst>
           </p:cNvPr>
-          <p:cNvSpPr>
-            <a:spLocks noGrp="1"/>
-          </p:cNvSpPr>
-          <p:nvPr>
-            <p:ph idx="1"/>
-          </p:nvPr>
-        </p:nvSpPr>
-        <p:spPr/>
-        <p:txBody>
-          <a:bodyPr/>
-          <a:lstStyle/>
-          <a:p>
-            <a:endParaRPr lang="es-ES"/>
-          </a:p>
-        </p:txBody>
-      </p:sp>
+          <p:cNvPicPr/>
+          <p:nvPr/>
+        </p:nvPicPr>
+        <p:blipFill>
+          <a:blip r:embed="rId2">
+            <a:extLst>
+              <a:ext uri="{28A0092B-C50C-407E-A947-70E740481C1C}">
+                <a14:useLocalDpi xmlns:a14="http://schemas.microsoft.com/office/drawing/2010/main" val="0"/>
+              </a:ext>
+            </a:extLst>
+          </a:blip>
+          <a:srcRect/>
+          <a:stretch>
+            <a:fillRect/>
+          </a:stretch>
+        </p:blipFill>
+        <p:spPr bwMode="auto">
+          <a:xfrm>
+            <a:off x="2691129" y="2107205"/>
+            <a:ext cx="6806565" cy="3888476"/>
+          </a:xfrm>
+          <a:prstGeom prst="rect">
+            <a:avLst/>
+          </a:prstGeom>
+          <a:noFill/>
+          <a:ln>
+            <a:noFill/>
+          </a:ln>
+        </p:spPr>
+      </p:pic>
     </p:spTree>
     <p:extLst>
       <p:ext uri="{BB962C8B-B14F-4D97-AF65-F5344CB8AC3E}">
@@ -13357,28 +13286,160 @@
           </a:p>
         </p:txBody>
       </p:sp>
-      <p:sp>
-        <p:nvSpPr>
-          <p:cNvPr id="3" name="Marcador de contenido 2">
+      <p:pic>
+        <p:nvPicPr>
+          <p:cNvPr id="5" name="Imagen 4">
             <a:extLst>
               <a:ext uri="{FF2B5EF4-FFF2-40B4-BE49-F238E27FC236}">
-                <a16:creationId xmlns:a16="http://schemas.microsoft.com/office/drawing/2014/main" id="{FEAC9932-9B1A-D04A-B9CE-F09CE18B38C8}"/>
+                <a16:creationId xmlns:a16="http://schemas.microsoft.com/office/drawing/2014/main" id="{F3B0B2A3-ACE7-4DDC-9AEF-0301DBDFCFE4}"/>
               </a:ext>
             </a:extLst>
           </p:cNvPr>
-          <p:cNvSpPr>
-            <a:spLocks noGrp="1"/>
-          </p:cNvSpPr>
-          <p:nvPr>
-            <p:ph idx="1"/>
-          </p:nvPr>
+          <p:cNvPicPr>
+            <a:picLocks noChangeAspect="1"/>
+          </p:cNvPicPr>
+          <p:nvPr/>
+        </p:nvPicPr>
+        <p:blipFill>
+          <a:blip r:embed="rId2"/>
+          <a:stretch>
+            <a:fillRect/>
+          </a:stretch>
+        </p:blipFill>
+        <p:spPr>
+          <a:xfrm>
+            <a:off x="2532981" y="2093807"/>
+            <a:ext cx="2138697" cy="2330032"/>
+          </a:xfrm>
+          <a:prstGeom prst="rect">
+            <a:avLst/>
+          </a:prstGeom>
+        </p:spPr>
+      </p:pic>
+      <p:sp>
+        <p:nvSpPr>
+          <p:cNvPr id="6" name="CuadroTexto 5">
+            <a:extLst>
+              <a:ext uri="{FF2B5EF4-FFF2-40B4-BE49-F238E27FC236}">
+                <a16:creationId xmlns:a16="http://schemas.microsoft.com/office/drawing/2014/main" id="{2CB623D4-89DC-4870-A9E5-1283EC1AC4F3}"/>
+              </a:ext>
+            </a:extLst>
+          </p:cNvPr>
+          <p:cNvSpPr txBox="1"/>
+          <p:nvPr/>
         </p:nvSpPr>
-        <p:spPr/>
+        <p:spPr>
+          <a:xfrm>
+            <a:off x="2532982" y="4432134"/>
+            <a:ext cx="2138696" cy="1200329"/>
+          </a:xfrm>
+          <a:prstGeom prst="rect">
+            <a:avLst/>
+          </a:prstGeom>
+          <a:noFill/>
+        </p:spPr>
         <p:txBody>
-          <a:bodyPr/>
+          <a:bodyPr wrap="square" rtlCol="0">
+            <a:spAutoFit/>
+          </a:bodyPr>
           <a:lstStyle/>
           <a:p>
-            <a:endParaRPr lang="es-ES"/>
+            <a:r>
+              <a:rPr lang="es-ES" dirty="0"/>
+              <a:t>Cámara de control de aforo</a:t>
+            </a:r>
+          </a:p>
+          <a:p>
+            <a:r>
+              <a:rPr lang="es-ES" dirty="0" err="1"/>
+              <a:t>MiniPc</a:t>
+            </a:r>
+            <a:r>
+              <a:rPr lang="es-ES" dirty="0"/>
+              <a:t> con software</a:t>
+            </a:r>
+          </a:p>
+          <a:p>
+            <a:r>
+              <a:rPr lang="es-ES" dirty="0"/>
+              <a:t>1534.60 euros</a:t>
+            </a:r>
+          </a:p>
+        </p:txBody>
+      </p:sp>
+      <p:pic>
+        <p:nvPicPr>
+          <p:cNvPr id="8" name="Imagen 7">
+            <a:extLst>
+              <a:ext uri="{FF2B5EF4-FFF2-40B4-BE49-F238E27FC236}">
+                <a16:creationId xmlns:a16="http://schemas.microsoft.com/office/drawing/2014/main" id="{949EFC84-39EC-4E63-9023-F58582FB6F12}"/>
+              </a:ext>
+            </a:extLst>
+          </p:cNvPr>
+          <p:cNvPicPr>
+            <a:picLocks noChangeAspect="1"/>
+          </p:cNvPicPr>
+          <p:nvPr/>
+        </p:nvPicPr>
+        <p:blipFill>
+          <a:blip r:embed="rId3"/>
+          <a:stretch>
+            <a:fillRect/>
+          </a:stretch>
+        </p:blipFill>
+        <p:spPr>
+          <a:xfrm>
+            <a:off x="7163103" y="2093807"/>
+            <a:ext cx="2495916" cy="2323471"/>
+          </a:xfrm>
+          <a:prstGeom prst="rect">
+            <a:avLst/>
+          </a:prstGeom>
+        </p:spPr>
+      </p:pic>
+      <p:sp>
+        <p:nvSpPr>
+          <p:cNvPr id="9" name="CuadroTexto 8">
+            <a:extLst>
+              <a:ext uri="{FF2B5EF4-FFF2-40B4-BE49-F238E27FC236}">
+                <a16:creationId xmlns:a16="http://schemas.microsoft.com/office/drawing/2014/main" id="{4DDD3D79-A23B-4D04-84C9-B23563FF0A8B}"/>
+              </a:ext>
+            </a:extLst>
+          </p:cNvPr>
+          <p:cNvSpPr txBox="1"/>
+          <p:nvPr/>
+        </p:nvSpPr>
+        <p:spPr>
+          <a:xfrm>
+            <a:off x="7415147" y="4435232"/>
+            <a:ext cx="1991827" cy="646331"/>
+          </a:xfrm>
+          <a:prstGeom prst="rect">
+            <a:avLst/>
+          </a:prstGeom>
+          <a:noFill/>
+        </p:spPr>
+        <p:txBody>
+          <a:bodyPr wrap="none" rtlCol="0">
+            <a:spAutoFit/>
+          </a:bodyPr>
+          <a:lstStyle/>
+          <a:p>
+            <a:r>
+              <a:rPr lang="es-ES" dirty="0"/>
+              <a:t>Torno </a:t>
+            </a:r>
+            <a:r>
+              <a:rPr lang="es-ES" dirty="0" err="1"/>
+              <a:t>bi-direccional</a:t>
+            </a:r>
+            <a:endParaRPr lang="es-ES" dirty="0"/>
+          </a:p>
+          <a:p>
+            <a:r>
+              <a:rPr lang="es-ES" dirty="0"/>
+              <a:t>882 euros</a:t>
+            </a:r>
           </a:p>
         </p:txBody>
       </p:sp>

--- a/Control de aforo.pptx
+++ b/Control de aforo.pptx
@@ -5,7 +5,7 @@
     <p:sldMasterId id="2147483648" r:id="rId1"/>
   </p:sldMasterIdLst>
   <p:notesMasterIdLst>
-    <p:notesMasterId r:id="rId13"/>
+    <p:notesMasterId r:id="rId15"/>
   </p:notesMasterIdLst>
   <p:sldIdLst>
     <p:sldId id="256" r:id="rId2"/>
@@ -16,9 +16,11 @@
     <p:sldId id="267" r:id="rId7"/>
     <p:sldId id="261" r:id="rId8"/>
     <p:sldId id="262" r:id="rId9"/>
-    <p:sldId id="263" r:id="rId10"/>
-    <p:sldId id="264" r:id="rId11"/>
-    <p:sldId id="266" r:id="rId12"/>
+    <p:sldId id="268" r:id="rId10"/>
+    <p:sldId id="269" r:id="rId11"/>
+    <p:sldId id="270" r:id="rId12"/>
+    <p:sldId id="263" r:id="rId13"/>
+    <p:sldId id="266" r:id="rId14"/>
   </p:sldIdLst>
   <p:sldSz cx="12192000" cy="6858000"/>
   <p:notesSz cx="6858000" cy="9144000"/>
@@ -207,7 +209,7 @@
           <a:p>
             <a:fld id="{01B1A0F6-F4BF-D147-AC57-5D0753BA1C2F}" type="datetimeFigureOut">
               <a:rPr lang="es-ES" smtClean="0"/>
-              <a:t>21/10/21</a:t>
+              <a:t>22/10/2021</a:t>
             </a:fld>
             <a:endParaRPr lang="es-ES"/>
           </a:p>
@@ -608,7 +610,7 @@
           <a:noFill/>
           <a:extLst>
             <a:ext uri="{909E8E84-426E-40dd-AFC4-6F175D3DCCD1}">
-              <a14:hiddenFill xmlns:a14="http://schemas.microsoft.com/office/drawing/2010/main" xmlns="">
+              <a14:hiddenFill xmlns="" xmlns:a14="http://schemas.microsoft.com/office/drawing/2010/main">
                 <a:solidFill>
                   <a:srgbClr val="FFFFFF"/>
                 </a:solidFill>
@@ -668,7 +670,7 @@
             </a:ln>
             <a:extLst>
               <a:ext uri="{91240B29-F687-4f45-9708-019B960494DF}">
-                <a14:hiddenLine xmlns:a14="http://schemas.microsoft.com/office/drawing/2010/main" xmlns="" w="9525">
+                <a14:hiddenLine xmlns="" xmlns:a14="http://schemas.microsoft.com/office/drawing/2010/main" w="9525">
                   <a:solidFill>
                     <a:srgbClr val="000000"/>
                   </a:solidFill>
@@ -758,7 +760,7 @@
             </a:ln>
             <a:extLst>
               <a:ext uri="{91240B29-F687-4f45-9708-019B960494DF}">
-                <a14:hiddenLine xmlns:a14="http://schemas.microsoft.com/office/drawing/2010/main" xmlns="" w="9525">
+                <a14:hiddenLine xmlns="" xmlns:a14="http://schemas.microsoft.com/office/drawing/2010/main" w="9525">
                   <a:solidFill>
                     <a:srgbClr val="000000"/>
                   </a:solidFill>
@@ -848,7 +850,7 @@
             </a:ln>
             <a:extLst>
               <a:ext uri="{91240B29-F687-4f45-9708-019B960494DF}">
-                <a14:hiddenLine xmlns:a14="http://schemas.microsoft.com/office/drawing/2010/main" xmlns="" w="9525">
+                <a14:hiddenLine xmlns="" xmlns:a14="http://schemas.microsoft.com/office/drawing/2010/main" w="9525">
                   <a:solidFill>
                     <a:srgbClr val="000000"/>
                   </a:solidFill>
@@ -882,7 +884,7 @@
             </a:ln>
             <a:extLst>
               <a:ext uri="{91240B29-F687-4f45-9708-019B960494DF}">
-                <a14:hiddenLine xmlns:a14="http://schemas.microsoft.com/office/drawing/2010/main" xmlns="" w="9525">
+                <a14:hiddenLine xmlns="" xmlns:a14="http://schemas.microsoft.com/office/drawing/2010/main" w="9525">
                   <a:solidFill>
                     <a:srgbClr val="000000"/>
                   </a:solidFill>
@@ -972,7 +974,7 @@
             </a:ln>
             <a:extLst>
               <a:ext uri="{91240B29-F687-4f45-9708-019B960494DF}">
-                <a14:hiddenLine xmlns:a14="http://schemas.microsoft.com/office/drawing/2010/main" xmlns="" w="9525">
+                <a14:hiddenLine xmlns="" xmlns:a14="http://schemas.microsoft.com/office/drawing/2010/main" w="9525">
                   <a:solidFill>
                     <a:srgbClr val="000000"/>
                   </a:solidFill>
@@ -1034,7 +1036,7 @@
             </a:ln>
             <a:extLst>
               <a:ext uri="{91240B29-F687-4f45-9708-019B960494DF}">
-                <a14:hiddenLine xmlns:a14="http://schemas.microsoft.com/office/drawing/2010/main" xmlns="" w="9525">
+                <a14:hiddenLine xmlns="" xmlns:a14="http://schemas.microsoft.com/office/drawing/2010/main" w="9525">
                   <a:solidFill>
                     <a:srgbClr val="000000"/>
                   </a:solidFill>
@@ -1096,7 +1098,7 @@
             </a:ln>
             <a:extLst>
               <a:ext uri="{91240B29-F687-4f45-9708-019B960494DF}">
-                <a14:hiddenLine xmlns:a14="http://schemas.microsoft.com/office/drawing/2010/main" xmlns="" w="9525">
+                <a14:hiddenLine xmlns="" xmlns:a14="http://schemas.microsoft.com/office/drawing/2010/main" w="9525">
                   <a:solidFill>
                     <a:srgbClr val="000000"/>
                   </a:solidFill>
@@ -1186,7 +1188,7 @@
             </a:ln>
             <a:extLst>
               <a:ext uri="{91240B29-F687-4f45-9708-019B960494DF}">
-                <a14:hiddenLine xmlns:a14="http://schemas.microsoft.com/office/drawing/2010/main" xmlns="" w="9525">
+                <a14:hiddenLine xmlns="" xmlns:a14="http://schemas.microsoft.com/office/drawing/2010/main" w="9525">
                   <a:solidFill>
                     <a:srgbClr val="000000"/>
                   </a:solidFill>
@@ -1248,7 +1250,7 @@
             </a:ln>
             <a:extLst>
               <a:ext uri="{91240B29-F687-4f45-9708-019B960494DF}">
-                <a14:hiddenLine xmlns:a14="http://schemas.microsoft.com/office/drawing/2010/main" xmlns="" w="9525">
+                <a14:hiddenLine xmlns="" xmlns:a14="http://schemas.microsoft.com/office/drawing/2010/main" w="9525">
                   <a:solidFill>
                     <a:srgbClr val="000000"/>
                   </a:solidFill>
@@ -1310,7 +1312,7 @@
             </a:ln>
             <a:extLst>
               <a:ext uri="{91240B29-F687-4f45-9708-019B960494DF}">
-                <a14:hiddenLine xmlns:a14="http://schemas.microsoft.com/office/drawing/2010/main" xmlns="" w="9525">
+                <a14:hiddenLine xmlns="" xmlns:a14="http://schemas.microsoft.com/office/drawing/2010/main" w="9525">
                   <a:solidFill>
                     <a:srgbClr val="000000"/>
                   </a:solidFill>
@@ -1400,7 +1402,7 @@
             </a:ln>
             <a:extLst>
               <a:ext uri="{91240B29-F687-4f45-9708-019B960494DF}">
-                <a14:hiddenLine xmlns:a14="http://schemas.microsoft.com/office/drawing/2010/main" xmlns="" w="9525">
+                <a14:hiddenLine xmlns="" xmlns:a14="http://schemas.microsoft.com/office/drawing/2010/main" w="9525">
                   <a:solidFill>
                     <a:srgbClr val="000000"/>
                   </a:solidFill>
@@ -1490,7 +1492,7 @@
             </a:ln>
             <a:extLst>
               <a:ext uri="{91240B29-F687-4f45-9708-019B960494DF}">
-                <a14:hiddenLine xmlns:a14="http://schemas.microsoft.com/office/drawing/2010/main" xmlns="" w="9525">
+                <a14:hiddenLine xmlns="" xmlns:a14="http://schemas.microsoft.com/office/drawing/2010/main" w="9525">
                   <a:solidFill>
                     <a:srgbClr val="000000"/>
                   </a:solidFill>
@@ -1552,7 +1554,7 @@
             </a:ln>
             <a:extLst>
               <a:ext uri="{91240B29-F687-4f45-9708-019B960494DF}">
-                <a14:hiddenLine xmlns:a14="http://schemas.microsoft.com/office/drawing/2010/main" xmlns="" w="9525">
+                <a14:hiddenLine xmlns="" xmlns:a14="http://schemas.microsoft.com/office/drawing/2010/main" w="9525">
                   <a:solidFill>
                     <a:srgbClr val="000000"/>
                   </a:solidFill>
@@ -1662,7 +1664,7 @@
             </a:ln>
             <a:extLst>
               <a:ext uri="{91240B29-F687-4f45-9708-019B960494DF}">
-                <a14:hiddenLine xmlns:a14="http://schemas.microsoft.com/office/drawing/2010/main" xmlns="" w="9525">
+                <a14:hiddenLine xmlns="" xmlns:a14="http://schemas.microsoft.com/office/drawing/2010/main" w="9525">
                   <a:solidFill>
                     <a:srgbClr val="000000"/>
                   </a:solidFill>
@@ -1724,7 +1726,7 @@
             </a:ln>
             <a:extLst>
               <a:ext uri="{91240B29-F687-4f45-9708-019B960494DF}">
-                <a14:hiddenLine xmlns:a14="http://schemas.microsoft.com/office/drawing/2010/main" xmlns="" w="9525">
+                <a14:hiddenLine xmlns="" xmlns:a14="http://schemas.microsoft.com/office/drawing/2010/main" w="9525">
                   <a:solidFill>
                     <a:srgbClr val="000000"/>
                   </a:solidFill>
@@ -1814,7 +1816,7 @@
             </a:ln>
             <a:extLst>
               <a:ext uri="{91240B29-F687-4f45-9708-019B960494DF}">
-                <a14:hiddenLine xmlns:a14="http://schemas.microsoft.com/office/drawing/2010/main" xmlns="" w="9525">
+                <a14:hiddenLine xmlns="" xmlns:a14="http://schemas.microsoft.com/office/drawing/2010/main" w="9525">
                   <a:solidFill>
                     <a:srgbClr val="000000"/>
                   </a:solidFill>
@@ -1904,7 +1906,7 @@
             </a:ln>
             <a:extLst>
               <a:ext uri="{91240B29-F687-4f45-9708-019B960494DF}">
-                <a14:hiddenLine xmlns:a14="http://schemas.microsoft.com/office/drawing/2010/main" xmlns="" w="9525">
+                <a14:hiddenLine xmlns="" xmlns:a14="http://schemas.microsoft.com/office/drawing/2010/main" w="9525">
                   <a:solidFill>
                     <a:srgbClr val="000000"/>
                   </a:solidFill>
@@ -1966,7 +1968,7 @@
             </a:ln>
             <a:extLst>
               <a:ext uri="{91240B29-F687-4f45-9708-019B960494DF}">
-                <a14:hiddenLine xmlns:a14="http://schemas.microsoft.com/office/drawing/2010/main" xmlns="" w="9525">
+                <a14:hiddenLine xmlns="" xmlns:a14="http://schemas.microsoft.com/office/drawing/2010/main" w="9525">
                   <a:solidFill>
                     <a:srgbClr val="000000"/>
                   </a:solidFill>
@@ -2056,7 +2058,7 @@
             </a:ln>
             <a:extLst>
               <a:ext uri="{91240B29-F687-4f45-9708-019B960494DF}">
-                <a14:hiddenLine xmlns:a14="http://schemas.microsoft.com/office/drawing/2010/main" xmlns="" w="9525">
+                <a14:hiddenLine xmlns="" xmlns:a14="http://schemas.microsoft.com/office/drawing/2010/main" w="9525">
                   <a:solidFill>
                     <a:srgbClr val="000000"/>
                   </a:solidFill>
@@ -2146,7 +2148,7 @@
             </a:ln>
             <a:extLst>
               <a:ext uri="{91240B29-F687-4f45-9708-019B960494DF}">
-                <a14:hiddenLine xmlns:a14="http://schemas.microsoft.com/office/drawing/2010/main" xmlns="" w="9525">
+                <a14:hiddenLine xmlns="" xmlns:a14="http://schemas.microsoft.com/office/drawing/2010/main" w="9525">
                   <a:solidFill>
                     <a:srgbClr val="000000"/>
                   </a:solidFill>
@@ -2202,7 +2204,7 @@
             </a:ln>
             <a:extLst>
               <a:ext uri="{91240B29-F687-4f45-9708-019B960494DF}">
-                <a14:hiddenLine xmlns:a14="http://schemas.microsoft.com/office/drawing/2010/main" xmlns="" w="9525">
+                <a14:hiddenLine xmlns="" xmlns:a14="http://schemas.microsoft.com/office/drawing/2010/main" w="9525">
                   <a:solidFill>
                     <a:srgbClr val="000000"/>
                   </a:solidFill>
@@ -2292,7 +2294,7 @@
             </a:ln>
             <a:extLst>
               <a:ext uri="{91240B29-F687-4f45-9708-019B960494DF}">
-                <a14:hiddenLine xmlns:a14="http://schemas.microsoft.com/office/drawing/2010/main" xmlns="" w="9525">
+                <a14:hiddenLine xmlns="" xmlns:a14="http://schemas.microsoft.com/office/drawing/2010/main" w="9525">
                   <a:solidFill>
                     <a:srgbClr val="000000"/>
                   </a:solidFill>
@@ -2348,7 +2350,7 @@
             </a:ln>
             <a:extLst>
               <a:ext uri="{91240B29-F687-4f45-9708-019B960494DF}">
-                <a14:hiddenLine xmlns:a14="http://schemas.microsoft.com/office/drawing/2010/main" xmlns="" w="9525">
+                <a14:hiddenLine xmlns="" xmlns:a14="http://schemas.microsoft.com/office/drawing/2010/main" w="9525">
                   <a:solidFill>
                     <a:srgbClr val="000000"/>
                   </a:solidFill>
@@ -2438,7 +2440,7 @@
             </a:ln>
             <a:extLst>
               <a:ext uri="{91240B29-F687-4f45-9708-019B960494DF}">
-                <a14:hiddenLine xmlns:a14="http://schemas.microsoft.com/office/drawing/2010/main" xmlns="" w="9525">
+                <a14:hiddenLine xmlns="" xmlns:a14="http://schemas.microsoft.com/office/drawing/2010/main" w="9525">
                   <a:solidFill>
                     <a:srgbClr val="000000"/>
                   </a:solidFill>
@@ -2506,7 +2508,7 @@
             </a:ln>
             <a:extLst>
               <a:ext uri="{91240B29-F687-4f45-9708-019B960494DF}">
-                <a14:hiddenLine xmlns:a14="http://schemas.microsoft.com/office/drawing/2010/main" xmlns="" w="9525">
+                <a14:hiddenLine xmlns="" xmlns:a14="http://schemas.microsoft.com/office/drawing/2010/main" w="9525">
                   <a:solidFill>
                     <a:srgbClr val="000000"/>
                   </a:solidFill>
@@ -2596,7 +2598,7 @@
             </a:ln>
             <a:extLst>
               <a:ext uri="{91240B29-F687-4f45-9708-019B960494DF}">
-                <a14:hiddenLine xmlns:a14="http://schemas.microsoft.com/office/drawing/2010/main" xmlns="" w="9525">
+                <a14:hiddenLine xmlns="" xmlns:a14="http://schemas.microsoft.com/office/drawing/2010/main" w="9525">
                   <a:solidFill>
                     <a:srgbClr val="000000"/>
                   </a:solidFill>
@@ -2664,7 +2666,7 @@
             </a:ln>
             <a:extLst>
               <a:ext uri="{91240B29-F687-4f45-9708-019B960494DF}">
-                <a14:hiddenLine xmlns:a14="http://schemas.microsoft.com/office/drawing/2010/main" xmlns="" w="9525">
+                <a14:hiddenLine xmlns="" xmlns:a14="http://schemas.microsoft.com/office/drawing/2010/main" w="9525">
                   <a:solidFill>
                     <a:srgbClr val="000000"/>
                   </a:solidFill>
@@ -2754,7 +2756,7 @@
             </a:ln>
             <a:extLst>
               <a:ext uri="{91240B29-F687-4f45-9708-019B960494DF}">
-                <a14:hiddenLine xmlns:a14="http://schemas.microsoft.com/office/drawing/2010/main" xmlns="" w="9525">
+                <a14:hiddenLine xmlns="" xmlns:a14="http://schemas.microsoft.com/office/drawing/2010/main" w="9525">
                   <a:solidFill>
                     <a:srgbClr val="000000"/>
                   </a:solidFill>
@@ -2788,7 +2790,7 @@
             </a:ln>
             <a:extLst>
               <a:ext uri="{91240B29-F687-4f45-9708-019B960494DF}">
-                <a14:hiddenLine xmlns:a14="http://schemas.microsoft.com/office/drawing/2010/main" xmlns="" w="9525">
+                <a14:hiddenLine xmlns="" xmlns:a14="http://schemas.microsoft.com/office/drawing/2010/main" w="9525">
                   <a:solidFill>
                     <a:srgbClr val="000000"/>
                   </a:solidFill>
@@ -2878,7 +2880,7 @@
             </a:ln>
             <a:extLst>
               <a:ext uri="{91240B29-F687-4f45-9708-019B960494DF}">
-                <a14:hiddenLine xmlns:a14="http://schemas.microsoft.com/office/drawing/2010/main" xmlns="" w="9525">
+                <a14:hiddenLine xmlns="" xmlns:a14="http://schemas.microsoft.com/office/drawing/2010/main" w="9525">
                   <a:solidFill>
                     <a:srgbClr val="000000"/>
                   </a:solidFill>
@@ -2940,7 +2942,7 @@
             </a:ln>
             <a:extLst>
               <a:ext uri="{91240B29-F687-4f45-9708-019B960494DF}">
-                <a14:hiddenLine xmlns:a14="http://schemas.microsoft.com/office/drawing/2010/main" xmlns="" w="9525">
+                <a14:hiddenLine xmlns="" xmlns:a14="http://schemas.microsoft.com/office/drawing/2010/main" w="9525">
                   <a:solidFill>
                     <a:srgbClr val="000000"/>
                   </a:solidFill>
@@ -3002,7 +3004,7 @@
             </a:ln>
             <a:extLst>
               <a:ext uri="{91240B29-F687-4f45-9708-019B960494DF}">
-                <a14:hiddenLine xmlns:a14="http://schemas.microsoft.com/office/drawing/2010/main" xmlns="" w="9525">
+                <a14:hiddenLine xmlns="" xmlns:a14="http://schemas.microsoft.com/office/drawing/2010/main" w="9525">
                   <a:solidFill>
                     <a:srgbClr val="000000"/>
                   </a:solidFill>
@@ -3092,7 +3094,7 @@
             </a:ln>
             <a:extLst>
               <a:ext uri="{91240B29-F687-4f45-9708-019B960494DF}">
-                <a14:hiddenLine xmlns:a14="http://schemas.microsoft.com/office/drawing/2010/main" xmlns="" w="9525">
+                <a14:hiddenLine xmlns="" xmlns:a14="http://schemas.microsoft.com/office/drawing/2010/main" w="9525">
                   <a:solidFill>
                     <a:srgbClr val="000000"/>
                   </a:solidFill>
@@ -3160,7 +3162,7 @@
             </a:ln>
             <a:extLst>
               <a:ext uri="{91240B29-F687-4f45-9708-019B960494DF}">
-                <a14:hiddenLine xmlns:a14="http://schemas.microsoft.com/office/drawing/2010/main" xmlns="" w="9525">
+                <a14:hiddenLine xmlns="" xmlns:a14="http://schemas.microsoft.com/office/drawing/2010/main" w="9525">
                   <a:solidFill>
                     <a:srgbClr val="000000"/>
                   </a:solidFill>
@@ -3222,7 +3224,7 @@
             </a:ln>
             <a:extLst>
               <a:ext uri="{91240B29-F687-4f45-9708-019B960494DF}">
-                <a14:hiddenLine xmlns:a14="http://schemas.microsoft.com/office/drawing/2010/main" xmlns="" w="9525">
+                <a14:hiddenLine xmlns="" xmlns:a14="http://schemas.microsoft.com/office/drawing/2010/main" w="9525">
                   <a:solidFill>
                     <a:srgbClr val="000000"/>
                   </a:solidFill>
@@ -3312,7 +3314,7 @@
             </a:ln>
             <a:extLst>
               <a:ext uri="{91240B29-F687-4f45-9708-019B960494DF}">
-                <a14:hiddenLine xmlns:a14="http://schemas.microsoft.com/office/drawing/2010/main" xmlns="" w="9525">
+                <a14:hiddenLine xmlns="" xmlns:a14="http://schemas.microsoft.com/office/drawing/2010/main" w="9525">
                   <a:solidFill>
                     <a:srgbClr val="000000"/>
                   </a:solidFill>
@@ -3374,7 +3376,7 @@
             </a:ln>
             <a:extLst>
               <a:ext uri="{91240B29-F687-4f45-9708-019B960494DF}">
-                <a14:hiddenLine xmlns:a14="http://schemas.microsoft.com/office/drawing/2010/main" xmlns="" w="9525">
+                <a14:hiddenLine xmlns="" xmlns:a14="http://schemas.microsoft.com/office/drawing/2010/main" w="9525">
                   <a:solidFill>
                     <a:srgbClr val="000000"/>
                   </a:solidFill>
@@ -3464,7 +3466,7 @@
             </a:ln>
             <a:extLst>
               <a:ext uri="{91240B29-F687-4f45-9708-019B960494DF}">
-                <a14:hiddenLine xmlns:a14="http://schemas.microsoft.com/office/drawing/2010/main" xmlns="" w="9525">
+                <a14:hiddenLine xmlns="" xmlns:a14="http://schemas.microsoft.com/office/drawing/2010/main" w="9525">
                   <a:solidFill>
                     <a:srgbClr val="000000"/>
                   </a:solidFill>
@@ -3526,7 +3528,7 @@
             </a:ln>
             <a:extLst>
               <a:ext uri="{91240B29-F687-4f45-9708-019B960494DF}">
-                <a14:hiddenLine xmlns:a14="http://schemas.microsoft.com/office/drawing/2010/main" xmlns="" w="9525">
+                <a14:hiddenLine xmlns="" xmlns:a14="http://schemas.microsoft.com/office/drawing/2010/main" w="9525">
                   <a:solidFill>
                     <a:srgbClr val="000000"/>
                   </a:solidFill>
@@ -3616,7 +3618,7 @@
             </a:ln>
             <a:extLst>
               <a:ext uri="{91240B29-F687-4f45-9708-019B960494DF}">
-                <a14:hiddenLine xmlns:a14="http://schemas.microsoft.com/office/drawing/2010/main" xmlns="" w="9525">
+                <a14:hiddenLine xmlns="" xmlns:a14="http://schemas.microsoft.com/office/drawing/2010/main" w="9525">
                   <a:solidFill>
                     <a:srgbClr val="000000"/>
                   </a:solidFill>
@@ -3650,7 +3652,7 @@
             </a:ln>
             <a:extLst>
               <a:ext uri="{91240B29-F687-4f45-9708-019B960494DF}">
-                <a14:hiddenLine xmlns:a14="http://schemas.microsoft.com/office/drawing/2010/main" xmlns="" w="9525">
+                <a14:hiddenLine xmlns="" xmlns:a14="http://schemas.microsoft.com/office/drawing/2010/main" w="9525">
                   <a:solidFill>
                     <a:srgbClr val="000000"/>
                   </a:solidFill>
@@ -3715,7 +3717,7 @@
             </a:ln>
             <a:extLst>
               <a:ext uri="{91240B29-F687-4f45-9708-019B960494DF}">
-                <a14:hiddenLine xmlns:a14="http://schemas.microsoft.com/office/drawing/2010/main" xmlns="" w="9525">
+                <a14:hiddenLine xmlns="" xmlns:a14="http://schemas.microsoft.com/office/drawing/2010/main" w="9525">
                   <a:solidFill>
                     <a:srgbClr val="000000"/>
                   </a:solidFill>
@@ -3805,7 +3807,7 @@
             </a:ln>
             <a:extLst>
               <a:ext uri="{91240B29-F687-4f45-9708-019B960494DF}">
-                <a14:hiddenLine xmlns:a14="http://schemas.microsoft.com/office/drawing/2010/main" xmlns="" w="9525">
+                <a14:hiddenLine xmlns="" xmlns:a14="http://schemas.microsoft.com/office/drawing/2010/main" w="9525">
                   <a:solidFill>
                     <a:srgbClr val="000000"/>
                   </a:solidFill>
@@ -3867,7 +3869,7 @@
             </a:ln>
             <a:extLst>
               <a:ext uri="{91240B29-F687-4f45-9708-019B960494DF}">
-                <a14:hiddenLine xmlns:a14="http://schemas.microsoft.com/office/drawing/2010/main" xmlns="" w="9525">
+                <a14:hiddenLine xmlns="" xmlns:a14="http://schemas.microsoft.com/office/drawing/2010/main" w="9525">
                   <a:solidFill>
                     <a:srgbClr val="000000"/>
                   </a:solidFill>
@@ -3957,7 +3959,7 @@
             </a:ln>
             <a:extLst>
               <a:ext uri="{91240B29-F687-4f45-9708-019B960494DF}">
-                <a14:hiddenLine xmlns:a14="http://schemas.microsoft.com/office/drawing/2010/main" xmlns="" w="9525">
+                <a14:hiddenLine xmlns="" xmlns:a14="http://schemas.microsoft.com/office/drawing/2010/main" w="9525">
                   <a:solidFill>
                     <a:srgbClr val="000000"/>
                   </a:solidFill>
@@ -4047,7 +4049,7 @@
             </a:ln>
             <a:extLst>
               <a:ext uri="{91240B29-F687-4f45-9708-019B960494DF}">
-                <a14:hiddenLine xmlns:a14="http://schemas.microsoft.com/office/drawing/2010/main" xmlns="" w="9525">
+                <a14:hiddenLine xmlns="" xmlns:a14="http://schemas.microsoft.com/office/drawing/2010/main" w="9525">
                   <a:solidFill>
                     <a:srgbClr val="000000"/>
                   </a:solidFill>
@@ -4112,7 +4114,7 @@
             </a:ln>
             <a:extLst>
               <a:ext uri="{91240B29-F687-4f45-9708-019B960494DF}">
-                <a14:hiddenLine xmlns:a14="http://schemas.microsoft.com/office/drawing/2010/main" xmlns="" w="9525">
+                <a14:hiddenLine xmlns="" xmlns:a14="http://schemas.microsoft.com/office/drawing/2010/main" w="9525">
                   <a:solidFill>
                     <a:srgbClr val="000000"/>
                   </a:solidFill>
@@ -4174,7 +4176,7 @@
             </a:ln>
             <a:extLst>
               <a:ext uri="{91240B29-F687-4f45-9708-019B960494DF}">
-                <a14:hiddenLine xmlns:a14="http://schemas.microsoft.com/office/drawing/2010/main" xmlns="" w="9525">
+                <a14:hiddenLine xmlns="" xmlns:a14="http://schemas.microsoft.com/office/drawing/2010/main" w="9525">
                   <a:solidFill>
                     <a:srgbClr val="000000"/>
                   </a:solidFill>
@@ -4264,7 +4266,7 @@
             </a:ln>
             <a:extLst>
               <a:ext uri="{91240B29-F687-4f45-9708-019B960494DF}">
-                <a14:hiddenLine xmlns:a14="http://schemas.microsoft.com/office/drawing/2010/main" xmlns="" w="9525">
+                <a14:hiddenLine xmlns="" xmlns:a14="http://schemas.microsoft.com/office/drawing/2010/main" w="9525">
                   <a:solidFill>
                     <a:srgbClr val="000000"/>
                   </a:solidFill>
@@ -4354,7 +4356,7 @@
             </a:ln>
             <a:extLst>
               <a:ext uri="{91240B29-F687-4f45-9708-019B960494DF}">
-                <a14:hiddenLine xmlns:a14="http://schemas.microsoft.com/office/drawing/2010/main" xmlns="" w="9525">
+                <a14:hiddenLine xmlns="" xmlns:a14="http://schemas.microsoft.com/office/drawing/2010/main" w="9525">
                   <a:solidFill>
                     <a:srgbClr val="000000"/>
                   </a:solidFill>
@@ -4416,7 +4418,7 @@
             </a:ln>
             <a:extLst>
               <a:ext uri="{91240B29-F687-4f45-9708-019B960494DF}">
-                <a14:hiddenLine xmlns:a14="http://schemas.microsoft.com/office/drawing/2010/main" xmlns="" w="9525">
+                <a14:hiddenLine xmlns="" xmlns:a14="http://schemas.microsoft.com/office/drawing/2010/main" w="9525">
                   <a:solidFill>
                     <a:srgbClr val="000000"/>
                   </a:solidFill>
@@ -4536,7 +4538,7 @@
             </a:ln>
             <a:extLst>
               <a:ext uri="{91240B29-F687-4f45-9708-019B960494DF}">
-                <a14:hiddenLine xmlns:a14="http://schemas.microsoft.com/office/drawing/2010/main" xmlns="" w="9525">
+                <a14:hiddenLine xmlns="" xmlns:a14="http://schemas.microsoft.com/office/drawing/2010/main" w="9525">
                   <a:solidFill>
                     <a:srgbClr val="000000"/>
                   </a:solidFill>
@@ -4604,7 +4606,7 @@
             </a:ln>
             <a:extLst>
               <a:ext uri="{91240B29-F687-4f45-9708-019B960494DF}">
-                <a14:hiddenLine xmlns:a14="http://schemas.microsoft.com/office/drawing/2010/main" xmlns="" w="9525">
+                <a14:hiddenLine xmlns="" xmlns:a14="http://schemas.microsoft.com/office/drawing/2010/main" w="9525">
                   <a:solidFill>
                     <a:srgbClr val="000000"/>
                   </a:solidFill>
@@ -4694,7 +4696,7 @@
             </a:ln>
             <a:extLst>
               <a:ext uri="{91240B29-F687-4f45-9708-019B960494DF}">
-                <a14:hiddenLine xmlns:a14="http://schemas.microsoft.com/office/drawing/2010/main" xmlns="" w="9525">
+                <a14:hiddenLine xmlns="" xmlns:a14="http://schemas.microsoft.com/office/drawing/2010/main" w="9525">
                   <a:solidFill>
                     <a:srgbClr val="000000"/>
                   </a:solidFill>
@@ -4834,7 +4836,7 @@
           <a:p>
             <a:fld id="{48A87A34-81AB-432B-8DAE-1953F412C126}" type="datetimeFigureOut">
               <a:rPr lang="en-US" dirty="0"/>
-              <a:t>10/21/21</a:t>
+              <a:t>10/22/2021</a:t>
             </a:fld>
             <a:endParaRPr lang="en-US" dirty="0"/>
           </a:p>
@@ -5096,7 +5098,7 @@
           <a:p>
             <a:fld id="{48A87A34-81AB-432B-8DAE-1953F412C126}" type="datetimeFigureOut">
               <a:rPr lang="en-US" dirty="0"/>
-              <a:t>10/21/21</a:t>
+              <a:t>10/22/2021</a:t>
             </a:fld>
             <a:endParaRPr lang="en-US" dirty="0"/>
           </a:p>
@@ -5287,7 +5289,7 @@
           <a:p>
             <a:fld id="{48A87A34-81AB-432B-8DAE-1953F412C126}" type="datetimeFigureOut">
               <a:rPr lang="en-US" dirty="0"/>
-              <a:t>10/21/21</a:t>
+              <a:t>10/22/2021</a:t>
             </a:fld>
             <a:endParaRPr lang="en-US" dirty="0"/>
           </a:p>
@@ -5545,7 +5547,7 @@
           <a:p>
             <a:fld id="{48A87A34-81AB-432B-8DAE-1953F412C126}" type="datetimeFigureOut">
               <a:rPr lang="en-US" dirty="0"/>
-              <a:t>10/21/21</a:t>
+              <a:t>10/22/2021</a:t>
             </a:fld>
             <a:endParaRPr lang="en-US" dirty="0"/>
           </a:p>
@@ -5974,7 +5976,7 @@
           <a:p>
             <a:fld id="{48A87A34-81AB-432B-8DAE-1953F412C126}" type="datetimeFigureOut">
               <a:rPr lang="en-US" dirty="0"/>
-              <a:t>10/21/21</a:t>
+              <a:t>10/22/2021</a:t>
             </a:fld>
             <a:endParaRPr lang="en-US" dirty="0"/>
           </a:p>
@@ -6515,7 +6517,7 @@
           <a:p>
             <a:fld id="{48A87A34-81AB-432B-8DAE-1953F412C126}" type="datetimeFigureOut">
               <a:rPr lang="en-US" dirty="0"/>
-              <a:t>10/21/21</a:t>
+              <a:t>10/22/2021</a:t>
             </a:fld>
             <a:endParaRPr lang="en-US" dirty="0"/>
           </a:p>
@@ -7230,7 +7232,7 @@
           <a:p>
             <a:fld id="{48A87A34-81AB-432B-8DAE-1953F412C126}" type="datetimeFigureOut">
               <a:rPr lang="en-US" dirty="0"/>
-              <a:t>10/21/21</a:t>
+              <a:t>10/22/2021</a:t>
             </a:fld>
             <a:endParaRPr lang="en-US" dirty="0"/>
           </a:p>
@@ -7395,7 +7397,7 @@
           <a:p>
             <a:fld id="{48A87A34-81AB-432B-8DAE-1953F412C126}" type="datetimeFigureOut">
               <a:rPr lang="en-US" dirty="0"/>
-              <a:t>10/21/21</a:t>
+              <a:t>10/22/2021</a:t>
             </a:fld>
             <a:endParaRPr lang="en-US" dirty="0"/>
           </a:p>
@@ -7570,7 +7572,7 @@
           <a:p>
             <a:fld id="{48A87A34-81AB-432B-8DAE-1953F412C126}" type="datetimeFigureOut">
               <a:rPr lang="en-US" dirty="0"/>
-              <a:t>10/21/21</a:t>
+              <a:t>10/22/2021</a:t>
             </a:fld>
             <a:endParaRPr lang="en-US" dirty="0"/>
           </a:p>
@@ -7735,7 +7737,7 @@
           <a:p>
             <a:fld id="{48A87A34-81AB-432B-8DAE-1953F412C126}" type="datetimeFigureOut">
               <a:rPr lang="en-US" dirty="0"/>
-              <a:t>10/21/21</a:t>
+              <a:t>10/22/2021</a:t>
             </a:fld>
             <a:endParaRPr lang="en-US" dirty="0"/>
           </a:p>
@@ -7980,7 +7982,7 @@
           <a:p>
             <a:fld id="{48A87A34-81AB-432B-8DAE-1953F412C126}" type="datetimeFigureOut">
               <a:rPr lang="en-US" dirty="0"/>
-              <a:t>10/21/21</a:t>
+              <a:t>10/22/2021</a:t>
             </a:fld>
             <a:endParaRPr lang="en-US" dirty="0"/>
           </a:p>
@@ -8207,7 +8209,7 @@
           <a:p>
             <a:fld id="{48A87A34-81AB-432B-8DAE-1953F412C126}" type="datetimeFigureOut">
               <a:rPr lang="en-US" dirty="0"/>
-              <a:t>10/21/21</a:t>
+              <a:t>10/22/2021</a:t>
             </a:fld>
             <a:endParaRPr lang="en-US" dirty="0"/>
           </a:p>
@@ -8583,7 +8585,7 @@
           <a:p>
             <a:fld id="{48A87A34-81AB-432B-8DAE-1953F412C126}" type="datetimeFigureOut">
               <a:rPr lang="en-US" dirty="0"/>
-              <a:t>10/21/21</a:t>
+              <a:t>10/22/2021</a:t>
             </a:fld>
             <a:endParaRPr lang="en-US" dirty="0"/>
           </a:p>
@@ -8696,7 +8698,7 @@
           <a:p>
             <a:fld id="{48A87A34-81AB-432B-8DAE-1953F412C126}" type="datetimeFigureOut">
               <a:rPr lang="en-US" dirty="0"/>
-              <a:t>10/21/21</a:t>
+              <a:t>10/22/2021</a:t>
             </a:fld>
             <a:endParaRPr lang="en-US" dirty="0"/>
           </a:p>
@@ -8786,7 +8788,7 @@
           <a:p>
             <a:fld id="{48A87A34-81AB-432B-8DAE-1953F412C126}" type="datetimeFigureOut">
               <a:rPr lang="en-US" dirty="0"/>
-              <a:t>10/21/21</a:t>
+              <a:t>10/22/2021</a:t>
             </a:fld>
             <a:endParaRPr lang="en-US" dirty="0"/>
           </a:p>
@@ -9030,7 +9032,7 @@
           <a:p>
             <a:fld id="{48A87A34-81AB-432B-8DAE-1953F412C126}" type="datetimeFigureOut">
               <a:rPr lang="en-US" dirty="0"/>
-              <a:t>10/21/21</a:t>
+              <a:t>10/22/2021</a:t>
             </a:fld>
             <a:endParaRPr lang="en-US" dirty="0"/>
           </a:p>
@@ -9305,7 +9307,7 @@
           <a:p>
             <a:fld id="{48A87A34-81AB-432B-8DAE-1953F412C126}" type="datetimeFigureOut">
               <a:rPr lang="en-US" dirty="0"/>
-              <a:t>10/21/21</a:t>
+              <a:t>10/22/2021</a:t>
             </a:fld>
             <a:endParaRPr lang="en-US" dirty="0"/>
           </a:p>
@@ -9416,7 +9418,7 @@
           <a:noFill/>
           <a:extLst>
             <a:ext uri="{909E8E84-426E-40dd-AFC4-6F175D3DCCD1}">
-              <a14:hiddenFill xmlns:a14="http://schemas.microsoft.com/office/drawing/2010/main" xmlns="">
+              <a14:hiddenFill xmlns="" xmlns:a14="http://schemas.microsoft.com/office/drawing/2010/main">
                 <a:solidFill>
                   <a:srgbClr val="FFFFFF"/>
                 </a:solidFill>
@@ -9490,7 +9492,7 @@
               </a:ln>
               <a:extLst>
                 <a:ext uri="{91240B29-F687-4f45-9708-019B960494DF}">
-                  <a14:hiddenLine xmlns:a14="http://schemas.microsoft.com/office/drawing/2010/main" xmlns="" w="9525">
+                  <a14:hiddenLine xmlns="" xmlns:a14="http://schemas.microsoft.com/office/drawing/2010/main" w="9525">
                     <a:solidFill>
                       <a:srgbClr val="000000"/>
                     </a:solidFill>
@@ -9580,7 +9582,7 @@
               </a:ln>
               <a:extLst>
                 <a:ext uri="{91240B29-F687-4f45-9708-019B960494DF}">
-                  <a14:hiddenLine xmlns:a14="http://schemas.microsoft.com/office/drawing/2010/main" xmlns="" w="9525">
+                  <a14:hiddenLine xmlns="" xmlns:a14="http://schemas.microsoft.com/office/drawing/2010/main" w="9525">
                     <a:solidFill>
                       <a:srgbClr val="000000"/>
                     </a:solidFill>
@@ -9670,7 +9672,7 @@
               </a:ln>
               <a:extLst>
                 <a:ext uri="{91240B29-F687-4f45-9708-019B960494DF}">
-                  <a14:hiddenLine xmlns:a14="http://schemas.microsoft.com/office/drawing/2010/main" xmlns="" w="9525">
+                  <a14:hiddenLine xmlns="" xmlns:a14="http://schemas.microsoft.com/office/drawing/2010/main" w="9525">
                     <a:solidFill>
                       <a:srgbClr val="000000"/>
                     </a:solidFill>
@@ -9732,7 +9734,7 @@
               </a:ln>
               <a:extLst>
                 <a:ext uri="{91240B29-F687-4f45-9708-019B960494DF}">
-                  <a14:hiddenLine xmlns:a14="http://schemas.microsoft.com/office/drawing/2010/main" xmlns="" w="9525">
+                  <a14:hiddenLine xmlns="" xmlns:a14="http://schemas.microsoft.com/office/drawing/2010/main" w="9525">
                     <a:solidFill>
                       <a:srgbClr val="000000"/>
                     </a:solidFill>
@@ -9822,7 +9824,7 @@
               </a:ln>
               <a:extLst>
                 <a:ext uri="{91240B29-F687-4f45-9708-019B960494DF}">
-                  <a14:hiddenLine xmlns:a14="http://schemas.microsoft.com/office/drawing/2010/main" xmlns="" w="9525">
+                  <a14:hiddenLine xmlns="" xmlns:a14="http://schemas.microsoft.com/office/drawing/2010/main" w="9525">
                     <a:solidFill>
                       <a:srgbClr val="000000"/>
                     </a:solidFill>
@@ -9884,7 +9886,7 @@
               </a:ln>
               <a:extLst>
                 <a:ext uri="{91240B29-F687-4f45-9708-019B960494DF}">
-                  <a14:hiddenLine xmlns:a14="http://schemas.microsoft.com/office/drawing/2010/main" xmlns="" w="9525">
+                  <a14:hiddenLine xmlns="" xmlns:a14="http://schemas.microsoft.com/office/drawing/2010/main" w="9525">
                     <a:solidFill>
                       <a:srgbClr val="000000"/>
                     </a:solidFill>
@@ -9946,7 +9948,7 @@
               </a:ln>
               <a:extLst>
                 <a:ext uri="{91240B29-F687-4f45-9708-019B960494DF}">
-                  <a14:hiddenLine xmlns:a14="http://schemas.microsoft.com/office/drawing/2010/main" xmlns="" w="9525">
+                  <a14:hiddenLine xmlns="" xmlns:a14="http://schemas.microsoft.com/office/drawing/2010/main" w="9525">
                     <a:solidFill>
                       <a:srgbClr val="000000"/>
                     </a:solidFill>
@@ -10036,7 +10038,7 @@
               </a:ln>
               <a:extLst>
                 <a:ext uri="{91240B29-F687-4f45-9708-019B960494DF}">
-                  <a14:hiddenLine xmlns:a14="http://schemas.microsoft.com/office/drawing/2010/main" xmlns="" w="9525">
+                  <a14:hiddenLine xmlns="" xmlns:a14="http://schemas.microsoft.com/office/drawing/2010/main" w="9525">
                     <a:solidFill>
                       <a:srgbClr val="000000"/>
                     </a:solidFill>
@@ -10126,7 +10128,7 @@
               </a:ln>
               <a:extLst>
                 <a:ext uri="{91240B29-F687-4f45-9708-019B960494DF}">
-                  <a14:hiddenLine xmlns:a14="http://schemas.microsoft.com/office/drawing/2010/main" xmlns="" w="9525">
+                  <a14:hiddenLine xmlns="" xmlns:a14="http://schemas.microsoft.com/office/drawing/2010/main" w="9525">
                     <a:solidFill>
                       <a:srgbClr val="000000"/>
                     </a:solidFill>
@@ -10188,7 +10190,7 @@
               </a:ln>
               <a:extLst>
                 <a:ext uri="{91240B29-F687-4f45-9708-019B960494DF}">
-                  <a14:hiddenLine xmlns:a14="http://schemas.microsoft.com/office/drawing/2010/main" xmlns="" w="9525">
+                  <a14:hiddenLine xmlns="" xmlns:a14="http://schemas.microsoft.com/office/drawing/2010/main" w="9525">
                     <a:solidFill>
                       <a:srgbClr val="000000"/>
                     </a:solidFill>
@@ -10298,7 +10300,7 @@
               </a:ln>
               <a:extLst>
                 <a:ext uri="{91240B29-F687-4f45-9708-019B960494DF}">
-                  <a14:hiddenLine xmlns:a14="http://schemas.microsoft.com/office/drawing/2010/main" xmlns="" w="9525">
+                  <a14:hiddenLine xmlns="" xmlns:a14="http://schemas.microsoft.com/office/drawing/2010/main" w="9525">
                     <a:solidFill>
                       <a:srgbClr val="000000"/>
                     </a:solidFill>
@@ -10382,7 +10384,7 @@
               </a:ln>
               <a:extLst>
                 <a:ext uri="{91240B29-F687-4f45-9708-019B960494DF}">
-                  <a14:hiddenLine xmlns:a14="http://schemas.microsoft.com/office/drawing/2010/main" xmlns="" w="9525">
+                  <a14:hiddenLine xmlns="" xmlns:a14="http://schemas.microsoft.com/office/drawing/2010/main" w="9525">
                     <a:solidFill>
                       <a:srgbClr val="000000"/>
                     </a:solidFill>
@@ -10444,7 +10446,7 @@
               </a:ln>
               <a:extLst>
                 <a:ext uri="{91240B29-F687-4f45-9708-019B960494DF}">
-                  <a14:hiddenLine xmlns:a14="http://schemas.microsoft.com/office/drawing/2010/main" xmlns="" w="9525">
+                  <a14:hiddenLine xmlns="" xmlns:a14="http://schemas.microsoft.com/office/drawing/2010/main" w="9525">
                     <a:solidFill>
                       <a:srgbClr val="000000"/>
                     </a:solidFill>
@@ -10506,7 +10508,7 @@
               </a:ln>
               <a:extLst>
                 <a:ext uri="{91240B29-F687-4f45-9708-019B960494DF}">
-                  <a14:hiddenLine xmlns:a14="http://schemas.microsoft.com/office/drawing/2010/main" xmlns="" w="9525">
+                  <a14:hiddenLine xmlns="" xmlns:a14="http://schemas.microsoft.com/office/drawing/2010/main" w="9525">
                     <a:solidFill>
                       <a:srgbClr val="000000"/>
                     </a:solidFill>
@@ -10596,7 +10598,7 @@
               </a:ln>
               <a:extLst>
                 <a:ext uri="{91240B29-F687-4f45-9708-019B960494DF}">
-                  <a14:hiddenLine xmlns:a14="http://schemas.microsoft.com/office/drawing/2010/main" xmlns="" w="9525">
+                  <a14:hiddenLine xmlns="" xmlns:a14="http://schemas.microsoft.com/office/drawing/2010/main" w="9525">
                     <a:solidFill>
                       <a:srgbClr val="000000"/>
                     </a:solidFill>
@@ -10630,7 +10632,7 @@
               </a:ln>
               <a:extLst>
                 <a:ext uri="{91240B29-F687-4f45-9708-019B960494DF}">
-                  <a14:hiddenLine xmlns:a14="http://schemas.microsoft.com/office/drawing/2010/main" xmlns="" w="9525">
+                  <a14:hiddenLine xmlns="" xmlns:a14="http://schemas.microsoft.com/office/drawing/2010/main" w="9525">
                     <a:solidFill>
                       <a:srgbClr val="000000"/>
                     </a:solidFill>
@@ -10695,7 +10697,7 @@
               </a:ln>
               <a:extLst>
                 <a:ext uri="{91240B29-F687-4f45-9708-019B960494DF}">
-                  <a14:hiddenLine xmlns:a14="http://schemas.microsoft.com/office/drawing/2010/main" xmlns="" w="9525">
+                  <a14:hiddenLine xmlns="" xmlns:a14="http://schemas.microsoft.com/office/drawing/2010/main" w="9525">
                     <a:solidFill>
                       <a:srgbClr val="000000"/>
                     </a:solidFill>
@@ -10785,7 +10787,7 @@
               </a:ln>
               <a:extLst>
                 <a:ext uri="{91240B29-F687-4f45-9708-019B960494DF}">
-                  <a14:hiddenLine xmlns:a14="http://schemas.microsoft.com/office/drawing/2010/main" xmlns="" w="9525">
+                  <a14:hiddenLine xmlns="" xmlns:a14="http://schemas.microsoft.com/office/drawing/2010/main" w="9525">
                     <a:solidFill>
                       <a:srgbClr val="000000"/>
                     </a:solidFill>
@@ -10847,7 +10849,7 @@
               </a:ln>
               <a:extLst>
                 <a:ext uri="{91240B29-F687-4f45-9708-019B960494DF}">
-                  <a14:hiddenLine xmlns:a14="http://schemas.microsoft.com/office/drawing/2010/main" xmlns="" w="9525">
+                  <a14:hiddenLine xmlns="" xmlns:a14="http://schemas.microsoft.com/office/drawing/2010/main" w="9525">
                     <a:solidFill>
                       <a:srgbClr val="000000"/>
                     </a:solidFill>
@@ -10937,7 +10939,7 @@
               </a:ln>
               <a:extLst>
                 <a:ext uri="{91240B29-F687-4f45-9708-019B960494DF}">
-                  <a14:hiddenLine xmlns:a14="http://schemas.microsoft.com/office/drawing/2010/main" xmlns="" w="9525">
+                  <a14:hiddenLine xmlns="" xmlns:a14="http://schemas.microsoft.com/office/drawing/2010/main" w="9525">
                     <a:solidFill>
                       <a:srgbClr val="000000"/>
                     </a:solidFill>
@@ -11002,7 +11004,7 @@
               </a:ln>
               <a:extLst>
                 <a:ext uri="{91240B29-F687-4f45-9708-019B960494DF}">
-                  <a14:hiddenLine xmlns:a14="http://schemas.microsoft.com/office/drawing/2010/main" xmlns="" w="9525">
+                  <a14:hiddenLine xmlns="" xmlns:a14="http://schemas.microsoft.com/office/drawing/2010/main" w="9525">
                     <a:solidFill>
                       <a:srgbClr val="000000"/>
                     </a:solidFill>
@@ -11064,7 +11066,7 @@
               </a:ln>
               <a:extLst>
                 <a:ext uri="{91240B29-F687-4f45-9708-019B960494DF}">
-                  <a14:hiddenLine xmlns:a14="http://schemas.microsoft.com/office/drawing/2010/main" xmlns="" w="9525">
+                  <a14:hiddenLine xmlns="" xmlns:a14="http://schemas.microsoft.com/office/drawing/2010/main" w="9525">
                     <a:solidFill>
                       <a:srgbClr val="000000"/>
                     </a:solidFill>
@@ -11154,7 +11156,7 @@
               </a:ln>
               <a:extLst>
                 <a:ext uri="{91240B29-F687-4f45-9708-019B960494DF}">
-                  <a14:hiddenLine xmlns:a14="http://schemas.microsoft.com/office/drawing/2010/main" xmlns="" w="9525">
+                  <a14:hiddenLine xmlns="" xmlns:a14="http://schemas.microsoft.com/office/drawing/2010/main" w="9525">
                     <a:solidFill>
                       <a:srgbClr val="000000"/>
                     </a:solidFill>
@@ -11244,7 +11246,7 @@
               </a:ln>
               <a:extLst>
                 <a:ext uri="{91240B29-F687-4f45-9708-019B960494DF}">
-                  <a14:hiddenLine xmlns:a14="http://schemas.microsoft.com/office/drawing/2010/main" xmlns="" w="9525">
+                  <a14:hiddenLine xmlns="" xmlns:a14="http://schemas.microsoft.com/office/drawing/2010/main" w="9525">
                     <a:solidFill>
                       <a:srgbClr val="000000"/>
                     </a:solidFill>
@@ -11309,7 +11311,7 @@
               </a:ln>
               <a:extLst>
                 <a:ext uri="{91240B29-F687-4f45-9708-019B960494DF}">
-                  <a14:hiddenLine xmlns:a14="http://schemas.microsoft.com/office/drawing/2010/main" xmlns="" w="9525">
+                  <a14:hiddenLine xmlns="" xmlns:a14="http://schemas.microsoft.com/office/drawing/2010/main" w="9525">
                     <a:solidFill>
                       <a:srgbClr val="000000"/>
                     </a:solidFill>
@@ -11429,7 +11431,7 @@
               </a:ln>
               <a:extLst>
                 <a:ext uri="{91240B29-F687-4f45-9708-019B960494DF}">
-                  <a14:hiddenLine xmlns:a14="http://schemas.microsoft.com/office/drawing/2010/main" xmlns="" w="9525">
+                  <a14:hiddenLine xmlns="" xmlns:a14="http://schemas.microsoft.com/office/drawing/2010/main" w="9525">
                     <a:solidFill>
                       <a:srgbClr val="000000"/>
                     </a:solidFill>
@@ -11527,7 +11529,7 @@
               </a:ln>
               <a:extLst>
                 <a:ext uri="{91240B29-F687-4f45-9708-019B960494DF}">
-                  <a14:hiddenLine xmlns:a14="http://schemas.microsoft.com/office/drawing/2010/main" xmlns="" w="9525">
+                  <a14:hiddenLine xmlns="" xmlns:a14="http://schemas.microsoft.com/office/drawing/2010/main" w="9525">
                     <a:solidFill>
                       <a:srgbClr val="000000"/>
                     </a:solidFill>
@@ -11642,7 +11644,7 @@
               </a:ln>
               <a:extLst>
                 <a:ext uri="{91240B29-F687-4f45-9708-019B960494DF}">
-                  <a14:hiddenLine xmlns:a14="http://schemas.microsoft.com/office/drawing/2010/main" xmlns="" w="9525">
+                  <a14:hiddenLine xmlns="" xmlns:a14="http://schemas.microsoft.com/office/drawing/2010/main" w="9525">
                     <a:solidFill>
                       <a:srgbClr val="000000"/>
                     </a:solidFill>
@@ -11732,7 +11734,7 @@
               </a:ln>
               <a:extLst>
                 <a:ext uri="{91240B29-F687-4f45-9708-019B960494DF}">
-                  <a14:hiddenLine xmlns:a14="http://schemas.microsoft.com/office/drawing/2010/main" xmlns="" w="9525">
+                  <a14:hiddenLine xmlns="" xmlns:a14="http://schemas.microsoft.com/office/drawing/2010/main" w="9525">
                     <a:solidFill>
                       <a:srgbClr val="000000"/>
                     </a:solidFill>
@@ -11797,7 +11799,7 @@
               </a:ln>
               <a:extLst>
                 <a:ext uri="{91240B29-F687-4f45-9708-019B960494DF}">
-                  <a14:hiddenLine xmlns:a14="http://schemas.microsoft.com/office/drawing/2010/main" xmlns="" w="9525">
+                  <a14:hiddenLine xmlns="" xmlns:a14="http://schemas.microsoft.com/office/drawing/2010/main" w="9525">
                     <a:solidFill>
                       <a:srgbClr val="000000"/>
                     </a:solidFill>
@@ -11887,7 +11889,7 @@
               </a:ln>
               <a:extLst>
                 <a:ext uri="{91240B29-F687-4f45-9708-019B960494DF}">
-                  <a14:hiddenLine xmlns:a14="http://schemas.microsoft.com/office/drawing/2010/main" xmlns="" w="9525">
+                  <a14:hiddenLine xmlns="" xmlns:a14="http://schemas.microsoft.com/office/drawing/2010/main" w="9525">
                     <a:solidFill>
                       <a:srgbClr val="000000"/>
                     </a:solidFill>
@@ -11955,7 +11957,7 @@
               </a:ln>
               <a:extLst>
                 <a:ext uri="{91240B29-F687-4f45-9708-019B960494DF}">
-                  <a14:hiddenLine xmlns:a14="http://schemas.microsoft.com/office/drawing/2010/main" xmlns="" w="9525">
+                  <a14:hiddenLine xmlns="" xmlns:a14="http://schemas.microsoft.com/office/drawing/2010/main" w="9525">
                     <a:solidFill>
                       <a:srgbClr val="000000"/>
                     </a:solidFill>
@@ -12045,7 +12047,7 @@
               </a:ln>
               <a:extLst>
                 <a:ext uri="{91240B29-F687-4f45-9708-019B960494DF}">
-                  <a14:hiddenLine xmlns:a14="http://schemas.microsoft.com/office/drawing/2010/main" xmlns="" w="9525">
+                  <a14:hiddenLine xmlns="" xmlns:a14="http://schemas.microsoft.com/office/drawing/2010/main" w="9525">
                     <a:solidFill>
                       <a:srgbClr val="000000"/>
                     </a:solidFill>
@@ -12113,7 +12115,7 @@
               </a:ln>
               <a:extLst>
                 <a:ext uri="{91240B29-F687-4f45-9708-019B960494DF}">
-                  <a14:hiddenLine xmlns:a14="http://schemas.microsoft.com/office/drawing/2010/main" xmlns="" w="9525">
+                  <a14:hiddenLine xmlns="" xmlns:a14="http://schemas.microsoft.com/office/drawing/2010/main" w="9525">
                     <a:solidFill>
                       <a:srgbClr val="000000"/>
                     </a:solidFill>
@@ -12203,7 +12205,7 @@
               </a:ln>
               <a:extLst>
                 <a:ext uri="{91240B29-F687-4f45-9708-019B960494DF}">
-                  <a14:hiddenLine xmlns:a14="http://schemas.microsoft.com/office/drawing/2010/main" xmlns="" w="9525">
+                  <a14:hiddenLine xmlns="" xmlns:a14="http://schemas.microsoft.com/office/drawing/2010/main" w="9525">
                     <a:solidFill>
                       <a:srgbClr val="000000"/>
                     </a:solidFill>
@@ -12237,7 +12239,7 @@
               </a:ln>
               <a:extLst>
                 <a:ext uri="{91240B29-F687-4f45-9708-019B960494DF}">
-                  <a14:hiddenLine xmlns:a14="http://schemas.microsoft.com/office/drawing/2010/main" xmlns="" w="9525">
+                  <a14:hiddenLine xmlns="" xmlns:a14="http://schemas.microsoft.com/office/drawing/2010/main" w="9525">
                     <a:solidFill>
                       <a:srgbClr val="000000"/>
                     </a:solidFill>
@@ -12378,7 +12380,7 @@
             <a:fld id="{48A87A34-81AB-432B-8DAE-1953F412C126}" type="datetimeFigureOut">
               <a:rPr lang="en-US" dirty="0"/>
               <a:pPr/>
-              <a:t>10/21/21</a:t>
+              <a:t>10/22/2021</a:t>
             </a:fld>
             <a:endParaRPr lang="en-US" dirty="0"/>
           </a:p>
@@ -12870,7 +12872,15 @@
             </a:r>
             <a:r>
               <a:rPr lang="es-ES" i="1" dirty="0"/>
-              <a:t> fango álamo – 09098809d</a:t>
+              <a:t> </a:t>
+            </a:r>
+            <a:r>
+              <a:rPr lang="es-ES" i="1" dirty="0" err="1"/>
+              <a:t>fanDo</a:t>
+            </a:r>
+            <a:r>
+              <a:rPr lang="es-ES" i="1" dirty="0"/>
+              <a:t> álamo – 09098809d</a:t>
             </a:r>
           </a:p>
           <a:p>
@@ -12933,39 +12943,10 @@
       </p:grpSpPr>
       <p:sp>
         <p:nvSpPr>
-          <p:cNvPr id="2" name="Título 1">
-            <a:extLst>
-              <a:ext uri="{FF2B5EF4-FFF2-40B4-BE49-F238E27FC236}">
-                <a16:creationId xmlns:a16="http://schemas.microsoft.com/office/drawing/2014/main" id="{72ACF640-0E94-B54F-83A6-5CB6A06C836E}"/>
-              </a:ext>
-            </a:extLst>
-          </p:cNvPr>
-          <p:cNvSpPr>
-            <a:spLocks noGrp="1"/>
-          </p:cNvSpPr>
-          <p:nvPr>
-            <p:ph type="title"/>
-          </p:nvPr>
-        </p:nvSpPr>
-        <p:spPr/>
-        <p:txBody>
-          <a:bodyPr/>
-          <a:lstStyle/>
-          <a:p>
-            <a:pPr algn="ctr"/>
-            <a:r>
-              <a:rPr lang="es-ES" dirty="0"/>
-              <a:t>Resumen y conclusiones</a:t>
-            </a:r>
-          </a:p>
-        </p:txBody>
-      </p:sp>
-      <p:sp>
-        <p:nvSpPr>
           <p:cNvPr id="3" name="Marcador de contenido 2">
             <a:extLst>
               <a:ext uri="{FF2B5EF4-FFF2-40B4-BE49-F238E27FC236}">
-                <a16:creationId xmlns:a16="http://schemas.microsoft.com/office/drawing/2014/main" id="{0E5540C5-D53E-DF45-B270-2161CCC0D4C6}"/>
+                <a16:creationId xmlns:a16="http://schemas.microsoft.com/office/drawing/2014/main" id="{0405E327-DEDE-403E-BFC8-5E0F93FF5B09}"/>
               </a:ext>
             </a:extLst>
           </p:cNvPr>
@@ -12981,14 +12962,308 @@
           <a:bodyPr/>
           <a:lstStyle/>
           <a:p>
-            <a:endParaRPr lang="es-ES"/>
+            <a:r>
+              <a:rPr lang="es-ES" dirty="0"/>
+              <a:t>Processing Layer:</a:t>
+            </a:r>
+          </a:p>
+          <a:p>
+            <a:pPr marL="0" indent="0">
+              <a:buNone/>
+            </a:pPr>
+            <a:endParaRPr lang="es-ES" dirty="0"/>
+          </a:p>
+        </p:txBody>
+      </p:sp>
+      <p:sp>
+        <p:nvSpPr>
+          <p:cNvPr id="6" name="Título 1">
+            <a:extLst>
+              <a:ext uri="{FF2B5EF4-FFF2-40B4-BE49-F238E27FC236}">
+                <a16:creationId xmlns:a16="http://schemas.microsoft.com/office/drawing/2014/main" id="{F0DB5CE0-25D5-4527-9E95-164BB7E5A484}"/>
+              </a:ext>
+            </a:extLst>
+          </p:cNvPr>
+          <p:cNvSpPr txBox="1">
+            <a:spLocks/>
+          </p:cNvSpPr>
+          <p:nvPr/>
+        </p:nvSpPr>
+        <p:spPr>
+          <a:xfrm>
+            <a:off x="1141413" y="643918"/>
+            <a:ext cx="9905998" cy="1478570"/>
+          </a:xfrm>
+          <a:prstGeom prst="rect">
+            <a:avLst/>
+          </a:prstGeom>
+        </p:spPr>
+        <p:txBody>
+          <a:bodyPr vert="horz" lIns="91440" tIns="45720" rIns="91440" bIns="45720" rtlCol="0" anchor="ctr">
+            <a:normAutofit/>
+          </a:bodyPr>
+          <a:lstStyle>
+            <a:lvl1pPr algn="l" defTabSz="914400" rtl="0" eaLnBrk="1" latinLnBrk="0" hangingPunct="1">
+              <a:lnSpc>
+                <a:spcPct val="90000"/>
+              </a:lnSpc>
+              <a:spcBef>
+                <a:spcPct val="0"/>
+              </a:spcBef>
+              <a:buNone/>
+              <a:defRPr sz="3600" kern="1200" cap="all" baseline="0">
+                <a:solidFill>
+                  <a:schemeClr val="tx1"/>
+                </a:solidFill>
+                <a:latin typeface="+mj-lt"/>
+                <a:ea typeface="+mj-ea"/>
+                <a:cs typeface="+mj-cs"/>
+              </a:defRPr>
+            </a:lvl1pPr>
+          </a:lstStyle>
+          <a:p>
+            <a:pPr algn="ctr"/>
+            <a:r>
+              <a:rPr lang="es-ES" dirty="0"/>
+              <a:t>Tecnologías a utilizar</a:t>
+            </a:r>
+          </a:p>
+        </p:txBody>
+      </p:sp>
+      <p:pic>
+        <p:nvPicPr>
+          <p:cNvPr id="7" name="Imagen 6" descr="Cómo instalar Mosquitto, el popular broker MQTT">
+            <a:extLst>
+              <a:ext uri="{FF2B5EF4-FFF2-40B4-BE49-F238E27FC236}">
+                <a16:creationId xmlns:a16="http://schemas.microsoft.com/office/drawing/2014/main" id="{7BB19748-3718-492F-B109-7B526C750D7C}"/>
+              </a:ext>
+            </a:extLst>
+          </p:cNvPr>
+          <p:cNvPicPr/>
+          <p:nvPr/>
+        </p:nvPicPr>
+        <p:blipFill>
+          <a:blip r:embed="rId2">
+            <a:extLst>
+              <a:ext uri="{28A0092B-C50C-407E-A947-70E740481C1C}">
+                <a14:useLocalDpi xmlns:a14="http://schemas.microsoft.com/office/drawing/2010/main" val="0"/>
+              </a:ext>
+            </a:extLst>
+          </a:blip>
+          <a:srcRect/>
+          <a:stretch>
+            <a:fillRect/>
+          </a:stretch>
+        </p:blipFill>
+        <p:spPr bwMode="auto">
+          <a:xfrm>
+            <a:off x="1754430" y="3041668"/>
+            <a:ext cx="2620010" cy="1744345"/>
+          </a:xfrm>
+          <a:prstGeom prst="rect">
+            <a:avLst/>
+          </a:prstGeom>
+          <a:noFill/>
+          <a:ln>
+            <a:noFill/>
+          </a:ln>
+        </p:spPr>
+      </p:pic>
+      <p:pic>
+        <p:nvPicPr>
+          <p:cNvPr id="8" name="Imagen 7" descr="Cómo cargar un fichero de texto plano en una tabla MySQL » Proyecto A">
+            <a:extLst>
+              <a:ext uri="{FF2B5EF4-FFF2-40B4-BE49-F238E27FC236}">
+                <a16:creationId xmlns:a16="http://schemas.microsoft.com/office/drawing/2014/main" id="{2F14316E-F139-467D-9A61-A967A3916C2F}"/>
+              </a:ext>
+            </a:extLst>
+          </p:cNvPr>
+          <p:cNvPicPr/>
+          <p:nvPr/>
+        </p:nvPicPr>
+        <p:blipFill>
+          <a:blip r:embed="rId3" cstate="print">
+            <a:extLst>
+              <a:ext uri="{28A0092B-C50C-407E-A947-70E740481C1C}">
+                <a14:useLocalDpi xmlns:a14="http://schemas.microsoft.com/office/drawing/2010/main" val="0"/>
+              </a:ext>
+            </a:extLst>
+          </a:blip>
+          <a:srcRect/>
+          <a:stretch>
+            <a:fillRect/>
+          </a:stretch>
+        </p:blipFill>
+        <p:spPr bwMode="auto">
+          <a:xfrm>
+            <a:off x="5400245" y="4731768"/>
+            <a:ext cx="2861070" cy="1482314"/>
+          </a:xfrm>
+          <a:prstGeom prst="rect">
+            <a:avLst/>
+          </a:prstGeom>
+          <a:noFill/>
+          <a:ln>
+            <a:noFill/>
+          </a:ln>
+        </p:spPr>
+      </p:pic>
+      <p:pic>
+        <p:nvPicPr>
+          <p:cNvPr id="1026" name="Picture 2" descr="Cómo Desinstalar el Servidor Apache por Completo con Linea de Comando?  (Ejemplo) | Mira Cómo se Hace">
+            <a:extLst>
+              <a:ext uri="{FF2B5EF4-FFF2-40B4-BE49-F238E27FC236}">
+                <a16:creationId xmlns:a16="http://schemas.microsoft.com/office/drawing/2014/main" id="{9883AD13-A975-419D-B542-6CF9C46F910B}"/>
+              </a:ext>
+            </a:extLst>
+          </p:cNvPr>
+          <p:cNvPicPr>
+            <a:picLocks noChangeAspect="1" noChangeArrowheads="1"/>
+          </p:cNvPicPr>
+          <p:nvPr/>
+        </p:nvPicPr>
+        <p:blipFill>
+          <a:blip r:embed="rId4">
+            <a:extLst>
+              <a:ext uri="{28A0092B-C50C-407E-A947-70E740481C1C}">
+                <a14:useLocalDpi xmlns:a14="http://schemas.microsoft.com/office/drawing/2010/main" val="0"/>
+              </a:ext>
+            </a:extLst>
+          </a:blip>
+          <a:srcRect/>
+          <a:stretch>
+            <a:fillRect/>
+          </a:stretch>
+        </p:blipFill>
+        <p:spPr bwMode="auto">
+          <a:xfrm>
+            <a:off x="8458200" y="2491185"/>
+            <a:ext cx="3022786" cy="1770167"/>
+          </a:xfrm>
+          <a:prstGeom prst="rect">
+            <a:avLst/>
+          </a:prstGeom>
+          <a:noFill/>
+          <a:extLst>
+            <a:ext uri="{909E8E84-426E-40DD-AFC4-6F175D3DCCD1}">
+              <a14:hiddenFill xmlns:a14="http://schemas.microsoft.com/office/drawing/2010/main">
+                <a:solidFill>
+                  <a:srgbClr val="FFFFFF"/>
+                </a:solidFill>
+              </a14:hiddenFill>
+            </a:ext>
+          </a:extLst>
+        </p:spPr>
+      </p:pic>
+      <p:sp>
+        <p:nvSpPr>
+          <p:cNvPr id="9" name="CuadroTexto 8">
+            <a:extLst>
+              <a:ext uri="{FF2B5EF4-FFF2-40B4-BE49-F238E27FC236}">
+                <a16:creationId xmlns:a16="http://schemas.microsoft.com/office/drawing/2014/main" id="{60D71AC0-E796-428C-93AA-CB16ED69533D}"/>
+              </a:ext>
+            </a:extLst>
+          </p:cNvPr>
+          <p:cNvSpPr txBox="1"/>
+          <p:nvPr/>
+        </p:nvSpPr>
+        <p:spPr>
+          <a:xfrm>
+            <a:off x="2228682" y="4919275"/>
+            <a:ext cx="2084294" cy="369332"/>
+          </a:xfrm>
+          <a:prstGeom prst="rect">
+            <a:avLst/>
+          </a:prstGeom>
+          <a:noFill/>
+        </p:spPr>
+        <p:txBody>
+          <a:bodyPr wrap="square" rtlCol="0">
+            <a:spAutoFit/>
+          </a:bodyPr>
+          <a:lstStyle/>
+          <a:p>
+            <a:r>
+              <a:rPr lang="es-ES" dirty="0"/>
+              <a:t>Servidor MQTT</a:t>
+            </a:r>
+          </a:p>
+        </p:txBody>
+      </p:sp>
+      <p:sp>
+        <p:nvSpPr>
+          <p:cNvPr id="10" name="CuadroTexto 9">
+            <a:extLst>
+              <a:ext uri="{FF2B5EF4-FFF2-40B4-BE49-F238E27FC236}">
+                <a16:creationId xmlns:a16="http://schemas.microsoft.com/office/drawing/2014/main" id="{C785DF2C-1DC1-43DC-BDA3-7C882803DB97}"/>
+              </a:ext>
+            </a:extLst>
+          </p:cNvPr>
+          <p:cNvSpPr txBox="1"/>
+          <p:nvPr/>
+        </p:nvSpPr>
+        <p:spPr>
+          <a:xfrm>
+            <a:off x="5988762" y="6347012"/>
+            <a:ext cx="2272553" cy="369332"/>
+          </a:xfrm>
+          <a:prstGeom prst="rect">
+            <a:avLst/>
+          </a:prstGeom>
+          <a:noFill/>
+        </p:spPr>
+        <p:txBody>
+          <a:bodyPr wrap="square" rtlCol="0">
+            <a:spAutoFit/>
+          </a:bodyPr>
+          <a:lstStyle/>
+          <a:p>
+            <a:r>
+              <a:rPr lang="es-ES" dirty="0"/>
+              <a:t>Base De Datos</a:t>
+            </a:r>
+          </a:p>
+        </p:txBody>
+      </p:sp>
+      <p:sp>
+        <p:nvSpPr>
+          <p:cNvPr id="11" name="CuadroTexto 10">
+            <a:extLst>
+              <a:ext uri="{FF2B5EF4-FFF2-40B4-BE49-F238E27FC236}">
+                <a16:creationId xmlns:a16="http://schemas.microsoft.com/office/drawing/2014/main" id="{FE498BA2-3E85-4A28-A4B7-E7887C323C4A}"/>
+              </a:ext>
+            </a:extLst>
+          </p:cNvPr>
+          <p:cNvSpPr txBox="1"/>
+          <p:nvPr/>
+        </p:nvSpPr>
+        <p:spPr>
+          <a:xfrm>
+            <a:off x="9262221" y="4410635"/>
+            <a:ext cx="2218765" cy="375378"/>
+          </a:xfrm>
+          <a:prstGeom prst="rect">
+            <a:avLst/>
+          </a:prstGeom>
+          <a:noFill/>
+        </p:spPr>
+        <p:txBody>
+          <a:bodyPr wrap="square" rtlCol="0">
+            <a:spAutoFit/>
+          </a:bodyPr>
+          <a:lstStyle/>
+          <a:p>
+            <a:r>
+              <a:rPr lang="es-ES" dirty="0"/>
+              <a:t>Servidor Web</a:t>
+            </a:r>
           </a:p>
         </p:txBody>
       </p:sp>
     </p:spTree>
     <p:extLst>
       <p:ext uri="{BB962C8B-B14F-4D97-AF65-F5344CB8AC3E}">
-        <p14:creationId xmlns:p14="http://schemas.microsoft.com/office/powerpoint/2010/main" val="3221786181"/>
+        <p14:creationId xmlns:p14="http://schemas.microsoft.com/office/powerpoint/2010/main" val="1093546369"/>
       </p:ext>
     </p:extLst>
   </p:cSld>
@@ -13017,151 +13292,10 @@
       </p:grpSpPr>
       <p:sp>
         <p:nvSpPr>
-          <p:cNvPr id="2" name="CuadroTexto 1">
-            <a:extLst>
-              <a:ext uri="{FF2B5EF4-FFF2-40B4-BE49-F238E27FC236}">
-                <a16:creationId xmlns:a16="http://schemas.microsoft.com/office/drawing/2014/main" id="{CF7B53D9-B605-5C43-956A-4B437826933D}"/>
-              </a:ext>
-            </a:extLst>
-          </p:cNvPr>
-          <p:cNvSpPr txBox="1"/>
-          <p:nvPr/>
-        </p:nvSpPr>
-        <p:spPr>
-          <a:xfrm>
-            <a:off x="892513" y="2045791"/>
-            <a:ext cx="10406971" cy="1200329"/>
-          </a:xfrm>
-          <a:prstGeom prst="rect">
-            <a:avLst/>
-          </a:prstGeom>
-          <a:noFill/>
-        </p:spPr>
-        <p:txBody>
-          <a:bodyPr wrap="square" rtlCol="0">
-            <a:spAutoFit/>
-          </a:bodyPr>
-          <a:lstStyle/>
-          <a:p>
-            <a:r>
-              <a:rPr lang="es-ES" sz="7200" b="1" dirty="0"/>
-              <a:t>FIN DE LA PRESENTACIÓN</a:t>
-            </a:r>
-          </a:p>
-        </p:txBody>
-      </p:sp>
-      <p:sp>
-        <p:nvSpPr>
-          <p:cNvPr id="3" name="CuadroTexto 2">
-            <a:extLst>
-              <a:ext uri="{FF2B5EF4-FFF2-40B4-BE49-F238E27FC236}">
-                <a16:creationId xmlns:a16="http://schemas.microsoft.com/office/drawing/2014/main" id="{01E62C2E-7971-E94E-BE22-46F5F5D0C38D}"/>
-              </a:ext>
-            </a:extLst>
-          </p:cNvPr>
-          <p:cNvSpPr txBox="1"/>
-          <p:nvPr/>
-        </p:nvSpPr>
-        <p:spPr>
-          <a:xfrm>
-            <a:off x="3697043" y="3913096"/>
-            <a:ext cx="4797910" cy="1384995"/>
-          </a:xfrm>
-          <a:prstGeom prst="rect">
-            <a:avLst/>
-          </a:prstGeom>
-          <a:noFill/>
-        </p:spPr>
-        <p:txBody>
-          <a:bodyPr wrap="square" rtlCol="0">
-            <a:spAutoFit/>
-          </a:bodyPr>
-          <a:lstStyle/>
-          <a:p>
-            <a:pPr algn="ctr"/>
-            <a:r>
-              <a:rPr lang="es-ES" sz="2800" dirty="0"/>
-              <a:t>Muchas gracias, </a:t>
-            </a:r>
-          </a:p>
-          <a:p>
-            <a:pPr algn="ctr"/>
-            <a:endParaRPr lang="es-ES" sz="2800" dirty="0"/>
-          </a:p>
-          <a:p>
-            <a:pPr algn="ctr"/>
-            <a:r>
-              <a:rPr lang="es-ES" sz="2800" dirty="0"/>
-              <a:t>¿alguna pregunta?</a:t>
-            </a:r>
-          </a:p>
-        </p:txBody>
-      </p:sp>
-    </p:spTree>
-    <p:extLst>
-      <p:ext uri="{BB962C8B-B14F-4D97-AF65-F5344CB8AC3E}">
-        <p14:creationId xmlns:p14="http://schemas.microsoft.com/office/powerpoint/2010/main" val="3359423794"/>
-      </p:ext>
-    </p:extLst>
-  </p:cSld>
-  <p:clrMapOvr>
-    <a:masterClrMapping/>
-  </p:clrMapOvr>
-</p:sld>
-</file>
-
-<file path=ppt/slides/slide2.xml><?xml version="1.0" encoding="utf-8"?>
-<p:sld xmlns:a="http://schemas.openxmlformats.org/drawingml/2006/main" xmlns:r="http://schemas.openxmlformats.org/officeDocument/2006/relationships" xmlns:p="http://schemas.openxmlformats.org/presentationml/2006/main">
-  <p:cSld>
-    <p:spTree>
-      <p:nvGrpSpPr>
-        <p:cNvPr id="1" name=""/>
-        <p:cNvGrpSpPr/>
-        <p:nvPr/>
-      </p:nvGrpSpPr>
-      <p:grpSpPr>
-        <a:xfrm>
-          <a:off x="0" y="0"/>
-          <a:ext cx="0" cy="0"/>
-          <a:chOff x="0" y="0"/>
-          <a:chExt cx="0" cy="0"/>
-        </a:xfrm>
-      </p:grpSpPr>
-      <p:sp>
-        <p:nvSpPr>
-          <p:cNvPr id="2" name="Título 1">
-            <a:extLst>
-              <a:ext uri="{FF2B5EF4-FFF2-40B4-BE49-F238E27FC236}">
-                <a16:creationId xmlns:a16="http://schemas.microsoft.com/office/drawing/2014/main" id="{43690825-3062-7E4E-BC50-8CABFD8EF8C0}"/>
-              </a:ext>
-            </a:extLst>
-          </p:cNvPr>
-          <p:cNvSpPr>
-            <a:spLocks noGrp="1"/>
-          </p:cNvSpPr>
-          <p:nvPr>
-            <p:ph type="title"/>
-          </p:nvPr>
-        </p:nvSpPr>
-        <p:spPr/>
-        <p:txBody>
-          <a:bodyPr/>
-          <a:lstStyle/>
-          <a:p>
-            <a:pPr algn="ctr"/>
-            <a:r>
-              <a:rPr lang="es-ES" dirty="0"/>
-              <a:t>índice</a:t>
-            </a:r>
-          </a:p>
-        </p:txBody>
-      </p:sp>
-      <p:sp>
-        <p:nvSpPr>
           <p:cNvPr id="3" name="Marcador de contenido 2">
             <a:extLst>
               <a:ext uri="{FF2B5EF4-FFF2-40B4-BE49-F238E27FC236}">
-                <a16:creationId xmlns:a16="http://schemas.microsoft.com/office/drawing/2014/main" id="{F71971E5-D7B0-ED4A-B0AE-38E95C8D496C}"/>
+                <a16:creationId xmlns:a16="http://schemas.microsoft.com/office/drawing/2014/main" id="{CEEF1335-AC53-4915-A733-03841D67CE74}"/>
               </a:ext>
             </a:extLst>
           </p:cNvPr>
@@ -13179,975 +13313,86 @@
           <a:p>
             <a:r>
               <a:rPr lang="es-ES" dirty="0"/>
-              <a:t>Análisis del problema.</a:t>
+              <a:t>Application Layer:</a:t>
             </a:r>
           </a:p>
           <a:p>
-            <a:r>
-              <a:rPr lang="es-ES" dirty="0"/>
-              <a:t>Objetivos y alcance del proyecto seleccionado.</a:t>
-            </a:r>
-          </a:p>
-          <a:p>
-            <a:r>
-              <a:rPr lang="es-ES" dirty="0"/>
-              <a:t>Descripción de ideas descartadas.</a:t>
-            </a:r>
-          </a:p>
-          <a:p>
-            <a:r>
-              <a:rPr lang="es-ES" dirty="0"/>
-              <a:t>Tecnologías a utilizar.</a:t>
-            </a:r>
-          </a:p>
-          <a:p>
-            <a:r>
-              <a:rPr lang="es-ES" dirty="0"/>
-              <a:t>Planificación temporal, plan de desarrollo.</a:t>
-            </a:r>
-          </a:p>
-          <a:p>
-            <a:r>
-              <a:rPr lang="es-ES" dirty="0"/>
-              <a:t>Resumen y conclusiones.</a:t>
-            </a:r>
-          </a:p>
-        </p:txBody>
-      </p:sp>
-    </p:spTree>
-    <p:extLst>
-      <p:ext uri="{BB962C8B-B14F-4D97-AF65-F5344CB8AC3E}">
-        <p14:creationId xmlns:p14="http://schemas.microsoft.com/office/powerpoint/2010/main" val="3774029119"/>
-      </p:ext>
-    </p:extLst>
-  </p:cSld>
-  <p:clrMapOvr>
-    <a:masterClrMapping/>
-  </p:clrMapOvr>
-</p:sld>
-</file>
-
-<file path=ppt/slides/slide3.xml><?xml version="1.0" encoding="utf-8"?>
-<p:sld xmlns:a="http://schemas.openxmlformats.org/drawingml/2006/main" xmlns:r="http://schemas.openxmlformats.org/officeDocument/2006/relationships" xmlns:p="http://schemas.openxmlformats.org/presentationml/2006/main">
-  <p:cSld>
-    <p:spTree>
-      <p:nvGrpSpPr>
-        <p:cNvPr id="1" name=""/>
-        <p:cNvGrpSpPr/>
-        <p:nvPr/>
-      </p:nvGrpSpPr>
-      <p:grpSpPr>
-        <a:xfrm>
-          <a:off x="0" y="0"/>
-          <a:ext cx="0" cy="0"/>
-          <a:chOff x="0" y="0"/>
-          <a:chExt cx="0" cy="0"/>
-        </a:xfrm>
-      </p:grpSpPr>
-      <p:sp>
-        <p:nvSpPr>
-          <p:cNvPr id="2" name="Título 1">
-            <a:extLst>
-              <a:ext uri="{FF2B5EF4-FFF2-40B4-BE49-F238E27FC236}">
-                <a16:creationId xmlns:a16="http://schemas.microsoft.com/office/drawing/2014/main" id="{A95F5B39-49DE-0C48-A0A7-FADDA598BA53}"/>
-              </a:ext>
-            </a:extLst>
-          </p:cNvPr>
-          <p:cNvSpPr>
-            <a:spLocks noGrp="1"/>
-          </p:cNvSpPr>
-          <p:nvPr>
-            <p:ph type="title"/>
-          </p:nvPr>
-        </p:nvSpPr>
-        <p:spPr/>
-        <p:txBody>
-          <a:bodyPr/>
-          <a:lstStyle/>
-          <a:p>
-            <a:pPr algn="ctr"/>
-            <a:r>
-              <a:rPr lang="es-ES" dirty="0"/>
-              <a:t>Introducción</a:t>
-            </a:r>
+            <a:pPr marL="0" indent="0">
+              <a:buNone/>
+            </a:pPr>
+            <a:endParaRPr lang="es-ES" dirty="0"/>
           </a:p>
         </p:txBody>
       </p:sp>
       <p:sp>
         <p:nvSpPr>
-          <p:cNvPr id="3" name="Marcador de contenido 2">
+          <p:cNvPr id="6" name="Título 1">
             <a:extLst>
               <a:ext uri="{FF2B5EF4-FFF2-40B4-BE49-F238E27FC236}">
-                <a16:creationId xmlns:a16="http://schemas.microsoft.com/office/drawing/2014/main" id="{27E5F811-7B9C-EF40-B53B-887C9B558D17}"/>
+                <a16:creationId xmlns:a16="http://schemas.microsoft.com/office/drawing/2014/main" id="{052865C2-F514-4C7E-B5E9-EE869581FC7F}"/>
               </a:ext>
             </a:extLst>
           </p:cNvPr>
-          <p:cNvSpPr>
-            <a:spLocks noGrp="1"/>
+          <p:cNvSpPr txBox="1">
+            <a:spLocks/>
           </p:cNvSpPr>
-          <p:nvPr>
-            <p:ph idx="1"/>
-          </p:nvPr>
+          <p:nvPr/>
         </p:nvSpPr>
-        <p:spPr/>
-        <p:txBody>
-          <a:bodyPr/>
-          <a:lstStyle/>
-          <a:p>
-            <a:endParaRPr lang="es-ES"/>
-          </a:p>
-        </p:txBody>
-      </p:sp>
-    </p:spTree>
-    <p:extLst>
-      <p:ext uri="{BB962C8B-B14F-4D97-AF65-F5344CB8AC3E}">
-        <p14:creationId xmlns:p14="http://schemas.microsoft.com/office/powerpoint/2010/main" val="1622166609"/>
-      </p:ext>
-    </p:extLst>
-  </p:cSld>
-  <p:clrMapOvr>
-    <a:masterClrMapping/>
-  </p:clrMapOvr>
-</p:sld>
-</file>
-
-<file path=ppt/slides/slide4.xml><?xml version="1.0" encoding="utf-8"?>
-<p:sld xmlns:a="http://schemas.openxmlformats.org/drawingml/2006/main" xmlns:r="http://schemas.openxmlformats.org/officeDocument/2006/relationships" xmlns:p="http://schemas.openxmlformats.org/presentationml/2006/main">
-  <p:cSld>
-    <p:spTree>
-      <p:nvGrpSpPr>
-        <p:cNvPr id="1" name=""/>
-        <p:cNvGrpSpPr/>
-        <p:nvPr/>
-      </p:nvGrpSpPr>
-      <p:grpSpPr>
-        <a:xfrm>
-          <a:off x="0" y="0"/>
-          <a:ext cx="0" cy="0"/>
-          <a:chOff x="0" y="0"/>
-          <a:chExt cx="0" cy="0"/>
-        </a:xfrm>
-      </p:grpSpPr>
-      <p:sp>
-        <p:nvSpPr>
-          <p:cNvPr id="2" name="Título 1">
-            <a:extLst>
-              <a:ext uri="{FF2B5EF4-FFF2-40B4-BE49-F238E27FC236}">
-                <a16:creationId xmlns:a16="http://schemas.microsoft.com/office/drawing/2014/main" id="{34B17926-B82C-3F4A-AEC7-95D8D1A4CE92}"/>
-              </a:ext>
-            </a:extLst>
-          </p:cNvPr>
-          <p:cNvSpPr>
-            <a:spLocks noGrp="1"/>
-          </p:cNvSpPr>
-          <p:nvPr>
-            <p:ph type="title"/>
-          </p:nvPr>
-        </p:nvSpPr>
-        <p:spPr/>
-        <p:txBody>
-          <a:bodyPr/>
-          <a:lstStyle/>
-          <a:p>
-            <a:pPr algn="ctr"/>
-            <a:r>
-              <a:rPr lang="es-ES" dirty="0"/>
-              <a:t>Análisis del problema</a:t>
-            </a:r>
-          </a:p>
-        </p:txBody>
-      </p:sp>
-      <p:sp>
-        <p:nvSpPr>
-          <p:cNvPr id="3" name="Marcador de contenido 2">
-            <a:extLst>
-              <a:ext uri="{FF2B5EF4-FFF2-40B4-BE49-F238E27FC236}">
-                <a16:creationId xmlns:a16="http://schemas.microsoft.com/office/drawing/2014/main" id="{FEAC9932-9B1A-D04A-B9CE-F09CE18B38C8}"/>
-              </a:ext>
-            </a:extLst>
-          </p:cNvPr>
-          <p:cNvSpPr>
-            <a:spLocks noGrp="1"/>
-          </p:cNvSpPr>
-          <p:nvPr>
-            <p:ph idx="1"/>
-          </p:nvPr>
-        </p:nvSpPr>
-        <p:spPr/>
-        <p:txBody>
-          <a:bodyPr/>
-          <a:lstStyle/>
-          <a:p>
-            <a:endParaRPr lang="es-ES"/>
-          </a:p>
-        </p:txBody>
-      </p:sp>
-    </p:spTree>
-    <p:extLst>
-      <p:ext uri="{BB962C8B-B14F-4D97-AF65-F5344CB8AC3E}">
-        <p14:creationId xmlns:p14="http://schemas.microsoft.com/office/powerpoint/2010/main" val="2426427557"/>
-      </p:ext>
-    </p:extLst>
-  </p:cSld>
-  <p:clrMapOvr>
-    <a:masterClrMapping/>
-  </p:clrMapOvr>
-</p:sld>
-</file>
-
-<file path=ppt/slides/slide5.xml><?xml version="1.0" encoding="utf-8"?>
-<p:sld xmlns:a="http://schemas.openxmlformats.org/drawingml/2006/main" xmlns:r="http://schemas.openxmlformats.org/officeDocument/2006/relationships" xmlns:p="http://schemas.openxmlformats.org/presentationml/2006/main">
-  <p:cSld>
-    <p:spTree>
-      <p:nvGrpSpPr>
-        <p:cNvPr id="1" name=""/>
-        <p:cNvGrpSpPr/>
-        <p:nvPr/>
-      </p:nvGrpSpPr>
-      <p:grpSpPr>
-        <a:xfrm>
-          <a:off x="0" y="0"/>
-          <a:ext cx="0" cy="0"/>
-          <a:chOff x="0" y="0"/>
-          <a:chExt cx="0" cy="0"/>
-        </a:xfrm>
-      </p:grpSpPr>
-      <p:sp>
-        <p:nvSpPr>
-          <p:cNvPr id="2" name="Título 1">
-            <a:extLst>
-              <a:ext uri="{FF2B5EF4-FFF2-40B4-BE49-F238E27FC236}">
-                <a16:creationId xmlns:a16="http://schemas.microsoft.com/office/drawing/2014/main" id="{914D8D61-3311-BC44-89AB-20080DCDF2D5}"/>
-              </a:ext>
-            </a:extLst>
-          </p:cNvPr>
-          <p:cNvSpPr>
-            <a:spLocks noGrp="1"/>
-          </p:cNvSpPr>
-          <p:nvPr>
-            <p:ph type="title"/>
-          </p:nvPr>
-        </p:nvSpPr>
-        <p:spPr/>
-        <p:txBody>
-          <a:bodyPr/>
-          <a:lstStyle/>
-          <a:p>
-            <a:pPr algn="ctr"/>
-            <a:r>
-              <a:rPr lang="es-ES" dirty="0"/>
-              <a:t>Objetivos y alcance del proyecto seleccionado</a:t>
-            </a:r>
-          </a:p>
-        </p:txBody>
-      </p:sp>
-      <p:pic>
-        <p:nvPicPr>
-          <p:cNvPr id="4" name="Marcador de contenido 3" descr="Diagrama&#10;&#10;Descripción generada automáticamente">
-            <a:extLst>
-              <a:ext uri="{FF2B5EF4-FFF2-40B4-BE49-F238E27FC236}">
-                <a16:creationId xmlns:a16="http://schemas.microsoft.com/office/drawing/2014/main" id="{2CB74A7F-0757-F44F-8CAD-23126800DB40}"/>
-              </a:ext>
-            </a:extLst>
-          </p:cNvPr>
-          <p:cNvPicPr>
-            <a:picLocks noGrp="1" noChangeAspect="1"/>
-          </p:cNvPicPr>
-          <p:nvPr>
-            <p:ph idx="1"/>
-          </p:nvPr>
-        </p:nvPicPr>
-        <p:blipFill>
-          <a:blip r:embed="rId3" cstate="print">
-            <a:extLst>
-              <a:ext uri="{28A0092B-C50C-407E-A947-70E740481C1C}">
-                <a14:useLocalDpi xmlns:a14="http://schemas.microsoft.com/office/drawing/2010/main" val="0"/>
-              </a:ext>
-            </a:extLst>
-          </a:blip>
-          <a:stretch>
-            <a:fillRect/>
-          </a:stretch>
-        </p:blipFill>
         <p:spPr>
           <a:xfrm>
-            <a:off x="1243011" y="2389310"/>
-            <a:ext cx="2417609" cy="1930842"/>
+            <a:off x="1141413" y="643918"/>
+            <a:ext cx="9905998" cy="1478570"/>
           </a:xfrm>
           <a:prstGeom prst="rect">
             <a:avLst/>
           </a:prstGeom>
         </p:spPr>
-      </p:pic>
-      <p:pic>
-        <p:nvPicPr>
-          <p:cNvPr id="5" name="Imagen 4" descr="Imagen de la pantalla de un celular&#10;&#10;Descripción generada automáticamente con confianza media">
-            <a:extLst>
-              <a:ext uri="{FF2B5EF4-FFF2-40B4-BE49-F238E27FC236}">
-                <a16:creationId xmlns:a16="http://schemas.microsoft.com/office/drawing/2014/main" id="{A7B2D6A6-EAFB-F040-A37C-8C3FDE4EBD60}"/>
-              </a:ext>
-            </a:extLst>
-          </p:cNvPr>
-          <p:cNvPicPr>
-            <a:picLocks noChangeAspect="1"/>
-          </p:cNvPicPr>
-          <p:nvPr/>
-        </p:nvPicPr>
-        <p:blipFill>
-          <a:blip r:embed="rId4" cstate="print">
-            <a:extLst>
-              <a:ext uri="{28A0092B-C50C-407E-A947-70E740481C1C}">
-                <a14:useLocalDpi xmlns:a14="http://schemas.microsoft.com/office/drawing/2010/main" val="0"/>
-              </a:ext>
-            </a:extLst>
-          </a:blip>
-          <a:stretch>
-            <a:fillRect/>
-          </a:stretch>
-        </p:blipFill>
-        <p:spPr>
-          <a:xfrm>
-            <a:off x="6476534" y="2210105"/>
-            <a:ext cx="3100033" cy="2066689"/>
-          </a:xfrm>
-          <a:prstGeom prst="rect">
-            <a:avLst/>
-          </a:prstGeom>
-        </p:spPr>
-      </p:pic>
-      <p:pic>
-        <p:nvPicPr>
-          <p:cNvPr id="6" name="Imagen 5" descr="Interfaz de usuario gráfica, Tabla&#10;&#10;Descripción generada automáticamente con confianza media">
-            <a:extLst>
-              <a:ext uri="{FF2B5EF4-FFF2-40B4-BE49-F238E27FC236}">
-                <a16:creationId xmlns:a16="http://schemas.microsoft.com/office/drawing/2014/main" id="{BD20C960-B494-5E45-894D-FAC60C0F5E6D}"/>
-              </a:ext>
-            </a:extLst>
-          </p:cNvPr>
-          <p:cNvPicPr>
-            <a:picLocks noChangeAspect="1"/>
-          </p:cNvPicPr>
-          <p:nvPr/>
-        </p:nvPicPr>
-        <p:blipFill>
-          <a:blip r:embed="rId5">
-            <a:extLst>
-              <a:ext uri="{28A0092B-C50C-407E-A947-70E740481C1C}">
-                <a14:useLocalDpi xmlns:a14="http://schemas.microsoft.com/office/drawing/2010/main" val="0"/>
-              </a:ext>
-            </a:extLst>
-          </a:blip>
-          <a:stretch>
-            <a:fillRect/>
-          </a:stretch>
-        </p:blipFill>
-        <p:spPr>
-          <a:xfrm>
-            <a:off x="3098626" y="4759142"/>
-            <a:ext cx="2695130" cy="1374956"/>
-          </a:xfrm>
-          <a:prstGeom prst="rect">
-            <a:avLst/>
-          </a:prstGeom>
-        </p:spPr>
-      </p:pic>
-      <p:pic>
-        <p:nvPicPr>
-          <p:cNvPr id="7" name="Imagen 6" descr="Interfaz de usuario gráfica, Texto, Aplicación, Chat o mensaje de texto&#10;&#10;Descripción generada automáticamente">
-            <a:extLst>
-              <a:ext uri="{FF2B5EF4-FFF2-40B4-BE49-F238E27FC236}">
-                <a16:creationId xmlns:a16="http://schemas.microsoft.com/office/drawing/2014/main" id="{D86D0883-7ABB-0C48-A2A4-FC337A8C00EC}"/>
-              </a:ext>
-            </a:extLst>
-          </p:cNvPr>
-          <p:cNvPicPr>
-            <a:picLocks noChangeAspect="1"/>
-          </p:cNvPicPr>
-          <p:nvPr/>
-        </p:nvPicPr>
-        <p:blipFill>
-          <a:blip r:embed="rId6" cstate="print">
-            <a:extLst>
-              <a:ext uri="{28A0092B-C50C-407E-A947-70E740481C1C}">
-                <a14:useLocalDpi xmlns:a14="http://schemas.microsoft.com/office/drawing/2010/main" val="0"/>
-              </a:ext>
-            </a:extLst>
-          </a:blip>
-          <a:stretch>
-            <a:fillRect/>
-          </a:stretch>
-        </p:blipFill>
-        <p:spPr>
-          <a:xfrm>
-            <a:off x="8188230" y="4759142"/>
-            <a:ext cx="2480310" cy="1653540"/>
-          </a:xfrm>
-          <a:prstGeom prst="rect">
-            <a:avLst/>
-          </a:prstGeom>
-        </p:spPr>
-      </p:pic>
-      <p:sp>
-        <p:nvSpPr>
-          <p:cNvPr id="8" name="CuadroTexto 7">
-            <a:extLst>
-              <a:ext uri="{FF2B5EF4-FFF2-40B4-BE49-F238E27FC236}">
-                <a16:creationId xmlns:a16="http://schemas.microsoft.com/office/drawing/2014/main" id="{7CD73630-B8DD-D141-A1E7-A82056503262}"/>
-              </a:ext>
-            </a:extLst>
-          </p:cNvPr>
-          <p:cNvSpPr txBox="1"/>
-          <p:nvPr/>
-        </p:nvSpPr>
-        <p:spPr>
-          <a:xfrm>
-            <a:off x="901798" y="4335269"/>
-            <a:ext cx="3100033" cy="369332"/>
-          </a:xfrm>
-          <a:prstGeom prst="rect">
-            <a:avLst/>
-          </a:prstGeom>
-          <a:noFill/>
-        </p:spPr>
         <p:txBody>
-          <a:bodyPr wrap="square" rtlCol="0">
-            <a:spAutoFit/>
+          <a:bodyPr vert="horz" lIns="91440" tIns="45720" rIns="91440" bIns="45720" rtlCol="0" anchor="ctr">
+            <a:normAutofit/>
           </a:bodyPr>
-          <a:lstStyle/>
-          <a:p>
-            <a:r>
-              <a:rPr lang="es-ES" dirty="0"/>
-              <a:t>Lectores en la entrada y salida</a:t>
-            </a:r>
-          </a:p>
-        </p:txBody>
-      </p:sp>
-      <p:sp>
-        <p:nvSpPr>
-          <p:cNvPr id="10" name="CuadroTexto 9">
-            <a:extLst>
-              <a:ext uri="{FF2B5EF4-FFF2-40B4-BE49-F238E27FC236}">
-                <a16:creationId xmlns:a16="http://schemas.microsoft.com/office/drawing/2014/main" id="{328BB2BE-B242-CE40-8B33-CCE49A3D67A6}"/>
-              </a:ext>
-            </a:extLst>
-          </p:cNvPr>
-          <p:cNvSpPr txBox="1"/>
-          <p:nvPr/>
-        </p:nvSpPr>
-        <p:spPr>
-          <a:xfrm>
-            <a:off x="6140418" y="4276793"/>
-            <a:ext cx="3772266" cy="369332"/>
-          </a:xfrm>
-          <a:prstGeom prst="rect">
-            <a:avLst/>
-          </a:prstGeom>
-          <a:noFill/>
-        </p:spPr>
-        <p:txBody>
-          <a:bodyPr wrap="square" rtlCol="0">
-            <a:spAutoFit/>
-          </a:bodyPr>
-          <a:lstStyle/>
-          <a:p>
-            <a:r>
-              <a:rPr lang="es-ES" dirty="0"/>
-              <a:t>Página web mostrará aforo disponible</a:t>
-            </a:r>
-          </a:p>
-        </p:txBody>
-      </p:sp>
-      <p:sp>
-        <p:nvSpPr>
-          <p:cNvPr id="11" name="CuadroTexto 10">
-            <a:extLst>
-              <a:ext uri="{FF2B5EF4-FFF2-40B4-BE49-F238E27FC236}">
-                <a16:creationId xmlns:a16="http://schemas.microsoft.com/office/drawing/2014/main" id="{56044178-0D69-534C-A24C-2B402AC02D50}"/>
-              </a:ext>
-            </a:extLst>
-          </p:cNvPr>
-          <p:cNvSpPr txBox="1"/>
-          <p:nvPr/>
-        </p:nvSpPr>
-        <p:spPr>
-          <a:xfrm>
-            <a:off x="2969876" y="6176690"/>
-            <a:ext cx="3100033" cy="369332"/>
-          </a:xfrm>
-          <a:prstGeom prst="rect">
-            <a:avLst/>
-          </a:prstGeom>
-          <a:noFill/>
-        </p:spPr>
-        <p:txBody>
-          <a:bodyPr wrap="square" rtlCol="0">
-            <a:spAutoFit/>
-          </a:bodyPr>
-          <a:lstStyle/>
-          <a:p>
-            <a:r>
-              <a:rPr lang="es-ES" dirty="0"/>
-              <a:t>Posibilidad de nuevos registros</a:t>
-            </a:r>
-          </a:p>
-        </p:txBody>
-      </p:sp>
-      <p:sp>
-        <p:nvSpPr>
-          <p:cNvPr id="12" name="CuadroTexto 11">
-            <a:extLst>
-              <a:ext uri="{FF2B5EF4-FFF2-40B4-BE49-F238E27FC236}">
-                <a16:creationId xmlns:a16="http://schemas.microsoft.com/office/drawing/2014/main" id="{479C4CF7-524E-264C-BF65-B76F5DF37B42}"/>
-              </a:ext>
-            </a:extLst>
-          </p:cNvPr>
-          <p:cNvSpPr txBox="1"/>
-          <p:nvPr/>
-        </p:nvSpPr>
-        <p:spPr>
-          <a:xfrm>
-            <a:off x="7809360" y="6412682"/>
-            <a:ext cx="3238051" cy="369332"/>
-          </a:xfrm>
-          <a:prstGeom prst="rect">
-            <a:avLst/>
-          </a:prstGeom>
-          <a:noFill/>
-        </p:spPr>
-        <p:txBody>
-          <a:bodyPr wrap="square" rtlCol="0">
-            <a:spAutoFit/>
-          </a:bodyPr>
-          <a:lstStyle/>
-          <a:p>
-            <a:r>
-              <a:rPr lang="es-ES" dirty="0"/>
-              <a:t>Alertas y avisos de emergencias</a:t>
-            </a:r>
-          </a:p>
-        </p:txBody>
-      </p:sp>
-      <p:sp>
-        <p:nvSpPr>
-          <p:cNvPr id="13" name="CuadroTexto 12">
-            <a:extLst>
-              <a:ext uri="{FF2B5EF4-FFF2-40B4-BE49-F238E27FC236}">
-                <a16:creationId xmlns:a16="http://schemas.microsoft.com/office/drawing/2014/main" id="{8C05AD64-BEDC-C542-BD39-4DE654BA4E46}"/>
-              </a:ext>
-            </a:extLst>
-          </p:cNvPr>
-          <p:cNvSpPr txBox="1"/>
-          <p:nvPr/>
-        </p:nvSpPr>
-        <p:spPr>
-          <a:xfrm>
-            <a:off x="1141413" y="1873867"/>
-            <a:ext cx="1828463" cy="369332"/>
-          </a:xfrm>
-          <a:prstGeom prst="rect">
-            <a:avLst/>
-          </a:prstGeom>
-          <a:noFill/>
-        </p:spPr>
-        <p:txBody>
-          <a:bodyPr wrap="square" rtlCol="0">
-            <a:spAutoFit/>
-          </a:bodyPr>
-          <a:lstStyle/>
-          <a:p>
-            <a:r>
-              <a:rPr lang="es-ES" dirty="0"/>
-              <a:t>Objetivo:</a:t>
-            </a:r>
-          </a:p>
-        </p:txBody>
-      </p:sp>
-    </p:spTree>
-    <p:extLst>
-      <p:ext uri="{BB962C8B-B14F-4D97-AF65-F5344CB8AC3E}">
-        <p14:creationId xmlns:p14="http://schemas.microsoft.com/office/powerpoint/2010/main" val="1351069615"/>
-      </p:ext>
-    </p:extLst>
-  </p:cSld>
-  <p:clrMapOvr>
-    <a:masterClrMapping/>
-  </p:clrMapOvr>
-</p:sld>
-</file>
-
-<file path=ppt/slides/slide6.xml><?xml version="1.0" encoding="utf-8"?>
-<p:sld xmlns:a="http://schemas.openxmlformats.org/drawingml/2006/main" xmlns:r="http://schemas.openxmlformats.org/officeDocument/2006/relationships" xmlns:p="http://schemas.openxmlformats.org/presentationml/2006/main">
-  <p:cSld>
-    <p:spTree>
-      <p:nvGrpSpPr>
-        <p:cNvPr id="1" name=""/>
-        <p:cNvGrpSpPr/>
-        <p:nvPr/>
-      </p:nvGrpSpPr>
-      <p:grpSpPr>
-        <a:xfrm>
-          <a:off x="0" y="0"/>
-          <a:ext cx="0" cy="0"/>
-          <a:chOff x="0" y="0"/>
-          <a:chExt cx="0" cy="0"/>
-        </a:xfrm>
-      </p:grpSpPr>
-      <p:sp>
-        <p:nvSpPr>
-          <p:cNvPr id="2" name="Título 1">
-            <a:extLst>
-              <a:ext uri="{FF2B5EF4-FFF2-40B4-BE49-F238E27FC236}">
-                <a16:creationId xmlns:a16="http://schemas.microsoft.com/office/drawing/2014/main" id="{914D8D61-3311-BC44-89AB-20080DCDF2D5}"/>
-              </a:ext>
-            </a:extLst>
-          </p:cNvPr>
-          <p:cNvSpPr>
-            <a:spLocks noGrp="1"/>
-          </p:cNvSpPr>
-          <p:nvPr>
-            <p:ph type="title"/>
-          </p:nvPr>
-        </p:nvSpPr>
-        <p:spPr/>
-        <p:txBody>
-          <a:bodyPr/>
-          <a:lstStyle/>
+          <a:lstStyle>
+            <a:lvl1pPr algn="l" defTabSz="914400" rtl="0" eaLnBrk="1" latinLnBrk="0" hangingPunct="1">
+              <a:lnSpc>
+                <a:spcPct val="90000"/>
+              </a:lnSpc>
+              <a:spcBef>
+                <a:spcPct val="0"/>
+              </a:spcBef>
+              <a:buNone/>
+              <a:defRPr sz="3600" kern="1200" cap="all" baseline="0">
+                <a:solidFill>
+                  <a:schemeClr val="tx1"/>
+                </a:solidFill>
+                <a:latin typeface="+mj-lt"/>
+                <a:ea typeface="+mj-ea"/>
+                <a:cs typeface="+mj-cs"/>
+              </a:defRPr>
+            </a:lvl1pPr>
+          </a:lstStyle>
           <a:p>
             <a:pPr algn="ctr"/>
             <a:r>
               <a:rPr lang="es-ES" dirty="0"/>
-              <a:t>Objetivos y alcance del proyecto seleccionado</a:t>
-            </a:r>
-          </a:p>
-        </p:txBody>
-      </p:sp>
-      <p:sp>
-        <p:nvSpPr>
-          <p:cNvPr id="4" name="CuadroTexto 3">
-            <a:extLst>
-              <a:ext uri="{FF2B5EF4-FFF2-40B4-BE49-F238E27FC236}">
-                <a16:creationId xmlns:a16="http://schemas.microsoft.com/office/drawing/2014/main" id="{31FB50A3-4000-DA46-9D6E-B9A099D30935}"/>
-              </a:ext>
-            </a:extLst>
-          </p:cNvPr>
-          <p:cNvSpPr txBox="1"/>
-          <p:nvPr/>
-        </p:nvSpPr>
-        <p:spPr>
-          <a:xfrm>
-            <a:off x="2040997" y="4547664"/>
-            <a:ext cx="1743556" cy="369332"/>
-          </a:xfrm>
-          <a:prstGeom prst="rect">
-            <a:avLst/>
-          </a:prstGeom>
-          <a:noFill/>
-        </p:spPr>
-        <p:txBody>
-          <a:bodyPr wrap="square" rtlCol="0">
-            <a:spAutoFit/>
-          </a:bodyPr>
-          <a:lstStyle/>
-          <a:p>
-            <a:r>
-              <a:rPr lang="es-ES" dirty="0"/>
-              <a:t>Supermercados</a:t>
+              <a:t>Tecnologías a utilizar</a:t>
             </a:r>
           </a:p>
         </p:txBody>
       </p:sp>
       <p:pic>
         <p:nvPicPr>
-          <p:cNvPr id="5" name="Marcador de contenido 4" descr="Tienda con ventanas grandes y letras de colores&#10;&#10;Descripción generada automáticamente con confianza media">
+          <p:cNvPr id="7" name="Imagen 6" descr="Una Introducción a React y React Native - Wildix Blog">
             <a:extLst>
               <a:ext uri="{FF2B5EF4-FFF2-40B4-BE49-F238E27FC236}">
-                <a16:creationId xmlns:a16="http://schemas.microsoft.com/office/drawing/2014/main" id="{E3A50CA3-AE3D-5745-B1DA-D103A46D0C91}"/>
+                <a16:creationId xmlns:a16="http://schemas.microsoft.com/office/drawing/2014/main" id="{48390ED4-D848-4A53-AC66-7226E90B4D02}"/>
               </a:ext>
             </a:extLst>
           </p:cNvPr>
-          <p:cNvPicPr>
-            <a:picLocks noGrp="1" noChangeAspect="1"/>
-          </p:cNvPicPr>
-          <p:nvPr>
-            <p:ph idx="1"/>
-          </p:nvPr>
+          <p:cNvPicPr/>
+          <p:nvPr/>
         </p:nvPicPr>
         <p:blipFill>
           <a:blip r:embed="rId2" cstate="print">
-            <a:extLst>
-              <a:ext uri="{28A0092B-C50C-407E-A947-70E740481C1C}">
-                <a14:useLocalDpi xmlns:a14="http://schemas.microsoft.com/office/drawing/2010/main" val="0"/>
-              </a:ext>
-            </a:extLst>
-          </a:blip>
-          <a:stretch>
-            <a:fillRect/>
-          </a:stretch>
-        </p:blipFill>
-        <p:spPr>
-          <a:xfrm>
-            <a:off x="1584105" y="2766863"/>
-            <a:ext cx="2657341" cy="1717051"/>
-          </a:xfrm>
-          <a:prstGeom prst="rect">
-            <a:avLst/>
-          </a:prstGeom>
-        </p:spPr>
-      </p:pic>
-      <p:sp>
-        <p:nvSpPr>
-          <p:cNvPr id="7" name="CuadroTexto 6">
-            <a:extLst>
-              <a:ext uri="{FF2B5EF4-FFF2-40B4-BE49-F238E27FC236}">
-                <a16:creationId xmlns:a16="http://schemas.microsoft.com/office/drawing/2014/main" id="{0340E34E-79FC-734C-AAD4-98BCA05666C0}"/>
-              </a:ext>
-            </a:extLst>
-          </p:cNvPr>
-          <p:cNvSpPr txBox="1"/>
-          <p:nvPr/>
-        </p:nvSpPr>
-        <p:spPr>
-          <a:xfrm>
-            <a:off x="1141413" y="1912422"/>
-            <a:ext cx="3100033" cy="369332"/>
-          </a:xfrm>
-          <a:prstGeom prst="rect">
-            <a:avLst/>
-          </a:prstGeom>
-          <a:noFill/>
-        </p:spPr>
-        <p:txBody>
-          <a:bodyPr wrap="square" rtlCol="0">
-            <a:spAutoFit/>
-          </a:bodyPr>
-          <a:lstStyle/>
-          <a:p>
-            <a:r>
-              <a:rPr lang="es-ES" dirty="0"/>
-              <a:t>Alcance:</a:t>
-            </a:r>
-          </a:p>
-        </p:txBody>
-      </p:sp>
-      <p:pic>
-        <p:nvPicPr>
-          <p:cNvPr id="8" name="Imagen 7" descr="Imagen que contiene interior, edificio, ventana, cuarto&#10;&#10;Descripción generada automáticamente">
-            <a:extLst>
-              <a:ext uri="{FF2B5EF4-FFF2-40B4-BE49-F238E27FC236}">
-                <a16:creationId xmlns:a16="http://schemas.microsoft.com/office/drawing/2014/main" id="{263250DE-A1D5-7344-A169-568A683CDEBD}"/>
-              </a:ext>
-            </a:extLst>
-          </p:cNvPr>
-          <p:cNvPicPr>
-            <a:picLocks noChangeAspect="1"/>
-          </p:cNvPicPr>
-          <p:nvPr/>
-        </p:nvPicPr>
-        <p:blipFill>
-          <a:blip r:embed="rId3" cstate="print">
-            <a:extLst>
-              <a:ext uri="{28A0092B-C50C-407E-A947-70E740481C1C}">
-                <a14:useLocalDpi xmlns:a14="http://schemas.microsoft.com/office/drawing/2010/main" val="0"/>
-              </a:ext>
-            </a:extLst>
-          </a:blip>
-          <a:stretch>
-            <a:fillRect/>
-          </a:stretch>
-        </p:blipFill>
-        <p:spPr>
-          <a:xfrm>
-            <a:off x="4551194" y="4547664"/>
-            <a:ext cx="3089611" cy="1314469"/>
-          </a:xfrm>
-          <a:prstGeom prst="rect">
-            <a:avLst/>
-          </a:prstGeom>
-        </p:spPr>
-      </p:pic>
-      <p:pic>
-        <p:nvPicPr>
-          <p:cNvPr id="9" name="Imagen 8" descr="Un grupo de personas caminando en una plaza&#10;&#10;Descripción generada automáticamente">
-            <a:extLst>
-              <a:ext uri="{FF2B5EF4-FFF2-40B4-BE49-F238E27FC236}">
-                <a16:creationId xmlns:a16="http://schemas.microsoft.com/office/drawing/2014/main" id="{0B24C296-B581-FC44-BB00-029429B22984}"/>
-              </a:ext>
-            </a:extLst>
-          </p:cNvPr>
-          <p:cNvPicPr>
-            <a:picLocks noChangeAspect="1"/>
-          </p:cNvPicPr>
-          <p:nvPr/>
-        </p:nvPicPr>
-        <p:blipFill>
-          <a:blip r:embed="rId4" cstate="print">
-            <a:extLst>
-              <a:ext uri="{28A0092B-C50C-407E-A947-70E740481C1C}">
-                <a14:useLocalDpi xmlns:a14="http://schemas.microsoft.com/office/drawing/2010/main" val="0"/>
-              </a:ext>
-            </a:extLst>
-          </a:blip>
-          <a:stretch>
-            <a:fillRect/>
-          </a:stretch>
-        </p:blipFill>
-        <p:spPr>
-          <a:xfrm>
-            <a:off x="8232850" y="2608297"/>
-            <a:ext cx="2814561" cy="1875617"/>
-          </a:xfrm>
-          <a:prstGeom prst="rect">
-            <a:avLst/>
-          </a:prstGeom>
-        </p:spPr>
-      </p:pic>
-      <p:sp>
-        <p:nvSpPr>
-          <p:cNvPr id="10" name="CuadroTexto 9">
-            <a:extLst>
-              <a:ext uri="{FF2B5EF4-FFF2-40B4-BE49-F238E27FC236}">
-                <a16:creationId xmlns:a16="http://schemas.microsoft.com/office/drawing/2014/main" id="{8EE233EF-EAE9-754F-9110-BF71A6DD83A8}"/>
-              </a:ext>
-            </a:extLst>
-          </p:cNvPr>
-          <p:cNvSpPr txBox="1"/>
-          <p:nvPr/>
-        </p:nvSpPr>
-        <p:spPr>
-          <a:xfrm>
-            <a:off x="5222634" y="5870150"/>
-            <a:ext cx="2208680" cy="369332"/>
-          </a:xfrm>
-          <a:prstGeom prst="rect">
-            <a:avLst/>
-          </a:prstGeom>
-          <a:noFill/>
-        </p:spPr>
-        <p:txBody>
-          <a:bodyPr wrap="square" rtlCol="0">
-            <a:spAutoFit/>
-          </a:bodyPr>
-          <a:lstStyle/>
-          <a:p>
-            <a:r>
-              <a:rPr lang="es-ES" dirty="0"/>
-              <a:t>Estadios de fútbol</a:t>
-            </a:r>
-          </a:p>
-        </p:txBody>
-      </p:sp>
-      <p:sp>
-        <p:nvSpPr>
-          <p:cNvPr id="11" name="CuadroTexto 10">
-            <a:extLst>
-              <a:ext uri="{FF2B5EF4-FFF2-40B4-BE49-F238E27FC236}">
-                <a16:creationId xmlns:a16="http://schemas.microsoft.com/office/drawing/2014/main" id="{EF7F9C16-8C14-D348-8F98-C1FD4211B120}"/>
-              </a:ext>
-            </a:extLst>
-          </p:cNvPr>
-          <p:cNvSpPr txBox="1"/>
-          <p:nvPr/>
-        </p:nvSpPr>
-        <p:spPr>
-          <a:xfrm>
-            <a:off x="9000580" y="4547664"/>
-            <a:ext cx="1743556" cy="369332"/>
-          </a:xfrm>
-          <a:prstGeom prst="rect">
-            <a:avLst/>
-          </a:prstGeom>
-          <a:noFill/>
-        </p:spPr>
-        <p:txBody>
-          <a:bodyPr wrap="square" rtlCol="0">
-            <a:spAutoFit/>
-          </a:bodyPr>
-          <a:lstStyle/>
-          <a:p>
-            <a:r>
-              <a:rPr lang="es-ES" dirty="0"/>
-              <a:t>Universidades</a:t>
-            </a:r>
-          </a:p>
-        </p:txBody>
-      </p:sp>
-    </p:spTree>
-    <p:extLst>
-      <p:ext uri="{BB962C8B-B14F-4D97-AF65-F5344CB8AC3E}">
-        <p14:creationId xmlns:p14="http://schemas.microsoft.com/office/powerpoint/2010/main" val="2110908519"/>
-      </p:ext>
-    </p:extLst>
-  </p:cSld>
-  <p:clrMapOvr>
-    <a:masterClrMapping/>
-  </p:clrMapOvr>
-</p:sld>
-</file>
-
-<file path=ppt/slides/slide7.xml><?xml version="1.0" encoding="utf-8"?>
-<p:sld xmlns:a="http://schemas.openxmlformats.org/drawingml/2006/main" xmlns:r="http://schemas.openxmlformats.org/officeDocument/2006/relationships" xmlns:p="http://schemas.openxmlformats.org/presentationml/2006/main">
-  <p:cSld>
-    <p:spTree>
-      <p:nvGrpSpPr>
-        <p:cNvPr id="1" name=""/>
-        <p:cNvGrpSpPr/>
-        <p:nvPr/>
-      </p:nvGrpSpPr>
-      <p:grpSpPr>
-        <a:xfrm>
-          <a:off x="0" y="0"/>
-          <a:ext cx="0" cy="0"/>
-          <a:chOff x="0" y="0"/>
-          <a:chExt cx="0" cy="0"/>
-        </a:xfrm>
-      </p:grpSpPr>
-      <p:sp>
-        <p:nvSpPr>
-          <p:cNvPr id="2" name="Título 1">
-            <a:extLst>
-              <a:ext uri="{FF2B5EF4-FFF2-40B4-BE49-F238E27FC236}">
-                <a16:creationId xmlns:a16="http://schemas.microsoft.com/office/drawing/2014/main" id="{82A90FB8-3034-614E-AABE-EC9EE6B50E31}"/>
-              </a:ext>
-            </a:extLst>
-          </p:cNvPr>
-          <p:cNvSpPr>
-            <a:spLocks noGrp="1"/>
-          </p:cNvSpPr>
-          <p:nvPr>
-            <p:ph type="title"/>
-          </p:nvPr>
-        </p:nvSpPr>
-        <p:spPr/>
-        <p:txBody>
-          <a:bodyPr/>
-          <a:lstStyle/>
-          <a:p>
-            <a:pPr algn="ctr"/>
-            <a:r>
-              <a:rPr lang="es-ES" dirty="0"/>
-              <a:t>Descripción de ideas descartadas</a:t>
-            </a:r>
-          </a:p>
-        </p:txBody>
-      </p:sp>
-      <p:pic>
-        <p:nvPicPr>
-          <p:cNvPr id="1026" name="Picture 2">
-            <a:extLst>
-              <a:ext uri="{FF2B5EF4-FFF2-40B4-BE49-F238E27FC236}">
-                <a16:creationId xmlns:a16="http://schemas.microsoft.com/office/drawing/2014/main" id="{4C435318-EDC8-544F-A763-315FB79E3C56}"/>
-              </a:ext>
-            </a:extLst>
-          </p:cNvPr>
-          <p:cNvPicPr>
-            <a:picLocks noGrp="1" noChangeAspect="1" noChangeArrowheads="1"/>
-          </p:cNvPicPr>
-          <p:nvPr>
-            <p:ph idx="1"/>
-          </p:nvPr>
-        </p:nvPicPr>
-        <p:blipFill>
-          <a:blip r:embed="rId2">
             <a:extLst>
               <a:ext uri="{28A0092B-C50C-407E-A947-70E740481C1C}">
                 <a14:useLocalDpi xmlns:a14="http://schemas.microsoft.com/office/drawing/2010/main" val="0"/>
@@ -14161,194 +13406,32 @@
         </p:blipFill>
         <p:spPr bwMode="auto">
           <a:xfrm>
-            <a:off x="1893603" y="1814827"/>
-            <a:ext cx="2588206" cy="1718221"/>
+            <a:off x="1635068" y="3132017"/>
+            <a:ext cx="3824438" cy="1695478"/>
           </a:xfrm>
           <a:prstGeom prst="rect">
             <a:avLst/>
           </a:prstGeom>
           <a:noFill/>
-          <a:extLst>
-            <a:ext uri="{909E8E84-426E-40DD-AFC4-6F175D3DCCD1}">
-              <a14:hiddenFill xmlns:a14="http://schemas.microsoft.com/office/drawing/2010/main">
-                <a:solidFill>
-                  <a:srgbClr val="FFFFFF"/>
-                </a:solidFill>
-              </a14:hiddenFill>
-            </a:ext>
-          </a:extLst>
+          <a:ln>
+            <a:noFill/>
+          </a:ln>
         </p:spPr>
       </p:pic>
-      <p:sp>
-        <p:nvSpPr>
-          <p:cNvPr id="4" name="TextBox 3">
+      <p:pic>
+        <p:nvPicPr>
+          <p:cNvPr id="8" name="Imagen 7" descr="Se actualizará mi móvil a Android 10? La lista completa actualizada">
             <a:extLst>
               <a:ext uri="{FF2B5EF4-FFF2-40B4-BE49-F238E27FC236}">
-                <a16:creationId xmlns:a16="http://schemas.microsoft.com/office/drawing/2014/main" id="{C7AB5C41-3ABD-7846-89A9-806F039F0963}"/>
+                <a16:creationId xmlns:a16="http://schemas.microsoft.com/office/drawing/2014/main" id="{1C7AFACA-D33A-4A54-A958-E7BB697F0B5F}"/>
               </a:ext>
             </a:extLst>
           </p:cNvPr>
-          <p:cNvSpPr txBox="1"/>
-          <p:nvPr/>
-        </p:nvSpPr>
-        <p:spPr>
-          <a:xfrm>
-            <a:off x="1893603" y="3713359"/>
-            <a:ext cx="2588206" cy="369332"/>
-          </a:xfrm>
-          <a:prstGeom prst="rect">
-            <a:avLst/>
-          </a:prstGeom>
-          <a:noFill/>
-        </p:spPr>
-        <p:txBody>
-          <a:bodyPr wrap="square" rtlCol="0">
-            <a:spAutoFit/>
-          </a:bodyPr>
-          <a:lstStyle/>
-          <a:p>
-            <a:pPr algn="ctr"/>
-            <a:r>
-              <a:rPr lang="en-GB" dirty="0"/>
-              <a:t>S</a:t>
-            </a:r>
-            <a:r>
-              <a:rPr lang="en-ES" dirty="0"/>
-              <a:t>istema de ultrasonidos</a:t>
-            </a:r>
-          </a:p>
-        </p:txBody>
-      </p:sp>
-      <p:sp>
-        <p:nvSpPr>
-          <p:cNvPr id="6" name="TextBox 5">
-            <a:extLst>
-              <a:ext uri="{FF2B5EF4-FFF2-40B4-BE49-F238E27FC236}">
-                <a16:creationId xmlns:a16="http://schemas.microsoft.com/office/drawing/2014/main" id="{B5CAC782-9959-2946-9D5A-FC1C0BA71E26}"/>
-              </a:ext>
-            </a:extLst>
-          </p:cNvPr>
-          <p:cNvSpPr txBox="1"/>
-          <p:nvPr/>
-        </p:nvSpPr>
-        <p:spPr>
-          <a:xfrm>
-            <a:off x="7011328" y="3708455"/>
-            <a:ext cx="2368091" cy="369332"/>
-          </a:xfrm>
-          <a:prstGeom prst="rect">
-            <a:avLst/>
-          </a:prstGeom>
-          <a:noFill/>
-        </p:spPr>
-        <p:txBody>
-          <a:bodyPr wrap="square" rtlCol="0">
-            <a:spAutoFit/>
-          </a:bodyPr>
-          <a:lstStyle/>
-          <a:p>
-            <a:pPr algn="ctr"/>
-            <a:r>
-              <a:rPr lang="en-GB" dirty="0"/>
-              <a:t>S</a:t>
-            </a:r>
-            <a:r>
-              <a:rPr lang="en-ES" dirty="0"/>
-              <a:t>istema de infrarrojos</a:t>
-            </a:r>
-          </a:p>
-        </p:txBody>
-      </p:sp>
-      <p:sp>
-        <p:nvSpPr>
-          <p:cNvPr id="7" name="TextBox 6">
-            <a:extLst>
-              <a:ext uri="{FF2B5EF4-FFF2-40B4-BE49-F238E27FC236}">
-                <a16:creationId xmlns:a16="http://schemas.microsoft.com/office/drawing/2014/main" id="{0E09D241-E708-D342-B770-479BED34F097}"/>
-              </a:ext>
-            </a:extLst>
-          </p:cNvPr>
-          <p:cNvSpPr txBox="1"/>
-          <p:nvPr/>
-        </p:nvSpPr>
-        <p:spPr>
-          <a:xfrm>
-            <a:off x="1893602" y="6208538"/>
-            <a:ext cx="2588206" cy="369332"/>
-          </a:xfrm>
-          <a:prstGeom prst="rect">
-            <a:avLst/>
-          </a:prstGeom>
-          <a:noFill/>
-        </p:spPr>
-        <p:txBody>
-          <a:bodyPr wrap="square" rtlCol="0">
-            <a:spAutoFit/>
-          </a:bodyPr>
-          <a:lstStyle/>
-          <a:p>
-            <a:pPr algn="ctr"/>
-            <a:r>
-              <a:rPr lang="es-ES" dirty="0"/>
-              <a:t>Reconocimiento facial</a:t>
-            </a:r>
-            <a:endParaRPr lang="en-ES" dirty="0"/>
-          </a:p>
-        </p:txBody>
-      </p:sp>
-      <p:sp>
-        <p:nvSpPr>
-          <p:cNvPr id="8" name="TextBox 7">
-            <a:extLst>
-              <a:ext uri="{FF2B5EF4-FFF2-40B4-BE49-F238E27FC236}">
-                <a16:creationId xmlns:a16="http://schemas.microsoft.com/office/drawing/2014/main" id="{C7EE683F-4434-654E-B795-CB0E384F7E1E}"/>
-              </a:ext>
-            </a:extLst>
-          </p:cNvPr>
-          <p:cNvSpPr txBox="1"/>
-          <p:nvPr/>
-        </p:nvSpPr>
-        <p:spPr>
-          <a:xfrm>
-            <a:off x="6898325" y="6208538"/>
-            <a:ext cx="2588206" cy="369332"/>
-          </a:xfrm>
-          <a:prstGeom prst="rect">
-            <a:avLst/>
-          </a:prstGeom>
-          <a:noFill/>
-        </p:spPr>
-        <p:txBody>
-          <a:bodyPr wrap="square" rtlCol="0">
-            <a:spAutoFit/>
-          </a:bodyPr>
-          <a:lstStyle/>
-          <a:p>
-            <a:pPr algn="ctr"/>
-            <a:r>
-              <a:rPr lang="es-ES" dirty="0"/>
-              <a:t>Módulo NFC</a:t>
-            </a:r>
-            <a:endParaRPr lang="en-ES" dirty="0"/>
-          </a:p>
-        </p:txBody>
-      </p:sp>
-      <p:pic>
-        <p:nvPicPr>
-          <p:cNvPr id="1028" name="Picture 4">
-            <a:extLst>
-              <a:ext uri="{FF2B5EF4-FFF2-40B4-BE49-F238E27FC236}">
-                <a16:creationId xmlns:a16="http://schemas.microsoft.com/office/drawing/2014/main" id="{B2A48AAE-8CC7-B54C-BA27-195712932D45}"/>
-              </a:ext>
-            </a:extLst>
-          </p:cNvPr>
-          <p:cNvPicPr>
-            <a:picLocks noChangeAspect="1" noChangeArrowheads="1"/>
-          </p:cNvPicPr>
+          <p:cNvPicPr/>
           <p:nvPr/>
         </p:nvPicPr>
         <p:blipFill>
-          <a:blip r:embed="rId3">
+          <a:blip r:embed="rId3" cstate="print">
             <a:extLst>
               <a:ext uri="{28A0092B-C50C-407E-A947-70E740481C1C}">
                 <a14:useLocalDpi xmlns:a14="http://schemas.microsoft.com/office/drawing/2010/main" val="0"/>
@@ -14362,120 +13445,93 @@
         </p:blipFill>
         <p:spPr bwMode="auto">
           <a:xfrm>
-            <a:off x="7011329" y="1829387"/>
-            <a:ext cx="2362200" cy="1689100"/>
+            <a:off x="7369279" y="3132017"/>
+            <a:ext cx="3259527" cy="1695478"/>
           </a:xfrm>
           <a:prstGeom prst="rect">
             <a:avLst/>
           </a:prstGeom>
           <a:noFill/>
-          <a:extLst>
-            <a:ext uri="{909E8E84-426E-40DD-AFC4-6F175D3DCCD1}">
-              <a14:hiddenFill xmlns:a14="http://schemas.microsoft.com/office/drawing/2010/main">
-                <a:solidFill>
-                  <a:srgbClr val="FFFFFF"/>
-                </a:solidFill>
-              </a14:hiddenFill>
-            </a:ext>
-          </a:extLst>
+          <a:ln>
+            <a:noFill/>
+          </a:ln>
         </p:spPr>
       </p:pic>
-      <p:pic>
-        <p:nvPicPr>
-          <p:cNvPr id="1030" name="Picture 6" descr="Reconocimiento facial para las cámaras de videovigilancia de los hogares y  oficinas • CASADOMO">
+      <p:sp>
+        <p:nvSpPr>
+          <p:cNvPr id="9" name="CuadroTexto 8">
             <a:extLst>
               <a:ext uri="{FF2B5EF4-FFF2-40B4-BE49-F238E27FC236}">
-                <a16:creationId xmlns:a16="http://schemas.microsoft.com/office/drawing/2014/main" id="{7BC710A5-3CAD-0841-B94B-2E8018C5BBCF}"/>
+                <a16:creationId xmlns:a16="http://schemas.microsoft.com/office/drawing/2014/main" id="{F5C830B4-0864-4910-A6E5-B5C23CB9CBB5}"/>
               </a:ext>
             </a:extLst>
           </p:cNvPr>
-          <p:cNvPicPr>
-            <a:picLocks noChangeAspect="1" noChangeArrowheads="1"/>
-          </p:cNvPicPr>
+          <p:cNvSpPr txBox="1"/>
           <p:nvPr/>
-        </p:nvPicPr>
-        <p:blipFill>
-          <a:blip r:embed="rId4">
-            <a:extLst>
-              <a:ext uri="{28A0092B-C50C-407E-A947-70E740481C1C}">
-                <a14:useLocalDpi xmlns:a14="http://schemas.microsoft.com/office/drawing/2010/main" val="0"/>
-              </a:ext>
-            </a:extLst>
-          </a:blip>
-          <a:srcRect/>
-          <a:stretch>
-            <a:fillRect/>
-          </a:stretch>
-        </p:blipFill>
-        <p:spPr bwMode="auto">
+        </p:nvSpPr>
+        <p:spPr>
           <a:xfrm>
-            <a:off x="1743930" y="4222935"/>
-            <a:ext cx="2887551" cy="1754187"/>
+            <a:off x="2985247" y="4965557"/>
+            <a:ext cx="2191871" cy="369332"/>
           </a:xfrm>
           <a:prstGeom prst="rect">
             <a:avLst/>
           </a:prstGeom>
           <a:noFill/>
-          <a:extLst>
-            <a:ext uri="{909E8E84-426E-40DD-AFC4-6F175D3DCCD1}">
-              <a14:hiddenFill xmlns:a14="http://schemas.microsoft.com/office/drawing/2010/main">
-                <a:solidFill>
-                  <a:srgbClr val="FFFFFF"/>
-                </a:solidFill>
-              </a14:hiddenFill>
-            </a:ext>
-          </a:extLst>
         </p:spPr>
-      </p:pic>
-      <p:pic>
-        <p:nvPicPr>
-          <p:cNvPr id="1032" name="Picture 8">
+        <p:txBody>
+          <a:bodyPr wrap="square" rtlCol="0">
+            <a:spAutoFit/>
+          </a:bodyPr>
+          <a:lstStyle/>
+          <a:p>
+            <a:r>
+              <a:rPr lang="es-ES" dirty="0" err="1"/>
+              <a:t>React</a:t>
+            </a:r>
+            <a:endParaRPr lang="es-ES" dirty="0"/>
+          </a:p>
+        </p:txBody>
+      </p:sp>
+      <p:sp>
+        <p:nvSpPr>
+          <p:cNvPr id="10" name="CuadroTexto 9">
             <a:extLst>
               <a:ext uri="{FF2B5EF4-FFF2-40B4-BE49-F238E27FC236}">
-                <a16:creationId xmlns:a16="http://schemas.microsoft.com/office/drawing/2014/main" id="{5E71EB3A-782B-9548-A6A3-193C5C8111E4}"/>
+                <a16:creationId xmlns:a16="http://schemas.microsoft.com/office/drawing/2014/main" id="{7B6645F7-8FEC-4688-B47A-27462BA06429}"/>
               </a:ext>
             </a:extLst>
           </p:cNvPr>
-          <p:cNvPicPr>
-            <a:picLocks noChangeAspect="1" noChangeArrowheads="1"/>
-          </p:cNvPicPr>
+          <p:cNvSpPr txBox="1"/>
           <p:nvPr/>
-        </p:nvPicPr>
-        <p:blipFill rotWithShape="1">
-          <a:blip r:embed="rId5">
-            <a:extLst>
-              <a:ext uri="{28A0092B-C50C-407E-A947-70E740481C1C}">
-                <a14:useLocalDpi xmlns:a14="http://schemas.microsoft.com/office/drawing/2010/main" val="0"/>
-              </a:ext>
-            </a:extLst>
-          </a:blip>
-          <a:srcRect r="9630" b="2288"/>
-          <a:stretch/>
-        </p:blipFill>
-        <p:spPr bwMode="auto">
+        </p:nvSpPr>
+        <p:spPr>
           <a:xfrm>
-            <a:off x="6503284" y="4274805"/>
-            <a:ext cx="3378289" cy="1650446"/>
+            <a:off x="8184776" y="4940016"/>
+            <a:ext cx="2043953" cy="369332"/>
           </a:xfrm>
           <a:prstGeom prst="rect">
             <a:avLst/>
           </a:prstGeom>
           <a:noFill/>
-          <a:extLst>
-            <a:ext uri="{909E8E84-426E-40DD-AFC4-6F175D3DCCD1}">
-              <a14:hiddenFill xmlns:a14="http://schemas.microsoft.com/office/drawing/2010/main">
-                <a:solidFill>
-                  <a:srgbClr val="FFFFFF"/>
-                </a:solidFill>
-              </a14:hiddenFill>
-            </a:ext>
-          </a:extLst>
         </p:spPr>
-      </p:pic>
+        <p:txBody>
+          <a:bodyPr wrap="square" rtlCol="0">
+            <a:spAutoFit/>
+          </a:bodyPr>
+          <a:lstStyle/>
+          <a:p>
+            <a:r>
+              <a:rPr lang="es-ES" dirty="0"/>
+              <a:t>Aplicación Android</a:t>
+            </a:r>
+          </a:p>
+        </p:txBody>
+      </p:sp>
     </p:spTree>
     <p:extLst>
       <p:ext uri="{BB962C8B-B14F-4D97-AF65-F5344CB8AC3E}">
-        <p14:creationId xmlns:p14="http://schemas.microsoft.com/office/powerpoint/2010/main" val="2638507805"/>
+        <p14:creationId xmlns:p14="http://schemas.microsoft.com/office/powerpoint/2010/main" val="3729672222"/>
       </p:ext>
     </p:extLst>
   </p:cSld>
@@ -14485,91 +13541,7 @@
 </p:sld>
 </file>
 
-<file path=ppt/slides/slide8.xml><?xml version="1.0" encoding="utf-8"?>
-<p:sld xmlns:a="http://schemas.openxmlformats.org/drawingml/2006/main" xmlns:r="http://schemas.openxmlformats.org/officeDocument/2006/relationships" xmlns:p="http://schemas.openxmlformats.org/presentationml/2006/main">
-  <p:cSld>
-    <p:spTree>
-      <p:nvGrpSpPr>
-        <p:cNvPr id="1" name=""/>
-        <p:cNvGrpSpPr/>
-        <p:nvPr/>
-      </p:nvGrpSpPr>
-      <p:grpSpPr>
-        <a:xfrm>
-          <a:off x="0" y="0"/>
-          <a:ext cx="0" cy="0"/>
-          <a:chOff x="0" y="0"/>
-          <a:chExt cx="0" cy="0"/>
-        </a:xfrm>
-      </p:grpSpPr>
-      <p:sp>
-        <p:nvSpPr>
-          <p:cNvPr id="2" name="Título 1">
-            <a:extLst>
-              <a:ext uri="{FF2B5EF4-FFF2-40B4-BE49-F238E27FC236}">
-                <a16:creationId xmlns:a16="http://schemas.microsoft.com/office/drawing/2014/main" id="{E89D2444-6B12-B94A-AFDC-595C05416775}"/>
-              </a:ext>
-            </a:extLst>
-          </p:cNvPr>
-          <p:cNvSpPr>
-            <a:spLocks noGrp="1"/>
-          </p:cNvSpPr>
-          <p:nvPr>
-            <p:ph type="title"/>
-          </p:nvPr>
-        </p:nvSpPr>
-        <p:spPr/>
-        <p:txBody>
-          <a:bodyPr/>
-          <a:lstStyle/>
-          <a:p>
-            <a:pPr algn="ctr"/>
-            <a:r>
-              <a:rPr lang="es-ES" dirty="0"/>
-              <a:t>Tecnologías a utilizar</a:t>
-            </a:r>
-          </a:p>
-        </p:txBody>
-      </p:sp>
-      <p:sp>
-        <p:nvSpPr>
-          <p:cNvPr id="3" name="Marcador de contenido 2">
-            <a:extLst>
-              <a:ext uri="{FF2B5EF4-FFF2-40B4-BE49-F238E27FC236}">
-                <a16:creationId xmlns:a16="http://schemas.microsoft.com/office/drawing/2014/main" id="{229B5CEF-C6A8-6742-973E-06688D0936F9}"/>
-              </a:ext>
-            </a:extLst>
-          </p:cNvPr>
-          <p:cNvSpPr>
-            <a:spLocks noGrp="1"/>
-          </p:cNvSpPr>
-          <p:nvPr>
-            <p:ph idx="1"/>
-          </p:nvPr>
-        </p:nvSpPr>
-        <p:spPr/>
-        <p:txBody>
-          <a:bodyPr/>
-          <a:lstStyle/>
-          <a:p>
-            <a:endParaRPr lang="es-ES"/>
-          </a:p>
-        </p:txBody>
-      </p:sp>
-    </p:spTree>
-    <p:extLst>
-      <p:ext uri="{BB962C8B-B14F-4D97-AF65-F5344CB8AC3E}">
-        <p14:creationId xmlns:p14="http://schemas.microsoft.com/office/powerpoint/2010/main" val="3156014816"/>
-      </p:ext>
-    </p:extLst>
-  </p:cSld>
-  <p:clrMapOvr>
-    <a:masterClrMapping/>
-  </p:clrMapOvr>
-</p:sld>
-</file>
-
-<file path=ppt/slides/slide9.xml><?xml version="1.0" encoding="utf-8"?>
+<file path=ppt/slides/slide12.xml><?xml version="1.0" encoding="utf-8"?>
 <p:sld xmlns:a="http://schemas.openxmlformats.org/drawingml/2006/main" xmlns:r="http://schemas.openxmlformats.org/officeDocument/2006/relationships" xmlns:p="http://schemas.openxmlformats.org/presentationml/2006/main">
   <p:cSld>
     <p:spTree>
@@ -15417,15 +14389,2439 @@
 </p:sld>
 </file>
 
+<file path=ppt/slides/slide13.xml><?xml version="1.0" encoding="utf-8"?>
+<p:sld xmlns:a="http://schemas.openxmlformats.org/drawingml/2006/main" xmlns:r="http://schemas.openxmlformats.org/officeDocument/2006/relationships" xmlns:p="http://schemas.openxmlformats.org/presentationml/2006/main">
+  <p:cSld>
+    <p:spTree>
+      <p:nvGrpSpPr>
+        <p:cNvPr id="1" name=""/>
+        <p:cNvGrpSpPr/>
+        <p:nvPr/>
+      </p:nvGrpSpPr>
+      <p:grpSpPr>
+        <a:xfrm>
+          <a:off x="0" y="0"/>
+          <a:ext cx="0" cy="0"/>
+          <a:chOff x="0" y="0"/>
+          <a:chExt cx="0" cy="0"/>
+        </a:xfrm>
+      </p:grpSpPr>
+      <p:sp>
+        <p:nvSpPr>
+          <p:cNvPr id="2" name="CuadroTexto 1">
+            <a:extLst>
+              <a:ext uri="{FF2B5EF4-FFF2-40B4-BE49-F238E27FC236}">
+                <a16:creationId xmlns:a16="http://schemas.microsoft.com/office/drawing/2014/main" id="{CF7B53D9-B605-5C43-956A-4B437826933D}"/>
+              </a:ext>
+            </a:extLst>
+          </p:cNvPr>
+          <p:cNvSpPr txBox="1"/>
+          <p:nvPr/>
+        </p:nvSpPr>
+        <p:spPr>
+          <a:xfrm>
+            <a:off x="892513" y="2045791"/>
+            <a:ext cx="10406971" cy="1200329"/>
+          </a:xfrm>
+          <a:prstGeom prst="rect">
+            <a:avLst/>
+          </a:prstGeom>
+          <a:noFill/>
+        </p:spPr>
+        <p:txBody>
+          <a:bodyPr wrap="square" rtlCol="0">
+            <a:spAutoFit/>
+          </a:bodyPr>
+          <a:lstStyle/>
+          <a:p>
+            <a:r>
+              <a:rPr lang="es-ES" sz="7200" b="1" dirty="0"/>
+              <a:t>FIN DE LA PRESENTACIÓN</a:t>
+            </a:r>
+          </a:p>
+        </p:txBody>
+      </p:sp>
+      <p:sp>
+        <p:nvSpPr>
+          <p:cNvPr id="3" name="CuadroTexto 2">
+            <a:extLst>
+              <a:ext uri="{FF2B5EF4-FFF2-40B4-BE49-F238E27FC236}">
+                <a16:creationId xmlns:a16="http://schemas.microsoft.com/office/drawing/2014/main" id="{01E62C2E-7971-E94E-BE22-46F5F5D0C38D}"/>
+              </a:ext>
+            </a:extLst>
+          </p:cNvPr>
+          <p:cNvSpPr txBox="1"/>
+          <p:nvPr/>
+        </p:nvSpPr>
+        <p:spPr>
+          <a:xfrm>
+            <a:off x="3697043" y="3913096"/>
+            <a:ext cx="4797910" cy="1384995"/>
+          </a:xfrm>
+          <a:prstGeom prst="rect">
+            <a:avLst/>
+          </a:prstGeom>
+          <a:noFill/>
+        </p:spPr>
+        <p:txBody>
+          <a:bodyPr wrap="square" rtlCol="0">
+            <a:spAutoFit/>
+          </a:bodyPr>
+          <a:lstStyle/>
+          <a:p>
+            <a:pPr algn="ctr"/>
+            <a:r>
+              <a:rPr lang="es-ES" sz="2800" dirty="0"/>
+              <a:t>Muchas gracias, </a:t>
+            </a:r>
+          </a:p>
+          <a:p>
+            <a:pPr algn="ctr"/>
+            <a:endParaRPr lang="es-ES" sz="2800" dirty="0"/>
+          </a:p>
+          <a:p>
+            <a:pPr algn="ctr"/>
+            <a:r>
+              <a:rPr lang="es-ES" sz="2800" dirty="0"/>
+              <a:t>¿alguna pregunta?</a:t>
+            </a:r>
+          </a:p>
+        </p:txBody>
+      </p:sp>
+    </p:spTree>
+    <p:extLst>
+      <p:ext uri="{BB962C8B-B14F-4D97-AF65-F5344CB8AC3E}">
+        <p14:creationId xmlns:p14="http://schemas.microsoft.com/office/powerpoint/2010/main" val="3359423794"/>
+      </p:ext>
+    </p:extLst>
+  </p:cSld>
+  <p:clrMapOvr>
+    <a:masterClrMapping/>
+  </p:clrMapOvr>
+</p:sld>
+</file>
+
+<file path=ppt/slides/slide2.xml><?xml version="1.0" encoding="utf-8"?>
+<p:sld xmlns:a="http://schemas.openxmlformats.org/drawingml/2006/main" xmlns:r="http://schemas.openxmlformats.org/officeDocument/2006/relationships" xmlns:p="http://schemas.openxmlformats.org/presentationml/2006/main">
+  <p:cSld>
+    <p:spTree>
+      <p:nvGrpSpPr>
+        <p:cNvPr id="1" name=""/>
+        <p:cNvGrpSpPr/>
+        <p:nvPr/>
+      </p:nvGrpSpPr>
+      <p:grpSpPr>
+        <a:xfrm>
+          <a:off x="0" y="0"/>
+          <a:ext cx="0" cy="0"/>
+          <a:chOff x="0" y="0"/>
+          <a:chExt cx="0" cy="0"/>
+        </a:xfrm>
+      </p:grpSpPr>
+      <p:sp>
+        <p:nvSpPr>
+          <p:cNvPr id="2" name="Título 1">
+            <a:extLst>
+              <a:ext uri="{FF2B5EF4-FFF2-40B4-BE49-F238E27FC236}">
+                <a16:creationId xmlns:a16="http://schemas.microsoft.com/office/drawing/2014/main" id="{43690825-3062-7E4E-BC50-8CABFD8EF8C0}"/>
+              </a:ext>
+            </a:extLst>
+          </p:cNvPr>
+          <p:cNvSpPr>
+            <a:spLocks noGrp="1"/>
+          </p:cNvSpPr>
+          <p:nvPr>
+            <p:ph type="title"/>
+          </p:nvPr>
+        </p:nvSpPr>
+        <p:spPr/>
+        <p:txBody>
+          <a:bodyPr/>
+          <a:lstStyle/>
+          <a:p>
+            <a:pPr algn="ctr"/>
+            <a:r>
+              <a:rPr lang="es-ES" dirty="0"/>
+              <a:t>índice</a:t>
+            </a:r>
+          </a:p>
+        </p:txBody>
+      </p:sp>
+      <p:sp>
+        <p:nvSpPr>
+          <p:cNvPr id="3" name="Marcador de contenido 2">
+            <a:extLst>
+              <a:ext uri="{FF2B5EF4-FFF2-40B4-BE49-F238E27FC236}">
+                <a16:creationId xmlns:a16="http://schemas.microsoft.com/office/drawing/2014/main" id="{F71971E5-D7B0-ED4A-B0AE-38E95C8D496C}"/>
+              </a:ext>
+            </a:extLst>
+          </p:cNvPr>
+          <p:cNvSpPr>
+            <a:spLocks noGrp="1"/>
+          </p:cNvSpPr>
+          <p:nvPr>
+            <p:ph idx="1"/>
+          </p:nvPr>
+        </p:nvSpPr>
+        <p:spPr/>
+        <p:txBody>
+          <a:bodyPr/>
+          <a:lstStyle/>
+          <a:p>
+            <a:r>
+              <a:rPr lang="es-ES" dirty="0"/>
+              <a:t>Análisis del problema.</a:t>
+            </a:r>
+          </a:p>
+          <a:p>
+            <a:r>
+              <a:rPr lang="es-ES" dirty="0"/>
+              <a:t>Objetivos y alcance del proyecto seleccionado.</a:t>
+            </a:r>
+          </a:p>
+          <a:p>
+            <a:r>
+              <a:rPr lang="es-ES" dirty="0"/>
+              <a:t>Descripción de ideas descartadas.</a:t>
+            </a:r>
+          </a:p>
+          <a:p>
+            <a:r>
+              <a:rPr lang="es-ES" dirty="0"/>
+              <a:t>Tecnologías a utilizar.</a:t>
+            </a:r>
+          </a:p>
+          <a:p>
+            <a:r>
+              <a:rPr lang="es-ES" dirty="0"/>
+              <a:t>Planificación temporal, plan de desarrollo.</a:t>
+            </a:r>
+          </a:p>
+          <a:p>
+            <a:r>
+              <a:rPr lang="es-ES" dirty="0"/>
+              <a:t>Resumen y conclusiones.</a:t>
+            </a:r>
+          </a:p>
+        </p:txBody>
+      </p:sp>
+    </p:spTree>
+    <p:extLst>
+      <p:ext uri="{BB962C8B-B14F-4D97-AF65-F5344CB8AC3E}">
+        <p14:creationId xmlns:p14="http://schemas.microsoft.com/office/powerpoint/2010/main" val="3774029119"/>
+      </p:ext>
+    </p:extLst>
+  </p:cSld>
+  <p:clrMapOvr>
+    <a:masterClrMapping/>
+  </p:clrMapOvr>
+</p:sld>
+</file>
+
+<file path=ppt/slides/slide3.xml><?xml version="1.0" encoding="utf-8"?>
+<p:sld xmlns:a="http://schemas.openxmlformats.org/drawingml/2006/main" xmlns:r="http://schemas.openxmlformats.org/officeDocument/2006/relationships" xmlns:p="http://schemas.openxmlformats.org/presentationml/2006/main">
+  <p:cSld>
+    <p:spTree>
+      <p:nvGrpSpPr>
+        <p:cNvPr id="1" name=""/>
+        <p:cNvGrpSpPr/>
+        <p:nvPr/>
+      </p:nvGrpSpPr>
+      <p:grpSpPr>
+        <a:xfrm>
+          <a:off x="0" y="0"/>
+          <a:ext cx="0" cy="0"/>
+          <a:chOff x="0" y="0"/>
+          <a:chExt cx="0" cy="0"/>
+        </a:xfrm>
+      </p:grpSpPr>
+      <p:sp>
+        <p:nvSpPr>
+          <p:cNvPr id="2" name="Título 1">
+            <a:extLst>
+              <a:ext uri="{FF2B5EF4-FFF2-40B4-BE49-F238E27FC236}">
+                <a16:creationId xmlns:a16="http://schemas.microsoft.com/office/drawing/2014/main" id="{A95F5B39-49DE-0C48-A0A7-FADDA598BA53}"/>
+              </a:ext>
+            </a:extLst>
+          </p:cNvPr>
+          <p:cNvSpPr>
+            <a:spLocks noGrp="1"/>
+          </p:cNvSpPr>
+          <p:nvPr>
+            <p:ph type="title"/>
+          </p:nvPr>
+        </p:nvSpPr>
+        <p:spPr/>
+        <p:txBody>
+          <a:bodyPr/>
+          <a:lstStyle/>
+          <a:p>
+            <a:pPr algn="ctr"/>
+            <a:r>
+              <a:rPr lang="es-ES" dirty="0"/>
+              <a:t>Introducción</a:t>
+            </a:r>
+          </a:p>
+        </p:txBody>
+      </p:sp>
+      <p:pic>
+        <p:nvPicPr>
+          <p:cNvPr id="4" name="Imagen 3" descr="Interfaz de usuario gráfica, Sitio web&#10;&#10;Descripción generada automáticamente">
+            <a:extLst>
+              <a:ext uri="{FF2B5EF4-FFF2-40B4-BE49-F238E27FC236}">
+                <a16:creationId xmlns:a16="http://schemas.microsoft.com/office/drawing/2014/main" id="{E4661123-2159-4ED1-80BD-800535046682}"/>
+              </a:ext>
+            </a:extLst>
+          </p:cNvPr>
+          <p:cNvPicPr/>
+          <p:nvPr/>
+        </p:nvPicPr>
+        <p:blipFill>
+          <a:blip r:embed="rId2">
+            <a:extLst>
+              <a:ext uri="{28A0092B-C50C-407E-A947-70E740481C1C}">
+                <a14:useLocalDpi xmlns:a14="http://schemas.microsoft.com/office/drawing/2010/main" val="0"/>
+              </a:ext>
+            </a:extLst>
+          </a:blip>
+          <a:srcRect/>
+          <a:stretch>
+            <a:fillRect/>
+          </a:stretch>
+        </p:blipFill>
+        <p:spPr bwMode="auto">
+          <a:xfrm>
+            <a:off x="2691129" y="2071688"/>
+            <a:ext cx="6806565" cy="3888476"/>
+          </a:xfrm>
+          <a:prstGeom prst="rect">
+            <a:avLst/>
+          </a:prstGeom>
+          <a:noFill/>
+          <a:ln>
+            <a:noFill/>
+          </a:ln>
+        </p:spPr>
+      </p:pic>
+    </p:spTree>
+    <p:extLst>
+      <p:ext uri="{BB962C8B-B14F-4D97-AF65-F5344CB8AC3E}">
+        <p14:creationId xmlns:p14="http://schemas.microsoft.com/office/powerpoint/2010/main" val="1622166609"/>
+      </p:ext>
+    </p:extLst>
+  </p:cSld>
+  <p:clrMapOvr>
+    <a:masterClrMapping/>
+  </p:clrMapOvr>
+</p:sld>
+</file>
+
+<file path=ppt/slides/slide4.xml><?xml version="1.0" encoding="utf-8"?>
+<p:sld xmlns:a="http://schemas.openxmlformats.org/drawingml/2006/main" xmlns:r="http://schemas.openxmlformats.org/officeDocument/2006/relationships" xmlns:p="http://schemas.openxmlformats.org/presentationml/2006/main">
+  <p:cSld>
+    <p:spTree>
+      <p:nvGrpSpPr>
+        <p:cNvPr id="1" name=""/>
+        <p:cNvGrpSpPr/>
+        <p:nvPr/>
+      </p:nvGrpSpPr>
+      <p:grpSpPr>
+        <a:xfrm>
+          <a:off x="0" y="0"/>
+          <a:ext cx="0" cy="0"/>
+          <a:chOff x="0" y="0"/>
+          <a:chExt cx="0" cy="0"/>
+        </a:xfrm>
+      </p:grpSpPr>
+      <p:sp>
+        <p:nvSpPr>
+          <p:cNvPr id="2" name="Título 1">
+            <a:extLst>
+              <a:ext uri="{FF2B5EF4-FFF2-40B4-BE49-F238E27FC236}">
+                <a16:creationId xmlns:a16="http://schemas.microsoft.com/office/drawing/2014/main" id="{34B17926-B82C-3F4A-AEC7-95D8D1A4CE92}"/>
+              </a:ext>
+            </a:extLst>
+          </p:cNvPr>
+          <p:cNvSpPr>
+            <a:spLocks noGrp="1"/>
+          </p:cNvSpPr>
+          <p:nvPr>
+            <p:ph type="title"/>
+          </p:nvPr>
+        </p:nvSpPr>
+        <p:spPr/>
+        <p:txBody>
+          <a:bodyPr/>
+          <a:lstStyle/>
+          <a:p>
+            <a:pPr algn="ctr"/>
+            <a:r>
+              <a:rPr lang="es-ES" dirty="0"/>
+              <a:t>Análisis del problema</a:t>
+            </a:r>
+          </a:p>
+        </p:txBody>
+      </p:sp>
+      <p:pic>
+        <p:nvPicPr>
+          <p:cNvPr id="4" name="Imagen 3">
+            <a:extLst>
+              <a:ext uri="{FF2B5EF4-FFF2-40B4-BE49-F238E27FC236}">
+                <a16:creationId xmlns:a16="http://schemas.microsoft.com/office/drawing/2014/main" id="{F3B0B2A3-ACE7-4DDC-9AEF-0301DBDFCFE4}"/>
+              </a:ext>
+            </a:extLst>
+          </p:cNvPr>
+          <p:cNvPicPr>
+            <a:picLocks noChangeAspect="1"/>
+          </p:cNvPicPr>
+          <p:nvPr/>
+        </p:nvPicPr>
+        <p:blipFill>
+          <a:blip r:embed="rId2"/>
+          <a:stretch>
+            <a:fillRect/>
+          </a:stretch>
+        </p:blipFill>
+        <p:spPr>
+          <a:xfrm>
+            <a:off x="2532982" y="2317396"/>
+            <a:ext cx="2138697" cy="2330032"/>
+          </a:xfrm>
+          <a:prstGeom prst="rect">
+            <a:avLst/>
+          </a:prstGeom>
+        </p:spPr>
+      </p:pic>
+      <p:sp>
+        <p:nvSpPr>
+          <p:cNvPr id="5" name="CuadroTexto 5">
+            <a:extLst>
+              <a:ext uri="{FF2B5EF4-FFF2-40B4-BE49-F238E27FC236}">
+                <a16:creationId xmlns:a16="http://schemas.microsoft.com/office/drawing/2014/main" id="{2CB623D4-89DC-4870-A9E5-1283EC1AC4F3}"/>
+              </a:ext>
+            </a:extLst>
+          </p:cNvPr>
+          <p:cNvSpPr txBox="1"/>
+          <p:nvPr/>
+        </p:nvSpPr>
+        <p:spPr>
+          <a:xfrm>
+            <a:off x="2532983" y="4655723"/>
+            <a:ext cx="2138696" cy="1200329"/>
+          </a:xfrm>
+          <a:prstGeom prst="rect">
+            <a:avLst/>
+          </a:prstGeom>
+          <a:noFill/>
+        </p:spPr>
+        <p:txBody>
+          <a:bodyPr wrap="square" rtlCol="0">
+            <a:spAutoFit/>
+          </a:bodyPr>
+          <a:lstStyle>
+            <a:defPPr>
+              <a:defRPr lang="en-US"/>
+            </a:defPPr>
+            <a:lvl1pPr marL="0" algn="l" defTabSz="457200" rtl="0" eaLnBrk="1" latinLnBrk="0" hangingPunct="1">
+              <a:defRPr sz="1800" kern="1200">
+                <a:solidFill>
+                  <a:schemeClr val="tx1"/>
+                </a:solidFill>
+                <a:latin typeface="+mn-lt"/>
+                <a:ea typeface="+mn-ea"/>
+                <a:cs typeface="+mn-cs"/>
+              </a:defRPr>
+            </a:lvl1pPr>
+            <a:lvl2pPr marL="457200" algn="l" defTabSz="457200" rtl="0" eaLnBrk="1" latinLnBrk="0" hangingPunct="1">
+              <a:defRPr sz="1800" kern="1200">
+                <a:solidFill>
+                  <a:schemeClr val="tx1"/>
+                </a:solidFill>
+                <a:latin typeface="+mn-lt"/>
+                <a:ea typeface="+mn-ea"/>
+                <a:cs typeface="+mn-cs"/>
+              </a:defRPr>
+            </a:lvl2pPr>
+            <a:lvl3pPr marL="914400" algn="l" defTabSz="457200" rtl="0" eaLnBrk="1" latinLnBrk="0" hangingPunct="1">
+              <a:defRPr sz="1800" kern="1200">
+                <a:solidFill>
+                  <a:schemeClr val="tx1"/>
+                </a:solidFill>
+                <a:latin typeface="+mn-lt"/>
+                <a:ea typeface="+mn-ea"/>
+                <a:cs typeface="+mn-cs"/>
+              </a:defRPr>
+            </a:lvl3pPr>
+            <a:lvl4pPr marL="1371600" algn="l" defTabSz="457200" rtl="0" eaLnBrk="1" latinLnBrk="0" hangingPunct="1">
+              <a:defRPr sz="1800" kern="1200">
+                <a:solidFill>
+                  <a:schemeClr val="tx1"/>
+                </a:solidFill>
+                <a:latin typeface="+mn-lt"/>
+                <a:ea typeface="+mn-ea"/>
+                <a:cs typeface="+mn-cs"/>
+              </a:defRPr>
+            </a:lvl4pPr>
+            <a:lvl5pPr marL="1828800" algn="l" defTabSz="457200" rtl="0" eaLnBrk="1" latinLnBrk="0" hangingPunct="1">
+              <a:defRPr sz="1800" kern="1200">
+                <a:solidFill>
+                  <a:schemeClr val="tx1"/>
+                </a:solidFill>
+                <a:latin typeface="+mn-lt"/>
+                <a:ea typeface="+mn-ea"/>
+                <a:cs typeface="+mn-cs"/>
+              </a:defRPr>
+            </a:lvl5pPr>
+            <a:lvl6pPr marL="2286000" algn="l" defTabSz="457200" rtl="0" eaLnBrk="1" latinLnBrk="0" hangingPunct="1">
+              <a:defRPr sz="1800" kern="1200">
+                <a:solidFill>
+                  <a:schemeClr val="tx1"/>
+                </a:solidFill>
+                <a:latin typeface="+mn-lt"/>
+                <a:ea typeface="+mn-ea"/>
+                <a:cs typeface="+mn-cs"/>
+              </a:defRPr>
+            </a:lvl6pPr>
+            <a:lvl7pPr marL="2743200" algn="l" defTabSz="457200" rtl="0" eaLnBrk="1" latinLnBrk="0" hangingPunct="1">
+              <a:defRPr sz="1800" kern="1200">
+                <a:solidFill>
+                  <a:schemeClr val="tx1"/>
+                </a:solidFill>
+                <a:latin typeface="+mn-lt"/>
+                <a:ea typeface="+mn-ea"/>
+                <a:cs typeface="+mn-cs"/>
+              </a:defRPr>
+            </a:lvl7pPr>
+            <a:lvl8pPr marL="3200400" algn="l" defTabSz="457200" rtl="0" eaLnBrk="1" latinLnBrk="0" hangingPunct="1">
+              <a:defRPr sz="1800" kern="1200">
+                <a:solidFill>
+                  <a:schemeClr val="tx1"/>
+                </a:solidFill>
+                <a:latin typeface="+mn-lt"/>
+                <a:ea typeface="+mn-ea"/>
+                <a:cs typeface="+mn-cs"/>
+              </a:defRPr>
+            </a:lvl8pPr>
+            <a:lvl9pPr marL="3657600" algn="l" defTabSz="457200" rtl="0" eaLnBrk="1" latinLnBrk="0" hangingPunct="1">
+              <a:defRPr sz="1800" kern="1200">
+                <a:solidFill>
+                  <a:schemeClr val="tx1"/>
+                </a:solidFill>
+                <a:latin typeface="+mn-lt"/>
+                <a:ea typeface="+mn-ea"/>
+                <a:cs typeface="+mn-cs"/>
+              </a:defRPr>
+            </a:lvl9pPr>
+          </a:lstStyle>
+          <a:p>
+            <a:r>
+              <a:rPr lang="es-ES" dirty="0"/>
+              <a:t>Cámara de control de aforo</a:t>
+            </a:r>
+          </a:p>
+          <a:p>
+            <a:r>
+              <a:rPr lang="es-ES" dirty="0" err="1"/>
+              <a:t>MiniPc</a:t>
+            </a:r>
+            <a:r>
+              <a:rPr lang="es-ES" dirty="0"/>
+              <a:t> con software</a:t>
+            </a:r>
+          </a:p>
+          <a:p>
+            <a:r>
+              <a:rPr lang="es-ES" dirty="0"/>
+              <a:t>1534.60 euros</a:t>
+            </a:r>
+          </a:p>
+        </p:txBody>
+      </p:sp>
+      <p:pic>
+        <p:nvPicPr>
+          <p:cNvPr id="6" name="Imagen 5">
+            <a:extLst>
+              <a:ext uri="{FF2B5EF4-FFF2-40B4-BE49-F238E27FC236}">
+                <a16:creationId xmlns:a16="http://schemas.microsoft.com/office/drawing/2014/main" id="{949EFC84-39EC-4E63-9023-F58582FB6F12}"/>
+              </a:ext>
+            </a:extLst>
+          </p:cNvPr>
+          <p:cNvPicPr>
+            <a:picLocks noChangeAspect="1"/>
+          </p:cNvPicPr>
+          <p:nvPr/>
+        </p:nvPicPr>
+        <p:blipFill>
+          <a:blip r:embed="rId3"/>
+          <a:stretch>
+            <a:fillRect/>
+          </a:stretch>
+        </p:blipFill>
+        <p:spPr>
+          <a:xfrm>
+            <a:off x="7163104" y="2317396"/>
+            <a:ext cx="2495916" cy="2323471"/>
+          </a:xfrm>
+          <a:prstGeom prst="rect">
+            <a:avLst/>
+          </a:prstGeom>
+        </p:spPr>
+      </p:pic>
+      <p:sp>
+        <p:nvSpPr>
+          <p:cNvPr id="7" name="CuadroTexto 8">
+            <a:extLst>
+              <a:ext uri="{FF2B5EF4-FFF2-40B4-BE49-F238E27FC236}">
+                <a16:creationId xmlns:a16="http://schemas.microsoft.com/office/drawing/2014/main" id="{4DDD3D79-A23B-4D04-84C9-B23563FF0A8B}"/>
+              </a:ext>
+            </a:extLst>
+          </p:cNvPr>
+          <p:cNvSpPr txBox="1"/>
+          <p:nvPr/>
+        </p:nvSpPr>
+        <p:spPr>
+          <a:xfrm>
+            <a:off x="7415148" y="4658821"/>
+            <a:ext cx="1991827" cy="646331"/>
+          </a:xfrm>
+          <a:prstGeom prst="rect">
+            <a:avLst/>
+          </a:prstGeom>
+          <a:noFill/>
+        </p:spPr>
+        <p:txBody>
+          <a:bodyPr wrap="none" rtlCol="0">
+            <a:spAutoFit/>
+          </a:bodyPr>
+          <a:lstStyle>
+            <a:defPPr>
+              <a:defRPr lang="en-US"/>
+            </a:defPPr>
+            <a:lvl1pPr marL="0" algn="l" defTabSz="457200" rtl="0" eaLnBrk="1" latinLnBrk="0" hangingPunct="1">
+              <a:defRPr sz="1800" kern="1200">
+                <a:solidFill>
+                  <a:schemeClr val="tx1"/>
+                </a:solidFill>
+                <a:latin typeface="+mn-lt"/>
+                <a:ea typeface="+mn-ea"/>
+                <a:cs typeface="+mn-cs"/>
+              </a:defRPr>
+            </a:lvl1pPr>
+            <a:lvl2pPr marL="457200" algn="l" defTabSz="457200" rtl="0" eaLnBrk="1" latinLnBrk="0" hangingPunct="1">
+              <a:defRPr sz="1800" kern="1200">
+                <a:solidFill>
+                  <a:schemeClr val="tx1"/>
+                </a:solidFill>
+                <a:latin typeface="+mn-lt"/>
+                <a:ea typeface="+mn-ea"/>
+                <a:cs typeface="+mn-cs"/>
+              </a:defRPr>
+            </a:lvl2pPr>
+            <a:lvl3pPr marL="914400" algn="l" defTabSz="457200" rtl="0" eaLnBrk="1" latinLnBrk="0" hangingPunct="1">
+              <a:defRPr sz="1800" kern="1200">
+                <a:solidFill>
+                  <a:schemeClr val="tx1"/>
+                </a:solidFill>
+                <a:latin typeface="+mn-lt"/>
+                <a:ea typeface="+mn-ea"/>
+                <a:cs typeface="+mn-cs"/>
+              </a:defRPr>
+            </a:lvl3pPr>
+            <a:lvl4pPr marL="1371600" algn="l" defTabSz="457200" rtl="0" eaLnBrk="1" latinLnBrk="0" hangingPunct="1">
+              <a:defRPr sz="1800" kern="1200">
+                <a:solidFill>
+                  <a:schemeClr val="tx1"/>
+                </a:solidFill>
+                <a:latin typeface="+mn-lt"/>
+                <a:ea typeface="+mn-ea"/>
+                <a:cs typeface="+mn-cs"/>
+              </a:defRPr>
+            </a:lvl4pPr>
+            <a:lvl5pPr marL="1828800" algn="l" defTabSz="457200" rtl="0" eaLnBrk="1" latinLnBrk="0" hangingPunct="1">
+              <a:defRPr sz="1800" kern="1200">
+                <a:solidFill>
+                  <a:schemeClr val="tx1"/>
+                </a:solidFill>
+                <a:latin typeface="+mn-lt"/>
+                <a:ea typeface="+mn-ea"/>
+                <a:cs typeface="+mn-cs"/>
+              </a:defRPr>
+            </a:lvl5pPr>
+            <a:lvl6pPr marL="2286000" algn="l" defTabSz="457200" rtl="0" eaLnBrk="1" latinLnBrk="0" hangingPunct="1">
+              <a:defRPr sz="1800" kern="1200">
+                <a:solidFill>
+                  <a:schemeClr val="tx1"/>
+                </a:solidFill>
+                <a:latin typeface="+mn-lt"/>
+                <a:ea typeface="+mn-ea"/>
+                <a:cs typeface="+mn-cs"/>
+              </a:defRPr>
+            </a:lvl6pPr>
+            <a:lvl7pPr marL="2743200" algn="l" defTabSz="457200" rtl="0" eaLnBrk="1" latinLnBrk="0" hangingPunct="1">
+              <a:defRPr sz="1800" kern="1200">
+                <a:solidFill>
+                  <a:schemeClr val="tx1"/>
+                </a:solidFill>
+                <a:latin typeface="+mn-lt"/>
+                <a:ea typeface="+mn-ea"/>
+                <a:cs typeface="+mn-cs"/>
+              </a:defRPr>
+            </a:lvl7pPr>
+            <a:lvl8pPr marL="3200400" algn="l" defTabSz="457200" rtl="0" eaLnBrk="1" latinLnBrk="0" hangingPunct="1">
+              <a:defRPr sz="1800" kern="1200">
+                <a:solidFill>
+                  <a:schemeClr val="tx1"/>
+                </a:solidFill>
+                <a:latin typeface="+mn-lt"/>
+                <a:ea typeface="+mn-ea"/>
+                <a:cs typeface="+mn-cs"/>
+              </a:defRPr>
+            </a:lvl8pPr>
+            <a:lvl9pPr marL="3657600" algn="l" defTabSz="457200" rtl="0" eaLnBrk="1" latinLnBrk="0" hangingPunct="1">
+              <a:defRPr sz="1800" kern="1200">
+                <a:solidFill>
+                  <a:schemeClr val="tx1"/>
+                </a:solidFill>
+                <a:latin typeface="+mn-lt"/>
+                <a:ea typeface="+mn-ea"/>
+                <a:cs typeface="+mn-cs"/>
+              </a:defRPr>
+            </a:lvl9pPr>
+          </a:lstStyle>
+          <a:p>
+            <a:r>
+              <a:rPr lang="es-ES" dirty="0"/>
+              <a:t>Torno </a:t>
+            </a:r>
+            <a:r>
+              <a:rPr lang="es-ES" dirty="0" err="1"/>
+              <a:t>bi-direccional</a:t>
+            </a:r>
+            <a:endParaRPr lang="es-ES" dirty="0"/>
+          </a:p>
+          <a:p>
+            <a:r>
+              <a:rPr lang="es-ES" dirty="0"/>
+              <a:t>882 euros</a:t>
+            </a:r>
+          </a:p>
+        </p:txBody>
+      </p:sp>
+    </p:spTree>
+    <p:extLst>
+      <p:ext uri="{BB962C8B-B14F-4D97-AF65-F5344CB8AC3E}">
+        <p14:creationId xmlns:p14="http://schemas.microsoft.com/office/powerpoint/2010/main" val="2426427557"/>
+      </p:ext>
+    </p:extLst>
+  </p:cSld>
+  <p:clrMapOvr>
+    <a:masterClrMapping/>
+  </p:clrMapOvr>
+</p:sld>
+</file>
+
+<file path=ppt/slides/slide5.xml><?xml version="1.0" encoding="utf-8"?>
+<p:sld xmlns:a="http://schemas.openxmlformats.org/drawingml/2006/main" xmlns:r="http://schemas.openxmlformats.org/officeDocument/2006/relationships" xmlns:p="http://schemas.openxmlformats.org/presentationml/2006/main">
+  <p:cSld>
+    <p:spTree>
+      <p:nvGrpSpPr>
+        <p:cNvPr id="1" name=""/>
+        <p:cNvGrpSpPr/>
+        <p:nvPr/>
+      </p:nvGrpSpPr>
+      <p:grpSpPr>
+        <a:xfrm>
+          <a:off x="0" y="0"/>
+          <a:ext cx="0" cy="0"/>
+          <a:chOff x="0" y="0"/>
+          <a:chExt cx="0" cy="0"/>
+        </a:xfrm>
+      </p:grpSpPr>
+      <p:sp>
+        <p:nvSpPr>
+          <p:cNvPr id="2" name="Título 1">
+            <a:extLst>
+              <a:ext uri="{FF2B5EF4-FFF2-40B4-BE49-F238E27FC236}">
+                <a16:creationId xmlns:a16="http://schemas.microsoft.com/office/drawing/2014/main" id="{914D8D61-3311-BC44-89AB-20080DCDF2D5}"/>
+              </a:ext>
+            </a:extLst>
+          </p:cNvPr>
+          <p:cNvSpPr>
+            <a:spLocks noGrp="1"/>
+          </p:cNvSpPr>
+          <p:nvPr>
+            <p:ph type="title"/>
+          </p:nvPr>
+        </p:nvSpPr>
+        <p:spPr/>
+        <p:txBody>
+          <a:bodyPr/>
+          <a:lstStyle/>
+          <a:p>
+            <a:pPr algn="ctr"/>
+            <a:r>
+              <a:rPr lang="es-ES" dirty="0"/>
+              <a:t>Objetivos y alcance del proyecto seleccionado</a:t>
+            </a:r>
+          </a:p>
+        </p:txBody>
+      </p:sp>
+      <p:pic>
+        <p:nvPicPr>
+          <p:cNvPr id="4" name="Marcador de contenido 3" descr="Diagrama&#10;&#10;Descripción generada automáticamente">
+            <a:extLst>
+              <a:ext uri="{FF2B5EF4-FFF2-40B4-BE49-F238E27FC236}">
+                <a16:creationId xmlns:a16="http://schemas.microsoft.com/office/drawing/2014/main" id="{2CB74A7F-0757-F44F-8CAD-23126800DB40}"/>
+              </a:ext>
+            </a:extLst>
+          </p:cNvPr>
+          <p:cNvPicPr>
+            <a:picLocks noGrp="1" noChangeAspect="1"/>
+          </p:cNvPicPr>
+          <p:nvPr>
+            <p:ph idx="1"/>
+          </p:nvPr>
+        </p:nvPicPr>
+        <p:blipFill>
+          <a:blip r:embed="rId3" cstate="print">
+            <a:extLst>
+              <a:ext uri="{28A0092B-C50C-407E-A947-70E740481C1C}">
+                <a14:useLocalDpi xmlns:a14="http://schemas.microsoft.com/office/drawing/2010/main" val="0"/>
+              </a:ext>
+            </a:extLst>
+          </a:blip>
+          <a:stretch>
+            <a:fillRect/>
+          </a:stretch>
+        </p:blipFill>
+        <p:spPr>
+          <a:xfrm>
+            <a:off x="1243011" y="2389310"/>
+            <a:ext cx="2417609" cy="1930842"/>
+          </a:xfrm>
+          <a:prstGeom prst="rect">
+            <a:avLst/>
+          </a:prstGeom>
+        </p:spPr>
+      </p:pic>
+      <p:pic>
+        <p:nvPicPr>
+          <p:cNvPr id="5" name="Imagen 4" descr="Imagen de la pantalla de un celular&#10;&#10;Descripción generada automáticamente con confianza media">
+            <a:extLst>
+              <a:ext uri="{FF2B5EF4-FFF2-40B4-BE49-F238E27FC236}">
+                <a16:creationId xmlns:a16="http://schemas.microsoft.com/office/drawing/2014/main" id="{A7B2D6A6-EAFB-F040-A37C-8C3FDE4EBD60}"/>
+              </a:ext>
+            </a:extLst>
+          </p:cNvPr>
+          <p:cNvPicPr>
+            <a:picLocks noChangeAspect="1"/>
+          </p:cNvPicPr>
+          <p:nvPr/>
+        </p:nvPicPr>
+        <p:blipFill>
+          <a:blip r:embed="rId4" cstate="print">
+            <a:extLst>
+              <a:ext uri="{28A0092B-C50C-407E-A947-70E740481C1C}">
+                <a14:useLocalDpi xmlns:a14="http://schemas.microsoft.com/office/drawing/2010/main" val="0"/>
+              </a:ext>
+            </a:extLst>
+          </a:blip>
+          <a:stretch>
+            <a:fillRect/>
+          </a:stretch>
+        </p:blipFill>
+        <p:spPr>
+          <a:xfrm>
+            <a:off x="6476534" y="2210105"/>
+            <a:ext cx="3100033" cy="2066689"/>
+          </a:xfrm>
+          <a:prstGeom prst="rect">
+            <a:avLst/>
+          </a:prstGeom>
+        </p:spPr>
+      </p:pic>
+      <p:pic>
+        <p:nvPicPr>
+          <p:cNvPr id="6" name="Imagen 5" descr="Interfaz de usuario gráfica, Tabla&#10;&#10;Descripción generada automáticamente con confianza media">
+            <a:extLst>
+              <a:ext uri="{FF2B5EF4-FFF2-40B4-BE49-F238E27FC236}">
+                <a16:creationId xmlns:a16="http://schemas.microsoft.com/office/drawing/2014/main" id="{BD20C960-B494-5E45-894D-FAC60C0F5E6D}"/>
+              </a:ext>
+            </a:extLst>
+          </p:cNvPr>
+          <p:cNvPicPr>
+            <a:picLocks noChangeAspect="1"/>
+          </p:cNvPicPr>
+          <p:nvPr/>
+        </p:nvPicPr>
+        <p:blipFill>
+          <a:blip r:embed="rId5">
+            <a:extLst>
+              <a:ext uri="{28A0092B-C50C-407E-A947-70E740481C1C}">
+                <a14:useLocalDpi xmlns:a14="http://schemas.microsoft.com/office/drawing/2010/main" val="0"/>
+              </a:ext>
+            </a:extLst>
+          </a:blip>
+          <a:stretch>
+            <a:fillRect/>
+          </a:stretch>
+        </p:blipFill>
+        <p:spPr>
+          <a:xfrm>
+            <a:off x="3098626" y="4759142"/>
+            <a:ext cx="2695130" cy="1374956"/>
+          </a:xfrm>
+          <a:prstGeom prst="rect">
+            <a:avLst/>
+          </a:prstGeom>
+        </p:spPr>
+      </p:pic>
+      <p:pic>
+        <p:nvPicPr>
+          <p:cNvPr id="7" name="Imagen 6" descr="Interfaz de usuario gráfica, Texto, Aplicación, Chat o mensaje de texto&#10;&#10;Descripción generada automáticamente">
+            <a:extLst>
+              <a:ext uri="{FF2B5EF4-FFF2-40B4-BE49-F238E27FC236}">
+                <a16:creationId xmlns:a16="http://schemas.microsoft.com/office/drawing/2014/main" id="{D86D0883-7ABB-0C48-A2A4-FC337A8C00EC}"/>
+              </a:ext>
+            </a:extLst>
+          </p:cNvPr>
+          <p:cNvPicPr>
+            <a:picLocks noChangeAspect="1"/>
+          </p:cNvPicPr>
+          <p:nvPr/>
+        </p:nvPicPr>
+        <p:blipFill>
+          <a:blip r:embed="rId6" cstate="print">
+            <a:extLst>
+              <a:ext uri="{28A0092B-C50C-407E-A947-70E740481C1C}">
+                <a14:useLocalDpi xmlns:a14="http://schemas.microsoft.com/office/drawing/2010/main" val="0"/>
+              </a:ext>
+            </a:extLst>
+          </a:blip>
+          <a:stretch>
+            <a:fillRect/>
+          </a:stretch>
+        </p:blipFill>
+        <p:spPr>
+          <a:xfrm>
+            <a:off x="8188230" y="4759142"/>
+            <a:ext cx="2480310" cy="1653540"/>
+          </a:xfrm>
+          <a:prstGeom prst="rect">
+            <a:avLst/>
+          </a:prstGeom>
+        </p:spPr>
+      </p:pic>
+      <p:sp>
+        <p:nvSpPr>
+          <p:cNvPr id="8" name="CuadroTexto 7">
+            <a:extLst>
+              <a:ext uri="{FF2B5EF4-FFF2-40B4-BE49-F238E27FC236}">
+                <a16:creationId xmlns:a16="http://schemas.microsoft.com/office/drawing/2014/main" id="{7CD73630-B8DD-D141-A1E7-A82056503262}"/>
+              </a:ext>
+            </a:extLst>
+          </p:cNvPr>
+          <p:cNvSpPr txBox="1"/>
+          <p:nvPr/>
+        </p:nvSpPr>
+        <p:spPr>
+          <a:xfrm>
+            <a:off x="901798" y="4335269"/>
+            <a:ext cx="3100033" cy="369332"/>
+          </a:xfrm>
+          <a:prstGeom prst="rect">
+            <a:avLst/>
+          </a:prstGeom>
+          <a:noFill/>
+        </p:spPr>
+        <p:txBody>
+          <a:bodyPr wrap="square" rtlCol="0">
+            <a:spAutoFit/>
+          </a:bodyPr>
+          <a:lstStyle/>
+          <a:p>
+            <a:r>
+              <a:rPr lang="es-ES" dirty="0"/>
+              <a:t>Lectores en la entrada y salida</a:t>
+            </a:r>
+          </a:p>
+        </p:txBody>
+      </p:sp>
+      <p:sp>
+        <p:nvSpPr>
+          <p:cNvPr id="10" name="CuadroTexto 9">
+            <a:extLst>
+              <a:ext uri="{FF2B5EF4-FFF2-40B4-BE49-F238E27FC236}">
+                <a16:creationId xmlns:a16="http://schemas.microsoft.com/office/drawing/2014/main" id="{328BB2BE-B242-CE40-8B33-CCE49A3D67A6}"/>
+              </a:ext>
+            </a:extLst>
+          </p:cNvPr>
+          <p:cNvSpPr txBox="1"/>
+          <p:nvPr/>
+        </p:nvSpPr>
+        <p:spPr>
+          <a:xfrm>
+            <a:off x="6140418" y="4276793"/>
+            <a:ext cx="3772266" cy="369332"/>
+          </a:xfrm>
+          <a:prstGeom prst="rect">
+            <a:avLst/>
+          </a:prstGeom>
+          <a:noFill/>
+        </p:spPr>
+        <p:txBody>
+          <a:bodyPr wrap="square" rtlCol="0">
+            <a:spAutoFit/>
+          </a:bodyPr>
+          <a:lstStyle/>
+          <a:p>
+            <a:r>
+              <a:rPr lang="es-ES" dirty="0"/>
+              <a:t>Página web mostrará aforo disponible</a:t>
+            </a:r>
+          </a:p>
+        </p:txBody>
+      </p:sp>
+      <p:sp>
+        <p:nvSpPr>
+          <p:cNvPr id="11" name="CuadroTexto 10">
+            <a:extLst>
+              <a:ext uri="{FF2B5EF4-FFF2-40B4-BE49-F238E27FC236}">
+                <a16:creationId xmlns:a16="http://schemas.microsoft.com/office/drawing/2014/main" id="{56044178-0D69-534C-A24C-2B402AC02D50}"/>
+              </a:ext>
+            </a:extLst>
+          </p:cNvPr>
+          <p:cNvSpPr txBox="1"/>
+          <p:nvPr/>
+        </p:nvSpPr>
+        <p:spPr>
+          <a:xfrm>
+            <a:off x="2969876" y="6176690"/>
+            <a:ext cx="3100033" cy="369332"/>
+          </a:xfrm>
+          <a:prstGeom prst="rect">
+            <a:avLst/>
+          </a:prstGeom>
+          <a:noFill/>
+        </p:spPr>
+        <p:txBody>
+          <a:bodyPr wrap="square" rtlCol="0">
+            <a:spAutoFit/>
+          </a:bodyPr>
+          <a:lstStyle/>
+          <a:p>
+            <a:r>
+              <a:rPr lang="es-ES" dirty="0"/>
+              <a:t>Posibilidad de nuevos registros</a:t>
+            </a:r>
+          </a:p>
+        </p:txBody>
+      </p:sp>
+      <p:sp>
+        <p:nvSpPr>
+          <p:cNvPr id="12" name="CuadroTexto 11">
+            <a:extLst>
+              <a:ext uri="{FF2B5EF4-FFF2-40B4-BE49-F238E27FC236}">
+                <a16:creationId xmlns:a16="http://schemas.microsoft.com/office/drawing/2014/main" id="{479C4CF7-524E-264C-BF65-B76F5DF37B42}"/>
+              </a:ext>
+            </a:extLst>
+          </p:cNvPr>
+          <p:cNvSpPr txBox="1"/>
+          <p:nvPr/>
+        </p:nvSpPr>
+        <p:spPr>
+          <a:xfrm>
+            <a:off x="7809360" y="6412682"/>
+            <a:ext cx="3238051" cy="369332"/>
+          </a:xfrm>
+          <a:prstGeom prst="rect">
+            <a:avLst/>
+          </a:prstGeom>
+          <a:noFill/>
+        </p:spPr>
+        <p:txBody>
+          <a:bodyPr wrap="square" rtlCol="0">
+            <a:spAutoFit/>
+          </a:bodyPr>
+          <a:lstStyle/>
+          <a:p>
+            <a:r>
+              <a:rPr lang="es-ES" dirty="0"/>
+              <a:t>Alertas y avisos de emergencias</a:t>
+            </a:r>
+          </a:p>
+        </p:txBody>
+      </p:sp>
+      <p:sp>
+        <p:nvSpPr>
+          <p:cNvPr id="13" name="CuadroTexto 12">
+            <a:extLst>
+              <a:ext uri="{FF2B5EF4-FFF2-40B4-BE49-F238E27FC236}">
+                <a16:creationId xmlns:a16="http://schemas.microsoft.com/office/drawing/2014/main" id="{8C05AD64-BEDC-C542-BD39-4DE654BA4E46}"/>
+              </a:ext>
+            </a:extLst>
+          </p:cNvPr>
+          <p:cNvSpPr txBox="1"/>
+          <p:nvPr/>
+        </p:nvSpPr>
+        <p:spPr>
+          <a:xfrm>
+            <a:off x="1141413" y="1873867"/>
+            <a:ext cx="1828463" cy="369332"/>
+          </a:xfrm>
+          <a:prstGeom prst="rect">
+            <a:avLst/>
+          </a:prstGeom>
+          <a:noFill/>
+        </p:spPr>
+        <p:txBody>
+          <a:bodyPr wrap="square" rtlCol="0">
+            <a:spAutoFit/>
+          </a:bodyPr>
+          <a:lstStyle/>
+          <a:p>
+            <a:r>
+              <a:rPr lang="es-ES" dirty="0"/>
+              <a:t>Objetivo:</a:t>
+            </a:r>
+          </a:p>
+        </p:txBody>
+      </p:sp>
+    </p:spTree>
+    <p:extLst>
+      <p:ext uri="{BB962C8B-B14F-4D97-AF65-F5344CB8AC3E}">
+        <p14:creationId xmlns:p14="http://schemas.microsoft.com/office/powerpoint/2010/main" val="1351069615"/>
+      </p:ext>
+    </p:extLst>
+  </p:cSld>
+  <p:clrMapOvr>
+    <a:masterClrMapping/>
+  </p:clrMapOvr>
+</p:sld>
+</file>
+
+<file path=ppt/slides/slide6.xml><?xml version="1.0" encoding="utf-8"?>
+<p:sld xmlns:a="http://schemas.openxmlformats.org/drawingml/2006/main" xmlns:r="http://schemas.openxmlformats.org/officeDocument/2006/relationships" xmlns:p="http://schemas.openxmlformats.org/presentationml/2006/main">
+  <p:cSld>
+    <p:spTree>
+      <p:nvGrpSpPr>
+        <p:cNvPr id="1" name=""/>
+        <p:cNvGrpSpPr/>
+        <p:nvPr/>
+      </p:nvGrpSpPr>
+      <p:grpSpPr>
+        <a:xfrm>
+          <a:off x="0" y="0"/>
+          <a:ext cx="0" cy="0"/>
+          <a:chOff x="0" y="0"/>
+          <a:chExt cx="0" cy="0"/>
+        </a:xfrm>
+      </p:grpSpPr>
+      <p:sp>
+        <p:nvSpPr>
+          <p:cNvPr id="2" name="Título 1">
+            <a:extLst>
+              <a:ext uri="{FF2B5EF4-FFF2-40B4-BE49-F238E27FC236}">
+                <a16:creationId xmlns:a16="http://schemas.microsoft.com/office/drawing/2014/main" id="{914D8D61-3311-BC44-89AB-20080DCDF2D5}"/>
+              </a:ext>
+            </a:extLst>
+          </p:cNvPr>
+          <p:cNvSpPr>
+            <a:spLocks noGrp="1"/>
+          </p:cNvSpPr>
+          <p:nvPr>
+            <p:ph type="title"/>
+          </p:nvPr>
+        </p:nvSpPr>
+        <p:spPr/>
+        <p:txBody>
+          <a:bodyPr/>
+          <a:lstStyle/>
+          <a:p>
+            <a:pPr algn="ctr"/>
+            <a:r>
+              <a:rPr lang="es-ES" dirty="0"/>
+              <a:t>Objetivos y alcance del proyecto seleccionado</a:t>
+            </a:r>
+          </a:p>
+        </p:txBody>
+      </p:sp>
+      <p:sp>
+        <p:nvSpPr>
+          <p:cNvPr id="4" name="CuadroTexto 3">
+            <a:extLst>
+              <a:ext uri="{FF2B5EF4-FFF2-40B4-BE49-F238E27FC236}">
+                <a16:creationId xmlns:a16="http://schemas.microsoft.com/office/drawing/2014/main" id="{31FB50A3-4000-DA46-9D6E-B9A099D30935}"/>
+              </a:ext>
+            </a:extLst>
+          </p:cNvPr>
+          <p:cNvSpPr txBox="1"/>
+          <p:nvPr/>
+        </p:nvSpPr>
+        <p:spPr>
+          <a:xfrm>
+            <a:off x="2040997" y="4547664"/>
+            <a:ext cx="1743556" cy="369332"/>
+          </a:xfrm>
+          <a:prstGeom prst="rect">
+            <a:avLst/>
+          </a:prstGeom>
+          <a:noFill/>
+        </p:spPr>
+        <p:txBody>
+          <a:bodyPr wrap="square" rtlCol="0">
+            <a:spAutoFit/>
+          </a:bodyPr>
+          <a:lstStyle/>
+          <a:p>
+            <a:r>
+              <a:rPr lang="es-ES" dirty="0"/>
+              <a:t>Supermercados</a:t>
+            </a:r>
+          </a:p>
+        </p:txBody>
+      </p:sp>
+      <p:pic>
+        <p:nvPicPr>
+          <p:cNvPr id="5" name="Marcador de contenido 4" descr="Tienda con ventanas grandes y letras de colores&#10;&#10;Descripción generada automáticamente con confianza media">
+            <a:extLst>
+              <a:ext uri="{FF2B5EF4-FFF2-40B4-BE49-F238E27FC236}">
+                <a16:creationId xmlns:a16="http://schemas.microsoft.com/office/drawing/2014/main" id="{E3A50CA3-AE3D-5745-B1DA-D103A46D0C91}"/>
+              </a:ext>
+            </a:extLst>
+          </p:cNvPr>
+          <p:cNvPicPr>
+            <a:picLocks noGrp="1" noChangeAspect="1"/>
+          </p:cNvPicPr>
+          <p:nvPr>
+            <p:ph idx="1"/>
+          </p:nvPr>
+        </p:nvPicPr>
+        <p:blipFill>
+          <a:blip r:embed="rId2" cstate="print">
+            <a:extLst>
+              <a:ext uri="{28A0092B-C50C-407E-A947-70E740481C1C}">
+                <a14:useLocalDpi xmlns:a14="http://schemas.microsoft.com/office/drawing/2010/main" val="0"/>
+              </a:ext>
+            </a:extLst>
+          </a:blip>
+          <a:stretch>
+            <a:fillRect/>
+          </a:stretch>
+        </p:blipFill>
+        <p:spPr>
+          <a:xfrm>
+            <a:off x="1584105" y="2766863"/>
+            <a:ext cx="2657341" cy="1717051"/>
+          </a:xfrm>
+          <a:prstGeom prst="rect">
+            <a:avLst/>
+          </a:prstGeom>
+        </p:spPr>
+      </p:pic>
+      <p:sp>
+        <p:nvSpPr>
+          <p:cNvPr id="7" name="CuadroTexto 6">
+            <a:extLst>
+              <a:ext uri="{FF2B5EF4-FFF2-40B4-BE49-F238E27FC236}">
+                <a16:creationId xmlns:a16="http://schemas.microsoft.com/office/drawing/2014/main" id="{0340E34E-79FC-734C-AAD4-98BCA05666C0}"/>
+              </a:ext>
+            </a:extLst>
+          </p:cNvPr>
+          <p:cNvSpPr txBox="1"/>
+          <p:nvPr/>
+        </p:nvSpPr>
+        <p:spPr>
+          <a:xfrm>
+            <a:off x="1141413" y="1912422"/>
+            <a:ext cx="3100033" cy="369332"/>
+          </a:xfrm>
+          <a:prstGeom prst="rect">
+            <a:avLst/>
+          </a:prstGeom>
+          <a:noFill/>
+        </p:spPr>
+        <p:txBody>
+          <a:bodyPr wrap="square" rtlCol="0">
+            <a:spAutoFit/>
+          </a:bodyPr>
+          <a:lstStyle/>
+          <a:p>
+            <a:r>
+              <a:rPr lang="es-ES" dirty="0"/>
+              <a:t>Alcance:</a:t>
+            </a:r>
+          </a:p>
+        </p:txBody>
+      </p:sp>
+      <p:pic>
+        <p:nvPicPr>
+          <p:cNvPr id="8" name="Imagen 7" descr="Imagen que contiene interior, edificio, ventana, cuarto&#10;&#10;Descripción generada automáticamente">
+            <a:extLst>
+              <a:ext uri="{FF2B5EF4-FFF2-40B4-BE49-F238E27FC236}">
+                <a16:creationId xmlns:a16="http://schemas.microsoft.com/office/drawing/2014/main" id="{263250DE-A1D5-7344-A169-568A683CDEBD}"/>
+              </a:ext>
+            </a:extLst>
+          </p:cNvPr>
+          <p:cNvPicPr>
+            <a:picLocks noChangeAspect="1"/>
+          </p:cNvPicPr>
+          <p:nvPr/>
+        </p:nvPicPr>
+        <p:blipFill>
+          <a:blip r:embed="rId3" cstate="print">
+            <a:extLst>
+              <a:ext uri="{28A0092B-C50C-407E-A947-70E740481C1C}">
+                <a14:useLocalDpi xmlns:a14="http://schemas.microsoft.com/office/drawing/2010/main" val="0"/>
+              </a:ext>
+            </a:extLst>
+          </a:blip>
+          <a:stretch>
+            <a:fillRect/>
+          </a:stretch>
+        </p:blipFill>
+        <p:spPr>
+          <a:xfrm>
+            <a:off x="4551194" y="4547664"/>
+            <a:ext cx="3089611" cy="1314469"/>
+          </a:xfrm>
+          <a:prstGeom prst="rect">
+            <a:avLst/>
+          </a:prstGeom>
+        </p:spPr>
+      </p:pic>
+      <p:pic>
+        <p:nvPicPr>
+          <p:cNvPr id="9" name="Imagen 8" descr="Un grupo de personas caminando en una plaza&#10;&#10;Descripción generada automáticamente">
+            <a:extLst>
+              <a:ext uri="{FF2B5EF4-FFF2-40B4-BE49-F238E27FC236}">
+                <a16:creationId xmlns:a16="http://schemas.microsoft.com/office/drawing/2014/main" id="{0B24C296-B581-FC44-BB00-029429B22984}"/>
+              </a:ext>
+            </a:extLst>
+          </p:cNvPr>
+          <p:cNvPicPr>
+            <a:picLocks noChangeAspect="1"/>
+          </p:cNvPicPr>
+          <p:nvPr/>
+        </p:nvPicPr>
+        <p:blipFill>
+          <a:blip r:embed="rId4" cstate="print">
+            <a:extLst>
+              <a:ext uri="{28A0092B-C50C-407E-A947-70E740481C1C}">
+                <a14:useLocalDpi xmlns:a14="http://schemas.microsoft.com/office/drawing/2010/main" val="0"/>
+              </a:ext>
+            </a:extLst>
+          </a:blip>
+          <a:stretch>
+            <a:fillRect/>
+          </a:stretch>
+        </p:blipFill>
+        <p:spPr>
+          <a:xfrm>
+            <a:off x="8232850" y="2608297"/>
+            <a:ext cx="2814561" cy="1875617"/>
+          </a:xfrm>
+          <a:prstGeom prst="rect">
+            <a:avLst/>
+          </a:prstGeom>
+        </p:spPr>
+      </p:pic>
+      <p:sp>
+        <p:nvSpPr>
+          <p:cNvPr id="10" name="CuadroTexto 9">
+            <a:extLst>
+              <a:ext uri="{FF2B5EF4-FFF2-40B4-BE49-F238E27FC236}">
+                <a16:creationId xmlns:a16="http://schemas.microsoft.com/office/drawing/2014/main" id="{8EE233EF-EAE9-754F-9110-BF71A6DD83A8}"/>
+              </a:ext>
+            </a:extLst>
+          </p:cNvPr>
+          <p:cNvSpPr txBox="1"/>
+          <p:nvPr/>
+        </p:nvSpPr>
+        <p:spPr>
+          <a:xfrm>
+            <a:off x="5222634" y="5870150"/>
+            <a:ext cx="2208680" cy="369332"/>
+          </a:xfrm>
+          <a:prstGeom prst="rect">
+            <a:avLst/>
+          </a:prstGeom>
+          <a:noFill/>
+        </p:spPr>
+        <p:txBody>
+          <a:bodyPr wrap="square" rtlCol="0">
+            <a:spAutoFit/>
+          </a:bodyPr>
+          <a:lstStyle/>
+          <a:p>
+            <a:r>
+              <a:rPr lang="es-ES" dirty="0"/>
+              <a:t>Estadios de fútbol</a:t>
+            </a:r>
+          </a:p>
+        </p:txBody>
+      </p:sp>
+      <p:sp>
+        <p:nvSpPr>
+          <p:cNvPr id="11" name="CuadroTexto 10">
+            <a:extLst>
+              <a:ext uri="{FF2B5EF4-FFF2-40B4-BE49-F238E27FC236}">
+                <a16:creationId xmlns:a16="http://schemas.microsoft.com/office/drawing/2014/main" id="{EF7F9C16-8C14-D348-8F98-C1FD4211B120}"/>
+              </a:ext>
+            </a:extLst>
+          </p:cNvPr>
+          <p:cNvSpPr txBox="1"/>
+          <p:nvPr/>
+        </p:nvSpPr>
+        <p:spPr>
+          <a:xfrm>
+            <a:off x="9000580" y="4547664"/>
+            <a:ext cx="1743556" cy="369332"/>
+          </a:xfrm>
+          <a:prstGeom prst="rect">
+            <a:avLst/>
+          </a:prstGeom>
+          <a:noFill/>
+        </p:spPr>
+        <p:txBody>
+          <a:bodyPr wrap="square" rtlCol="0">
+            <a:spAutoFit/>
+          </a:bodyPr>
+          <a:lstStyle/>
+          <a:p>
+            <a:r>
+              <a:rPr lang="es-ES" dirty="0"/>
+              <a:t>Universidades</a:t>
+            </a:r>
+          </a:p>
+        </p:txBody>
+      </p:sp>
+    </p:spTree>
+    <p:extLst>
+      <p:ext uri="{BB962C8B-B14F-4D97-AF65-F5344CB8AC3E}">
+        <p14:creationId xmlns:p14="http://schemas.microsoft.com/office/powerpoint/2010/main" val="2110908519"/>
+      </p:ext>
+    </p:extLst>
+  </p:cSld>
+  <p:clrMapOvr>
+    <a:masterClrMapping/>
+  </p:clrMapOvr>
+</p:sld>
+</file>
+
+<file path=ppt/slides/slide7.xml><?xml version="1.0" encoding="utf-8"?>
+<p:sld xmlns:a="http://schemas.openxmlformats.org/drawingml/2006/main" xmlns:r="http://schemas.openxmlformats.org/officeDocument/2006/relationships" xmlns:p="http://schemas.openxmlformats.org/presentationml/2006/main">
+  <p:cSld>
+    <p:spTree>
+      <p:nvGrpSpPr>
+        <p:cNvPr id="1" name=""/>
+        <p:cNvGrpSpPr/>
+        <p:nvPr/>
+      </p:nvGrpSpPr>
+      <p:grpSpPr>
+        <a:xfrm>
+          <a:off x="0" y="0"/>
+          <a:ext cx="0" cy="0"/>
+          <a:chOff x="0" y="0"/>
+          <a:chExt cx="0" cy="0"/>
+        </a:xfrm>
+      </p:grpSpPr>
+      <p:sp>
+        <p:nvSpPr>
+          <p:cNvPr id="2" name="Título 1">
+            <a:extLst>
+              <a:ext uri="{FF2B5EF4-FFF2-40B4-BE49-F238E27FC236}">
+                <a16:creationId xmlns:a16="http://schemas.microsoft.com/office/drawing/2014/main" id="{82A90FB8-3034-614E-AABE-EC9EE6B50E31}"/>
+              </a:ext>
+            </a:extLst>
+          </p:cNvPr>
+          <p:cNvSpPr>
+            <a:spLocks noGrp="1"/>
+          </p:cNvSpPr>
+          <p:nvPr>
+            <p:ph type="title"/>
+          </p:nvPr>
+        </p:nvSpPr>
+        <p:spPr/>
+        <p:txBody>
+          <a:bodyPr/>
+          <a:lstStyle/>
+          <a:p>
+            <a:pPr algn="ctr"/>
+            <a:r>
+              <a:rPr lang="es-ES" dirty="0"/>
+              <a:t>Descripción de ideas descartadas</a:t>
+            </a:r>
+          </a:p>
+        </p:txBody>
+      </p:sp>
+      <p:pic>
+        <p:nvPicPr>
+          <p:cNvPr id="1026" name="Picture 2">
+            <a:extLst>
+              <a:ext uri="{FF2B5EF4-FFF2-40B4-BE49-F238E27FC236}">
+                <a16:creationId xmlns:a16="http://schemas.microsoft.com/office/drawing/2014/main" id="{4C435318-EDC8-544F-A763-315FB79E3C56}"/>
+              </a:ext>
+            </a:extLst>
+          </p:cNvPr>
+          <p:cNvPicPr>
+            <a:picLocks noGrp="1" noChangeAspect="1" noChangeArrowheads="1"/>
+          </p:cNvPicPr>
+          <p:nvPr>
+            <p:ph idx="1"/>
+          </p:nvPr>
+        </p:nvPicPr>
+        <p:blipFill>
+          <a:blip r:embed="rId2">
+            <a:extLst>
+              <a:ext uri="{28A0092B-C50C-407E-A947-70E740481C1C}">
+                <a14:useLocalDpi xmlns:a14="http://schemas.microsoft.com/office/drawing/2010/main" val="0"/>
+              </a:ext>
+            </a:extLst>
+          </a:blip>
+          <a:srcRect/>
+          <a:stretch>
+            <a:fillRect/>
+          </a:stretch>
+        </p:blipFill>
+        <p:spPr bwMode="auto">
+          <a:xfrm>
+            <a:off x="1893603" y="1814827"/>
+            <a:ext cx="2588206" cy="1718221"/>
+          </a:xfrm>
+          <a:prstGeom prst="rect">
+            <a:avLst/>
+          </a:prstGeom>
+          <a:noFill/>
+          <a:extLst>
+            <a:ext uri="{909E8E84-426E-40DD-AFC4-6F175D3DCCD1}">
+              <a14:hiddenFill xmlns:a14="http://schemas.microsoft.com/office/drawing/2010/main">
+                <a:solidFill>
+                  <a:srgbClr val="FFFFFF"/>
+                </a:solidFill>
+              </a14:hiddenFill>
+            </a:ext>
+          </a:extLst>
+        </p:spPr>
+      </p:pic>
+      <p:sp>
+        <p:nvSpPr>
+          <p:cNvPr id="4" name="TextBox 3">
+            <a:extLst>
+              <a:ext uri="{FF2B5EF4-FFF2-40B4-BE49-F238E27FC236}">
+                <a16:creationId xmlns:a16="http://schemas.microsoft.com/office/drawing/2014/main" id="{C7AB5C41-3ABD-7846-89A9-806F039F0963}"/>
+              </a:ext>
+            </a:extLst>
+          </p:cNvPr>
+          <p:cNvSpPr txBox="1"/>
+          <p:nvPr/>
+        </p:nvSpPr>
+        <p:spPr>
+          <a:xfrm>
+            <a:off x="1893603" y="3713359"/>
+            <a:ext cx="2588206" cy="369332"/>
+          </a:xfrm>
+          <a:prstGeom prst="rect">
+            <a:avLst/>
+          </a:prstGeom>
+          <a:noFill/>
+        </p:spPr>
+        <p:txBody>
+          <a:bodyPr wrap="square" rtlCol="0">
+            <a:spAutoFit/>
+          </a:bodyPr>
+          <a:lstStyle/>
+          <a:p>
+            <a:pPr algn="ctr"/>
+            <a:r>
+              <a:rPr lang="en-GB" dirty="0"/>
+              <a:t>S</a:t>
+            </a:r>
+            <a:r>
+              <a:rPr lang="en-ES" dirty="0"/>
+              <a:t>istema de ultrasonidos</a:t>
+            </a:r>
+          </a:p>
+        </p:txBody>
+      </p:sp>
+      <p:sp>
+        <p:nvSpPr>
+          <p:cNvPr id="6" name="TextBox 5">
+            <a:extLst>
+              <a:ext uri="{FF2B5EF4-FFF2-40B4-BE49-F238E27FC236}">
+                <a16:creationId xmlns:a16="http://schemas.microsoft.com/office/drawing/2014/main" id="{B5CAC782-9959-2946-9D5A-FC1C0BA71E26}"/>
+              </a:ext>
+            </a:extLst>
+          </p:cNvPr>
+          <p:cNvSpPr txBox="1"/>
+          <p:nvPr/>
+        </p:nvSpPr>
+        <p:spPr>
+          <a:xfrm>
+            <a:off x="7011328" y="3708455"/>
+            <a:ext cx="2368091" cy="369332"/>
+          </a:xfrm>
+          <a:prstGeom prst="rect">
+            <a:avLst/>
+          </a:prstGeom>
+          <a:noFill/>
+        </p:spPr>
+        <p:txBody>
+          <a:bodyPr wrap="square" rtlCol="0">
+            <a:spAutoFit/>
+          </a:bodyPr>
+          <a:lstStyle/>
+          <a:p>
+            <a:pPr algn="ctr"/>
+            <a:r>
+              <a:rPr lang="en-GB" dirty="0"/>
+              <a:t>S</a:t>
+            </a:r>
+            <a:r>
+              <a:rPr lang="en-ES" dirty="0"/>
+              <a:t>istema de infrarrojos</a:t>
+            </a:r>
+          </a:p>
+        </p:txBody>
+      </p:sp>
+      <p:sp>
+        <p:nvSpPr>
+          <p:cNvPr id="7" name="TextBox 6">
+            <a:extLst>
+              <a:ext uri="{FF2B5EF4-FFF2-40B4-BE49-F238E27FC236}">
+                <a16:creationId xmlns:a16="http://schemas.microsoft.com/office/drawing/2014/main" id="{0E09D241-E708-D342-B770-479BED34F097}"/>
+              </a:ext>
+            </a:extLst>
+          </p:cNvPr>
+          <p:cNvSpPr txBox="1"/>
+          <p:nvPr/>
+        </p:nvSpPr>
+        <p:spPr>
+          <a:xfrm>
+            <a:off x="1893602" y="6208538"/>
+            <a:ext cx="2588206" cy="369332"/>
+          </a:xfrm>
+          <a:prstGeom prst="rect">
+            <a:avLst/>
+          </a:prstGeom>
+          <a:noFill/>
+        </p:spPr>
+        <p:txBody>
+          <a:bodyPr wrap="square" rtlCol="0">
+            <a:spAutoFit/>
+          </a:bodyPr>
+          <a:lstStyle/>
+          <a:p>
+            <a:pPr algn="ctr"/>
+            <a:r>
+              <a:rPr lang="es-ES" dirty="0"/>
+              <a:t>Reconocimiento facial</a:t>
+            </a:r>
+            <a:endParaRPr lang="en-ES" dirty="0"/>
+          </a:p>
+        </p:txBody>
+      </p:sp>
+      <p:sp>
+        <p:nvSpPr>
+          <p:cNvPr id="8" name="TextBox 7">
+            <a:extLst>
+              <a:ext uri="{FF2B5EF4-FFF2-40B4-BE49-F238E27FC236}">
+                <a16:creationId xmlns:a16="http://schemas.microsoft.com/office/drawing/2014/main" id="{C7EE683F-4434-654E-B795-CB0E384F7E1E}"/>
+              </a:ext>
+            </a:extLst>
+          </p:cNvPr>
+          <p:cNvSpPr txBox="1"/>
+          <p:nvPr/>
+        </p:nvSpPr>
+        <p:spPr>
+          <a:xfrm>
+            <a:off x="6898325" y="6208538"/>
+            <a:ext cx="2588206" cy="369332"/>
+          </a:xfrm>
+          <a:prstGeom prst="rect">
+            <a:avLst/>
+          </a:prstGeom>
+          <a:noFill/>
+        </p:spPr>
+        <p:txBody>
+          <a:bodyPr wrap="square" rtlCol="0">
+            <a:spAutoFit/>
+          </a:bodyPr>
+          <a:lstStyle/>
+          <a:p>
+            <a:pPr algn="ctr"/>
+            <a:r>
+              <a:rPr lang="es-ES" dirty="0"/>
+              <a:t>Módulo NFC</a:t>
+            </a:r>
+            <a:endParaRPr lang="en-ES" dirty="0"/>
+          </a:p>
+        </p:txBody>
+      </p:sp>
+      <p:pic>
+        <p:nvPicPr>
+          <p:cNvPr id="1028" name="Picture 4">
+            <a:extLst>
+              <a:ext uri="{FF2B5EF4-FFF2-40B4-BE49-F238E27FC236}">
+                <a16:creationId xmlns:a16="http://schemas.microsoft.com/office/drawing/2014/main" id="{B2A48AAE-8CC7-B54C-BA27-195712932D45}"/>
+              </a:ext>
+            </a:extLst>
+          </p:cNvPr>
+          <p:cNvPicPr>
+            <a:picLocks noChangeAspect="1" noChangeArrowheads="1"/>
+          </p:cNvPicPr>
+          <p:nvPr/>
+        </p:nvPicPr>
+        <p:blipFill>
+          <a:blip r:embed="rId3">
+            <a:extLst>
+              <a:ext uri="{28A0092B-C50C-407E-A947-70E740481C1C}">
+                <a14:useLocalDpi xmlns:a14="http://schemas.microsoft.com/office/drawing/2010/main" val="0"/>
+              </a:ext>
+            </a:extLst>
+          </a:blip>
+          <a:srcRect/>
+          <a:stretch>
+            <a:fillRect/>
+          </a:stretch>
+        </p:blipFill>
+        <p:spPr bwMode="auto">
+          <a:xfrm>
+            <a:off x="7011329" y="1829387"/>
+            <a:ext cx="2362200" cy="1689100"/>
+          </a:xfrm>
+          <a:prstGeom prst="rect">
+            <a:avLst/>
+          </a:prstGeom>
+          <a:noFill/>
+          <a:extLst>
+            <a:ext uri="{909E8E84-426E-40DD-AFC4-6F175D3DCCD1}">
+              <a14:hiddenFill xmlns:a14="http://schemas.microsoft.com/office/drawing/2010/main">
+                <a:solidFill>
+                  <a:srgbClr val="FFFFFF"/>
+                </a:solidFill>
+              </a14:hiddenFill>
+            </a:ext>
+          </a:extLst>
+        </p:spPr>
+      </p:pic>
+      <p:pic>
+        <p:nvPicPr>
+          <p:cNvPr id="1030" name="Picture 6" descr="Reconocimiento facial para las cámaras de videovigilancia de los hogares y  oficinas • CASADOMO">
+            <a:extLst>
+              <a:ext uri="{FF2B5EF4-FFF2-40B4-BE49-F238E27FC236}">
+                <a16:creationId xmlns:a16="http://schemas.microsoft.com/office/drawing/2014/main" id="{7BC710A5-3CAD-0841-B94B-2E8018C5BBCF}"/>
+              </a:ext>
+            </a:extLst>
+          </p:cNvPr>
+          <p:cNvPicPr>
+            <a:picLocks noChangeAspect="1" noChangeArrowheads="1"/>
+          </p:cNvPicPr>
+          <p:nvPr/>
+        </p:nvPicPr>
+        <p:blipFill>
+          <a:blip r:embed="rId4">
+            <a:extLst>
+              <a:ext uri="{28A0092B-C50C-407E-A947-70E740481C1C}">
+                <a14:useLocalDpi xmlns:a14="http://schemas.microsoft.com/office/drawing/2010/main" val="0"/>
+              </a:ext>
+            </a:extLst>
+          </a:blip>
+          <a:srcRect/>
+          <a:stretch>
+            <a:fillRect/>
+          </a:stretch>
+        </p:blipFill>
+        <p:spPr bwMode="auto">
+          <a:xfrm>
+            <a:off x="1743930" y="4222935"/>
+            <a:ext cx="2887551" cy="1754187"/>
+          </a:xfrm>
+          <a:prstGeom prst="rect">
+            <a:avLst/>
+          </a:prstGeom>
+          <a:noFill/>
+          <a:extLst>
+            <a:ext uri="{909E8E84-426E-40DD-AFC4-6F175D3DCCD1}">
+              <a14:hiddenFill xmlns:a14="http://schemas.microsoft.com/office/drawing/2010/main">
+                <a:solidFill>
+                  <a:srgbClr val="FFFFFF"/>
+                </a:solidFill>
+              </a14:hiddenFill>
+            </a:ext>
+          </a:extLst>
+        </p:spPr>
+      </p:pic>
+      <p:pic>
+        <p:nvPicPr>
+          <p:cNvPr id="1032" name="Picture 8">
+            <a:extLst>
+              <a:ext uri="{FF2B5EF4-FFF2-40B4-BE49-F238E27FC236}">
+                <a16:creationId xmlns:a16="http://schemas.microsoft.com/office/drawing/2014/main" id="{5E71EB3A-782B-9548-A6A3-193C5C8111E4}"/>
+              </a:ext>
+            </a:extLst>
+          </p:cNvPr>
+          <p:cNvPicPr>
+            <a:picLocks noChangeAspect="1" noChangeArrowheads="1"/>
+          </p:cNvPicPr>
+          <p:nvPr/>
+        </p:nvPicPr>
+        <p:blipFill rotWithShape="1">
+          <a:blip r:embed="rId5">
+            <a:extLst>
+              <a:ext uri="{28A0092B-C50C-407E-A947-70E740481C1C}">
+                <a14:useLocalDpi xmlns:a14="http://schemas.microsoft.com/office/drawing/2010/main" val="0"/>
+              </a:ext>
+            </a:extLst>
+          </a:blip>
+          <a:srcRect r="9630" b="2288"/>
+          <a:stretch/>
+        </p:blipFill>
+        <p:spPr bwMode="auto">
+          <a:xfrm>
+            <a:off x="6503284" y="4274805"/>
+            <a:ext cx="3378289" cy="1650446"/>
+          </a:xfrm>
+          <a:prstGeom prst="rect">
+            <a:avLst/>
+          </a:prstGeom>
+          <a:noFill/>
+          <a:extLst>
+            <a:ext uri="{909E8E84-426E-40DD-AFC4-6F175D3DCCD1}">
+              <a14:hiddenFill xmlns:a14="http://schemas.microsoft.com/office/drawing/2010/main">
+                <a:solidFill>
+                  <a:srgbClr val="FFFFFF"/>
+                </a:solidFill>
+              </a14:hiddenFill>
+            </a:ext>
+          </a:extLst>
+        </p:spPr>
+      </p:pic>
+    </p:spTree>
+    <p:extLst>
+      <p:ext uri="{BB962C8B-B14F-4D97-AF65-F5344CB8AC3E}">
+        <p14:creationId xmlns:p14="http://schemas.microsoft.com/office/powerpoint/2010/main" val="2638507805"/>
+      </p:ext>
+    </p:extLst>
+  </p:cSld>
+  <p:clrMapOvr>
+    <a:masterClrMapping/>
+  </p:clrMapOvr>
+</p:sld>
+</file>
+
+<file path=ppt/slides/slide8.xml><?xml version="1.0" encoding="utf-8"?>
+<p:sld xmlns:a="http://schemas.openxmlformats.org/drawingml/2006/main" xmlns:r="http://schemas.openxmlformats.org/officeDocument/2006/relationships" xmlns:p="http://schemas.openxmlformats.org/presentationml/2006/main">
+  <p:cSld>
+    <p:spTree>
+      <p:nvGrpSpPr>
+        <p:cNvPr id="1" name=""/>
+        <p:cNvGrpSpPr/>
+        <p:nvPr/>
+      </p:nvGrpSpPr>
+      <p:grpSpPr>
+        <a:xfrm>
+          <a:off x="0" y="0"/>
+          <a:ext cx="0" cy="0"/>
+          <a:chOff x="0" y="0"/>
+          <a:chExt cx="0" cy="0"/>
+        </a:xfrm>
+      </p:grpSpPr>
+      <p:sp>
+        <p:nvSpPr>
+          <p:cNvPr id="2" name="Título 1">
+            <a:extLst>
+              <a:ext uri="{FF2B5EF4-FFF2-40B4-BE49-F238E27FC236}">
+                <a16:creationId xmlns:a16="http://schemas.microsoft.com/office/drawing/2014/main" id="{E89D2444-6B12-B94A-AFDC-595C05416775}"/>
+              </a:ext>
+            </a:extLst>
+          </p:cNvPr>
+          <p:cNvSpPr>
+            <a:spLocks noGrp="1"/>
+          </p:cNvSpPr>
+          <p:nvPr>
+            <p:ph type="title"/>
+          </p:nvPr>
+        </p:nvSpPr>
+        <p:spPr/>
+        <p:txBody>
+          <a:bodyPr/>
+          <a:lstStyle/>
+          <a:p>
+            <a:pPr algn="ctr"/>
+            <a:r>
+              <a:rPr lang="es-ES" dirty="0"/>
+              <a:t>Tecnologías a utilizar</a:t>
+            </a:r>
+          </a:p>
+        </p:txBody>
+      </p:sp>
+      <p:sp>
+        <p:nvSpPr>
+          <p:cNvPr id="3" name="Marcador de contenido 2">
+            <a:extLst>
+              <a:ext uri="{FF2B5EF4-FFF2-40B4-BE49-F238E27FC236}">
+                <a16:creationId xmlns:a16="http://schemas.microsoft.com/office/drawing/2014/main" id="{229B5CEF-C6A8-6742-973E-06688D0936F9}"/>
+              </a:ext>
+            </a:extLst>
+          </p:cNvPr>
+          <p:cNvSpPr>
+            <a:spLocks noGrp="1"/>
+          </p:cNvSpPr>
+          <p:nvPr>
+            <p:ph idx="1"/>
+          </p:nvPr>
+        </p:nvSpPr>
+        <p:spPr/>
+        <p:txBody>
+          <a:bodyPr/>
+          <a:lstStyle/>
+          <a:p>
+            <a:r>
+              <a:rPr lang="es-ES" dirty="0"/>
+              <a:t>Perception Layer:</a:t>
+            </a:r>
+          </a:p>
+          <a:p>
+            <a:pPr marL="0" indent="0">
+              <a:buNone/>
+            </a:pPr>
+            <a:endParaRPr lang="es-ES" dirty="0"/>
+          </a:p>
+          <a:p>
+            <a:pPr marL="0" indent="0">
+              <a:buNone/>
+            </a:pPr>
+            <a:endParaRPr lang="es-ES" dirty="0"/>
+          </a:p>
+          <a:p>
+            <a:pPr marL="0" indent="0">
+              <a:buNone/>
+            </a:pPr>
+            <a:endParaRPr lang="es-ES" dirty="0"/>
+          </a:p>
+          <a:p>
+            <a:pPr marL="0" indent="0">
+              <a:buNone/>
+            </a:pPr>
+            <a:endParaRPr lang="es-ES" dirty="0"/>
+          </a:p>
+          <a:p>
+            <a:pPr marL="0" indent="0">
+              <a:buNone/>
+            </a:pPr>
+            <a:endParaRPr lang="es-ES" dirty="0"/>
+          </a:p>
+        </p:txBody>
+      </p:sp>
+      <p:pic>
+        <p:nvPicPr>
+          <p:cNvPr id="4" name="Imagen 3" descr="llavero NFC Mifare classic 1K">
+            <a:extLst>
+              <a:ext uri="{FF2B5EF4-FFF2-40B4-BE49-F238E27FC236}">
+                <a16:creationId xmlns:a16="http://schemas.microsoft.com/office/drawing/2014/main" id="{BEBD8EBF-6455-402F-95F7-B4F5EE9D94B7}"/>
+              </a:ext>
+            </a:extLst>
+          </p:cNvPr>
+          <p:cNvPicPr/>
+          <p:nvPr/>
+        </p:nvPicPr>
+        <p:blipFill>
+          <a:blip r:embed="rId2" cstate="print">
+            <a:extLst>
+              <a:ext uri="{28A0092B-C50C-407E-A947-70E740481C1C}">
+                <a14:useLocalDpi xmlns:a14="http://schemas.microsoft.com/office/drawing/2010/main" val="0"/>
+              </a:ext>
+            </a:extLst>
+          </a:blip>
+          <a:srcRect/>
+          <a:stretch>
+            <a:fillRect/>
+          </a:stretch>
+        </p:blipFill>
+        <p:spPr bwMode="auto">
+          <a:xfrm>
+            <a:off x="1751012" y="3168809"/>
+            <a:ext cx="1882775" cy="1703070"/>
+          </a:xfrm>
+          <a:prstGeom prst="rect">
+            <a:avLst/>
+          </a:prstGeom>
+          <a:noFill/>
+          <a:ln>
+            <a:noFill/>
+          </a:ln>
+        </p:spPr>
+      </p:pic>
+      <p:pic>
+        <p:nvPicPr>
+          <p:cNvPr id="5" name="Imagen 4" descr="Módulo de lectura y escritura RFID RC522, NFC, escudo inteligente abierto,  Sensor de tarjeta RF IC + S50 RFID, tarjeta inteligente Compatible con  Arduino|rfid rc522|rfid smartrfid smart card - AliExpress">
+            <a:extLst>
+              <a:ext uri="{FF2B5EF4-FFF2-40B4-BE49-F238E27FC236}">
+                <a16:creationId xmlns:a16="http://schemas.microsoft.com/office/drawing/2014/main" id="{55139AD0-CDC2-4E4E-BCFD-257BAB7B7039}"/>
+              </a:ext>
+            </a:extLst>
+          </p:cNvPr>
+          <p:cNvPicPr/>
+          <p:nvPr/>
+        </p:nvPicPr>
+        <p:blipFill>
+          <a:blip r:embed="rId3" cstate="print">
+            <a:extLst>
+              <a:ext uri="{28A0092B-C50C-407E-A947-70E740481C1C}">
+                <a14:useLocalDpi xmlns:a14="http://schemas.microsoft.com/office/drawing/2010/main" val="0"/>
+              </a:ext>
+            </a:extLst>
+          </a:blip>
+          <a:srcRect/>
+          <a:stretch>
+            <a:fillRect/>
+          </a:stretch>
+        </p:blipFill>
+        <p:spPr bwMode="auto">
+          <a:xfrm>
+            <a:off x="5002175" y="4180812"/>
+            <a:ext cx="2483485" cy="2058670"/>
+          </a:xfrm>
+          <a:prstGeom prst="rect">
+            <a:avLst/>
+          </a:prstGeom>
+          <a:noFill/>
+          <a:ln>
+            <a:noFill/>
+          </a:ln>
+        </p:spPr>
+      </p:pic>
+      <p:pic>
+        <p:nvPicPr>
+          <p:cNvPr id="6" name="Imagen 5" descr="NodeMCU v2 ESP8266 WiFi">
+            <a:extLst>
+              <a:ext uri="{FF2B5EF4-FFF2-40B4-BE49-F238E27FC236}">
+                <a16:creationId xmlns:a16="http://schemas.microsoft.com/office/drawing/2014/main" id="{433448D5-F621-4B36-ADCC-64755D1D2CAE}"/>
+              </a:ext>
+            </a:extLst>
+          </p:cNvPr>
+          <p:cNvPicPr/>
+          <p:nvPr/>
+        </p:nvPicPr>
+        <p:blipFill>
+          <a:blip r:embed="rId4">
+            <a:extLst>
+              <a:ext uri="{28A0092B-C50C-407E-A947-70E740481C1C}">
+                <a14:useLocalDpi xmlns:a14="http://schemas.microsoft.com/office/drawing/2010/main" val="0"/>
+              </a:ext>
+            </a:extLst>
+          </a:blip>
+          <a:srcRect/>
+          <a:stretch>
+            <a:fillRect/>
+          </a:stretch>
+        </p:blipFill>
+        <p:spPr bwMode="auto">
+          <a:xfrm>
+            <a:off x="8263571" y="2597757"/>
+            <a:ext cx="2783840" cy="1583055"/>
+          </a:xfrm>
+          <a:prstGeom prst="rect">
+            <a:avLst/>
+          </a:prstGeom>
+          <a:noFill/>
+          <a:ln>
+            <a:noFill/>
+          </a:ln>
+        </p:spPr>
+      </p:pic>
+      <p:sp>
+        <p:nvSpPr>
+          <p:cNvPr id="7" name="CuadroTexto 6">
+            <a:extLst>
+              <a:ext uri="{FF2B5EF4-FFF2-40B4-BE49-F238E27FC236}">
+                <a16:creationId xmlns:a16="http://schemas.microsoft.com/office/drawing/2014/main" id="{FDBC48FF-C7D2-4EB8-86DF-CAC5C4CEB256}"/>
+              </a:ext>
+            </a:extLst>
+          </p:cNvPr>
+          <p:cNvSpPr txBox="1"/>
+          <p:nvPr/>
+        </p:nvSpPr>
+        <p:spPr>
+          <a:xfrm>
+            <a:off x="1996823" y="5024278"/>
+            <a:ext cx="1492623" cy="369332"/>
+          </a:xfrm>
+          <a:prstGeom prst="rect">
+            <a:avLst/>
+          </a:prstGeom>
+          <a:noFill/>
+        </p:spPr>
+        <p:txBody>
+          <a:bodyPr wrap="square" rtlCol="0">
+            <a:spAutoFit/>
+          </a:bodyPr>
+          <a:lstStyle/>
+          <a:p>
+            <a:r>
+              <a:rPr lang="es-ES" dirty="0"/>
+              <a:t>Llavero NFC</a:t>
+            </a:r>
+          </a:p>
+        </p:txBody>
+      </p:sp>
+      <p:sp>
+        <p:nvSpPr>
+          <p:cNvPr id="8" name="CuadroTexto 7">
+            <a:extLst>
+              <a:ext uri="{FF2B5EF4-FFF2-40B4-BE49-F238E27FC236}">
+                <a16:creationId xmlns:a16="http://schemas.microsoft.com/office/drawing/2014/main" id="{F8B0BF58-7FB8-4C9E-838D-70054301EAD4}"/>
+              </a:ext>
+            </a:extLst>
+          </p:cNvPr>
+          <p:cNvSpPr txBox="1"/>
+          <p:nvPr/>
+        </p:nvSpPr>
+        <p:spPr>
+          <a:xfrm>
+            <a:off x="5710648" y="6279775"/>
+            <a:ext cx="1775012" cy="376518"/>
+          </a:xfrm>
+          <a:prstGeom prst="rect">
+            <a:avLst/>
+          </a:prstGeom>
+          <a:noFill/>
+        </p:spPr>
+        <p:txBody>
+          <a:bodyPr wrap="square" rtlCol="0">
+            <a:spAutoFit/>
+          </a:bodyPr>
+          <a:lstStyle/>
+          <a:p>
+            <a:r>
+              <a:rPr lang="es-ES" dirty="0"/>
+              <a:t>NFC RC52</a:t>
+            </a:r>
+          </a:p>
+        </p:txBody>
+      </p:sp>
+      <p:sp>
+        <p:nvSpPr>
+          <p:cNvPr id="9" name="CuadroTexto 8">
+            <a:extLst>
+              <a:ext uri="{FF2B5EF4-FFF2-40B4-BE49-F238E27FC236}">
+                <a16:creationId xmlns:a16="http://schemas.microsoft.com/office/drawing/2014/main" id="{CC83B225-3442-4641-BDC0-75D6A006582E}"/>
+              </a:ext>
+            </a:extLst>
+          </p:cNvPr>
+          <p:cNvSpPr txBox="1"/>
+          <p:nvPr/>
+        </p:nvSpPr>
+        <p:spPr>
+          <a:xfrm>
+            <a:off x="9100323" y="4316506"/>
+            <a:ext cx="1754188" cy="369332"/>
+          </a:xfrm>
+          <a:prstGeom prst="rect">
+            <a:avLst/>
+          </a:prstGeom>
+          <a:noFill/>
+        </p:spPr>
+        <p:txBody>
+          <a:bodyPr wrap="square" rtlCol="0">
+            <a:spAutoFit/>
+          </a:bodyPr>
+          <a:lstStyle/>
+          <a:p>
+            <a:r>
+              <a:rPr lang="es-ES" dirty="0"/>
+              <a:t>ESP 8266</a:t>
+            </a:r>
+          </a:p>
+        </p:txBody>
+      </p:sp>
+    </p:spTree>
+    <p:extLst>
+      <p:ext uri="{BB962C8B-B14F-4D97-AF65-F5344CB8AC3E}">
+        <p14:creationId xmlns:p14="http://schemas.microsoft.com/office/powerpoint/2010/main" val="3156014816"/>
+      </p:ext>
+    </p:extLst>
+  </p:cSld>
+  <p:clrMapOvr>
+    <a:masterClrMapping/>
+  </p:clrMapOvr>
+</p:sld>
+</file>
+
+<file path=ppt/slides/slide9.xml><?xml version="1.0" encoding="utf-8"?>
+<p:sld xmlns:a="http://schemas.openxmlformats.org/drawingml/2006/main" xmlns:r="http://schemas.openxmlformats.org/officeDocument/2006/relationships" xmlns:p="http://schemas.openxmlformats.org/presentationml/2006/main">
+  <p:cSld>
+    <p:spTree>
+      <p:nvGrpSpPr>
+        <p:cNvPr id="1" name=""/>
+        <p:cNvGrpSpPr/>
+        <p:nvPr/>
+      </p:nvGrpSpPr>
+      <p:grpSpPr>
+        <a:xfrm>
+          <a:off x="0" y="0"/>
+          <a:ext cx="0" cy="0"/>
+          <a:chOff x="0" y="0"/>
+          <a:chExt cx="0" cy="0"/>
+        </a:xfrm>
+      </p:grpSpPr>
+      <p:sp>
+        <p:nvSpPr>
+          <p:cNvPr id="3" name="Marcador de contenido 2">
+            <a:extLst>
+              <a:ext uri="{FF2B5EF4-FFF2-40B4-BE49-F238E27FC236}">
+                <a16:creationId xmlns:a16="http://schemas.microsoft.com/office/drawing/2014/main" id="{BBB110F1-30D8-4E94-81B0-090E90DE8636}"/>
+              </a:ext>
+            </a:extLst>
+          </p:cNvPr>
+          <p:cNvSpPr>
+            <a:spLocks noGrp="1"/>
+          </p:cNvSpPr>
+          <p:nvPr>
+            <p:ph idx="1"/>
+          </p:nvPr>
+        </p:nvSpPr>
+        <p:spPr/>
+        <p:txBody>
+          <a:bodyPr/>
+          <a:lstStyle/>
+          <a:p>
+            <a:r>
+              <a:rPr lang="es-ES" dirty="0"/>
+              <a:t>Network Layer:</a:t>
+            </a:r>
+          </a:p>
+          <a:p>
+            <a:pPr marL="0" indent="0">
+              <a:buNone/>
+            </a:pPr>
+            <a:endParaRPr lang="es-ES" dirty="0"/>
+          </a:p>
+          <a:p>
+            <a:pPr marL="0" indent="0">
+              <a:buNone/>
+            </a:pPr>
+            <a:endParaRPr lang="es-ES" dirty="0"/>
+          </a:p>
+        </p:txBody>
+      </p:sp>
+      <p:sp>
+        <p:nvSpPr>
+          <p:cNvPr id="6" name="Título 1">
+            <a:extLst>
+              <a:ext uri="{FF2B5EF4-FFF2-40B4-BE49-F238E27FC236}">
+                <a16:creationId xmlns:a16="http://schemas.microsoft.com/office/drawing/2014/main" id="{F76F9E2F-4509-4A9A-9D3F-6CE367E25689}"/>
+              </a:ext>
+            </a:extLst>
+          </p:cNvPr>
+          <p:cNvSpPr txBox="1">
+            <a:spLocks/>
+          </p:cNvSpPr>
+          <p:nvPr/>
+        </p:nvSpPr>
+        <p:spPr>
+          <a:xfrm>
+            <a:off x="1141413" y="643918"/>
+            <a:ext cx="9905998" cy="1478570"/>
+          </a:xfrm>
+          <a:prstGeom prst="rect">
+            <a:avLst/>
+          </a:prstGeom>
+        </p:spPr>
+        <p:txBody>
+          <a:bodyPr vert="horz" lIns="91440" tIns="45720" rIns="91440" bIns="45720" rtlCol="0" anchor="ctr">
+            <a:normAutofit/>
+          </a:bodyPr>
+          <a:lstStyle>
+            <a:lvl1pPr algn="l" defTabSz="914400" rtl="0" eaLnBrk="1" latinLnBrk="0" hangingPunct="1">
+              <a:lnSpc>
+                <a:spcPct val="90000"/>
+              </a:lnSpc>
+              <a:spcBef>
+                <a:spcPct val="0"/>
+              </a:spcBef>
+              <a:buNone/>
+              <a:defRPr sz="3600" kern="1200" cap="all" baseline="0">
+                <a:solidFill>
+                  <a:schemeClr val="tx1"/>
+                </a:solidFill>
+                <a:latin typeface="+mj-lt"/>
+                <a:ea typeface="+mj-ea"/>
+                <a:cs typeface="+mj-cs"/>
+              </a:defRPr>
+            </a:lvl1pPr>
+          </a:lstStyle>
+          <a:p>
+            <a:pPr algn="ctr"/>
+            <a:r>
+              <a:rPr lang="es-ES" dirty="0"/>
+              <a:t>Tecnologías a utilizar</a:t>
+            </a:r>
+          </a:p>
+        </p:txBody>
+      </p:sp>
+      <p:pic>
+        <p:nvPicPr>
+          <p:cNvPr id="8" name="Imagen 7">
+            <a:extLst>
+              <a:ext uri="{FF2B5EF4-FFF2-40B4-BE49-F238E27FC236}">
+                <a16:creationId xmlns:a16="http://schemas.microsoft.com/office/drawing/2014/main" id="{BFD3DFA6-802E-4BB7-9F39-439618199D01}"/>
+              </a:ext>
+            </a:extLst>
+          </p:cNvPr>
+          <p:cNvPicPr>
+            <a:picLocks noChangeAspect="1"/>
+          </p:cNvPicPr>
+          <p:nvPr/>
+        </p:nvPicPr>
+        <p:blipFill>
+          <a:blip r:embed="rId2"/>
+          <a:stretch>
+            <a:fillRect/>
+          </a:stretch>
+        </p:blipFill>
+        <p:spPr>
+          <a:xfrm>
+            <a:off x="2481723" y="3122991"/>
+            <a:ext cx="2170959" cy="1923265"/>
+          </a:xfrm>
+          <a:prstGeom prst="rect">
+            <a:avLst/>
+          </a:prstGeom>
+        </p:spPr>
+      </p:pic>
+      <p:sp>
+        <p:nvSpPr>
+          <p:cNvPr id="9" name="CuadroTexto 8">
+            <a:extLst>
+              <a:ext uri="{FF2B5EF4-FFF2-40B4-BE49-F238E27FC236}">
+                <a16:creationId xmlns:a16="http://schemas.microsoft.com/office/drawing/2014/main" id="{03692396-F4B7-4116-9CBA-164E28620C37}"/>
+              </a:ext>
+            </a:extLst>
+          </p:cNvPr>
+          <p:cNvSpPr txBox="1"/>
+          <p:nvPr/>
+        </p:nvSpPr>
+        <p:spPr>
+          <a:xfrm>
+            <a:off x="3039036" y="5168616"/>
+            <a:ext cx="1855694" cy="369332"/>
+          </a:xfrm>
+          <a:prstGeom prst="rect">
+            <a:avLst/>
+          </a:prstGeom>
+          <a:noFill/>
+        </p:spPr>
+        <p:txBody>
+          <a:bodyPr wrap="square" rtlCol="0">
+            <a:spAutoFit/>
+          </a:bodyPr>
+          <a:lstStyle/>
+          <a:p>
+            <a:r>
+              <a:rPr lang="es-ES" dirty="0"/>
+              <a:t>CHIP WIFI</a:t>
+            </a:r>
+          </a:p>
+        </p:txBody>
+      </p:sp>
+      <p:pic>
+        <p:nvPicPr>
+          <p:cNvPr id="10" name="Imagen 9" descr="Wifi en casa. Crear o mejorar nuestra red inalámbrica - dsd0 tecnología  informática">
+            <a:extLst>
+              <a:ext uri="{FF2B5EF4-FFF2-40B4-BE49-F238E27FC236}">
+                <a16:creationId xmlns:a16="http://schemas.microsoft.com/office/drawing/2014/main" id="{C1FF9316-FB4F-4F7F-890E-D282A9DC78D8}"/>
+              </a:ext>
+            </a:extLst>
+          </p:cNvPr>
+          <p:cNvPicPr/>
+          <p:nvPr/>
+        </p:nvPicPr>
+        <p:blipFill>
+          <a:blip r:embed="rId3" cstate="print">
+            <a:extLst>
+              <a:ext uri="{28A0092B-C50C-407E-A947-70E740481C1C}">
+                <a14:useLocalDpi xmlns:a14="http://schemas.microsoft.com/office/drawing/2010/main" val="0"/>
+              </a:ext>
+            </a:extLst>
+          </a:blip>
+          <a:srcRect/>
+          <a:stretch>
+            <a:fillRect/>
+          </a:stretch>
+        </p:blipFill>
+        <p:spPr bwMode="auto">
+          <a:xfrm>
+            <a:off x="6797263" y="3122990"/>
+            <a:ext cx="2913013" cy="2045625"/>
+          </a:xfrm>
+          <a:prstGeom prst="rect">
+            <a:avLst/>
+          </a:prstGeom>
+          <a:noFill/>
+          <a:ln>
+            <a:noFill/>
+          </a:ln>
+        </p:spPr>
+      </p:pic>
+      <p:sp>
+        <p:nvSpPr>
+          <p:cNvPr id="11" name="CuadroTexto 10">
+            <a:extLst>
+              <a:ext uri="{FF2B5EF4-FFF2-40B4-BE49-F238E27FC236}">
+                <a16:creationId xmlns:a16="http://schemas.microsoft.com/office/drawing/2014/main" id="{21DC6ED0-CF1C-468B-92E7-1FCFF43DD95D}"/>
+              </a:ext>
+            </a:extLst>
+          </p:cNvPr>
+          <p:cNvSpPr txBox="1"/>
+          <p:nvPr/>
+        </p:nvSpPr>
+        <p:spPr>
+          <a:xfrm>
+            <a:off x="8023411" y="5201307"/>
+            <a:ext cx="1855694" cy="369332"/>
+          </a:xfrm>
+          <a:prstGeom prst="rect">
+            <a:avLst/>
+          </a:prstGeom>
+          <a:noFill/>
+        </p:spPr>
+        <p:txBody>
+          <a:bodyPr wrap="square" rtlCol="0">
+            <a:spAutoFit/>
+          </a:bodyPr>
+          <a:lstStyle/>
+          <a:p>
+            <a:r>
+              <a:rPr lang="es-ES" dirty="0"/>
+              <a:t>WIFI</a:t>
+            </a:r>
+          </a:p>
+        </p:txBody>
+      </p:sp>
+    </p:spTree>
+    <p:extLst>
+      <p:ext uri="{BB962C8B-B14F-4D97-AF65-F5344CB8AC3E}">
+        <p14:creationId xmlns:p14="http://schemas.microsoft.com/office/powerpoint/2010/main" val="655137480"/>
+      </p:ext>
+    </p:extLst>
+  </p:cSld>
+  <p:clrMapOvr>
+    <a:masterClrMapping/>
+  </p:clrMapOvr>
+</p:sld>
+</file>
+
 <file path=ppt/theme/theme1.xml><?xml version="1.0" encoding="utf-8"?>
 <a:theme xmlns:a="http://schemas.openxmlformats.org/drawingml/2006/main" name="Circuito">
   <a:themeElements>
     <a:clrScheme name="Circuit">
       <a:dk1>
-        <a:sysClr val="windowText" lastClr="000000"/>
+        <a:sysClr val="windowText" lastClr="A4A4A4"/>
       </a:dk1>
       <a:lt1>
-        <a:sysClr val="window" lastClr="FFFFFF"/>
+        <a:sysClr val="window" lastClr="373737"/>
       </a:lt1>
       <a:dk2>
         <a:srgbClr val="134770"/>
@@ -15673,10 +17069,10 @@
   <a:themeElements>
     <a:clrScheme name="Office">
       <a:dk1>
-        <a:sysClr val="windowText" lastClr="000000"/>
+        <a:sysClr val="windowText" lastClr="A4A4A4"/>
       </a:dk1>
       <a:lt1>
-        <a:sysClr val="window" lastClr="FFFFFF"/>
+        <a:sysClr val="window" lastClr="373737"/>
       </a:lt1>
       <a:dk2>
         <a:srgbClr val="44546A"/>
